--- a/java_ppt/14장. 컬렉션프레임워크.pptx
+++ b/java_ppt/14장. 컬렉션프레임워크.pptx
@@ -179,7 +179,7 @@
   </p:defaultTextStyle>
   <p:extLst>
     <p:ext uri="{EFAFB233-063F-42B5-8137-9DF3F51BA10A}">
-      <p15:sldGuideLst xmlns:p15="http://schemas.microsoft.com/office/powerpoint/2012/main" xmlns="">
+      <p15:sldGuideLst xmlns:p15="http://schemas.microsoft.com/office/powerpoint/2012/main">
         <p15:guide id="1" orient="horz" pos="2160">
           <p15:clr>
             <a:srgbClr val="A4A3A4"/>
@@ -278,7 +278,7 @@
           <a:p>
             <a:fld id="{7665CDAC-D627-4E87-877A-1B781DD4CADC}" type="datetimeFigureOut">
               <a:rPr lang="ko-KR" altLang="en-US" smtClean="0"/>
-              <a:t>2022-07-13</a:t>
+              <a:t>2023-07-08</a:t>
             </a:fld>
             <a:endParaRPr lang="ko-KR" altLang="en-US"/>
           </a:p>
@@ -900,7 +900,7 @@
           <a:p>
             <a:fld id="{F4AC81B4-D91A-4578-85B3-829E63FCFE17}" type="datetime1">
               <a:rPr lang="ko-KR" altLang="en-US" smtClean="0"/>
-              <a:t>2022-07-13</a:t>
+              <a:t>2023-07-08</a:t>
             </a:fld>
             <a:endParaRPr lang="ko-KR" altLang="en-US"/>
           </a:p>
@@ -1275,7 +1275,7 @@
           <a:p>
             <a:fld id="{F5B77542-37E5-48F2-BAE7-80CC6B0EB6A3}" type="datetime1">
               <a:rPr lang="ko-KR" altLang="en-US" smtClean="0"/>
-              <a:t>2022-07-13</a:t>
+              <a:t>2023-07-08</a:t>
             </a:fld>
             <a:endParaRPr lang="ko-KR" altLang="en-US"/>
           </a:p>
@@ -1455,7 +1455,7 @@
           <a:p>
             <a:fld id="{227CF174-B5AC-4A98-B673-0BE8126D3F27}" type="datetime1">
               <a:rPr lang="ko-KR" altLang="en-US" smtClean="0"/>
-              <a:t>2022-07-13</a:t>
+              <a:t>2023-07-08</a:t>
             </a:fld>
             <a:endParaRPr lang="ko-KR" altLang="en-US"/>
           </a:p>
@@ -1629,7 +1629,7 @@
           <a:p>
             <a:fld id="{E20FDEC8-1339-42E8-9704-2977280C2FD3}" type="datetime1">
               <a:rPr lang="ko-KR" altLang="en-US" smtClean="0"/>
-              <a:t>2022-07-13</a:t>
+              <a:t>2023-07-08</a:t>
             </a:fld>
             <a:endParaRPr lang="ko-KR" altLang="en-US"/>
           </a:p>
@@ -1875,7 +1875,7 @@
           <a:p>
             <a:fld id="{4D18DC76-A282-4817-B790-197F054E1215}" type="datetime1">
               <a:rPr lang="ko-KR" altLang="en-US" smtClean="0"/>
-              <a:t>2022-07-13</a:t>
+              <a:t>2023-07-08</a:t>
             </a:fld>
             <a:endParaRPr lang="ko-KR" altLang="en-US"/>
           </a:p>
@@ -2163,7 +2163,7 @@
           <a:p>
             <a:fld id="{6680AA6C-13D8-43E4-90F0-E6C88A2B9F16}" type="datetime1">
               <a:rPr lang="ko-KR" altLang="en-US" smtClean="0"/>
-              <a:t>2022-07-13</a:t>
+              <a:t>2023-07-08</a:t>
             </a:fld>
             <a:endParaRPr lang="ko-KR" altLang="en-US"/>
           </a:p>
@@ -2585,7 +2585,7 @@
           <a:p>
             <a:fld id="{3EF5B03B-20CC-436E-8601-C933C6C1F4A6}" type="datetime1">
               <a:rPr lang="ko-KR" altLang="en-US" smtClean="0"/>
-              <a:t>2022-07-13</a:t>
+              <a:t>2023-07-08</a:t>
             </a:fld>
             <a:endParaRPr lang="ko-KR" altLang="en-US"/>
           </a:p>
@@ -2703,7 +2703,7 @@
           <a:p>
             <a:fld id="{87B5A15D-8B08-482F-AB47-E416EC355EB6}" type="datetime1">
               <a:rPr lang="ko-KR" altLang="en-US" smtClean="0"/>
-              <a:t>2022-07-13</a:t>
+              <a:t>2023-07-08</a:t>
             </a:fld>
             <a:endParaRPr lang="ko-KR" altLang="en-US"/>
           </a:p>
@@ -2798,7 +2798,7 @@
           <a:p>
             <a:fld id="{A877D7F8-7B64-44F8-A411-CBD22F28CBFF}" type="datetime1">
               <a:rPr lang="ko-KR" altLang="en-US" smtClean="0"/>
-              <a:t>2022-07-13</a:t>
+              <a:t>2023-07-08</a:t>
             </a:fld>
             <a:endParaRPr lang="ko-KR" altLang="en-US"/>
           </a:p>
@@ -3075,7 +3075,7 @@
           <a:p>
             <a:fld id="{E12DBD9B-2BB6-4D1F-BCB4-1E48829C93C3}" type="datetime1">
               <a:rPr lang="ko-KR" altLang="en-US" smtClean="0"/>
-              <a:t>2022-07-13</a:t>
+              <a:t>2023-07-08</a:t>
             </a:fld>
             <a:endParaRPr lang="ko-KR" altLang="en-US"/>
           </a:p>
@@ -3328,7 +3328,7 @@
           <a:p>
             <a:fld id="{17564C48-0CD7-40EB-BE64-BBF4DB8C56AF}" type="datetime1">
               <a:rPr lang="ko-KR" altLang="en-US" smtClean="0"/>
-              <a:t>2022-07-13</a:t>
+              <a:t>2023-07-08</a:t>
             </a:fld>
             <a:endParaRPr lang="ko-KR" altLang="en-US"/>
           </a:p>
@@ -3508,7 +3508,7 @@
           <a:p>
             <a:fld id="{C116BCB4-B68B-4638-8167-F4BDC0A30DA1}" type="datetime1">
               <a:rPr lang="ko-KR" altLang="en-US" smtClean="0"/>
-              <a:t>2022-07-13</a:t>
+              <a:t>2023-07-08</a:t>
             </a:fld>
             <a:endParaRPr lang="ko-KR" altLang="en-US"/>
           </a:p>
@@ -4390,7 +4390,7 @@
           <p:cNvPr id="10" name="내용 개체 틀 2">
             <a:extLst>
               <a:ext uri="{FF2B5EF4-FFF2-40B4-BE49-F238E27FC236}">
-                <a16:creationId xmlns="" xmlns:a16="http://schemas.microsoft.com/office/drawing/2014/main" id="{98AF3A4E-7D90-4241-89FE-799D6F9D5A94}"/>
+                <a16:creationId xmlns:a16="http://schemas.microsoft.com/office/drawing/2014/main" id="{98AF3A4E-7D90-4241-89FE-799D6F9D5A94}"/>
               </a:ext>
             </a:extLst>
           </p:cNvPr>
@@ -4768,7 +4768,7 @@
           <p:cNvPr id="10" name="내용 개체 틀 2">
             <a:extLst>
               <a:ext uri="{FF2B5EF4-FFF2-40B4-BE49-F238E27FC236}">
-                <a16:creationId xmlns="" xmlns:a16="http://schemas.microsoft.com/office/drawing/2014/main" id="{98AF3A4E-7D90-4241-89FE-799D6F9D5A94}"/>
+                <a16:creationId xmlns:a16="http://schemas.microsoft.com/office/drawing/2014/main" id="{98AF3A4E-7D90-4241-89FE-799D6F9D5A94}"/>
               </a:ext>
             </a:extLst>
           </p:cNvPr>
@@ -5314,7 +5314,7 @@
           <p:cNvPr id="7" name="내용 개체 틀 2">
             <a:extLst>
               <a:ext uri="{FF2B5EF4-FFF2-40B4-BE49-F238E27FC236}">
-                <a16:creationId xmlns="" xmlns:a16="http://schemas.microsoft.com/office/drawing/2014/main" id="{98AF3A4E-7D90-4241-89FE-799D6F9D5A94}"/>
+                <a16:creationId xmlns:a16="http://schemas.microsoft.com/office/drawing/2014/main" id="{98AF3A4E-7D90-4241-89FE-799D6F9D5A94}"/>
               </a:ext>
             </a:extLst>
           </p:cNvPr>
@@ -5669,7 +5669,7 @@
           <p:cNvPr id="8" name="내용 개체 틀 2">
             <a:extLst>
               <a:ext uri="{FF2B5EF4-FFF2-40B4-BE49-F238E27FC236}">
-                <a16:creationId xmlns:a16="http://schemas.microsoft.com/office/drawing/2014/main" xmlns="" id="{98AF3A4E-7D90-4241-89FE-799D6F9D5A94}"/>
+                <a16:creationId xmlns:a16="http://schemas.microsoft.com/office/drawing/2014/main" id="{98AF3A4E-7D90-4241-89FE-799D6F9D5A94}"/>
               </a:ext>
             </a:extLst>
           </p:cNvPr>
@@ -6092,7 +6092,7 @@
           <p:cNvPr id="7" name="내용 개체 틀 2">
             <a:extLst>
               <a:ext uri="{FF2B5EF4-FFF2-40B4-BE49-F238E27FC236}">
-                <a16:creationId xmlns="" xmlns:a16="http://schemas.microsoft.com/office/drawing/2014/main" id="{98AF3A4E-7D90-4241-89FE-799D6F9D5A94}"/>
+                <a16:creationId xmlns:a16="http://schemas.microsoft.com/office/drawing/2014/main" id="{98AF3A4E-7D90-4241-89FE-799D6F9D5A94}"/>
               </a:ext>
             </a:extLst>
           </p:cNvPr>
@@ -6567,7 +6567,7 @@
           <p:cNvPr id="8" name="사각형: 둥근 모서리 4">
             <a:extLst>
               <a:ext uri="{FF2B5EF4-FFF2-40B4-BE49-F238E27FC236}">
-                <a16:creationId xmlns="" xmlns:a16="http://schemas.microsoft.com/office/drawing/2014/main" id="{84C4B354-85EF-4DA3-8B17-84C4B242A4CB}"/>
+                <a16:creationId xmlns:a16="http://schemas.microsoft.com/office/drawing/2014/main" id="{84C4B354-85EF-4DA3-8B17-84C4B242A4CB}"/>
               </a:ext>
             </a:extLst>
           </p:cNvPr>
@@ -6626,7 +6626,7 @@
           <p:cNvPr id="9" name="사각형: 둥근 모서리 6">
             <a:extLst>
               <a:ext uri="{FF2B5EF4-FFF2-40B4-BE49-F238E27FC236}">
-                <a16:creationId xmlns="" xmlns:a16="http://schemas.microsoft.com/office/drawing/2014/main" id="{E4D5CFA4-6B59-4848-8995-34DCF0A43056}"/>
+                <a16:creationId xmlns:a16="http://schemas.microsoft.com/office/drawing/2014/main" id="{E4D5CFA4-6B59-4848-8995-34DCF0A43056}"/>
               </a:ext>
             </a:extLst>
           </p:cNvPr>
@@ -6733,7 +6733,7 @@
           <p:cNvPr id="10" name="사각형: 둥근 모서리 8">
             <a:extLst>
               <a:ext uri="{FF2B5EF4-FFF2-40B4-BE49-F238E27FC236}">
-                <a16:creationId xmlns="" xmlns:a16="http://schemas.microsoft.com/office/drawing/2014/main" id="{FAE1A408-89FD-4725-8078-AC1333BCC9F6}"/>
+                <a16:creationId xmlns:a16="http://schemas.microsoft.com/office/drawing/2014/main" id="{FAE1A408-89FD-4725-8078-AC1333BCC9F6}"/>
               </a:ext>
             </a:extLst>
           </p:cNvPr>
@@ -6840,7 +6840,7 @@
           <p:cNvPr id="11" name="그룹 10">
             <a:extLst>
               <a:ext uri="{FF2B5EF4-FFF2-40B4-BE49-F238E27FC236}">
-                <a16:creationId xmlns="" xmlns:a16="http://schemas.microsoft.com/office/drawing/2014/main" id="{89E51979-72A5-496C-943E-4CDEE98DA116}"/>
+                <a16:creationId xmlns:a16="http://schemas.microsoft.com/office/drawing/2014/main" id="{89E51979-72A5-496C-943E-4CDEE98DA116}"/>
               </a:ext>
             </a:extLst>
           </p:cNvPr>
@@ -6860,7 +6860,7 @@
             <p:cNvPr id="12" name="이등변 삼각형 11">
               <a:extLst>
                 <a:ext uri="{FF2B5EF4-FFF2-40B4-BE49-F238E27FC236}">
-                  <a16:creationId xmlns="" xmlns:a16="http://schemas.microsoft.com/office/drawing/2014/main" id="{6A12914B-9073-4C0E-8ACE-6FED961BB88B}"/>
+                  <a16:creationId xmlns:a16="http://schemas.microsoft.com/office/drawing/2014/main" id="{6A12914B-9073-4C0E-8ACE-6FED961BB88B}"/>
                 </a:ext>
               </a:extLst>
             </p:cNvPr>
@@ -6913,7 +6913,7 @@
             <p:cNvPr id="13" name="직선 연결선 12">
               <a:extLst>
                 <a:ext uri="{FF2B5EF4-FFF2-40B4-BE49-F238E27FC236}">
-                  <a16:creationId xmlns="" xmlns:a16="http://schemas.microsoft.com/office/drawing/2014/main" id="{B29AB9C5-0427-46B7-BF90-A52C3B90231B}"/>
+                  <a16:creationId xmlns:a16="http://schemas.microsoft.com/office/drawing/2014/main" id="{B29AB9C5-0427-46B7-BF90-A52C3B90231B}"/>
                 </a:ext>
               </a:extLst>
             </p:cNvPr>
@@ -6958,7 +6958,7 @@
           <p:cNvPr id="14" name="자유형: 도형 13">
             <a:extLst>
               <a:ext uri="{FF2B5EF4-FFF2-40B4-BE49-F238E27FC236}">
-                <a16:creationId xmlns="" xmlns:a16="http://schemas.microsoft.com/office/drawing/2014/main" id="{E7A5CE62-58A6-4A74-82EF-6AED4C3ACE07}"/>
+                <a16:creationId xmlns:a16="http://schemas.microsoft.com/office/drawing/2014/main" id="{E7A5CE62-58A6-4A74-82EF-6AED4C3ACE07}"/>
               </a:ext>
             </a:extLst>
           </p:cNvPr>
@@ -7053,7 +7053,7 @@
           <p:cNvPr id="15" name="사각형: 둥근 모서리 15">
             <a:extLst>
               <a:ext uri="{FF2B5EF4-FFF2-40B4-BE49-F238E27FC236}">
-                <a16:creationId xmlns="" xmlns:a16="http://schemas.microsoft.com/office/drawing/2014/main" id="{0859C65F-4BBF-4F38-BF2B-299C461E7345}"/>
+                <a16:creationId xmlns:a16="http://schemas.microsoft.com/office/drawing/2014/main" id="{0859C65F-4BBF-4F38-BF2B-299C461E7345}"/>
               </a:ext>
             </a:extLst>
           </p:cNvPr>
@@ -7115,7 +7115,7 @@
           <p:cNvPr id="16" name="사각형: 둥근 모서리 17">
             <a:extLst>
               <a:ext uri="{FF2B5EF4-FFF2-40B4-BE49-F238E27FC236}">
-                <a16:creationId xmlns="" xmlns:a16="http://schemas.microsoft.com/office/drawing/2014/main" id="{DEDD4075-0208-4C64-AEEA-E80C66544DCD}"/>
+                <a16:creationId xmlns:a16="http://schemas.microsoft.com/office/drawing/2014/main" id="{DEDD4075-0208-4C64-AEEA-E80C66544DCD}"/>
               </a:ext>
             </a:extLst>
           </p:cNvPr>
@@ -7220,7 +7220,7 @@
           <p:cNvPr id="17" name="사각형: 둥근 모서리 18">
             <a:extLst>
               <a:ext uri="{FF2B5EF4-FFF2-40B4-BE49-F238E27FC236}">
-                <a16:creationId xmlns="" xmlns:a16="http://schemas.microsoft.com/office/drawing/2014/main" id="{84BAF207-3C37-4EF9-9140-0E39205D3E2C}"/>
+                <a16:creationId xmlns:a16="http://schemas.microsoft.com/office/drawing/2014/main" id="{84BAF207-3C37-4EF9-9140-0E39205D3E2C}"/>
               </a:ext>
             </a:extLst>
           </p:cNvPr>
@@ -7325,7 +7325,7 @@
           <p:cNvPr id="18" name="사각형: 둥근 모서리 26">
             <a:extLst>
               <a:ext uri="{FF2B5EF4-FFF2-40B4-BE49-F238E27FC236}">
-                <a16:creationId xmlns="" xmlns:a16="http://schemas.microsoft.com/office/drawing/2014/main" id="{97A92353-43D7-40E7-B089-EC8039693D69}"/>
+                <a16:creationId xmlns:a16="http://schemas.microsoft.com/office/drawing/2014/main" id="{97A92353-43D7-40E7-B089-EC8039693D69}"/>
               </a:ext>
             </a:extLst>
           </p:cNvPr>
@@ -7387,7 +7387,7 @@
           <p:cNvPr id="19" name="사각형: 둥근 모서리 27">
             <a:extLst>
               <a:ext uri="{FF2B5EF4-FFF2-40B4-BE49-F238E27FC236}">
-                <a16:creationId xmlns="" xmlns:a16="http://schemas.microsoft.com/office/drawing/2014/main" id="{D37510F9-5125-44CD-B068-A285F3284FCD}"/>
+                <a16:creationId xmlns:a16="http://schemas.microsoft.com/office/drawing/2014/main" id="{D37510F9-5125-44CD-B068-A285F3284FCD}"/>
               </a:ext>
             </a:extLst>
           </p:cNvPr>
@@ -7497,7 +7497,7 @@
           <p:cNvPr id="20" name="이등변 삼각형 19">
             <a:extLst>
               <a:ext uri="{FF2B5EF4-FFF2-40B4-BE49-F238E27FC236}">
-                <a16:creationId xmlns="" xmlns:a16="http://schemas.microsoft.com/office/drawing/2014/main" id="{69833E59-2BFA-4068-B788-B2619A500805}"/>
+                <a16:creationId xmlns:a16="http://schemas.microsoft.com/office/drawing/2014/main" id="{69833E59-2BFA-4068-B788-B2619A500805}"/>
               </a:ext>
             </a:extLst>
           </p:cNvPr>
@@ -7544,7 +7544,7 @@
           <p:cNvPr id="21" name="직선 연결선 20">
             <a:extLst>
               <a:ext uri="{FF2B5EF4-FFF2-40B4-BE49-F238E27FC236}">
-                <a16:creationId xmlns="" xmlns:a16="http://schemas.microsoft.com/office/drawing/2014/main" id="{AA8B79DF-361C-485E-8080-AD624D81CEF6}"/>
+                <a16:creationId xmlns:a16="http://schemas.microsoft.com/office/drawing/2014/main" id="{AA8B79DF-361C-485E-8080-AD624D81CEF6}"/>
               </a:ext>
             </a:extLst>
           </p:cNvPr>
@@ -7586,7 +7586,7 @@
           <p:cNvPr id="22" name="직선 연결선 21">
             <a:extLst>
               <a:ext uri="{FF2B5EF4-FFF2-40B4-BE49-F238E27FC236}">
-                <a16:creationId xmlns="" xmlns:a16="http://schemas.microsoft.com/office/drawing/2014/main" id="{DA97CE8F-CB9B-4765-88F5-59430662E984}"/>
+                <a16:creationId xmlns:a16="http://schemas.microsoft.com/office/drawing/2014/main" id="{DA97CE8F-CB9B-4765-88F5-59430662E984}"/>
               </a:ext>
             </a:extLst>
           </p:cNvPr>
@@ -7627,7 +7627,7 @@
           <p:cNvPr id="23" name="직선 연결선 22">
             <a:extLst>
               <a:ext uri="{FF2B5EF4-FFF2-40B4-BE49-F238E27FC236}">
-                <a16:creationId xmlns="" xmlns:a16="http://schemas.microsoft.com/office/drawing/2014/main" id="{F0167490-B5D2-4CBE-893D-704B6E881639}"/>
+                <a16:creationId xmlns:a16="http://schemas.microsoft.com/office/drawing/2014/main" id="{F0167490-B5D2-4CBE-893D-704B6E881639}"/>
               </a:ext>
             </a:extLst>
           </p:cNvPr>
@@ -7666,7 +7666,7 @@
           <p:cNvPr id="24" name="직선 연결선 23">
             <a:extLst>
               <a:ext uri="{FF2B5EF4-FFF2-40B4-BE49-F238E27FC236}">
-                <a16:creationId xmlns="" xmlns:a16="http://schemas.microsoft.com/office/drawing/2014/main" id="{421663BC-0022-4F8E-8132-D1F8AD20B2D1}"/>
+                <a16:creationId xmlns:a16="http://schemas.microsoft.com/office/drawing/2014/main" id="{421663BC-0022-4F8E-8132-D1F8AD20B2D1}"/>
               </a:ext>
             </a:extLst>
           </p:cNvPr>
@@ -7705,7 +7705,7 @@
           <p:cNvPr id="25" name="이등변 삼각형 24">
             <a:extLst>
               <a:ext uri="{FF2B5EF4-FFF2-40B4-BE49-F238E27FC236}">
-                <a16:creationId xmlns="" xmlns:a16="http://schemas.microsoft.com/office/drawing/2014/main" id="{EEC538A2-1A61-42C7-B3F1-0B19B57B8B56}"/>
+                <a16:creationId xmlns:a16="http://schemas.microsoft.com/office/drawing/2014/main" id="{EEC538A2-1A61-42C7-B3F1-0B19B57B8B56}"/>
               </a:ext>
             </a:extLst>
           </p:cNvPr>
@@ -7752,7 +7752,7 @@
           <p:cNvPr id="26" name="직선 연결선 25">
             <a:extLst>
               <a:ext uri="{FF2B5EF4-FFF2-40B4-BE49-F238E27FC236}">
-                <a16:creationId xmlns="" xmlns:a16="http://schemas.microsoft.com/office/drawing/2014/main" id="{C957D0F5-FADF-448F-B628-40F844200BC8}"/>
+                <a16:creationId xmlns:a16="http://schemas.microsoft.com/office/drawing/2014/main" id="{C957D0F5-FADF-448F-B628-40F844200BC8}"/>
               </a:ext>
             </a:extLst>
           </p:cNvPr>
@@ -7794,7 +7794,7 @@
           <p:cNvPr id="27" name="직선 연결선 26">
             <a:extLst>
               <a:ext uri="{FF2B5EF4-FFF2-40B4-BE49-F238E27FC236}">
-                <a16:creationId xmlns="" xmlns:a16="http://schemas.microsoft.com/office/drawing/2014/main" id="{E047D485-FE5B-4EE4-B13A-86AD3B70A3A9}"/>
+                <a16:creationId xmlns:a16="http://schemas.microsoft.com/office/drawing/2014/main" id="{E047D485-FE5B-4EE4-B13A-86AD3B70A3A9}"/>
               </a:ext>
             </a:extLst>
           </p:cNvPr>
@@ -7833,7 +7833,7 @@
           <p:cNvPr id="28" name="직선 연결선 27">
             <a:extLst>
               <a:ext uri="{FF2B5EF4-FFF2-40B4-BE49-F238E27FC236}">
-                <a16:creationId xmlns="" xmlns:a16="http://schemas.microsoft.com/office/drawing/2014/main" id="{40E6807D-AF31-4D56-B579-5CBB6A93E100}"/>
+                <a16:creationId xmlns:a16="http://schemas.microsoft.com/office/drawing/2014/main" id="{40E6807D-AF31-4D56-B579-5CBB6A93E100}"/>
               </a:ext>
             </a:extLst>
           </p:cNvPr>
@@ -7872,7 +7872,7 @@
           <p:cNvPr id="30" name="사각형: 둥근 모서리 4">
             <a:extLst>
               <a:ext uri="{FF2B5EF4-FFF2-40B4-BE49-F238E27FC236}">
-                <a16:creationId xmlns="" xmlns:a16="http://schemas.microsoft.com/office/drawing/2014/main" id="{84C4B354-85EF-4DA3-8B17-84C4B242A4CB}"/>
+                <a16:creationId xmlns:a16="http://schemas.microsoft.com/office/drawing/2014/main" id="{84C4B354-85EF-4DA3-8B17-84C4B242A4CB}"/>
               </a:ext>
             </a:extLst>
           </p:cNvPr>
@@ -7935,7 +7935,7 @@
           <p:cNvPr id="31" name="사각형: 둥근 모서리 6">
             <a:extLst>
               <a:ext uri="{FF2B5EF4-FFF2-40B4-BE49-F238E27FC236}">
-                <a16:creationId xmlns="" xmlns:a16="http://schemas.microsoft.com/office/drawing/2014/main" id="{E4D5CFA4-6B59-4848-8995-34DCF0A43056}"/>
+                <a16:creationId xmlns:a16="http://schemas.microsoft.com/office/drawing/2014/main" id="{E4D5CFA4-6B59-4848-8995-34DCF0A43056}"/>
               </a:ext>
             </a:extLst>
           </p:cNvPr>
@@ -8046,7 +8046,7 @@
           <p:cNvPr id="32" name="사각형: 둥근 모서리 8">
             <a:extLst>
               <a:ext uri="{FF2B5EF4-FFF2-40B4-BE49-F238E27FC236}">
-                <a16:creationId xmlns="" xmlns:a16="http://schemas.microsoft.com/office/drawing/2014/main" id="{FAE1A408-89FD-4725-8078-AC1333BCC9F6}"/>
+                <a16:creationId xmlns:a16="http://schemas.microsoft.com/office/drawing/2014/main" id="{FAE1A408-89FD-4725-8078-AC1333BCC9F6}"/>
               </a:ext>
             </a:extLst>
           </p:cNvPr>
@@ -8157,7 +8157,7 @@
           <p:cNvPr id="33" name="그룹 32">
             <a:extLst>
               <a:ext uri="{FF2B5EF4-FFF2-40B4-BE49-F238E27FC236}">
-                <a16:creationId xmlns="" xmlns:a16="http://schemas.microsoft.com/office/drawing/2014/main" id="{89E51979-72A5-496C-943E-4CDEE98DA116}"/>
+                <a16:creationId xmlns:a16="http://schemas.microsoft.com/office/drawing/2014/main" id="{89E51979-72A5-496C-943E-4CDEE98DA116}"/>
               </a:ext>
             </a:extLst>
           </p:cNvPr>
@@ -8177,7 +8177,7 @@
             <p:cNvPr id="34" name="이등변 삼각형 33">
               <a:extLst>
                 <a:ext uri="{FF2B5EF4-FFF2-40B4-BE49-F238E27FC236}">
-                  <a16:creationId xmlns="" xmlns:a16="http://schemas.microsoft.com/office/drawing/2014/main" id="{6A12914B-9073-4C0E-8ACE-6FED961BB88B}"/>
+                  <a16:creationId xmlns:a16="http://schemas.microsoft.com/office/drawing/2014/main" id="{6A12914B-9073-4C0E-8ACE-6FED961BB88B}"/>
                 </a:ext>
               </a:extLst>
             </p:cNvPr>
@@ -8230,7 +8230,7 @@
             <p:cNvPr id="35" name="직선 연결선 34">
               <a:extLst>
                 <a:ext uri="{FF2B5EF4-FFF2-40B4-BE49-F238E27FC236}">
-                  <a16:creationId xmlns="" xmlns:a16="http://schemas.microsoft.com/office/drawing/2014/main" id="{B29AB9C5-0427-46B7-BF90-A52C3B90231B}"/>
+                  <a16:creationId xmlns:a16="http://schemas.microsoft.com/office/drawing/2014/main" id="{B29AB9C5-0427-46B7-BF90-A52C3B90231B}"/>
                 </a:ext>
               </a:extLst>
             </p:cNvPr>
@@ -8275,7 +8275,7 @@
           <p:cNvPr id="36" name="자유형: 도형 13">
             <a:extLst>
               <a:ext uri="{FF2B5EF4-FFF2-40B4-BE49-F238E27FC236}">
-                <a16:creationId xmlns="" xmlns:a16="http://schemas.microsoft.com/office/drawing/2014/main" id="{E7A5CE62-58A6-4A74-82EF-6AED4C3ACE07}"/>
+                <a16:creationId xmlns:a16="http://schemas.microsoft.com/office/drawing/2014/main" id="{E7A5CE62-58A6-4A74-82EF-6AED4C3ACE07}"/>
               </a:ext>
             </a:extLst>
           </p:cNvPr>
@@ -8370,7 +8370,7 @@
           <p:cNvPr id="39" name="사각형: 둥근 모서리 6">
             <a:extLst>
               <a:ext uri="{FF2B5EF4-FFF2-40B4-BE49-F238E27FC236}">
-                <a16:creationId xmlns="" xmlns:a16="http://schemas.microsoft.com/office/drawing/2014/main" id="{E4D5CFA4-6B59-4848-8995-34DCF0A43056}"/>
+                <a16:creationId xmlns:a16="http://schemas.microsoft.com/office/drawing/2014/main" id="{E4D5CFA4-6B59-4848-8995-34DCF0A43056}"/>
               </a:ext>
             </a:extLst>
           </p:cNvPr>
@@ -8573,7 +8573,7 @@
           <p:cNvPr id="29" name="표 28">
             <a:extLst>
               <a:ext uri="{FF2B5EF4-FFF2-40B4-BE49-F238E27FC236}">
-                <a16:creationId xmlns="" xmlns:a16="http://schemas.microsoft.com/office/drawing/2014/main" id="{87908839-6D83-432F-8CE5-B33149AF3252}"/>
+                <a16:creationId xmlns:a16="http://schemas.microsoft.com/office/drawing/2014/main" id="{87908839-6D83-432F-8CE5-B33149AF3252}"/>
               </a:ext>
             </a:extLst>
           </p:cNvPr>
@@ -8602,14 +8602,14 @@
                 <a:gridCol w="2294965">
                   <a:extLst>
                     <a:ext uri="{9D8B030D-6E8A-4147-A177-3AD203B41FA5}">
-                      <a16:colId xmlns="" xmlns:a16="http://schemas.microsoft.com/office/drawing/2014/main" val="2887738532"/>
+                      <a16:colId xmlns:a16="http://schemas.microsoft.com/office/drawing/2014/main" val="2887738532"/>
                     </a:ext>
                   </a:extLst>
                 </a:gridCol>
                 <a:gridCol w="5193867">
                   <a:extLst>
                     <a:ext uri="{9D8B030D-6E8A-4147-A177-3AD203B41FA5}">
-                      <a16:colId xmlns="" xmlns:a16="http://schemas.microsoft.com/office/drawing/2014/main" val="2999485284"/>
+                      <a16:colId xmlns:a16="http://schemas.microsoft.com/office/drawing/2014/main" val="2999485284"/>
                     </a:ext>
                   </a:extLst>
                 </a:gridCol>
@@ -8670,7 +8670,7 @@
                 </a:tc>
                 <a:extLst>
                   <a:ext uri="{0D108BD9-81ED-4DB2-BD59-A6C34878D82A}">
-                    <a16:rowId xmlns="" xmlns:a16="http://schemas.microsoft.com/office/drawing/2014/main" val="4215197872"/>
+                    <a16:rowId xmlns:a16="http://schemas.microsoft.com/office/drawing/2014/main" val="4215197872"/>
                   </a:ext>
                 </a:extLst>
               </a:tr>
@@ -8800,7 +8800,7 @@
                 </a:tc>
                 <a:extLst>
                   <a:ext uri="{0D108BD9-81ED-4DB2-BD59-A6C34878D82A}">
-                    <a16:rowId xmlns="" xmlns:a16="http://schemas.microsoft.com/office/drawing/2014/main" val="1488436910"/>
+                    <a16:rowId xmlns:a16="http://schemas.microsoft.com/office/drawing/2014/main" val="1488436910"/>
                   </a:ext>
                 </a:extLst>
               </a:tr>
@@ -8936,7 +8936,7 @@
                 </a:tc>
                 <a:extLst>
                   <a:ext uri="{0D108BD9-81ED-4DB2-BD59-A6C34878D82A}">
-                    <a16:rowId xmlns="" xmlns:a16="http://schemas.microsoft.com/office/drawing/2014/main" val="1701167864"/>
+                    <a16:rowId xmlns:a16="http://schemas.microsoft.com/office/drawing/2014/main" val="1701167864"/>
                   </a:ext>
                 </a:extLst>
               </a:tr>
@@ -8949,7 +8949,7 @@
           <p:cNvPr id="30" name="내용 개체 틀 2">
             <a:extLst>
               <a:ext uri="{FF2B5EF4-FFF2-40B4-BE49-F238E27FC236}">
-                <a16:creationId xmlns="" xmlns:a16="http://schemas.microsoft.com/office/drawing/2014/main" id="{98AF3A4E-7D90-4241-89FE-799D6F9D5A94}"/>
+                <a16:creationId xmlns:a16="http://schemas.microsoft.com/office/drawing/2014/main" id="{98AF3A4E-7D90-4241-89FE-799D6F9D5A94}"/>
               </a:ext>
             </a:extLst>
           </p:cNvPr>
@@ -9294,7 +9294,7 @@
           <p:cNvPr id="7" name="내용 개체 틀 2">
             <a:extLst>
               <a:ext uri="{FF2B5EF4-FFF2-40B4-BE49-F238E27FC236}">
-                <a16:creationId xmlns="" xmlns:a16="http://schemas.microsoft.com/office/drawing/2014/main" id="{98AF3A4E-7D90-4241-89FE-799D6F9D5A94}"/>
+                <a16:creationId xmlns:a16="http://schemas.microsoft.com/office/drawing/2014/main" id="{98AF3A4E-7D90-4241-89FE-799D6F9D5A94}"/>
               </a:ext>
             </a:extLst>
           </p:cNvPr>
@@ -9666,7 +9666,7 @@
           <p:cNvPr id="28" name="사각형: 둥근 모서리 6">
             <a:extLst>
               <a:ext uri="{FF2B5EF4-FFF2-40B4-BE49-F238E27FC236}">
-                <a16:creationId xmlns="" xmlns:a16="http://schemas.microsoft.com/office/drawing/2014/main" id="{0AAF410F-2DFD-4D61-AFE9-24F93F790CCF}"/>
+                <a16:creationId xmlns:a16="http://schemas.microsoft.com/office/drawing/2014/main" id="{0AAF410F-2DFD-4D61-AFE9-24F93F790CCF}"/>
               </a:ext>
             </a:extLst>
           </p:cNvPr>
@@ -9719,7 +9719,7 @@
           <p:cNvPr id="29" name="사각형: 둥근 모서리 7">
             <a:extLst>
               <a:ext uri="{FF2B5EF4-FFF2-40B4-BE49-F238E27FC236}">
-                <a16:creationId xmlns="" xmlns:a16="http://schemas.microsoft.com/office/drawing/2014/main" id="{EEDB739C-A8B8-4C68-A6FC-3A2373E6197A}"/>
+                <a16:creationId xmlns:a16="http://schemas.microsoft.com/office/drawing/2014/main" id="{EEDB739C-A8B8-4C68-A6FC-3A2373E6197A}"/>
               </a:ext>
             </a:extLst>
           </p:cNvPr>
@@ -9772,7 +9772,7 @@
           <p:cNvPr id="30" name="TextBox 29">
             <a:extLst>
               <a:ext uri="{FF2B5EF4-FFF2-40B4-BE49-F238E27FC236}">
-                <a16:creationId xmlns="" xmlns:a16="http://schemas.microsoft.com/office/drawing/2014/main" id="{86D1E7CB-D4AB-4778-A3EE-E785F78D19A0}"/>
+                <a16:creationId xmlns:a16="http://schemas.microsoft.com/office/drawing/2014/main" id="{86D1E7CB-D4AB-4778-A3EE-E785F78D19A0}"/>
               </a:ext>
             </a:extLst>
           </p:cNvPr>
@@ -9808,7 +9808,7 @@
           <p:cNvPr id="31" name="TextBox 30">
             <a:extLst>
               <a:ext uri="{FF2B5EF4-FFF2-40B4-BE49-F238E27FC236}">
-                <a16:creationId xmlns="" xmlns:a16="http://schemas.microsoft.com/office/drawing/2014/main" id="{BFFDC5CF-2738-4833-B769-FAEF782BDF4A}"/>
+                <a16:creationId xmlns:a16="http://schemas.microsoft.com/office/drawing/2014/main" id="{BFFDC5CF-2738-4833-B769-FAEF782BDF4A}"/>
               </a:ext>
             </a:extLst>
           </p:cNvPr>
@@ -9855,7 +9855,7 @@
           <p:cNvPr id="32" name="표 31">
             <a:extLst>
               <a:ext uri="{FF2B5EF4-FFF2-40B4-BE49-F238E27FC236}">
-                <a16:creationId xmlns="" xmlns:a16="http://schemas.microsoft.com/office/drawing/2014/main" id="{E5977BDF-19EB-4F8E-9A7E-FA59AE5CAE13}"/>
+                <a16:creationId xmlns:a16="http://schemas.microsoft.com/office/drawing/2014/main" id="{E5977BDF-19EB-4F8E-9A7E-FA59AE5CAE13}"/>
               </a:ext>
             </a:extLst>
           </p:cNvPr>
@@ -9884,70 +9884,70 @@
                 <a:gridCol w="409779">
                   <a:extLst>
                     <a:ext uri="{9D8B030D-6E8A-4147-A177-3AD203B41FA5}">
-                      <a16:colId xmlns="" xmlns:a16="http://schemas.microsoft.com/office/drawing/2014/main" val="1209056767"/>
+                      <a16:colId xmlns:a16="http://schemas.microsoft.com/office/drawing/2014/main" val="1209056767"/>
                     </a:ext>
                   </a:extLst>
                 </a:gridCol>
                 <a:gridCol w="409779">
                   <a:extLst>
                     <a:ext uri="{9D8B030D-6E8A-4147-A177-3AD203B41FA5}">
-                      <a16:colId xmlns="" xmlns:a16="http://schemas.microsoft.com/office/drawing/2014/main" val="2350345702"/>
+                      <a16:colId xmlns:a16="http://schemas.microsoft.com/office/drawing/2014/main" val="2350345702"/>
                     </a:ext>
                   </a:extLst>
                 </a:gridCol>
                 <a:gridCol w="409779">
                   <a:extLst>
                     <a:ext uri="{9D8B030D-6E8A-4147-A177-3AD203B41FA5}">
-                      <a16:colId xmlns="" xmlns:a16="http://schemas.microsoft.com/office/drawing/2014/main" val="3646864610"/>
+                      <a16:colId xmlns:a16="http://schemas.microsoft.com/office/drawing/2014/main" val="3646864610"/>
                     </a:ext>
                   </a:extLst>
                 </a:gridCol>
                 <a:gridCol w="409779">
                   <a:extLst>
                     <a:ext uri="{9D8B030D-6E8A-4147-A177-3AD203B41FA5}">
-                      <a16:colId xmlns="" xmlns:a16="http://schemas.microsoft.com/office/drawing/2014/main" val="3245029563"/>
+                      <a16:colId xmlns:a16="http://schemas.microsoft.com/office/drawing/2014/main" val="3245029563"/>
                     </a:ext>
                   </a:extLst>
                 </a:gridCol>
                 <a:gridCol w="409779">
                   <a:extLst>
                     <a:ext uri="{9D8B030D-6E8A-4147-A177-3AD203B41FA5}">
-                      <a16:colId xmlns="" xmlns:a16="http://schemas.microsoft.com/office/drawing/2014/main" val="537723526"/>
+                      <a16:colId xmlns:a16="http://schemas.microsoft.com/office/drawing/2014/main" val="537723526"/>
                     </a:ext>
                   </a:extLst>
                 </a:gridCol>
                 <a:gridCol w="409779">
                   <a:extLst>
                     <a:ext uri="{9D8B030D-6E8A-4147-A177-3AD203B41FA5}">
-                      <a16:colId xmlns="" xmlns:a16="http://schemas.microsoft.com/office/drawing/2014/main" val="4124910376"/>
+                      <a16:colId xmlns:a16="http://schemas.microsoft.com/office/drawing/2014/main" val="4124910376"/>
                     </a:ext>
                   </a:extLst>
                 </a:gridCol>
                 <a:gridCol w="409779">
                   <a:extLst>
                     <a:ext uri="{9D8B030D-6E8A-4147-A177-3AD203B41FA5}">
-                      <a16:colId xmlns="" xmlns:a16="http://schemas.microsoft.com/office/drawing/2014/main" val="1444739775"/>
+                      <a16:colId xmlns:a16="http://schemas.microsoft.com/office/drawing/2014/main" val="1444739775"/>
                     </a:ext>
                   </a:extLst>
                 </a:gridCol>
                 <a:gridCol w="409779">
                   <a:extLst>
                     <a:ext uri="{9D8B030D-6E8A-4147-A177-3AD203B41FA5}">
-                      <a16:colId xmlns="" xmlns:a16="http://schemas.microsoft.com/office/drawing/2014/main" val="684660399"/>
+                      <a16:colId xmlns:a16="http://schemas.microsoft.com/office/drawing/2014/main" val="684660399"/>
                     </a:ext>
                   </a:extLst>
                 </a:gridCol>
                 <a:gridCol w="409779">
                   <a:extLst>
                     <a:ext uri="{9D8B030D-6E8A-4147-A177-3AD203B41FA5}">
-                      <a16:colId xmlns="" xmlns:a16="http://schemas.microsoft.com/office/drawing/2014/main" val="1563574152"/>
+                      <a16:colId xmlns:a16="http://schemas.microsoft.com/office/drawing/2014/main" val="1563574152"/>
                     </a:ext>
                   </a:extLst>
                 </a:gridCol>
                 <a:gridCol w="409779">
                   <a:extLst>
                     <a:ext uri="{9D8B030D-6E8A-4147-A177-3AD203B41FA5}">
-                      <a16:colId xmlns="" xmlns:a16="http://schemas.microsoft.com/office/drawing/2014/main" val="3722083757"/>
+                      <a16:colId xmlns:a16="http://schemas.microsoft.com/office/drawing/2014/main" val="3722083757"/>
                     </a:ext>
                   </a:extLst>
                 </a:gridCol>
@@ -10165,7 +10165,7 @@
                 </a:tc>
                 <a:extLst>
                   <a:ext uri="{0D108BD9-81ED-4DB2-BD59-A6C34878D82A}">
-                    <a16:rowId xmlns="" xmlns:a16="http://schemas.microsoft.com/office/drawing/2014/main" val="4220556659"/>
+                    <a16:rowId xmlns:a16="http://schemas.microsoft.com/office/drawing/2014/main" val="4220556659"/>
                   </a:ext>
                 </a:extLst>
               </a:tr>
@@ -10322,7 +10322,7 @@
                 </a:tc>
                 <a:extLst>
                   <a:ext uri="{0D108BD9-81ED-4DB2-BD59-A6C34878D82A}">
-                    <a16:rowId xmlns="" xmlns:a16="http://schemas.microsoft.com/office/drawing/2014/main" val="1025759309"/>
+                    <a16:rowId xmlns:a16="http://schemas.microsoft.com/office/drawing/2014/main" val="1025759309"/>
                   </a:ext>
                 </a:extLst>
               </a:tr>
@@ -10335,7 +10335,7 @@
           <p:cNvPr id="37" name="TextBox 36">
             <a:extLst>
               <a:ext uri="{FF2B5EF4-FFF2-40B4-BE49-F238E27FC236}">
-                <a16:creationId xmlns="" xmlns:a16="http://schemas.microsoft.com/office/drawing/2014/main" id="{7FC33EAB-1005-46EB-AAF7-8223E026FA28}"/>
+                <a16:creationId xmlns:a16="http://schemas.microsoft.com/office/drawing/2014/main" id="{7FC33EAB-1005-46EB-AAF7-8223E026FA28}"/>
               </a:ext>
             </a:extLst>
           </p:cNvPr>
@@ -10383,7 +10383,7 @@
           <p:cNvPr id="14" name="TextBox 13">
             <a:extLst>
               <a:ext uri="{FF2B5EF4-FFF2-40B4-BE49-F238E27FC236}">
-                <a16:creationId xmlns="" xmlns:a16="http://schemas.microsoft.com/office/drawing/2014/main" id="{5DD81B33-3C10-4B58-9ACC-5628B021DE57}"/>
+                <a16:creationId xmlns:a16="http://schemas.microsoft.com/office/drawing/2014/main" id="{5DD81B33-3C10-4B58-9ACC-5628B021DE57}"/>
               </a:ext>
             </a:extLst>
           </p:cNvPr>
@@ -10607,7 +10607,7 @@
           <p:cNvPr id="28" name="표 27">
             <a:extLst>
               <a:ext uri="{FF2B5EF4-FFF2-40B4-BE49-F238E27FC236}">
-                <a16:creationId xmlns:a16="http://schemas.microsoft.com/office/drawing/2014/main" xmlns="" id="{AFA0E435-CA95-4633-8532-F0A5B0D2894D}"/>
+                <a16:creationId xmlns:a16="http://schemas.microsoft.com/office/drawing/2014/main" id="{AFA0E435-CA95-4633-8532-F0A5B0D2894D}"/>
               </a:ext>
             </a:extLst>
           </p:cNvPr>
@@ -10636,21 +10636,21 @@
                 <a:gridCol w="1152128">
                   <a:extLst>
                     <a:ext uri="{9D8B030D-6E8A-4147-A177-3AD203B41FA5}">
-                      <a16:colId xmlns:a16="http://schemas.microsoft.com/office/drawing/2014/main" xmlns="" val="2887738532"/>
+                      <a16:colId xmlns:a16="http://schemas.microsoft.com/office/drawing/2014/main" val="2887738532"/>
                     </a:ext>
                   </a:extLst>
                 </a:gridCol>
                 <a:gridCol w="2088232">
                   <a:extLst>
                     <a:ext uri="{9D8B030D-6E8A-4147-A177-3AD203B41FA5}">
-                      <a16:colId xmlns:a16="http://schemas.microsoft.com/office/drawing/2014/main" xmlns="" val="3449779131"/>
+                      <a16:colId xmlns:a16="http://schemas.microsoft.com/office/drawing/2014/main" val="3449779131"/>
                     </a:ext>
                   </a:extLst>
                 </a:gridCol>
                 <a:gridCol w="4464496">
                   <a:extLst>
                     <a:ext uri="{9D8B030D-6E8A-4147-A177-3AD203B41FA5}">
-                      <a16:colId xmlns:a16="http://schemas.microsoft.com/office/drawing/2014/main" xmlns="" val="2999485284"/>
+                      <a16:colId xmlns:a16="http://schemas.microsoft.com/office/drawing/2014/main" val="2999485284"/>
                     </a:ext>
                   </a:extLst>
                 </a:gridCol>
@@ -10722,7 +10722,7 @@
                 </a:tc>
                 <a:extLst>
                   <a:ext uri="{0D108BD9-81ED-4DB2-BD59-A6C34878D82A}">
-                    <a16:rowId xmlns:a16="http://schemas.microsoft.com/office/drawing/2014/main" xmlns="" val="4215197872"/>
+                    <a16:rowId xmlns:a16="http://schemas.microsoft.com/office/drawing/2014/main" val="4215197872"/>
                   </a:ext>
                 </a:extLst>
               </a:tr>
@@ -10772,7 +10772,7 @@
                 </a:tc>
                 <a:extLst>
                   <a:ext uri="{0D108BD9-81ED-4DB2-BD59-A6C34878D82A}">
-                    <a16:rowId xmlns:a16="http://schemas.microsoft.com/office/drawing/2014/main" xmlns="" val="1488436910"/>
+                    <a16:rowId xmlns:a16="http://schemas.microsoft.com/office/drawing/2014/main" val="1488436910"/>
                   </a:ext>
                 </a:extLst>
               </a:tr>
@@ -10827,7 +10827,7 @@
                 </a:tc>
                 <a:extLst>
                   <a:ext uri="{0D108BD9-81ED-4DB2-BD59-A6C34878D82A}">
-                    <a16:rowId xmlns:a16="http://schemas.microsoft.com/office/drawing/2014/main" xmlns="" val="1701167864"/>
+                    <a16:rowId xmlns:a16="http://schemas.microsoft.com/office/drawing/2014/main" val="1701167864"/>
                   </a:ext>
                 </a:extLst>
               </a:tr>
@@ -10893,7 +10893,7 @@
                 </a:tc>
                 <a:extLst>
                   <a:ext uri="{0D108BD9-81ED-4DB2-BD59-A6C34878D82A}">
-                    <a16:rowId xmlns:a16="http://schemas.microsoft.com/office/drawing/2014/main" xmlns="" val="3962380499"/>
+                    <a16:rowId xmlns:a16="http://schemas.microsoft.com/office/drawing/2014/main" val="3962380499"/>
                   </a:ext>
                 </a:extLst>
               </a:tr>
@@ -10956,7 +10956,7 @@
                 </a:tc>
                 <a:extLst>
                   <a:ext uri="{0D108BD9-81ED-4DB2-BD59-A6C34878D82A}">
-                    <a16:rowId xmlns:a16="http://schemas.microsoft.com/office/drawing/2014/main" xmlns="" val="2061246058"/>
+                    <a16:rowId xmlns:a16="http://schemas.microsoft.com/office/drawing/2014/main" val="2061246058"/>
                   </a:ext>
                 </a:extLst>
               </a:tr>
@@ -11019,7 +11019,7 @@
                 </a:tc>
                 <a:extLst>
                   <a:ext uri="{0D108BD9-81ED-4DB2-BD59-A6C34878D82A}">
-                    <a16:rowId xmlns:a16="http://schemas.microsoft.com/office/drawing/2014/main" xmlns="" val="1699605084"/>
+                    <a16:rowId xmlns:a16="http://schemas.microsoft.com/office/drawing/2014/main" val="1699605084"/>
                   </a:ext>
                 </a:extLst>
               </a:tr>
@@ -11092,6 +11092,11 @@
                   </a:txBody>
                   <a:tcPr anchor="ctr"/>
                 </a:tc>
+                <a:extLst>
+                  <a:ext uri="{0D108BD9-81ED-4DB2-BD59-A6C34878D82A}">
+                    <a16:rowId xmlns:a16="http://schemas.microsoft.com/office/drawing/2014/main" val="10006"/>
+                  </a:ext>
+                </a:extLst>
               </a:tr>
               <a:tr h="408045">
                 <a:tc rowSpan="2">
@@ -11171,7 +11176,7 @@
                 </a:tc>
                 <a:extLst>
                   <a:ext uri="{0D108BD9-81ED-4DB2-BD59-A6C34878D82A}">
-                    <a16:rowId xmlns:a16="http://schemas.microsoft.com/office/drawing/2014/main" xmlns="" val="3673702031"/>
+                    <a16:rowId xmlns:a16="http://schemas.microsoft.com/office/drawing/2014/main" val="3673702031"/>
                   </a:ext>
                 </a:extLst>
               </a:tr>
@@ -11250,7 +11255,7 @@
                 </a:tc>
                 <a:extLst>
                   <a:ext uri="{0D108BD9-81ED-4DB2-BD59-A6C34878D82A}">
-                    <a16:rowId xmlns:a16="http://schemas.microsoft.com/office/drawing/2014/main" xmlns="" val="1031162340"/>
+                    <a16:rowId xmlns:a16="http://schemas.microsoft.com/office/drawing/2014/main" val="1031162340"/>
                   </a:ext>
                 </a:extLst>
               </a:tr>
@@ -11263,7 +11268,7 @@
           <p:cNvPr id="13" name="내용 개체 틀 2">
             <a:extLst>
               <a:ext uri="{FF2B5EF4-FFF2-40B4-BE49-F238E27FC236}">
-                <a16:creationId xmlns="" xmlns:a16="http://schemas.microsoft.com/office/drawing/2014/main" id="{98AF3A4E-7D90-4241-89FE-799D6F9D5A94}"/>
+                <a16:creationId xmlns:a16="http://schemas.microsoft.com/office/drawing/2014/main" id="{98AF3A4E-7D90-4241-89FE-799D6F9D5A94}"/>
               </a:ext>
             </a:extLst>
           </p:cNvPr>
@@ -11755,7 +11760,7 @@
           <p:cNvPr id="10" name="내용 개체 틀 2">
             <a:extLst>
               <a:ext uri="{FF2B5EF4-FFF2-40B4-BE49-F238E27FC236}">
-                <a16:creationId xmlns="" xmlns:a16="http://schemas.microsoft.com/office/drawing/2014/main" id="{98AF3A4E-7D90-4241-89FE-799D6F9D5A94}"/>
+                <a16:creationId xmlns:a16="http://schemas.microsoft.com/office/drawing/2014/main" id="{98AF3A4E-7D90-4241-89FE-799D6F9D5A94}"/>
               </a:ext>
             </a:extLst>
           </p:cNvPr>
@@ -12481,7 +12486,7 @@
           <p:cNvPr id="7" name="내용 개체 틀 2">
             <a:extLst>
               <a:ext uri="{FF2B5EF4-FFF2-40B4-BE49-F238E27FC236}">
-                <a16:creationId xmlns="" xmlns:a16="http://schemas.microsoft.com/office/drawing/2014/main" id="{98AF3A4E-7D90-4241-89FE-799D6F9D5A94}"/>
+                <a16:creationId xmlns:a16="http://schemas.microsoft.com/office/drawing/2014/main" id="{98AF3A4E-7D90-4241-89FE-799D6F9D5A94}"/>
               </a:ext>
             </a:extLst>
           </p:cNvPr>
@@ -12858,7 +12863,7 @@
           <p:cNvPr id="9" name="사각형: 둥근 모서리 6">
             <a:extLst>
               <a:ext uri="{FF2B5EF4-FFF2-40B4-BE49-F238E27FC236}">
-                <a16:creationId xmlns="" xmlns:a16="http://schemas.microsoft.com/office/drawing/2014/main" id="{0AAF410F-2DFD-4D61-AFE9-24F93F790CCF}"/>
+                <a16:creationId xmlns:a16="http://schemas.microsoft.com/office/drawing/2014/main" id="{0AAF410F-2DFD-4D61-AFE9-24F93F790CCF}"/>
               </a:ext>
             </a:extLst>
           </p:cNvPr>
@@ -12913,7 +12918,7 @@
           <p:cNvPr id="12" name="TextBox 11">
             <a:extLst>
               <a:ext uri="{FF2B5EF4-FFF2-40B4-BE49-F238E27FC236}">
-                <a16:creationId xmlns="" xmlns:a16="http://schemas.microsoft.com/office/drawing/2014/main" id="{BFFDC5CF-2738-4833-B769-FAEF782BDF4A}"/>
+                <a16:creationId xmlns:a16="http://schemas.microsoft.com/office/drawing/2014/main" id="{BFFDC5CF-2738-4833-B769-FAEF782BDF4A}"/>
               </a:ext>
             </a:extLst>
           </p:cNvPr>
@@ -13086,7 +13091,7 @@
           <p:cNvPr id="7" name="내용 개체 틀 2">
             <a:extLst>
               <a:ext uri="{FF2B5EF4-FFF2-40B4-BE49-F238E27FC236}">
-                <a16:creationId xmlns="" xmlns:a16="http://schemas.microsoft.com/office/drawing/2014/main" id="{98AF3A4E-7D90-4241-89FE-799D6F9D5A94}"/>
+                <a16:creationId xmlns:a16="http://schemas.microsoft.com/office/drawing/2014/main" id="{98AF3A4E-7D90-4241-89FE-799D6F9D5A94}"/>
               </a:ext>
             </a:extLst>
           </p:cNvPr>
@@ -13618,7 +13623,7 @@
           <p:cNvPr id="7" name="내용 개체 틀 2">
             <a:extLst>
               <a:ext uri="{FF2B5EF4-FFF2-40B4-BE49-F238E27FC236}">
-                <a16:creationId xmlns="" xmlns:a16="http://schemas.microsoft.com/office/drawing/2014/main" id="{98AF3A4E-7D90-4241-89FE-799D6F9D5A94}"/>
+                <a16:creationId xmlns:a16="http://schemas.microsoft.com/office/drawing/2014/main" id="{98AF3A4E-7D90-4241-89FE-799D6F9D5A94}"/>
               </a:ext>
             </a:extLst>
           </p:cNvPr>
@@ -14121,7 +14126,7 @@
           <p:cNvPr id="7" name="내용 개체 틀 2">
             <a:extLst>
               <a:ext uri="{FF2B5EF4-FFF2-40B4-BE49-F238E27FC236}">
-                <a16:creationId xmlns="" xmlns:a16="http://schemas.microsoft.com/office/drawing/2014/main" id="{98AF3A4E-7D90-4241-89FE-799D6F9D5A94}"/>
+                <a16:creationId xmlns:a16="http://schemas.microsoft.com/office/drawing/2014/main" id="{98AF3A4E-7D90-4241-89FE-799D6F9D5A94}"/>
               </a:ext>
             </a:extLst>
           </p:cNvPr>
@@ -16160,7 +16165,7 @@
           <p:cNvPr id="17" name="TextBox 16">
             <a:extLst>
               <a:ext uri="{FF2B5EF4-FFF2-40B4-BE49-F238E27FC236}">
-                <a16:creationId xmlns:a16="http://schemas.microsoft.com/office/drawing/2014/main" xmlns="" id="{5DD81B33-3C10-4B58-9ACC-5628B021DE57}"/>
+                <a16:creationId xmlns:a16="http://schemas.microsoft.com/office/drawing/2014/main" id="{5DD81B33-3C10-4B58-9ACC-5628B021DE57}"/>
               </a:ext>
             </a:extLst>
           </p:cNvPr>
@@ -16300,7 +16305,7 @@
           <p:cNvPr id="20" name="사각형: 둥근 모서리 19">
             <a:extLst>
               <a:ext uri="{FF2B5EF4-FFF2-40B4-BE49-F238E27FC236}">
-                <a16:creationId xmlns:a16="http://schemas.microsoft.com/office/drawing/2014/main" xmlns="" id="{3389145B-1185-4763-821F-638B0BF2C25B}"/>
+                <a16:creationId xmlns:a16="http://schemas.microsoft.com/office/drawing/2014/main" id="{3389145B-1185-4763-821F-638B0BF2C25B}"/>
               </a:ext>
             </a:extLst>
           </p:cNvPr>
@@ -16353,7 +16358,7 @@
           <p:cNvPr id="21" name="사각형: 둥근 모서리 20">
             <a:extLst>
               <a:ext uri="{FF2B5EF4-FFF2-40B4-BE49-F238E27FC236}">
-                <a16:creationId xmlns:a16="http://schemas.microsoft.com/office/drawing/2014/main" xmlns="" id="{A9E04CDF-83B1-4B80-9106-C2A0A4DA7259}"/>
+                <a16:creationId xmlns:a16="http://schemas.microsoft.com/office/drawing/2014/main" id="{A9E04CDF-83B1-4B80-9106-C2A0A4DA7259}"/>
               </a:ext>
             </a:extLst>
           </p:cNvPr>
@@ -16406,7 +16411,7 @@
           <p:cNvPr id="23" name="TextBox 22">
             <a:extLst>
               <a:ext uri="{FF2B5EF4-FFF2-40B4-BE49-F238E27FC236}">
-                <a16:creationId xmlns:a16="http://schemas.microsoft.com/office/drawing/2014/main" xmlns="" id="{77ABB4C0-2070-4126-9587-CD556195C1E9}"/>
+                <a16:creationId xmlns:a16="http://schemas.microsoft.com/office/drawing/2014/main" id="{77ABB4C0-2070-4126-9587-CD556195C1E9}"/>
               </a:ext>
             </a:extLst>
           </p:cNvPr>
@@ -16446,7 +16451,7 @@
           <p:cNvPr id="24" name="타원 23">
             <a:extLst>
               <a:ext uri="{FF2B5EF4-FFF2-40B4-BE49-F238E27FC236}">
-                <a16:creationId xmlns:a16="http://schemas.microsoft.com/office/drawing/2014/main" xmlns="" id="{0DAB0690-28FC-4D29-9D02-40FC4FFBCE1A}"/>
+                <a16:creationId xmlns:a16="http://schemas.microsoft.com/office/drawing/2014/main" id="{0DAB0690-28FC-4D29-9D02-40FC4FFBCE1A}"/>
               </a:ext>
             </a:extLst>
           </p:cNvPr>
@@ -16500,7 +16505,7 @@
           <p:cNvPr id="25" name="직선 화살표 연결선 24">
             <a:extLst>
               <a:ext uri="{FF2B5EF4-FFF2-40B4-BE49-F238E27FC236}">
-                <a16:creationId xmlns:a16="http://schemas.microsoft.com/office/drawing/2014/main" xmlns="" id="{797DE718-EAE6-4FA9-BD54-D37A062B5D2B}"/>
+                <a16:creationId xmlns:a16="http://schemas.microsoft.com/office/drawing/2014/main" id="{797DE718-EAE6-4FA9-BD54-D37A062B5D2B}"/>
               </a:ext>
             </a:extLst>
           </p:cNvPr>
@@ -16546,7 +16551,7 @@
           <p:cNvPr id="26" name="TextBox 25">
             <a:extLst>
               <a:ext uri="{FF2B5EF4-FFF2-40B4-BE49-F238E27FC236}">
-                <a16:creationId xmlns:a16="http://schemas.microsoft.com/office/drawing/2014/main" xmlns="" id="{9A6035B3-08E1-48ED-AC0E-783BAE37F17C}"/>
+                <a16:creationId xmlns:a16="http://schemas.microsoft.com/office/drawing/2014/main" id="{9A6035B3-08E1-48ED-AC0E-783BAE37F17C}"/>
               </a:ext>
             </a:extLst>
           </p:cNvPr>
@@ -16593,7 +16598,7 @@
           <p:cNvPr id="27" name="타원 26">
             <a:extLst>
               <a:ext uri="{FF2B5EF4-FFF2-40B4-BE49-F238E27FC236}">
-                <a16:creationId xmlns:a16="http://schemas.microsoft.com/office/drawing/2014/main" xmlns="" id="{8097E10B-04CF-4F9A-B0AA-FC8254B0787F}"/>
+                <a16:creationId xmlns:a16="http://schemas.microsoft.com/office/drawing/2014/main" id="{8097E10B-04CF-4F9A-B0AA-FC8254B0787F}"/>
               </a:ext>
             </a:extLst>
           </p:cNvPr>
@@ -16647,7 +16652,7 @@
           <p:cNvPr id="28" name="직선 화살표 연결선 27">
             <a:extLst>
               <a:ext uri="{FF2B5EF4-FFF2-40B4-BE49-F238E27FC236}">
-                <a16:creationId xmlns:a16="http://schemas.microsoft.com/office/drawing/2014/main" xmlns="" id="{E50F1948-E7AC-4A72-84C3-7E0FD2EEE935}"/>
+                <a16:creationId xmlns:a16="http://schemas.microsoft.com/office/drawing/2014/main" id="{E50F1948-E7AC-4A72-84C3-7E0FD2EEE935}"/>
               </a:ext>
             </a:extLst>
           </p:cNvPr>
@@ -16692,7 +16697,7 @@
           <p:cNvPr id="29" name="직선 화살표 연결선 28">
             <a:extLst>
               <a:ext uri="{FF2B5EF4-FFF2-40B4-BE49-F238E27FC236}">
-                <a16:creationId xmlns:a16="http://schemas.microsoft.com/office/drawing/2014/main" xmlns="" id="{12E56239-0977-4CCC-A7DA-8EB6817922D6}"/>
+                <a16:creationId xmlns:a16="http://schemas.microsoft.com/office/drawing/2014/main" id="{12E56239-0977-4CCC-A7DA-8EB6817922D6}"/>
               </a:ext>
             </a:extLst>
           </p:cNvPr>
@@ -16737,7 +16742,7 @@
           <p:cNvPr id="30" name="타원 29">
             <a:extLst>
               <a:ext uri="{FF2B5EF4-FFF2-40B4-BE49-F238E27FC236}">
-                <a16:creationId xmlns:a16="http://schemas.microsoft.com/office/drawing/2014/main" xmlns="" id="{AF336DD4-51B2-4F1D-8CE5-155C6AAE7629}"/>
+                <a16:creationId xmlns:a16="http://schemas.microsoft.com/office/drawing/2014/main" id="{AF336DD4-51B2-4F1D-8CE5-155C6AAE7629}"/>
               </a:ext>
             </a:extLst>
           </p:cNvPr>
@@ -16791,7 +16796,7 @@
           <p:cNvPr id="31" name="직선 화살표 연결선 30">
             <a:extLst>
               <a:ext uri="{FF2B5EF4-FFF2-40B4-BE49-F238E27FC236}">
-                <a16:creationId xmlns:a16="http://schemas.microsoft.com/office/drawing/2014/main" xmlns="" id="{B463C946-E295-4D7C-9F00-E3B1EE26F2C8}"/>
+                <a16:creationId xmlns:a16="http://schemas.microsoft.com/office/drawing/2014/main" id="{B463C946-E295-4D7C-9F00-E3B1EE26F2C8}"/>
               </a:ext>
             </a:extLst>
           </p:cNvPr>
@@ -16836,7 +16841,7 @@
           <p:cNvPr id="2" name="자유형: 도형 1">
             <a:extLst>
               <a:ext uri="{FF2B5EF4-FFF2-40B4-BE49-F238E27FC236}">
-                <a16:creationId xmlns:a16="http://schemas.microsoft.com/office/drawing/2014/main" xmlns="" id="{69AEB5B9-D379-40B7-B6A8-203197DDC125}"/>
+                <a16:creationId xmlns:a16="http://schemas.microsoft.com/office/drawing/2014/main" id="{69AEB5B9-D379-40B7-B6A8-203197DDC125}"/>
               </a:ext>
             </a:extLst>
           </p:cNvPr>
@@ -16991,7 +16996,7 @@
           <p:cNvPr id="39" name="직선 연결선 38">
             <a:extLst>
               <a:ext uri="{FF2B5EF4-FFF2-40B4-BE49-F238E27FC236}">
-                <a16:creationId xmlns:a16="http://schemas.microsoft.com/office/drawing/2014/main" xmlns="" id="{4D40FF72-00E0-498C-A10A-0A9D4277B522}"/>
+                <a16:creationId xmlns:a16="http://schemas.microsoft.com/office/drawing/2014/main" id="{4D40FF72-00E0-498C-A10A-0A9D4277B522}"/>
               </a:ext>
             </a:extLst>
           </p:cNvPr>
@@ -17034,7 +17039,7 @@
           <p:cNvPr id="41" name="직선 연결선 40">
             <a:extLst>
               <a:ext uri="{FF2B5EF4-FFF2-40B4-BE49-F238E27FC236}">
-                <a16:creationId xmlns:a16="http://schemas.microsoft.com/office/drawing/2014/main" xmlns="" id="{801E9B33-0A2D-4B40-8476-CB666E30DA0C}"/>
+                <a16:creationId xmlns:a16="http://schemas.microsoft.com/office/drawing/2014/main" id="{801E9B33-0A2D-4B40-8476-CB666E30DA0C}"/>
               </a:ext>
             </a:extLst>
           </p:cNvPr>
@@ -17125,7 +17130,7 @@
           <p:cNvPr id="22" name="내용 개체 틀 2">
             <a:extLst>
               <a:ext uri="{FF2B5EF4-FFF2-40B4-BE49-F238E27FC236}">
-                <a16:creationId xmlns:a16="http://schemas.microsoft.com/office/drawing/2014/main" xmlns="" id="{98AF3A4E-7D90-4241-89FE-799D6F9D5A94}"/>
+                <a16:creationId xmlns:a16="http://schemas.microsoft.com/office/drawing/2014/main" id="{98AF3A4E-7D90-4241-89FE-799D6F9D5A94}"/>
               </a:ext>
             </a:extLst>
           </p:cNvPr>
@@ -17405,7 +17410,7 @@
           <p:cNvPr id="17" name="TextBox 16">
             <a:extLst>
               <a:ext uri="{FF2B5EF4-FFF2-40B4-BE49-F238E27FC236}">
-                <a16:creationId xmlns:a16="http://schemas.microsoft.com/office/drawing/2014/main" xmlns="" id="{5DD81B33-3C10-4B58-9ACC-5628B021DE57}"/>
+                <a16:creationId xmlns:a16="http://schemas.microsoft.com/office/drawing/2014/main" id="{5DD81B33-3C10-4B58-9ACC-5628B021DE57}"/>
               </a:ext>
             </a:extLst>
           </p:cNvPr>
@@ -17456,7 +17461,7 @@
           <p:cNvPr id="47" name="표 46">
             <a:extLst>
               <a:ext uri="{FF2B5EF4-FFF2-40B4-BE49-F238E27FC236}">
-                <a16:creationId xmlns:a16="http://schemas.microsoft.com/office/drawing/2014/main" xmlns="" id="{1D30BC24-FFA8-490B-AE9D-02A0F0A6B7A2}"/>
+                <a16:creationId xmlns:a16="http://schemas.microsoft.com/office/drawing/2014/main" id="{1D30BC24-FFA8-490B-AE9D-02A0F0A6B7A2}"/>
               </a:ext>
             </a:extLst>
           </p:cNvPr>
@@ -17485,21 +17490,21 @@
                 <a:gridCol w="1295988">
                   <a:extLst>
                     <a:ext uri="{9D8B030D-6E8A-4147-A177-3AD203B41FA5}">
-                      <a16:colId xmlns:a16="http://schemas.microsoft.com/office/drawing/2014/main" xmlns="" val="2887738532"/>
+                      <a16:colId xmlns:a16="http://schemas.microsoft.com/office/drawing/2014/main" val="2887738532"/>
                     </a:ext>
                   </a:extLst>
                 </a:gridCol>
                 <a:gridCol w="1975381">
                   <a:extLst>
                     <a:ext uri="{9D8B030D-6E8A-4147-A177-3AD203B41FA5}">
-                      <a16:colId xmlns:a16="http://schemas.microsoft.com/office/drawing/2014/main" xmlns="" val="3449779131"/>
+                      <a16:colId xmlns:a16="http://schemas.microsoft.com/office/drawing/2014/main" val="3449779131"/>
                     </a:ext>
                   </a:extLst>
                 </a:gridCol>
                 <a:gridCol w="4503120">
                   <a:extLst>
                     <a:ext uri="{9D8B030D-6E8A-4147-A177-3AD203B41FA5}">
-                      <a16:colId xmlns:a16="http://schemas.microsoft.com/office/drawing/2014/main" xmlns="" val="2999485284"/>
+                      <a16:colId xmlns:a16="http://schemas.microsoft.com/office/drawing/2014/main" val="2999485284"/>
                     </a:ext>
                   </a:extLst>
                 </a:gridCol>
@@ -17570,7 +17575,7 @@
                 </a:tc>
                 <a:extLst>
                   <a:ext uri="{0D108BD9-81ED-4DB2-BD59-A6C34878D82A}">
-                    <a16:rowId xmlns:a16="http://schemas.microsoft.com/office/drawing/2014/main" xmlns="" val="4215197872"/>
+                    <a16:rowId xmlns:a16="http://schemas.microsoft.com/office/drawing/2014/main" val="4215197872"/>
                   </a:ext>
                 </a:extLst>
               </a:tr>
@@ -17620,7 +17625,7 @@
                 </a:tc>
                 <a:extLst>
                   <a:ext uri="{0D108BD9-81ED-4DB2-BD59-A6C34878D82A}">
-                    <a16:rowId xmlns:a16="http://schemas.microsoft.com/office/drawing/2014/main" xmlns="" val="1488436910"/>
+                    <a16:rowId xmlns:a16="http://schemas.microsoft.com/office/drawing/2014/main" val="1488436910"/>
                   </a:ext>
                 </a:extLst>
               </a:tr>
@@ -17686,7 +17691,7 @@
                 </a:tc>
                 <a:extLst>
                   <a:ext uri="{0D108BD9-81ED-4DB2-BD59-A6C34878D82A}">
-                    <a16:rowId xmlns:a16="http://schemas.microsoft.com/office/drawing/2014/main" xmlns="" val="3962380499"/>
+                    <a16:rowId xmlns:a16="http://schemas.microsoft.com/office/drawing/2014/main" val="3962380499"/>
                   </a:ext>
                 </a:extLst>
               </a:tr>
@@ -17753,7 +17758,7 @@
                 </a:tc>
                 <a:extLst>
                   <a:ext uri="{0D108BD9-81ED-4DB2-BD59-A6C34878D82A}">
-                    <a16:rowId xmlns:a16="http://schemas.microsoft.com/office/drawing/2014/main" xmlns="" val="2061246058"/>
+                    <a16:rowId xmlns:a16="http://schemas.microsoft.com/office/drawing/2014/main" val="2061246058"/>
                   </a:ext>
                 </a:extLst>
               </a:tr>
@@ -17816,7 +17821,7 @@
                 </a:tc>
                 <a:extLst>
                   <a:ext uri="{0D108BD9-81ED-4DB2-BD59-A6C34878D82A}">
-                    <a16:rowId xmlns:a16="http://schemas.microsoft.com/office/drawing/2014/main" xmlns="" val="2880443903"/>
+                    <a16:rowId xmlns:a16="http://schemas.microsoft.com/office/drawing/2014/main" val="2880443903"/>
                   </a:ext>
                 </a:extLst>
               </a:tr>
@@ -17879,7 +17884,7 @@
                 </a:tc>
                 <a:extLst>
                   <a:ext uri="{0D108BD9-81ED-4DB2-BD59-A6C34878D82A}">
-                    <a16:rowId xmlns:a16="http://schemas.microsoft.com/office/drawing/2014/main" xmlns="" val="1699605084"/>
+                    <a16:rowId xmlns:a16="http://schemas.microsoft.com/office/drawing/2014/main" val="1699605084"/>
                   </a:ext>
                 </a:extLst>
               </a:tr>
@@ -17961,7 +17966,7 @@
                 </a:tc>
                 <a:extLst>
                   <a:ext uri="{0D108BD9-81ED-4DB2-BD59-A6C34878D82A}">
-                    <a16:rowId xmlns:a16="http://schemas.microsoft.com/office/drawing/2014/main" xmlns="" val="3673702031"/>
+                    <a16:rowId xmlns:a16="http://schemas.microsoft.com/office/drawing/2014/main" val="3673702031"/>
                   </a:ext>
                 </a:extLst>
               </a:tr>
@@ -18040,7 +18045,7 @@
                 </a:tc>
                 <a:extLst>
                   <a:ext uri="{0D108BD9-81ED-4DB2-BD59-A6C34878D82A}">
-                    <a16:rowId xmlns:a16="http://schemas.microsoft.com/office/drawing/2014/main" xmlns="" val="1031162340"/>
+                    <a16:rowId xmlns:a16="http://schemas.microsoft.com/office/drawing/2014/main" val="1031162340"/>
                   </a:ext>
                 </a:extLst>
               </a:tr>
@@ -18101,7 +18106,7 @@
           <p:cNvPr id="22" name="내용 개체 틀 2">
             <a:extLst>
               <a:ext uri="{FF2B5EF4-FFF2-40B4-BE49-F238E27FC236}">
-                <a16:creationId xmlns:a16="http://schemas.microsoft.com/office/drawing/2014/main" xmlns="" id="{98AF3A4E-7D90-4241-89FE-799D6F9D5A94}"/>
+                <a16:creationId xmlns:a16="http://schemas.microsoft.com/office/drawing/2014/main" id="{98AF3A4E-7D90-4241-89FE-799D6F9D5A94}"/>
               </a:ext>
             </a:extLst>
           </p:cNvPr>
@@ -18440,7 +18445,7 @@
           <p:cNvPr id="10" name="내용 개체 틀 2">
             <a:extLst>
               <a:ext uri="{FF2B5EF4-FFF2-40B4-BE49-F238E27FC236}">
-                <a16:creationId xmlns="" xmlns:a16="http://schemas.microsoft.com/office/drawing/2014/main" id="{98AF3A4E-7D90-4241-89FE-799D6F9D5A94}"/>
+                <a16:creationId xmlns:a16="http://schemas.microsoft.com/office/drawing/2014/main" id="{98AF3A4E-7D90-4241-89FE-799D6F9D5A94}"/>
               </a:ext>
             </a:extLst>
           </p:cNvPr>
@@ -18755,7 +18760,7 @@
           <p:cNvPr id="6" name="표 5">
             <a:extLst>
               <a:ext uri="{FF2B5EF4-FFF2-40B4-BE49-F238E27FC236}">
-                <a16:creationId xmlns:a16="http://schemas.microsoft.com/office/drawing/2014/main" xmlns="" id="{9D1C71B3-FC1A-48F7-B09D-713D710174F7}"/>
+                <a16:creationId xmlns:a16="http://schemas.microsoft.com/office/drawing/2014/main" id="{9D1C71B3-FC1A-48F7-B09D-713D710174F7}"/>
               </a:ext>
             </a:extLst>
           </p:cNvPr>
@@ -18784,7 +18789,7 @@
                 <a:gridCol w="3156348">
                   <a:extLst>
                     <a:ext uri="{9D8B030D-6E8A-4147-A177-3AD203B41FA5}">
-                      <a16:colId xmlns:a16="http://schemas.microsoft.com/office/drawing/2014/main" xmlns="" val="3058073475"/>
+                      <a16:colId xmlns:a16="http://schemas.microsoft.com/office/drawing/2014/main" val="3058073475"/>
                     </a:ext>
                   </a:extLst>
                 </a:gridCol>
@@ -18991,7 +18996,7 @@
                 </a:tc>
                 <a:extLst>
                   <a:ext uri="{0D108BD9-81ED-4DB2-BD59-A6C34878D82A}">
-                    <a16:rowId xmlns:a16="http://schemas.microsoft.com/office/drawing/2014/main" xmlns="" val="1680081826"/>
+                    <a16:rowId xmlns:a16="http://schemas.microsoft.com/office/drawing/2014/main" val="1680081826"/>
                   </a:ext>
                 </a:extLst>
               </a:tr>
@@ -19004,7 +19009,7 @@
           <p:cNvPr id="7" name="표 6">
             <a:extLst>
               <a:ext uri="{FF2B5EF4-FFF2-40B4-BE49-F238E27FC236}">
-                <a16:creationId xmlns:a16="http://schemas.microsoft.com/office/drawing/2014/main" xmlns="" id="{0CE8EED0-65B0-48C9-9E39-C37334B94B8E}"/>
+                <a16:creationId xmlns:a16="http://schemas.microsoft.com/office/drawing/2014/main" id="{0CE8EED0-65B0-48C9-9E39-C37334B94B8E}"/>
               </a:ext>
             </a:extLst>
           </p:cNvPr>
@@ -19033,7 +19038,7 @@
                 <a:gridCol w="4439415">
                   <a:extLst>
                     <a:ext uri="{9D8B030D-6E8A-4147-A177-3AD203B41FA5}">
-                      <a16:colId xmlns:a16="http://schemas.microsoft.com/office/drawing/2014/main" xmlns="" val="3058073475"/>
+                      <a16:colId xmlns:a16="http://schemas.microsoft.com/office/drawing/2014/main" val="3058073475"/>
                     </a:ext>
                   </a:extLst>
                 </a:gridCol>
@@ -19167,7 +19172,7 @@
                 </a:tc>
                 <a:extLst>
                   <a:ext uri="{0D108BD9-81ED-4DB2-BD59-A6C34878D82A}">
-                    <a16:rowId xmlns:a16="http://schemas.microsoft.com/office/drawing/2014/main" xmlns="" val="1680081826"/>
+                    <a16:rowId xmlns:a16="http://schemas.microsoft.com/office/drawing/2014/main" val="1680081826"/>
                   </a:ext>
                 </a:extLst>
               </a:tr>
@@ -19180,7 +19185,7 @@
           <p:cNvPr id="8" name="TextBox 7">
             <a:extLst>
               <a:ext uri="{FF2B5EF4-FFF2-40B4-BE49-F238E27FC236}">
-                <a16:creationId xmlns:a16="http://schemas.microsoft.com/office/drawing/2014/main" xmlns="" id="{C7F4F14B-265B-46DD-A725-91BD64960136}"/>
+                <a16:creationId xmlns:a16="http://schemas.microsoft.com/office/drawing/2014/main" id="{C7F4F14B-265B-46DD-A725-91BD64960136}"/>
               </a:ext>
             </a:extLst>
           </p:cNvPr>
@@ -19273,7 +19278,7 @@
           <p:cNvPr id="9" name="TextBox 8">
             <a:extLst>
               <a:ext uri="{FF2B5EF4-FFF2-40B4-BE49-F238E27FC236}">
-                <a16:creationId xmlns:a16="http://schemas.microsoft.com/office/drawing/2014/main" xmlns="" id="{018675D8-1D5D-4734-9CF0-8EEE8CCDC125}"/>
+                <a16:creationId xmlns:a16="http://schemas.microsoft.com/office/drawing/2014/main" id="{018675D8-1D5D-4734-9CF0-8EEE8CCDC125}"/>
               </a:ext>
             </a:extLst>
           </p:cNvPr>
@@ -19630,7 +19635,7 @@
           <p:cNvPr id="6" name="표 5">
             <a:extLst>
               <a:ext uri="{FF2B5EF4-FFF2-40B4-BE49-F238E27FC236}">
-                <a16:creationId xmlns:a16="http://schemas.microsoft.com/office/drawing/2014/main" xmlns="" id="{71241191-1320-448B-958D-8CB79767C029}"/>
+                <a16:creationId xmlns:a16="http://schemas.microsoft.com/office/drawing/2014/main" id="{71241191-1320-448B-958D-8CB79767C029}"/>
               </a:ext>
             </a:extLst>
           </p:cNvPr>
@@ -19659,21 +19664,21 @@
                 <a:gridCol w="1352396">
                   <a:extLst>
                     <a:ext uri="{9D8B030D-6E8A-4147-A177-3AD203B41FA5}">
-                      <a16:colId xmlns:a16="http://schemas.microsoft.com/office/drawing/2014/main" xmlns="" val="2999485284"/>
+                      <a16:colId xmlns:a16="http://schemas.microsoft.com/office/drawing/2014/main" val="2999485284"/>
                     </a:ext>
                   </a:extLst>
                 </a:gridCol>
                 <a:gridCol w="1550676">
                   <a:extLst>
                     <a:ext uri="{9D8B030D-6E8A-4147-A177-3AD203B41FA5}">
-                      <a16:colId xmlns:a16="http://schemas.microsoft.com/office/drawing/2014/main" xmlns="" val="1302133471"/>
+                      <a16:colId xmlns:a16="http://schemas.microsoft.com/office/drawing/2014/main" val="1302133471"/>
                     </a:ext>
                   </a:extLst>
                 </a:gridCol>
                 <a:gridCol w="4491906">
                   <a:extLst>
                     <a:ext uri="{9D8B030D-6E8A-4147-A177-3AD203B41FA5}">
-                      <a16:colId xmlns:a16="http://schemas.microsoft.com/office/drawing/2014/main" xmlns="" val="3478021724"/>
+                      <a16:colId xmlns:a16="http://schemas.microsoft.com/office/drawing/2014/main" val="3478021724"/>
                     </a:ext>
                   </a:extLst>
                 </a:gridCol>
@@ -19745,7 +19750,7 @@
                 </a:tc>
                 <a:extLst>
                   <a:ext uri="{0D108BD9-81ED-4DB2-BD59-A6C34878D82A}">
-                    <a16:rowId xmlns:a16="http://schemas.microsoft.com/office/drawing/2014/main" xmlns="" val="4215197872"/>
+                    <a16:rowId xmlns:a16="http://schemas.microsoft.com/office/drawing/2014/main" val="4215197872"/>
                   </a:ext>
                 </a:extLst>
               </a:tr>
@@ -19819,7 +19824,7 @@
                 </a:tc>
                 <a:extLst>
                   <a:ext uri="{0D108BD9-81ED-4DB2-BD59-A6C34878D82A}">
-                    <a16:rowId xmlns:a16="http://schemas.microsoft.com/office/drawing/2014/main" xmlns="" val="1488436910"/>
+                    <a16:rowId xmlns:a16="http://schemas.microsoft.com/office/drawing/2014/main" val="1488436910"/>
                   </a:ext>
                 </a:extLst>
               </a:tr>
@@ -19878,7 +19883,7 @@
                 </a:tc>
                 <a:extLst>
                   <a:ext uri="{0D108BD9-81ED-4DB2-BD59-A6C34878D82A}">
-                    <a16:rowId xmlns:a16="http://schemas.microsoft.com/office/drawing/2014/main" xmlns="" val="1701167864"/>
+                    <a16:rowId xmlns:a16="http://schemas.microsoft.com/office/drawing/2014/main" val="1701167864"/>
                   </a:ext>
                 </a:extLst>
               </a:tr>
@@ -19941,7 +19946,7 @@
                 </a:tc>
                 <a:extLst>
                   <a:ext uri="{0D108BD9-81ED-4DB2-BD59-A6C34878D82A}">
-                    <a16:rowId xmlns:a16="http://schemas.microsoft.com/office/drawing/2014/main" xmlns="" val="631478700"/>
+                    <a16:rowId xmlns:a16="http://schemas.microsoft.com/office/drawing/2014/main" val="631478700"/>
                   </a:ext>
                 </a:extLst>
               </a:tr>
@@ -19991,7 +19996,7 @@
           <p:cNvPr id="8" name="TextBox 7">
             <a:extLst>
               <a:ext uri="{FF2B5EF4-FFF2-40B4-BE49-F238E27FC236}">
-                <a16:creationId xmlns:a16="http://schemas.microsoft.com/office/drawing/2014/main" xmlns="" id="{C7F4F14B-265B-46DD-A725-91BD64960136}"/>
+                <a16:creationId xmlns:a16="http://schemas.microsoft.com/office/drawing/2014/main" id="{C7F4F14B-265B-46DD-A725-91BD64960136}"/>
               </a:ext>
             </a:extLst>
           </p:cNvPr>
@@ -20079,7 +20084,7 @@
           <p:cNvPr id="4" name="TextBox 3">
             <a:extLst>
               <a:ext uri="{FF2B5EF4-FFF2-40B4-BE49-F238E27FC236}">
-                <a16:creationId xmlns:a16="http://schemas.microsoft.com/office/drawing/2014/main" xmlns="" id="{DABE89A6-533F-4367-A602-9ECEC9076468}"/>
+                <a16:creationId xmlns:a16="http://schemas.microsoft.com/office/drawing/2014/main" id="{DABE89A6-533F-4367-A602-9ECEC9076468}"/>
               </a:ext>
             </a:extLst>
           </p:cNvPr>
@@ -20148,7 +20153,7 @@
             <p:cNvPr id="5" name="사각형: 둥근 모서리 4">
               <a:extLst>
                 <a:ext uri="{FF2B5EF4-FFF2-40B4-BE49-F238E27FC236}">
-                  <a16:creationId xmlns:a16="http://schemas.microsoft.com/office/drawing/2014/main" xmlns="" id="{DAA95F64-EA57-4B0A-8DAC-8F59AF8587E0}"/>
+                  <a16:creationId xmlns:a16="http://schemas.microsoft.com/office/drawing/2014/main" id="{DAA95F64-EA57-4B0A-8DAC-8F59AF8587E0}"/>
                 </a:ext>
               </a:extLst>
             </p:cNvPr>
@@ -20234,7 +20239,7 @@
             <p:cNvPr id="6" name="타원 5">
               <a:extLst>
                 <a:ext uri="{FF2B5EF4-FFF2-40B4-BE49-F238E27FC236}">
-                  <a16:creationId xmlns:a16="http://schemas.microsoft.com/office/drawing/2014/main" xmlns="" id="{545A2248-DE63-421E-9662-0A63ED8E99D3}"/>
+                  <a16:creationId xmlns:a16="http://schemas.microsoft.com/office/drawing/2014/main" id="{545A2248-DE63-421E-9662-0A63ED8E99D3}"/>
                 </a:ext>
               </a:extLst>
             </p:cNvPr>
@@ -20306,7 +20311,7 @@
             <p:cNvPr id="7" name="사각형: 둥근 모서리 6">
               <a:extLst>
                 <a:ext uri="{FF2B5EF4-FFF2-40B4-BE49-F238E27FC236}">
-                  <a16:creationId xmlns:a16="http://schemas.microsoft.com/office/drawing/2014/main" xmlns="" id="{BD008B58-3B07-4599-8A1F-866791D2B574}"/>
+                  <a16:creationId xmlns:a16="http://schemas.microsoft.com/office/drawing/2014/main" id="{BD008B58-3B07-4599-8A1F-866791D2B574}"/>
                 </a:ext>
               </a:extLst>
             </p:cNvPr>
@@ -20388,7 +20393,7 @@
             <p:cNvPr id="9" name="타원 8">
               <a:extLst>
                 <a:ext uri="{FF2B5EF4-FFF2-40B4-BE49-F238E27FC236}">
-                  <a16:creationId xmlns:a16="http://schemas.microsoft.com/office/drawing/2014/main" xmlns="" id="{950D67FD-B0D7-4EDC-9631-56D6EC89D5F8}"/>
+                  <a16:creationId xmlns:a16="http://schemas.microsoft.com/office/drawing/2014/main" id="{950D67FD-B0D7-4EDC-9631-56D6EC89D5F8}"/>
                 </a:ext>
               </a:extLst>
             </p:cNvPr>
@@ -20460,7 +20465,7 @@
             <p:cNvPr id="11" name="직선 화살표 연결선 10">
               <a:extLst>
                 <a:ext uri="{FF2B5EF4-FFF2-40B4-BE49-F238E27FC236}">
-                  <a16:creationId xmlns:a16="http://schemas.microsoft.com/office/drawing/2014/main" xmlns="" id="{ED6DC7B1-86A1-4E35-B826-3243AA759CC5}"/>
+                  <a16:creationId xmlns:a16="http://schemas.microsoft.com/office/drawing/2014/main" id="{ED6DC7B1-86A1-4E35-B826-3243AA759CC5}"/>
                 </a:ext>
               </a:extLst>
             </p:cNvPr>
@@ -20504,7 +20509,7 @@
             <p:cNvPr id="12" name="직선 화살표 연결선 11">
               <a:extLst>
                 <a:ext uri="{FF2B5EF4-FFF2-40B4-BE49-F238E27FC236}">
-                  <a16:creationId xmlns:a16="http://schemas.microsoft.com/office/drawing/2014/main" xmlns="" id="{AAEDE0F6-09A4-49A0-84CD-CB2DB539E85F}"/>
+                  <a16:creationId xmlns:a16="http://schemas.microsoft.com/office/drawing/2014/main" id="{AAEDE0F6-09A4-49A0-84CD-CB2DB539E85F}"/>
                 </a:ext>
               </a:extLst>
             </p:cNvPr>
@@ -20548,7 +20553,7 @@
             <p:cNvPr id="13" name="자유형: 도형 12">
               <a:extLst>
                 <a:ext uri="{FF2B5EF4-FFF2-40B4-BE49-F238E27FC236}">
-                  <a16:creationId xmlns:a16="http://schemas.microsoft.com/office/drawing/2014/main" xmlns="" id="{AD8F86C2-C59F-4F13-B058-ED71FC97C112}"/>
+                  <a16:creationId xmlns:a16="http://schemas.microsoft.com/office/drawing/2014/main" id="{AD8F86C2-C59F-4F13-B058-ED71FC97C112}"/>
                 </a:ext>
               </a:extLst>
             </p:cNvPr>
@@ -20636,7 +20641,7 @@
             <p:cNvPr id="14" name="직선 화살표 연결선 13">
               <a:extLst>
                 <a:ext uri="{FF2B5EF4-FFF2-40B4-BE49-F238E27FC236}">
-                  <a16:creationId xmlns:a16="http://schemas.microsoft.com/office/drawing/2014/main" xmlns="" id="{CDBE2CE8-E894-4D74-B4A5-4490C0DA3360}"/>
+                  <a16:creationId xmlns:a16="http://schemas.microsoft.com/office/drawing/2014/main" id="{CDBE2CE8-E894-4D74-B4A5-4490C0DA3360}"/>
                 </a:ext>
               </a:extLst>
             </p:cNvPr>
@@ -20680,7 +20685,7 @@
             <p:cNvPr id="15" name="TextBox 14">
               <a:extLst>
                 <a:ext uri="{FF2B5EF4-FFF2-40B4-BE49-F238E27FC236}">
-                  <a16:creationId xmlns:a16="http://schemas.microsoft.com/office/drawing/2014/main" xmlns="" id="{8BED18BE-0117-4B26-ADEA-40AE3E739552}"/>
+                  <a16:creationId xmlns:a16="http://schemas.microsoft.com/office/drawing/2014/main" id="{8BED18BE-0117-4B26-ADEA-40AE3E739552}"/>
                 </a:ext>
               </a:extLst>
             </p:cNvPr>
@@ -20716,7 +20721,7 @@
             <p:cNvPr id="16" name="TextBox 15">
               <a:extLst>
                 <a:ext uri="{FF2B5EF4-FFF2-40B4-BE49-F238E27FC236}">
-                  <a16:creationId xmlns:a16="http://schemas.microsoft.com/office/drawing/2014/main" xmlns="" id="{F58CAA0B-4372-41AE-A262-DABDFE272267}"/>
+                  <a16:creationId xmlns:a16="http://schemas.microsoft.com/office/drawing/2014/main" id="{F58CAA0B-4372-41AE-A262-DABDFE272267}"/>
                 </a:ext>
               </a:extLst>
             </p:cNvPr>
@@ -20756,7 +20761,7 @@
             <p:cNvPr id="17" name="TextBox 16">
               <a:extLst>
                 <a:ext uri="{FF2B5EF4-FFF2-40B4-BE49-F238E27FC236}">
-                  <a16:creationId xmlns:a16="http://schemas.microsoft.com/office/drawing/2014/main" xmlns="" id="{04346DF9-7CDF-4200-ADBA-D5D5D622B1B9}"/>
+                  <a16:creationId xmlns:a16="http://schemas.microsoft.com/office/drawing/2014/main" id="{04346DF9-7CDF-4200-ADBA-D5D5D622B1B9}"/>
                 </a:ext>
               </a:extLst>
             </p:cNvPr>
@@ -20801,7 +20806,7 @@
             <p:cNvPr id="18" name="TextBox 17">
               <a:extLst>
                 <a:ext uri="{FF2B5EF4-FFF2-40B4-BE49-F238E27FC236}">
-                  <a16:creationId xmlns:a16="http://schemas.microsoft.com/office/drawing/2014/main" xmlns="" id="{13491EB5-806A-47CD-A9B8-2391C5637440}"/>
+                  <a16:creationId xmlns:a16="http://schemas.microsoft.com/office/drawing/2014/main" id="{13491EB5-806A-47CD-A9B8-2391C5637440}"/>
                 </a:ext>
               </a:extLst>
             </p:cNvPr>
@@ -20839,7 +20844,7 @@
           <p:cNvPr id="20" name="내용 개체 틀 2">
             <a:extLst>
               <a:ext uri="{FF2B5EF4-FFF2-40B4-BE49-F238E27FC236}">
-                <a16:creationId xmlns:a16="http://schemas.microsoft.com/office/drawing/2014/main" xmlns="" id="{98AF3A4E-7D90-4241-89FE-799D6F9D5A94}"/>
+                <a16:creationId xmlns:a16="http://schemas.microsoft.com/office/drawing/2014/main" id="{98AF3A4E-7D90-4241-89FE-799D6F9D5A94}"/>
               </a:ext>
             </a:extLst>
           </p:cNvPr>
@@ -21776,7 +21781,7 @@
           <p:cNvPr id="7" name="내용 개체 틀 2">
             <a:extLst>
               <a:ext uri="{FF2B5EF4-FFF2-40B4-BE49-F238E27FC236}">
-                <a16:creationId xmlns:a16="http://schemas.microsoft.com/office/drawing/2014/main" xmlns="" id="{98AF3A4E-7D90-4241-89FE-799D6F9D5A94}"/>
+                <a16:creationId xmlns:a16="http://schemas.microsoft.com/office/drawing/2014/main" id="{98AF3A4E-7D90-4241-89FE-799D6F9D5A94}"/>
               </a:ext>
             </a:extLst>
           </p:cNvPr>
@@ -22478,7 +22483,7 @@
           <p:cNvPr id="7" name="내용 개체 틀 2">
             <a:extLst>
               <a:ext uri="{FF2B5EF4-FFF2-40B4-BE49-F238E27FC236}">
-                <a16:creationId xmlns:a16="http://schemas.microsoft.com/office/drawing/2014/main" xmlns="" id="{98AF3A4E-7D90-4241-89FE-799D6F9D5A94}"/>
+                <a16:creationId xmlns:a16="http://schemas.microsoft.com/office/drawing/2014/main" id="{98AF3A4E-7D90-4241-89FE-799D6F9D5A94}"/>
               </a:ext>
             </a:extLst>
           </p:cNvPr>
@@ -22721,7 +22726,7 @@
           <p:cNvPr id="33" name="사각형: 둥근 모서리 7">
             <a:extLst>
               <a:ext uri="{FF2B5EF4-FFF2-40B4-BE49-F238E27FC236}">
-                <a16:creationId xmlns:a16="http://schemas.microsoft.com/office/drawing/2014/main" xmlns="" id="{16A0C1F1-D33A-4B93-8B2D-B2FEAA1FA0D0}"/>
+                <a16:creationId xmlns:a16="http://schemas.microsoft.com/office/drawing/2014/main" id="{16A0C1F1-D33A-4B93-8B2D-B2FEAA1FA0D0}"/>
               </a:ext>
             </a:extLst>
           </p:cNvPr>
@@ -22820,7 +22825,7 @@
           <p:cNvPr id="34" name="사각형: 둥근 모서리 29">
             <a:extLst>
               <a:ext uri="{FF2B5EF4-FFF2-40B4-BE49-F238E27FC236}">
-                <a16:creationId xmlns:a16="http://schemas.microsoft.com/office/drawing/2014/main" xmlns="" id="{0E8692AE-FFF0-47C4-94F8-AA3823AD50FD}"/>
+                <a16:creationId xmlns:a16="http://schemas.microsoft.com/office/drawing/2014/main" id="{0E8692AE-FFF0-47C4-94F8-AA3823AD50FD}"/>
               </a:ext>
             </a:extLst>
           </p:cNvPr>
@@ -22876,7 +22881,7 @@
           <p:cNvPr id="38" name="이등변 삼각형 37">
             <a:extLst>
               <a:ext uri="{FF2B5EF4-FFF2-40B4-BE49-F238E27FC236}">
-                <a16:creationId xmlns:a16="http://schemas.microsoft.com/office/drawing/2014/main" xmlns="" id="{1DED755A-66B1-487D-864F-30BC6D6D4018}"/>
+                <a16:creationId xmlns:a16="http://schemas.microsoft.com/office/drawing/2014/main" id="{1DED755A-66B1-487D-864F-30BC6D6D4018}"/>
               </a:ext>
             </a:extLst>
           </p:cNvPr>
@@ -22920,7 +22925,7 @@
           <p:cNvPr id="39" name="직선 연결선 38">
             <a:extLst>
               <a:ext uri="{FF2B5EF4-FFF2-40B4-BE49-F238E27FC236}">
-                <a16:creationId xmlns:a16="http://schemas.microsoft.com/office/drawing/2014/main" xmlns="" id="{93AF6A65-577F-41C6-B586-5AF131748EBC}"/>
+                <a16:creationId xmlns:a16="http://schemas.microsoft.com/office/drawing/2014/main" id="{93AF6A65-577F-41C6-B586-5AF131748EBC}"/>
               </a:ext>
             </a:extLst>
           </p:cNvPr>
@@ -22960,7 +22965,7 @@
           <p:cNvPr id="40" name="직선 연결선 39">
             <a:extLst>
               <a:ext uri="{FF2B5EF4-FFF2-40B4-BE49-F238E27FC236}">
-                <a16:creationId xmlns:a16="http://schemas.microsoft.com/office/drawing/2014/main" xmlns="" id="{A1AF82F8-8CB7-457E-9E67-B17335DB50EE}"/>
+                <a16:creationId xmlns:a16="http://schemas.microsoft.com/office/drawing/2014/main" id="{A1AF82F8-8CB7-457E-9E67-B17335DB50EE}"/>
               </a:ext>
             </a:extLst>
           </p:cNvPr>
@@ -22997,7 +23002,7 @@
           <p:cNvPr id="41" name="직선 연결선 40">
             <a:extLst>
               <a:ext uri="{FF2B5EF4-FFF2-40B4-BE49-F238E27FC236}">
-                <a16:creationId xmlns:a16="http://schemas.microsoft.com/office/drawing/2014/main" xmlns="" id="{8B5B512E-908F-4494-9A08-8F68C46F1216}"/>
+                <a16:creationId xmlns:a16="http://schemas.microsoft.com/office/drawing/2014/main" id="{8B5B512E-908F-4494-9A08-8F68C46F1216}"/>
               </a:ext>
             </a:extLst>
           </p:cNvPr>
@@ -23034,7 +23039,7 @@
           <p:cNvPr id="42" name="직선 연결선 41">
             <a:extLst>
               <a:ext uri="{FF2B5EF4-FFF2-40B4-BE49-F238E27FC236}">
-                <a16:creationId xmlns:a16="http://schemas.microsoft.com/office/drawing/2014/main" xmlns="" id="{FB268566-C15F-4E6E-898E-558170394073}"/>
+                <a16:creationId xmlns:a16="http://schemas.microsoft.com/office/drawing/2014/main" id="{FB268566-C15F-4E6E-898E-558170394073}"/>
               </a:ext>
             </a:extLst>
           </p:cNvPr>
@@ -23071,7 +23076,7 @@
           <p:cNvPr id="44" name="사각형: 둥근 모서리 29">
             <a:extLst>
               <a:ext uri="{FF2B5EF4-FFF2-40B4-BE49-F238E27FC236}">
-                <a16:creationId xmlns:a16="http://schemas.microsoft.com/office/drawing/2014/main" xmlns="" id="{0E8692AE-FFF0-47C4-94F8-AA3823AD50FD}"/>
+                <a16:creationId xmlns:a16="http://schemas.microsoft.com/office/drawing/2014/main" id="{0E8692AE-FFF0-47C4-94F8-AA3823AD50FD}"/>
               </a:ext>
             </a:extLst>
           </p:cNvPr>
@@ -23127,7 +23132,7 @@
           <p:cNvPr id="45" name="사각형: 둥근 모서리 29">
             <a:extLst>
               <a:ext uri="{FF2B5EF4-FFF2-40B4-BE49-F238E27FC236}">
-                <a16:creationId xmlns:a16="http://schemas.microsoft.com/office/drawing/2014/main" xmlns="" id="{0E8692AE-FFF0-47C4-94F8-AA3823AD50FD}"/>
+                <a16:creationId xmlns:a16="http://schemas.microsoft.com/office/drawing/2014/main" id="{0E8692AE-FFF0-47C4-94F8-AA3823AD50FD}"/>
               </a:ext>
             </a:extLst>
           </p:cNvPr>
@@ -23316,7 +23321,7 @@
           <p:cNvPr id="10" name="내용 개체 틀 2">
             <a:extLst>
               <a:ext uri="{FF2B5EF4-FFF2-40B4-BE49-F238E27FC236}">
-                <a16:creationId xmlns="" xmlns:a16="http://schemas.microsoft.com/office/drawing/2014/main" id="{98AF3A4E-7D90-4241-89FE-799D6F9D5A94}"/>
+                <a16:creationId xmlns:a16="http://schemas.microsoft.com/office/drawing/2014/main" id="{98AF3A4E-7D90-4241-89FE-799D6F9D5A94}"/>
               </a:ext>
             </a:extLst>
           </p:cNvPr>
@@ -23841,7 +23846,7 @@
           <p:cNvPr id="7" name="내용 개체 틀 2">
             <a:extLst>
               <a:ext uri="{FF2B5EF4-FFF2-40B4-BE49-F238E27FC236}">
-                <a16:creationId xmlns:a16="http://schemas.microsoft.com/office/drawing/2014/main" xmlns="" id="{98AF3A4E-7D90-4241-89FE-799D6F9D5A94}"/>
+                <a16:creationId xmlns:a16="http://schemas.microsoft.com/office/drawing/2014/main" id="{98AF3A4E-7D90-4241-89FE-799D6F9D5A94}"/>
               </a:ext>
             </a:extLst>
           </p:cNvPr>
@@ -24084,7 +24089,7 @@
           <p:cNvPr id="46" name="표 45">
             <a:extLst>
               <a:ext uri="{FF2B5EF4-FFF2-40B4-BE49-F238E27FC236}">
-                <a16:creationId xmlns:a16="http://schemas.microsoft.com/office/drawing/2014/main" xmlns="" id="{87908839-6D83-432F-8CE5-B33149AF3252}"/>
+                <a16:creationId xmlns:a16="http://schemas.microsoft.com/office/drawing/2014/main" id="{87908839-6D83-432F-8CE5-B33149AF3252}"/>
               </a:ext>
             </a:extLst>
           </p:cNvPr>
@@ -24113,14 +24118,14 @@
                 <a:gridCol w="1464368">
                   <a:extLst>
                     <a:ext uri="{9D8B030D-6E8A-4147-A177-3AD203B41FA5}">
-                      <a16:colId xmlns:a16="http://schemas.microsoft.com/office/drawing/2014/main" xmlns="" val="2887738532"/>
+                      <a16:colId xmlns:a16="http://schemas.microsoft.com/office/drawing/2014/main" val="2887738532"/>
                     </a:ext>
                   </a:extLst>
                 </a:gridCol>
                 <a:gridCol w="5400600">
                   <a:extLst>
                     <a:ext uri="{9D8B030D-6E8A-4147-A177-3AD203B41FA5}">
-                      <a16:colId xmlns:a16="http://schemas.microsoft.com/office/drawing/2014/main" xmlns="" val="2999485284"/>
+                      <a16:colId xmlns:a16="http://schemas.microsoft.com/office/drawing/2014/main" val="2999485284"/>
                     </a:ext>
                   </a:extLst>
                 </a:gridCol>
@@ -24175,7 +24180,7 @@
                 </a:tc>
                 <a:extLst>
                   <a:ext uri="{0D108BD9-81ED-4DB2-BD59-A6C34878D82A}">
-                    <a16:rowId xmlns:a16="http://schemas.microsoft.com/office/drawing/2014/main" xmlns="" val="4215197872"/>
+                    <a16:rowId xmlns:a16="http://schemas.microsoft.com/office/drawing/2014/main" val="4215197872"/>
                   </a:ext>
                 </a:extLst>
               </a:tr>
@@ -24321,7 +24326,7 @@
                 </a:tc>
                 <a:extLst>
                   <a:ext uri="{0D108BD9-81ED-4DB2-BD59-A6C34878D82A}">
-                    <a16:rowId xmlns:a16="http://schemas.microsoft.com/office/drawing/2014/main" xmlns="" val="1488436910"/>
+                    <a16:rowId xmlns:a16="http://schemas.microsoft.com/office/drawing/2014/main" val="1488436910"/>
                   </a:ext>
                 </a:extLst>
               </a:tr>
@@ -24334,7 +24339,7 @@
           <p:cNvPr id="15" name="사각형: 둥근 모서리 7">
             <a:extLst>
               <a:ext uri="{FF2B5EF4-FFF2-40B4-BE49-F238E27FC236}">
-                <a16:creationId xmlns:a16="http://schemas.microsoft.com/office/drawing/2014/main" xmlns="" id="{2BA22EB7-1106-4D65-89F7-AB1E1341D8A9}"/>
+                <a16:creationId xmlns:a16="http://schemas.microsoft.com/office/drawing/2014/main" id="{2BA22EB7-1106-4D65-89F7-AB1E1341D8A9}"/>
               </a:ext>
             </a:extLst>
           </p:cNvPr>
@@ -24387,7 +24392,7 @@
           <p:cNvPr id="16" name="사각형: 둥근 모서리 8">
             <a:extLst>
               <a:ext uri="{FF2B5EF4-FFF2-40B4-BE49-F238E27FC236}">
-                <a16:creationId xmlns:a16="http://schemas.microsoft.com/office/drawing/2014/main" xmlns="" id="{A452BBF6-3909-4076-9D75-38BC89DAA4E4}"/>
+                <a16:creationId xmlns:a16="http://schemas.microsoft.com/office/drawing/2014/main" id="{A452BBF6-3909-4076-9D75-38BC89DAA4E4}"/>
               </a:ext>
             </a:extLst>
           </p:cNvPr>
@@ -24440,7 +24445,7 @@
           <p:cNvPr id="17" name="표 16">
             <a:extLst>
               <a:ext uri="{FF2B5EF4-FFF2-40B4-BE49-F238E27FC236}">
-                <a16:creationId xmlns:a16="http://schemas.microsoft.com/office/drawing/2014/main" xmlns="" id="{6AE3A378-3108-44D3-B4E8-334D6161D0B9}"/>
+                <a16:creationId xmlns:a16="http://schemas.microsoft.com/office/drawing/2014/main" id="{6AE3A378-3108-44D3-B4E8-334D6161D0B9}"/>
               </a:ext>
             </a:extLst>
           </p:cNvPr>
@@ -24469,7 +24474,7 @@
                 <a:gridCol w="549241">
                   <a:extLst>
                     <a:ext uri="{9D8B030D-6E8A-4147-A177-3AD203B41FA5}">
-                      <a16:colId xmlns:a16="http://schemas.microsoft.com/office/drawing/2014/main" xmlns="" val="1209056767"/>
+                      <a16:colId xmlns:a16="http://schemas.microsoft.com/office/drawing/2014/main" val="1209056767"/>
                     </a:ext>
                   </a:extLst>
                 </a:gridCol>
@@ -24498,7 +24503,7 @@
                 </a:tc>
                 <a:extLst>
                   <a:ext uri="{0D108BD9-81ED-4DB2-BD59-A6C34878D82A}">
-                    <a16:rowId xmlns:a16="http://schemas.microsoft.com/office/drawing/2014/main" xmlns="" val="4220556659"/>
+                    <a16:rowId xmlns:a16="http://schemas.microsoft.com/office/drawing/2014/main" val="4220556659"/>
                   </a:ext>
                 </a:extLst>
               </a:tr>
@@ -24519,7 +24524,7 @@
                 </a:tc>
                 <a:extLst>
                   <a:ext uri="{0D108BD9-81ED-4DB2-BD59-A6C34878D82A}">
-                    <a16:rowId xmlns:a16="http://schemas.microsoft.com/office/drawing/2014/main" xmlns="" val="1025759309"/>
+                    <a16:rowId xmlns:a16="http://schemas.microsoft.com/office/drawing/2014/main" val="1025759309"/>
                   </a:ext>
                 </a:extLst>
               </a:tr>
@@ -24532,7 +24537,7 @@
           <p:cNvPr id="18" name="TextBox 17">
             <a:extLst>
               <a:ext uri="{FF2B5EF4-FFF2-40B4-BE49-F238E27FC236}">
-                <a16:creationId xmlns:a16="http://schemas.microsoft.com/office/drawing/2014/main" xmlns="" id="{DE6766B3-D945-4E03-9643-17DF23270C24}"/>
+                <a16:creationId xmlns:a16="http://schemas.microsoft.com/office/drawing/2014/main" id="{DE6766B3-D945-4E03-9643-17DF23270C24}"/>
               </a:ext>
             </a:extLst>
           </p:cNvPr>
@@ -24574,7 +24579,7 @@
           <p:cNvPr id="19" name="TextBox 18">
             <a:extLst>
               <a:ext uri="{FF2B5EF4-FFF2-40B4-BE49-F238E27FC236}">
-                <a16:creationId xmlns:a16="http://schemas.microsoft.com/office/drawing/2014/main" xmlns="" id="{6BC32E38-DAD1-4638-B7F2-F189A2D38F6D}"/>
+                <a16:creationId xmlns:a16="http://schemas.microsoft.com/office/drawing/2014/main" id="{6BC32E38-DAD1-4638-B7F2-F189A2D38F6D}"/>
               </a:ext>
             </a:extLst>
           </p:cNvPr>
@@ -24621,7 +24626,7 @@
           <p:cNvPr id="20" name="타원 19">
             <a:extLst>
               <a:ext uri="{FF2B5EF4-FFF2-40B4-BE49-F238E27FC236}">
-                <a16:creationId xmlns:a16="http://schemas.microsoft.com/office/drawing/2014/main" xmlns="" id="{76D695C6-D1F3-44F0-9440-11106F083BA9}"/>
+                <a16:creationId xmlns:a16="http://schemas.microsoft.com/office/drawing/2014/main" id="{76D695C6-D1F3-44F0-9440-11106F083BA9}"/>
               </a:ext>
             </a:extLst>
           </p:cNvPr>
@@ -24701,7 +24706,7 @@
           <p:cNvPr id="21" name="타원 20">
             <a:extLst>
               <a:ext uri="{FF2B5EF4-FFF2-40B4-BE49-F238E27FC236}">
-                <a16:creationId xmlns:a16="http://schemas.microsoft.com/office/drawing/2014/main" xmlns="" id="{E6A6F253-10A1-4A3C-B89D-1FB9F24AEA53}"/>
+                <a16:creationId xmlns:a16="http://schemas.microsoft.com/office/drawing/2014/main" id="{E6A6F253-10A1-4A3C-B89D-1FB9F24AEA53}"/>
               </a:ext>
             </a:extLst>
           </p:cNvPr>
@@ -24781,7 +24786,7 @@
           <p:cNvPr id="22" name="직선 화살표 연결선 21">
             <a:extLst>
               <a:ext uri="{FF2B5EF4-FFF2-40B4-BE49-F238E27FC236}">
-                <a16:creationId xmlns:a16="http://schemas.microsoft.com/office/drawing/2014/main" xmlns="" id="{CF9E20DA-0D48-4925-AD4A-5E4D4A592C9E}"/>
+                <a16:creationId xmlns:a16="http://schemas.microsoft.com/office/drawing/2014/main" id="{CF9E20DA-0D48-4925-AD4A-5E4D4A592C9E}"/>
               </a:ext>
             </a:extLst>
           </p:cNvPr>
@@ -24826,7 +24831,7 @@
           <p:cNvPr id="23" name="타원 22">
             <a:extLst>
               <a:ext uri="{FF2B5EF4-FFF2-40B4-BE49-F238E27FC236}">
-                <a16:creationId xmlns:a16="http://schemas.microsoft.com/office/drawing/2014/main" xmlns="" id="{E9125FE6-53A9-480A-A6EF-FFECA29458D9}"/>
+                <a16:creationId xmlns:a16="http://schemas.microsoft.com/office/drawing/2014/main" id="{E9125FE6-53A9-480A-A6EF-FFECA29458D9}"/>
               </a:ext>
             </a:extLst>
           </p:cNvPr>
@@ -24906,7 +24911,7 @@
           <p:cNvPr id="24" name="타원 23">
             <a:extLst>
               <a:ext uri="{FF2B5EF4-FFF2-40B4-BE49-F238E27FC236}">
-                <a16:creationId xmlns:a16="http://schemas.microsoft.com/office/drawing/2014/main" xmlns="" id="{E31CA40D-B74E-4A78-88B1-8EF41328FA60}"/>
+                <a16:creationId xmlns:a16="http://schemas.microsoft.com/office/drawing/2014/main" id="{E31CA40D-B74E-4A78-88B1-8EF41328FA60}"/>
               </a:ext>
             </a:extLst>
           </p:cNvPr>
@@ -24986,7 +24991,7 @@
           <p:cNvPr id="25" name="표 24">
             <a:extLst>
               <a:ext uri="{FF2B5EF4-FFF2-40B4-BE49-F238E27FC236}">
-                <a16:creationId xmlns:a16="http://schemas.microsoft.com/office/drawing/2014/main" xmlns="" id="{313C782B-5681-4878-89A3-FFC16E056827}"/>
+                <a16:creationId xmlns:a16="http://schemas.microsoft.com/office/drawing/2014/main" id="{313C782B-5681-4878-89A3-FFC16E056827}"/>
               </a:ext>
             </a:extLst>
           </p:cNvPr>
@@ -25015,7 +25020,7 @@
                 <a:gridCol w="549241">
                   <a:extLst>
                     <a:ext uri="{9D8B030D-6E8A-4147-A177-3AD203B41FA5}">
-                      <a16:colId xmlns:a16="http://schemas.microsoft.com/office/drawing/2014/main" xmlns="" val="1209056767"/>
+                      <a16:colId xmlns:a16="http://schemas.microsoft.com/office/drawing/2014/main" val="1209056767"/>
                     </a:ext>
                   </a:extLst>
                 </a:gridCol>
@@ -25044,7 +25049,7 @@
                 </a:tc>
                 <a:extLst>
                   <a:ext uri="{0D108BD9-81ED-4DB2-BD59-A6C34878D82A}">
-                    <a16:rowId xmlns:a16="http://schemas.microsoft.com/office/drawing/2014/main" xmlns="" val="4220556659"/>
+                    <a16:rowId xmlns:a16="http://schemas.microsoft.com/office/drawing/2014/main" val="4220556659"/>
                   </a:ext>
                 </a:extLst>
               </a:tr>
@@ -25065,7 +25070,7 @@
                 </a:tc>
                 <a:extLst>
                   <a:ext uri="{0D108BD9-81ED-4DB2-BD59-A6C34878D82A}">
-                    <a16:rowId xmlns:a16="http://schemas.microsoft.com/office/drawing/2014/main" xmlns="" val="1025759309"/>
+                    <a16:rowId xmlns:a16="http://schemas.microsoft.com/office/drawing/2014/main" val="1025759309"/>
                   </a:ext>
                 </a:extLst>
               </a:tr>
@@ -25078,7 +25083,7 @@
           <p:cNvPr id="26" name="직선 화살표 연결선 25">
             <a:extLst>
               <a:ext uri="{FF2B5EF4-FFF2-40B4-BE49-F238E27FC236}">
-                <a16:creationId xmlns:a16="http://schemas.microsoft.com/office/drawing/2014/main" xmlns="" id="{94B2B050-C0FC-484F-970C-2CC3AFA211AA}"/>
+                <a16:creationId xmlns:a16="http://schemas.microsoft.com/office/drawing/2014/main" id="{94B2B050-C0FC-484F-970C-2CC3AFA211AA}"/>
               </a:ext>
             </a:extLst>
           </p:cNvPr>
@@ -25123,7 +25128,7 @@
           <p:cNvPr id="27" name="직선 화살표 연결선 26">
             <a:extLst>
               <a:ext uri="{FF2B5EF4-FFF2-40B4-BE49-F238E27FC236}">
-                <a16:creationId xmlns:a16="http://schemas.microsoft.com/office/drawing/2014/main" xmlns="" id="{AB922325-0130-400F-8005-CC6CA932D444}"/>
+                <a16:creationId xmlns:a16="http://schemas.microsoft.com/office/drawing/2014/main" id="{AB922325-0130-400F-8005-CC6CA932D444}"/>
               </a:ext>
             </a:extLst>
           </p:cNvPr>
@@ -25168,7 +25173,7 @@
           <p:cNvPr id="28" name="직선 화살표 연결선 27">
             <a:extLst>
               <a:ext uri="{FF2B5EF4-FFF2-40B4-BE49-F238E27FC236}">
-                <a16:creationId xmlns:a16="http://schemas.microsoft.com/office/drawing/2014/main" xmlns="" id="{16FA30BF-61B5-4561-8DD2-7ADD5852787B}"/>
+                <a16:creationId xmlns:a16="http://schemas.microsoft.com/office/drawing/2014/main" id="{16FA30BF-61B5-4561-8DD2-7ADD5852787B}"/>
               </a:ext>
             </a:extLst>
           </p:cNvPr>
@@ -25213,7 +25218,7 @@
           <p:cNvPr id="29" name="타원 28">
             <a:extLst>
               <a:ext uri="{FF2B5EF4-FFF2-40B4-BE49-F238E27FC236}">
-                <a16:creationId xmlns:a16="http://schemas.microsoft.com/office/drawing/2014/main" xmlns="" id="{7629D668-7838-4774-85DA-972AAC270186}"/>
+                <a16:creationId xmlns:a16="http://schemas.microsoft.com/office/drawing/2014/main" id="{7629D668-7838-4774-85DA-972AAC270186}"/>
               </a:ext>
             </a:extLst>
           </p:cNvPr>
@@ -25293,7 +25298,7 @@
           <p:cNvPr id="30" name="표 29">
             <a:extLst>
               <a:ext uri="{FF2B5EF4-FFF2-40B4-BE49-F238E27FC236}">
-                <a16:creationId xmlns:a16="http://schemas.microsoft.com/office/drawing/2014/main" xmlns="" id="{BF076B63-74F1-430E-9530-5C756114766D}"/>
+                <a16:creationId xmlns:a16="http://schemas.microsoft.com/office/drawing/2014/main" id="{BF076B63-74F1-430E-9530-5C756114766D}"/>
               </a:ext>
             </a:extLst>
           </p:cNvPr>
@@ -25322,7 +25327,7 @@
                 <a:gridCol w="549241">
                   <a:extLst>
                     <a:ext uri="{9D8B030D-6E8A-4147-A177-3AD203B41FA5}">
-                      <a16:colId xmlns:a16="http://schemas.microsoft.com/office/drawing/2014/main" xmlns="" val="1209056767"/>
+                      <a16:colId xmlns:a16="http://schemas.microsoft.com/office/drawing/2014/main" val="1209056767"/>
                     </a:ext>
                   </a:extLst>
                 </a:gridCol>
@@ -25351,7 +25356,7 @@
                 </a:tc>
                 <a:extLst>
                   <a:ext uri="{0D108BD9-81ED-4DB2-BD59-A6C34878D82A}">
-                    <a16:rowId xmlns:a16="http://schemas.microsoft.com/office/drawing/2014/main" xmlns="" val="4220556659"/>
+                    <a16:rowId xmlns:a16="http://schemas.microsoft.com/office/drawing/2014/main" val="4220556659"/>
                   </a:ext>
                 </a:extLst>
               </a:tr>
@@ -25372,7 +25377,7 @@
                 </a:tc>
                 <a:extLst>
                   <a:ext uri="{0D108BD9-81ED-4DB2-BD59-A6C34878D82A}">
-                    <a16:rowId xmlns:a16="http://schemas.microsoft.com/office/drawing/2014/main" xmlns="" val="1025759309"/>
+                    <a16:rowId xmlns:a16="http://schemas.microsoft.com/office/drawing/2014/main" val="1025759309"/>
                   </a:ext>
                 </a:extLst>
               </a:tr>
@@ -25385,7 +25390,7 @@
           <p:cNvPr id="31" name="직선 화살표 연결선 30">
             <a:extLst>
               <a:ext uri="{FF2B5EF4-FFF2-40B4-BE49-F238E27FC236}">
-                <a16:creationId xmlns:a16="http://schemas.microsoft.com/office/drawing/2014/main" xmlns="" id="{F3758B27-97E3-4026-BF28-F45E14FE1723}"/>
+                <a16:creationId xmlns:a16="http://schemas.microsoft.com/office/drawing/2014/main" id="{F3758B27-97E3-4026-BF28-F45E14FE1723}"/>
               </a:ext>
             </a:extLst>
           </p:cNvPr>
@@ -25430,7 +25435,7 @@
           <p:cNvPr id="32" name="직선 화살표 연결선 31">
             <a:extLst>
               <a:ext uri="{FF2B5EF4-FFF2-40B4-BE49-F238E27FC236}">
-                <a16:creationId xmlns:a16="http://schemas.microsoft.com/office/drawing/2014/main" xmlns="" id="{9F02684A-DA8D-4F69-A63F-DB414D3A1042}"/>
+                <a16:creationId xmlns:a16="http://schemas.microsoft.com/office/drawing/2014/main" id="{9F02684A-DA8D-4F69-A63F-DB414D3A1042}"/>
               </a:ext>
             </a:extLst>
           </p:cNvPr>
@@ -25512,7 +25517,7 @@
           <p:cNvPr id="24" name="표 23">
             <a:extLst>
               <a:ext uri="{FF2B5EF4-FFF2-40B4-BE49-F238E27FC236}">
-                <a16:creationId xmlns:a16="http://schemas.microsoft.com/office/drawing/2014/main" xmlns="" id="{8E05A061-FEA4-4B08-9F8F-EBB960B6D986}"/>
+                <a16:creationId xmlns:a16="http://schemas.microsoft.com/office/drawing/2014/main" id="{8E05A061-FEA4-4B08-9F8F-EBB960B6D986}"/>
               </a:ext>
             </a:extLst>
           </p:cNvPr>
@@ -25541,7 +25546,7 @@
                 <a:gridCol w="5616624">
                   <a:extLst>
                     <a:ext uri="{9D8B030D-6E8A-4147-A177-3AD203B41FA5}">
-                      <a16:colId xmlns:a16="http://schemas.microsoft.com/office/drawing/2014/main" xmlns="" val="3058073475"/>
+                      <a16:colId xmlns:a16="http://schemas.microsoft.com/office/drawing/2014/main" val="3058073475"/>
                     </a:ext>
                   </a:extLst>
                 </a:gridCol>
@@ -25643,7 +25648,7 @@
                 </a:tc>
                 <a:extLst>
                   <a:ext uri="{0D108BD9-81ED-4DB2-BD59-A6C34878D82A}">
-                    <a16:rowId xmlns:a16="http://schemas.microsoft.com/office/drawing/2014/main" xmlns="" val="1680081826"/>
+                    <a16:rowId xmlns:a16="http://schemas.microsoft.com/office/drawing/2014/main" val="1680081826"/>
                   </a:ext>
                 </a:extLst>
               </a:tr>
@@ -25656,7 +25661,7 @@
           <p:cNvPr id="25" name="TextBox 24">
             <a:extLst>
               <a:ext uri="{FF2B5EF4-FFF2-40B4-BE49-F238E27FC236}">
-                <a16:creationId xmlns:a16="http://schemas.microsoft.com/office/drawing/2014/main" xmlns="" id="{8BD37952-2FB5-4E37-BA69-E678C8BD92B5}"/>
+                <a16:creationId xmlns:a16="http://schemas.microsoft.com/office/drawing/2014/main" id="{8BD37952-2FB5-4E37-BA69-E678C8BD92B5}"/>
               </a:ext>
             </a:extLst>
           </p:cNvPr>
@@ -25704,7 +25709,7 @@
           <p:cNvPr id="26" name="TextBox 25">
             <a:extLst>
               <a:ext uri="{FF2B5EF4-FFF2-40B4-BE49-F238E27FC236}">
-                <a16:creationId xmlns:a16="http://schemas.microsoft.com/office/drawing/2014/main" xmlns="" id="{D6A8FB11-554E-463E-9FB8-731B0E7708EF}"/>
+                <a16:creationId xmlns:a16="http://schemas.microsoft.com/office/drawing/2014/main" id="{D6A8FB11-554E-463E-9FB8-731B0E7708EF}"/>
               </a:ext>
             </a:extLst>
           </p:cNvPr>
@@ -25800,7 +25805,7 @@
           <p:cNvPr id="30" name="내용 개체 틀 2">
             <a:extLst>
               <a:ext uri="{FF2B5EF4-FFF2-40B4-BE49-F238E27FC236}">
-                <a16:creationId xmlns:a16="http://schemas.microsoft.com/office/drawing/2014/main" xmlns="" id="{98AF3A4E-7D90-4241-89FE-799D6F9D5A94}"/>
+                <a16:creationId xmlns:a16="http://schemas.microsoft.com/office/drawing/2014/main" id="{98AF3A4E-7D90-4241-89FE-799D6F9D5A94}"/>
               </a:ext>
             </a:extLst>
           </p:cNvPr>
@@ -26186,7 +26191,7 @@
           <p:cNvPr id="13" name="표 12">
             <a:extLst>
               <a:ext uri="{FF2B5EF4-FFF2-40B4-BE49-F238E27FC236}">
-                <a16:creationId xmlns:a16="http://schemas.microsoft.com/office/drawing/2014/main" xmlns="" id="{C8B2F92F-E9BD-43E0-8573-FFD8E376842B}"/>
+                <a16:creationId xmlns:a16="http://schemas.microsoft.com/office/drawing/2014/main" id="{C8B2F92F-E9BD-43E0-8573-FFD8E376842B}"/>
               </a:ext>
             </a:extLst>
           </p:cNvPr>
@@ -26215,21 +26220,21 @@
                 <a:gridCol w="1338206">
                   <a:extLst>
                     <a:ext uri="{9D8B030D-6E8A-4147-A177-3AD203B41FA5}">
-                      <a16:colId xmlns:a16="http://schemas.microsoft.com/office/drawing/2014/main" xmlns="" val="2887738532"/>
+                      <a16:colId xmlns:a16="http://schemas.microsoft.com/office/drawing/2014/main" val="2887738532"/>
                     </a:ext>
                   </a:extLst>
                 </a:gridCol>
                 <a:gridCol w="2598478">
                   <a:extLst>
                     <a:ext uri="{9D8B030D-6E8A-4147-A177-3AD203B41FA5}">
-                      <a16:colId xmlns:a16="http://schemas.microsoft.com/office/drawing/2014/main" xmlns="" val="3449779131"/>
+                      <a16:colId xmlns:a16="http://schemas.microsoft.com/office/drawing/2014/main" val="3449779131"/>
                     </a:ext>
                   </a:extLst>
                 </a:gridCol>
                 <a:gridCol w="4091062">
                   <a:extLst>
                     <a:ext uri="{9D8B030D-6E8A-4147-A177-3AD203B41FA5}">
-                      <a16:colId xmlns:a16="http://schemas.microsoft.com/office/drawing/2014/main" xmlns="" val="2999485284"/>
+                      <a16:colId xmlns:a16="http://schemas.microsoft.com/office/drawing/2014/main" val="2999485284"/>
                     </a:ext>
                   </a:extLst>
                 </a:gridCol>
@@ -26300,7 +26305,7 @@
                 </a:tc>
                 <a:extLst>
                   <a:ext uri="{0D108BD9-81ED-4DB2-BD59-A6C34878D82A}">
-                    <a16:rowId xmlns:a16="http://schemas.microsoft.com/office/drawing/2014/main" xmlns="" val="4215197872"/>
+                    <a16:rowId xmlns:a16="http://schemas.microsoft.com/office/drawing/2014/main" val="4215197872"/>
                   </a:ext>
                 </a:extLst>
               </a:tr>
@@ -26350,7 +26355,7 @@
                 </a:tc>
                 <a:extLst>
                   <a:ext uri="{0D108BD9-81ED-4DB2-BD59-A6C34878D82A}">
-                    <a16:rowId xmlns:a16="http://schemas.microsoft.com/office/drawing/2014/main" xmlns="" val="1488436910"/>
+                    <a16:rowId xmlns:a16="http://schemas.microsoft.com/office/drawing/2014/main" val="1488436910"/>
                   </a:ext>
                 </a:extLst>
               </a:tr>
@@ -26416,7 +26421,7 @@
                 </a:tc>
                 <a:extLst>
                   <a:ext uri="{0D108BD9-81ED-4DB2-BD59-A6C34878D82A}">
-                    <a16:rowId xmlns:a16="http://schemas.microsoft.com/office/drawing/2014/main" xmlns="" val="3962380499"/>
+                    <a16:rowId xmlns:a16="http://schemas.microsoft.com/office/drawing/2014/main" val="3962380499"/>
                   </a:ext>
                 </a:extLst>
               </a:tr>
@@ -26483,7 +26488,7 @@
                 </a:tc>
                 <a:extLst>
                   <a:ext uri="{0D108BD9-81ED-4DB2-BD59-A6C34878D82A}">
-                    <a16:rowId xmlns:a16="http://schemas.microsoft.com/office/drawing/2014/main" xmlns="" val="2061246058"/>
+                    <a16:rowId xmlns:a16="http://schemas.microsoft.com/office/drawing/2014/main" val="2061246058"/>
                   </a:ext>
                 </a:extLst>
               </a:tr>
@@ -26546,7 +26551,7 @@
                 </a:tc>
                 <a:extLst>
                   <a:ext uri="{0D108BD9-81ED-4DB2-BD59-A6C34878D82A}">
-                    <a16:rowId xmlns:a16="http://schemas.microsoft.com/office/drawing/2014/main" xmlns="" val="1699605084"/>
+                    <a16:rowId xmlns:a16="http://schemas.microsoft.com/office/drawing/2014/main" val="1699605084"/>
                   </a:ext>
                 </a:extLst>
               </a:tr>
@@ -26628,7 +26633,7 @@
                 </a:tc>
                 <a:extLst>
                   <a:ext uri="{0D108BD9-81ED-4DB2-BD59-A6C34878D82A}">
-                    <a16:rowId xmlns:a16="http://schemas.microsoft.com/office/drawing/2014/main" xmlns="" val="3673702031"/>
+                    <a16:rowId xmlns:a16="http://schemas.microsoft.com/office/drawing/2014/main" val="3673702031"/>
                   </a:ext>
                 </a:extLst>
               </a:tr>
@@ -26707,7 +26712,7 @@
                 </a:tc>
                 <a:extLst>
                   <a:ext uri="{0D108BD9-81ED-4DB2-BD59-A6C34878D82A}">
-                    <a16:rowId xmlns:a16="http://schemas.microsoft.com/office/drawing/2014/main" xmlns="" val="1031162340"/>
+                    <a16:rowId xmlns:a16="http://schemas.microsoft.com/office/drawing/2014/main" val="1031162340"/>
                   </a:ext>
                 </a:extLst>
               </a:tr>
@@ -27103,7 +27108,7 @@
           <p:cNvPr id="7" name="내용 개체 틀 2">
             <a:extLst>
               <a:ext uri="{FF2B5EF4-FFF2-40B4-BE49-F238E27FC236}">
-                <a16:creationId xmlns:a16="http://schemas.microsoft.com/office/drawing/2014/main" xmlns="" id="{98AF3A4E-7D90-4241-89FE-799D6F9D5A94}"/>
+                <a16:creationId xmlns:a16="http://schemas.microsoft.com/office/drawing/2014/main" id="{98AF3A4E-7D90-4241-89FE-799D6F9D5A94}"/>
               </a:ext>
             </a:extLst>
           </p:cNvPr>
@@ -27486,7 +27491,7 @@
           <p:cNvPr id="7" name="내용 개체 틀 2">
             <a:extLst>
               <a:ext uri="{FF2B5EF4-FFF2-40B4-BE49-F238E27FC236}">
-                <a16:creationId xmlns:a16="http://schemas.microsoft.com/office/drawing/2014/main" xmlns="" id="{98AF3A4E-7D90-4241-89FE-799D6F9D5A94}"/>
+                <a16:creationId xmlns:a16="http://schemas.microsoft.com/office/drawing/2014/main" id="{98AF3A4E-7D90-4241-89FE-799D6F9D5A94}"/>
               </a:ext>
             </a:extLst>
           </p:cNvPr>
@@ -27910,7 +27915,7 @@
           <p:cNvPr id="7" name="내용 개체 틀 2">
             <a:extLst>
               <a:ext uri="{FF2B5EF4-FFF2-40B4-BE49-F238E27FC236}">
-                <a16:creationId xmlns:a16="http://schemas.microsoft.com/office/drawing/2014/main" xmlns="" id="{98AF3A4E-7D90-4241-89FE-799D6F9D5A94}"/>
+                <a16:creationId xmlns:a16="http://schemas.microsoft.com/office/drawing/2014/main" id="{98AF3A4E-7D90-4241-89FE-799D6F9D5A94}"/>
               </a:ext>
             </a:extLst>
           </p:cNvPr>
@@ -28682,7 +28687,7 @@
           <p:cNvPr id="7" name="내용 개체 틀 2">
             <a:extLst>
               <a:ext uri="{FF2B5EF4-FFF2-40B4-BE49-F238E27FC236}">
-                <a16:creationId xmlns="" xmlns:a16="http://schemas.microsoft.com/office/drawing/2014/main" id="{98AF3A4E-7D90-4241-89FE-799D6F9D5A94}"/>
+                <a16:creationId xmlns:a16="http://schemas.microsoft.com/office/drawing/2014/main" id="{98AF3A4E-7D90-4241-89FE-799D6F9D5A94}"/>
               </a:ext>
             </a:extLst>
           </p:cNvPr>
@@ -29070,7 +29075,7 @@
           <p:cNvPr id="10" name="내용 개체 틀 2">
             <a:extLst>
               <a:ext uri="{FF2B5EF4-FFF2-40B4-BE49-F238E27FC236}">
-                <a16:creationId xmlns="" xmlns:a16="http://schemas.microsoft.com/office/drawing/2014/main" id="{98AF3A4E-7D90-4241-89FE-799D6F9D5A94}"/>
+                <a16:creationId xmlns:a16="http://schemas.microsoft.com/office/drawing/2014/main" id="{98AF3A4E-7D90-4241-89FE-799D6F9D5A94}"/>
               </a:ext>
             </a:extLst>
           </p:cNvPr>
@@ -29304,7 +29309,7 @@
       </p:sp>
       <p:pic>
         <p:nvPicPr>
-          <p:cNvPr id="9" name="그림 8"/>
+          <p:cNvPr id="2" name="그림 1"/>
           <p:cNvPicPr>
             <a:picLocks noChangeAspect="1"/>
           </p:cNvPicPr>
@@ -29324,8 +29329,8 @@
         </p:blipFill>
         <p:spPr>
           <a:xfrm>
-            <a:off x="1136576" y="1658888"/>
-            <a:ext cx="4719763" cy="4254434"/>
+            <a:off x="704528" y="1844824"/>
+            <a:ext cx="3168352" cy="2516253"/>
           </a:xfrm>
           <a:prstGeom prst="rect">
             <a:avLst/>
@@ -29341,7 +29346,7 @@
       </p:pic>
       <p:pic>
         <p:nvPicPr>
-          <p:cNvPr id="2" name="그림 1"/>
+          <p:cNvPr id="3" name="그림 2"/>
           <p:cNvPicPr>
             <a:picLocks noChangeAspect="1"/>
           </p:cNvPicPr>
@@ -29361,8 +29366,8 @@
         </p:blipFill>
         <p:spPr>
           <a:xfrm>
-            <a:off x="6157499" y="2273011"/>
-            <a:ext cx="3168352" cy="2516253"/>
+            <a:off x="4080093" y="1124744"/>
+            <a:ext cx="5040073" cy="4829485"/>
           </a:xfrm>
           <a:prstGeom prst="rect">
             <a:avLst/>
@@ -29473,7 +29478,7 @@
           <p:cNvPr id="7" name="내용 개체 틀 2">
             <a:extLst>
               <a:ext uri="{FF2B5EF4-FFF2-40B4-BE49-F238E27FC236}">
-                <a16:creationId xmlns="" xmlns:a16="http://schemas.microsoft.com/office/drawing/2014/main" id="{98AF3A4E-7D90-4241-89FE-799D6F9D5A94}"/>
+                <a16:creationId xmlns:a16="http://schemas.microsoft.com/office/drawing/2014/main" id="{98AF3A4E-7D90-4241-89FE-799D6F9D5A94}"/>
               </a:ext>
             </a:extLst>
           </p:cNvPr>
@@ -29857,7 +29862,7 @@
           <p:cNvPr id="7" name="내용 개체 틀 2">
             <a:extLst>
               <a:ext uri="{FF2B5EF4-FFF2-40B4-BE49-F238E27FC236}">
-                <a16:creationId xmlns="" xmlns:a16="http://schemas.microsoft.com/office/drawing/2014/main" id="{98AF3A4E-7D90-4241-89FE-799D6F9D5A94}"/>
+                <a16:creationId xmlns:a16="http://schemas.microsoft.com/office/drawing/2014/main" id="{98AF3A4E-7D90-4241-89FE-799D6F9D5A94}"/>
               </a:ext>
             </a:extLst>
           </p:cNvPr>
@@ -30242,7 +30247,7 @@
           <p:cNvPr id="7" name="내용 개체 틀 2">
             <a:extLst>
               <a:ext uri="{FF2B5EF4-FFF2-40B4-BE49-F238E27FC236}">
-                <a16:creationId xmlns="" xmlns:a16="http://schemas.microsoft.com/office/drawing/2014/main" id="{98AF3A4E-7D90-4241-89FE-799D6F9D5A94}"/>
+                <a16:creationId xmlns:a16="http://schemas.microsoft.com/office/drawing/2014/main" id="{98AF3A4E-7D90-4241-89FE-799D6F9D5A94}"/>
               </a:ext>
             </a:extLst>
           </p:cNvPr>
@@ -30821,7 +30826,7 @@
           <p:cNvPr id="7" name="내용 개체 틀 2">
             <a:extLst>
               <a:ext uri="{FF2B5EF4-FFF2-40B4-BE49-F238E27FC236}">
-                <a16:creationId xmlns:a16="http://schemas.microsoft.com/office/drawing/2014/main" xmlns="" id="{98AF3A4E-7D90-4241-89FE-799D6F9D5A94}"/>
+                <a16:creationId xmlns:a16="http://schemas.microsoft.com/office/drawing/2014/main" id="{98AF3A4E-7D90-4241-89FE-799D6F9D5A94}"/>
               </a:ext>
             </a:extLst>
           </p:cNvPr>
@@ -31200,7 +31205,7 @@
           <p:cNvPr id="7" name="내용 개체 틀 2">
             <a:extLst>
               <a:ext uri="{FF2B5EF4-FFF2-40B4-BE49-F238E27FC236}">
-                <a16:creationId xmlns:a16="http://schemas.microsoft.com/office/drawing/2014/main" xmlns="" id="{98AF3A4E-7D90-4241-89FE-799D6F9D5A94}"/>
+                <a16:creationId xmlns:a16="http://schemas.microsoft.com/office/drawing/2014/main" id="{98AF3A4E-7D90-4241-89FE-799D6F9D5A94}"/>
               </a:ext>
             </a:extLst>
           </p:cNvPr>
@@ -31686,7 +31691,7 @@
           <p:cNvPr id="7" name="내용 개체 틀 2">
             <a:extLst>
               <a:ext uri="{FF2B5EF4-FFF2-40B4-BE49-F238E27FC236}">
-                <a16:creationId xmlns:a16="http://schemas.microsoft.com/office/drawing/2014/main" xmlns="" id="{98AF3A4E-7D90-4241-89FE-799D6F9D5A94}"/>
+                <a16:creationId xmlns:a16="http://schemas.microsoft.com/office/drawing/2014/main" id="{98AF3A4E-7D90-4241-89FE-799D6F9D5A94}"/>
               </a:ext>
             </a:extLst>
           </p:cNvPr>
@@ -32238,7 +32243,7 @@
           <p:cNvPr id="7" name="내용 개체 틀 2">
             <a:extLst>
               <a:ext uri="{FF2B5EF4-FFF2-40B4-BE49-F238E27FC236}">
-                <a16:creationId xmlns:a16="http://schemas.microsoft.com/office/drawing/2014/main" xmlns="" id="{98AF3A4E-7D90-4241-89FE-799D6F9D5A94}"/>
+                <a16:creationId xmlns:a16="http://schemas.microsoft.com/office/drawing/2014/main" id="{98AF3A4E-7D90-4241-89FE-799D6F9D5A94}"/>
               </a:ext>
             </a:extLst>
           </p:cNvPr>
@@ -32622,7 +32627,7 @@
           <p:cNvPr id="10" name="내용 개체 틀 2">
             <a:extLst>
               <a:ext uri="{FF2B5EF4-FFF2-40B4-BE49-F238E27FC236}">
-                <a16:creationId xmlns="" xmlns:a16="http://schemas.microsoft.com/office/drawing/2014/main" id="{98AF3A4E-7D90-4241-89FE-799D6F9D5A94}"/>
+                <a16:creationId xmlns:a16="http://schemas.microsoft.com/office/drawing/2014/main" id="{98AF3A4E-7D90-4241-89FE-799D6F9D5A94}"/>
               </a:ext>
             </a:extLst>
           </p:cNvPr>
@@ -33015,7 +33020,7 @@
           <p:cNvPr id="7" name="내용 개체 틀 2">
             <a:extLst>
               <a:ext uri="{FF2B5EF4-FFF2-40B4-BE49-F238E27FC236}">
-                <a16:creationId xmlns:a16="http://schemas.microsoft.com/office/drawing/2014/main" xmlns="" id="{98AF3A4E-7D90-4241-89FE-799D6F9D5A94}"/>
+                <a16:creationId xmlns:a16="http://schemas.microsoft.com/office/drawing/2014/main" id="{98AF3A4E-7D90-4241-89FE-799D6F9D5A94}"/>
               </a:ext>
             </a:extLst>
           </p:cNvPr>
@@ -33505,7 +33510,7 @@
           <p:cNvPr id="17" name="TextBox 16">
             <a:extLst>
               <a:ext uri="{FF2B5EF4-FFF2-40B4-BE49-F238E27FC236}">
-                <a16:creationId xmlns="" xmlns:a16="http://schemas.microsoft.com/office/drawing/2014/main" id="{5DD81B33-3C10-4B58-9ACC-5628B021DE57}"/>
+                <a16:creationId xmlns:a16="http://schemas.microsoft.com/office/drawing/2014/main" id="{5DD81B33-3C10-4B58-9ACC-5628B021DE57}"/>
               </a:ext>
             </a:extLst>
           </p:cNvPr>
@@ -33652,7 +33657,7 @@
           <p:cNvPr id="4" name="표 3">
             <a:extLst>
               <a:ext uri="{FF2B5EF4-FFF2-40B4-BE49-F238E27FC236}">
-                <a16:creationId xmlns="" xmlns:a16="http://schemas.microsoft.com/office/drawing/2014/main" id="{4B8FE68B-9296-45F2-96AB-033F96DA2F70}"/>
+                <a16:creationId xmlns:a16="http://schemas.microsoft.com/office/drawing/2014/main" id="{4B8FE68B-9296-45F2-96AB-033F96DA2F70}"/>
               </a:ext>
             </a:extLst>
           </p:cNvPr>
@@ -33681,14 +33686,14 @@
                 <a:gridCol w="1336601">
                   <a:extLst>
                     <a:ext uri="{9D8B030D-6E8A-4147-A177-3AD203B41FA5}">
-                      <a16:colId xmlns="" xmlns:a16="http://schemas.microsoft.com/office/drawing/2014/main" val="1302133471"/>
+                      <a16:colId xmlns:a16="http://schemas.microsoft.com/office/drawing/2014/main" val="1302133471"/>
                     </a:ext>
                   </a:extLst>
                 </a:gridCol>
                 <a:gridCol w="4873706">
                   <a:extLst>
                     <a:ext uri="{9D8B030D-6E8A-4147-A177-3AD203B41FA5}">
-                      <a16:colId xmlns="" xmlns:a16="http://schemas.microsoft.com/office/drawing/2014/main" val="3478021724"/>
+                      <a16:colId xmlns:a16="http://schemas.microsoft.com/office/drawing/2014/main" val="3478021724"/>
                     </a:ext>
                   </a:extLst>
                 </a:gridCol>
@@ -33739,7 +33744,7 @@
                 </a:tc>
                 <a:extLst>
                   <a:ext uri="{0D108BD9-81ED-4DB2-BD59-A6C34878D82A}">
-                    <a16:rowId xmlns="" xmlns:a16="http://schemas.microsoft.com/office/drawing/2014/main" val="4215197872"/>
+                    <a16:rowId xmlns:a16="http://schemas.microsoft.com/office/drawing/2014/main" val="4215197872"/>
                   </a:ext>
                 </a:extLst>
               </a:tr>
@@ -33780,7 +33785,7 @@
                 </a:tc>
                 <a:extLst>
                   <a:ext uri="{0D108BD9-81ED-4DB2-BD59-A6C34878D82A}">
-                    <a16:rowId xmlns="" xmlns:a16="http://schemas.microsoft.com/office/drawing/2014/main" val="1488436910"/>
+                    <a16:rowId xmlns:a16="http://schemas.microsoft.com/office/drawing/2014/main" val="1488436910"/>
                   </a:ext>
                 </a:extLst>
               </a:tr>
@@ -33845,7 +33850,7 @@
                 </a:tc>
                 <a:extLst>
                   <a:ext uri="{0D108BD9-81ED-4DB2-BD59-A6C34878D82A}">
-                    <a16:rowId xmlns="" xmlns:a16="http://schemas.microsoft.com/office/drawing/2014/main" val="631478700"/>
+                    <a16:rowId xmlns:a16="http://schemas.microsoft.com/office/drawing/2014/main" val="631478700"/>
                   </a:ext>
                 </a:extLst>
               </a:tr>
@@ -33892,6 +33897,11 @@
                   </a:txBody>
                   <a:tcPr marL="74295" marR="74295" marT="37148" marB="37148" anchor="ctr"/>
                 </a:tc>
+                <a:extLst>
+                  <a:ext uri="{0D108BD9-81ED-4DB2-BD59-A6C34878D82A}">
+                    <a16:rowId xmlns:a16="http://schemas.microsoft.com/office/drawing/2014/main" val="10003"/>
+                  </a:ext>
+                </a:extLst>
               </a:tr>
             </a:tbl>
           </a:graphicData>
@@ -33916,7 +33926,7 @@
             <p:cNvPr id="7" name="자유형: 도형 6">
               <a:extLst>
                 <a:ext uri="{FF2B5EF4-FFF2-40B4-BE49-F238E27FC236}">
-                  <a16:creationId xmlns="" xmlns:a16="http://schemas.microsoft.com/office/drawing/2014/main" id="{63F1EBDA-F120-41FB-9DB2-AE5C10EB3806}"/>
+                  <a16:creationId xmlns:a16="http://schemas.microsoft.com/office/drawing/2014/main" id="{63F1EBDA-F120-41FB-9DB2-AE5C10EB3806}"/>
                 </a:ext>
               </a:extLst>
             </p:cNvPr>
@@ -34010,7 +34020,7 @@
             <p:cNvPr id="8" name="타원 7">
               <a:extLst>
                 <a:ext uri="{FF2B5EF4-FFF2-40B4-BE49-F238E27FC236}">
-                  <a16:creationId xmlns="" xmlns:a16="http://schemas.microsoft.com/office/drawing/2014/main" id="{9A8DA6E3-2CD1-4F7C-995B-E1D34C08FF7C}"/>
+                  <a16:creationId xmlns:a16="http://schemas.microsoft.com/office/drawing/2014/main" id="{9A8DA6E3-2CD1-4F7C-995B-E1D34C08FF7C}"/>
                 </a:ext>
               </a:extLst>
             </p:cNvPr>
@@ -34058,7 +34068,7 @@
             <p:cNvPr id="11" name="타원 10">
               <a:extLst>
                 <a:ext uri="{FF2B5EF4-FFF2-40B4-BE49-F238E27FC236}">
-                  <a16:creationId xmlns="" xmlns:a16="http://schemas.microsoft.com/office/drawing/2014/main" id="{E839F747-40EC-45A3-A944-16B295DB921F}"/>
+                  <a16:creationId xmlns:a16="http://schemas.microsoft.com/office/drawing/2014/main" id="{E839F747-40EC-45A3-A944-16B295DB921F}"/>
                 </a:ext>
               </a:extLst>
             </p:cNvPr>
@@ -34106,7 +34116,7 @@
             <p:cNvPr id="13" name="타원 12">
               <a:extLst>
                 <a:ext uri="{FF2B5EF4-FFF2-40B4-BE49-F238E27FC236}">
-                  <a16:creationId xmlns="" xmlns:a16="http://schemas.microsoft.com/office/drawing/2014/main" id="{2051E527-C174-417E-9E9A-F9D69C0CD051}"/>
+                  <a16:creationId xmlns:a16="http://schemas.microsoft.com/office/drawing/2014/main" id="{2051E527-C174-417E-9E9A-F9D69C0CD051}"/>
                 </a:ext>
               </a:extLst>
             </p:cNvPr>
@@ -34154,7 +34164,7 @@
             <p:cNvPr id="9" name="자유형: 도형 8">
               <a:extLst>
                 <a:ext uri="{FF2B5EF4-FFF2-40B4-BE49-F238E27FC236}">
-                  <a16:creationId xmlns="" xmlns:a16="http://schemas.microsoft.com/office/drawing/2014/main" id="{A6A486DF-1355-43C6-8578-2CBC52D576A0}"/>
+                  <a16:creationId xmlns:a16="http://schemas.microsoft.com/office/drawing/2014/main" id="{A6A486DF-1355-43C6-8578-2CBC52D576A0}"/>
                 </a:ext>
               </a:extLst>
             </p:cNvPr>
@@ -34243,7 +34253,7 @@
             <p:cNvPr id="14" name="자유형: 도형 13">
               <a:extLst>
                 <a:ext uri="{FF2B5EF4-FFF2-40B4-BE49-F238E27FC236}">
-                  <a16:creationId xmlns="" xmlns:a16="http://schemas.microsoft.com/office/drawing/2014/main" id="{AA367B82-885F-4CD4-9664-F616726BCCB9}"/>
+                  <a16:creationId xmlns:a16="http://schemas.microsoft.com/office/drawing/2014/main" id="{AA367B82-885F-4CD4-9664-F616726BCCB9}"/>
                 </a:ext>
               </a:extLst>
             </p:cNvPr>
@@ -34332,7 +34342,7 @@
             <p:cNvPr id="16" name="TextBox 15">
               <a:extLst>
                 <a:ext uri="{FF2B5EF4-FFF2-40B4-BE49-F238E27FC236}">
-                  <a16:creationId xmlns="" xmlns:a16="http://schemas.microsoft.com/office/drawing/2014/main" id="{C061CB0B-C674-4350-A6F4-CA68034A3A73}"/>
+                  <a16:creationId xmlns:a16="http://schemas.microsoft.com/office/drawing/2014/main" id="{C061CB0B-C674-4350-A6F4-CA68034A3A73}"/>
                 </a:ext>
               </a:extLst>
             </p:cNvPr>
@@ -34369,7 +34379,7 @@
             <p:cNvPr id="19" name="TextBox 18">
               <a:extLst>
                 <a:ext uri="{FF2B5EF4-FFF2-40B4-BE49-F238E27FC236}">
-                  <a16:creationId xmlns="" xmlns:a16="http://schemas.microsoft.com/office/drawing/2014/main" id="{9A0FE518-3E30-4559-BE69-887BC3E958F1}"/>
+                  <a16:creationId xmlns:a16="http://schemas.microsoft.com/office/drawing/2014/main" id="{9A0FE518-3E30-4559-BE69-887BC3E958F1}"/>
                 </a:ext>
               </a:extLst>
             </p:cNvPr>
@@ -34405,7 +34415,7 @@
             <p:cNvPr id="32" name="TextBox 31">
               <a:extLst>
                 <a:ext uri="{FF2B5EF4-FFF2-40B4-BE49-F238E27FC236}">
-                  <a16:creationId xmlns="" xmlns:a16="http://schemas.microsoft.com/office/drawing/2014/main" id="{6081618E-E7EC-4225-9282-DA09AE2754DC}"/>
+                  <a16:creationId xmlns:a16="http://schemas.microsoft.com/office/drawing/2014/main" id="{6081618E-E7EC-4225-9282-DA09AE2754DC}"/>
                 </a:ext>
               </a:extLst>
             </p:cNvPr>
@@ -34442,7 +34452,7 @@
             <p:cNvPr id="33" name="TextBox 32">
               <a:extLst>
                 <a:ext uri="{FF2B5EF4-FFF2-40B4-BE49-F238E27FC236}">
-                  <a16:creationId xmlns="" xmlns:a16="http://schemas.microsoft.com/office/drawing/2014/main" id="{602AA1F2-15C1-4717-999A-209F9494788E}"/>
+                  <a16:creationId xmlns:a16="http://schemas.microsoft.com/office/drawing/2014/main" id="{602AA1F2-15C1-4717-999A-209F9494788E}"/>
                 </a:ext>
               </a:extLst>
             </p:cNvPr>
@@ -34614,7 +34624,7 @@
           <p:cNvPr id="17" name="TextBox 16">
             <a:extLst>
               <a:ext uri="{FF2B5EF4-FFF2-40B4-BE49-F238E27FC236}">
-                <a16:creationId xmlns="" xmlns:a16="http://schemas.microsoft.com/office/drawing/2014/main" id="{5DD81B33-3C10-4B58-9ACC-5628B021DE57}"/>
+                <a16:creationId xmlns:a16="http://schemas.microsoft.com/office/drawing/2014/main" id="{5DD81B33-3C10-4B58-9ACC-5628B021DE57}"/>
               </a:ext>
             </a:extLst>
           </p:cNvPr>
@@ -35383,7 +35393,7 @@
           <p:cNvPr id="7" name="내용 개체 틀 2">
             <a:extLst>
               <a:ext uri="{FF2B5EF4-FFF2-40B4-BE49-F238E27FC236}">
-                <a16:creationId xmlns="" xmlns:a16="http://schemas.microsoft.com/office/drawing/2014/main" id="{98AF3A4E-7D90-4241-89FE-799D6F9D5A94}"/>
+                <a16:creationId xmlns:a16="http://schemas.microsoft.com/office/drawing/2014/main" id="{98AF3A4E-7D90-4241-89FE-799D6F9D5A94}"/>
               </a:ext>
             </a:extLst>
           </p:cNvPr>
@@ -35791,7 +35801,7 @@
           <p:cNvPr id="7" name="내용 개체 틀 2">
             <a:extLst>
               <a:ext uri="{FF2B5EF4-FFF2-40B4-BE49-F238E27FC236}">
-                <a16:creationId xmlns="" xmlns:a16="http://schemas.microsoft.com/office/drawing/2014/main" id="{98AF3A4E-7D90-4241-89FE-799D6F9D5A94}"/>
+                <a16:creationId xmlns:a16="http://schemas.microsoft.com/office/drawing/2014/main" id="{98AF3A4E-7D90-4241-89FE-799D6F9D5A94}"/>
               </a:ext>
             </a:extLst>
           </p:cNvPr>
@@ -36173,7 +36183,7 @@
           <p:cNvPr id="5" name="TextBox 4">
             <a:extLst>
               <a:ext uri="{FF2B5EF4-FFF2-40B4-BE49-F238E27FC236}">
-                <a16:creationId xmlns="" xmlns:a16="http://schemas.microsoft.com/office/drawing/2014/main" id="{F124E8FA-4336-401A-8FBD-ED93AA11B426}"/>
+                <a16:creationId xmlns:a16="http://schemas.microsoft.com/office/drawing/2014/main" id="{F124E8FA-4336-401A-8FBD-ED93AA11B426}"/>
               </a:ext>
             </a:extLst>
           </p:cNvPr>
@@ -36299,7 +36309,7 @@
           <p:cNvPr id="6" name="표 5">
             <a:extLst>
               <a:ext uri="{FF2B5EF4-FFF2-40B4-BE49-F238E27FC236}">
-                <a16:creationId xmlns="" xmlns:a16="http://schemas.microsoft.com/office/drawing/2014/main" id="{80493445-9426-4210-96CD-8E97F25912BA}"/>
+                <a16:creationId xmlns:a16="http://schemas.microsoft.com/office/drawing/2014/main" id="{80493445-9426-4210-96CD-8E97F25912BA}"/>
               </a:ext>
             </a:extLst>
           </p:cNvPr>
@@ -36328,14 +36338,14 @@
                 <a:gridCol w="1232617">
                   <a:extLst>
                     <a:ext uri="{9D8B030D-6E8A-4147-A177-3AD203B41FA5}">
-                      <a16:colId xmlns="" xmlns:a16="http://schemas.microsoft.com/office/drawing/2014/main" val="1302133471"/>
+                      <a16:colId xmlns:a16="http://schemas.microsoft.com/office/drawing/2014/main" val="1302133471"/>
                     </a:ext>
                   </a:extLst>
                 </a:gridCol>
                 <a:gridCol w="4380745">
                   <a:extLst>
                     <a:ext uri="{9D8B030D-6E8A-4147-A177-3AD203B41FA5}">
-                      <a16:colId xmlns="" xmlns:a16="http://schemas.microsoft.com/office/drawing/2014/main" val="3478021724"/>
+                      <a16:colId xmlns:a16="http://schemas.microsoft.com/office/drawing/2014/main" val="3478021724"/>
                     </a:ext>
                   </a:extLst>
                 </a:gridCol>
@@ -36386,7 +36396,7 @@
                 </a:tc>
                 <a:extLst>
                   <a:ext uri="{0D108BD9-81ED-4DB2-BD59-A6C34878D82A}">
-                    <a16:rowId xmlns="" xmlns:a16="http://schemas.microsoft.com/office/drawing/2014/main" val="4215197872"/>
+                    <a16:rowId xmlns:a16="http://schemas.microsoft.com/office/drawing/2014/main" val="4215197872"/>
                   </a:ext>
                 </a:extLst>
               </a:tr>
@@ -36399,11 +36409,7 @@
                       <a:pPr latinLnBrk="1"/>
                       <a:r>
                         <a:rPr lang="en-US" altLang="ko-KR" sz="1800" dirty="0" smtClean="0"/>
-                        <a:t> offer</a:t>
-                      </a:r>
-                      <a:r>
-                        <a:rPr lang="en-US" altLang="ko-KR" sz="1800" dirty="0" smtClean="0"/>
-                        <a:t>()</a:t>
+                        <a:t> offer()</a:t>
                       </a:r>
                       <a:endParaRPr lang="ko-KR" altLang="en-US" sz="1800" dirty="0"/>
                     </a:p>
@@ -36439,7 +36445,7 @@
                 </a:tc>
                 <a:extLst>
                   <a:ext uri="{0D108BD9-81ED-4DB2-BD59-A6C34878D82A}">
-                    <a16:rowId xmlns="" xmlns:a16="http://schemas.microsoft.com/office/drawing/2014/main" val="1488436910"/>
+                    <a16:rowId xmlns:a16="http://schemas.microsoft.com/office/drawing/2014/main" val="1488436910"/>
                   </a:ext>
                 </a:extLst>
               </a:tr>
@@ -36452,11 +36458,7 @@
                       <a:pPr latinLnBrk="1"/>
                       <a:r>
                         <a:rPr lang="en-US" altLang="ko-KR" sz="1800" dirty="0" smtClean="0"/>
-                        <a:t> poll</a:t>
-                      </a:r>
-                      <a:r>
-                        <a:rPr lang="en-US" altLang="ko-KR" sz="1800" dirty="0" smtClean="0"/>
-                        <a:t>()</a:t>
+                        <a:t> poll()</a:t>
                       </a:r>
                       <a:endParaRPr lang="ko-KR" altLang="en-US" sz="1800" dirty="0"/>
                     </a:p>
@@ -36492,7 +36494,7 @@
                 </a:tc>
                 <a:extLst>
                   <a:ext uri="{0D108BD9-81ED-4DB2-BD59-A6C34878D82A}">
-                    <a16:rowId xmlns="" xmlns:a16="http://schemas.microsoft.com/office/drawing/2014/main" val="631478700"/>
+                    <a16:rowId xmlns:a16="http://schemas.microsoft.com/office/drawing/2014/main" val="631478700"/>
                   </a:ext>
                 </a:extLst>
               </a:tr>
@@ -36539,6 +36541,11 @@
                   </a:txBody>
                   <a:tcPr marL="74295" marR="74295" marT="37148" marB="37148" anchor="ctr"/>
                 </a:tc>
+                <a:extLst>
+                  <a:ext uri="{0D108BD9-81ED-4DB2-BD59-A6C34878D82A}">
+                    <a16:rowId xmlns:a16="http://schemas.microsoft.com/office/drawing/2014/main" val="10003"/>
+                  </a:ext>
+                </a:extLst>
               </a:tr>
             </a:tbl>
           </a:graphicData>
@@ -36563,7 +36570,7 @@
             <p:cNvPr id="15" name="TextBox 14">
               <a:extLst>
                 <a:ext uri="{FF2B5EF4-FFF2-40B4-BE49-F238E27FC236}">
-                  <a16:creationId xmlns="" xmlns:a16="http://schemas.microsoft.com/office/drawing/2014/main" id="{21610F33-56A9-42DE-ACFD-4AB5FCB19386}"/>
+                  <a16:creationId xmlns:a16="http://schemas.microsoft.com/office/drawing/2014/main" id="{21610F33-56A9-42DE-ACFD-4AB5FCB19386}"/>
                 </a:ext>
               </a:extLst>
             </p:cNvPr>
@@ -36604,7 +36611,7 @@
             <p:cNvPr id="18" name="TextBox 17">
               <a:extLst>
                 <a:ext uri="{FF2B5EF4-FFF2-40B4-BE49-F238E27FC236}">
-                  <a16:creationId xmlns="" xmlns:a16="http://schemas.microsoft.com/office/drawing/2014/main" id="{3C22B9D6-D476-438E-A7F5-0DB3E867D1A0}"/>
+                  <a16:creationId xmlns:a16="http://schemas.microsoft.com/office/drawing/2014/main" id="{3C22B9D6-D476-438E-A7F5-0DB3E867D1A0}"/>
                 </a:ext>
               </a:extLst>
             </p:cNvPr>
@@ -36649,7 +36656,7 @@
             <p:cNvPr id="21" name="직선 연결선 20">
               <a:extLst>
                 <a:ext uri="{FF2B5EF4-FFF2-40B4-BE49-F238E27FC236}">
-                  <a16:creationId xmlns="" xmlns:a16="http://schemas.microsoft.com/office/drawing/2014/main" id="{B6C9F632-B06E-4CD9-87DA-16BCCA2D6DE9}"/>
+                  <a16:creationId xmlns:a16="http://schemas.microsoft.com/office/drawing/2014/main" id="{B6C9F632-B06E-4CD9-87DA-16BCCA2D6DE9}"/>
                 </a:ext>
               </a:extLst>
             </p:cNvPr>
@@ -36692,7 +36699,7 @@
             <p:cNvPr id="23" name="직선 연결선 22">
               <a:extLst>
                 <a:ext uri="{FF2B5EF4-FFF2-40B4-BE49-F238E27FC236}">
-                  <a16:creationId xmlns="" xmlns:a16="http://schemas.microsoft.com/office/drawing/2014/main" id="{1945FA2E-D57D-431F-BE55-4B6FB505452B}"/>
+                  <a16:creationId xmlns:a16="http://schemas.microsoft.com/office/drawing/2014/main" id="{1945FA2E-D57D-431F-BE55-4B6FB505452B}"/>
                 </a:ext>
               </a:extLst>
             </p:cNvPr>
@@ -36735,7 +36742,7 @@
             <p:cNvPr id="24" name="타원 23">
               <a:extLst>
                 <a:ext uri="{FF2B5EF4-FFF2-40B4-BE49-F238E27FC236}">
-                  <a16:creationId xmlns="" xmlns:a16="http://schemas.microsoft.com/office/drawing/2014/main" id="{DFCAFF74-E451-4A10-A383-E560BCD0DB34}"/>
+                  <a16:creationId xmlns:a16="http://schemas.microsoft.com/office/drawing/2014/main" id="{DFCAFF74-E451-4A10-A383-E560BCD0DB34}"/>
                 </a:ext>
               </a:extLst>
             </p:cNvPr>
@@ -36783,7 +36790,7 @@
             <p:cNvPr id="25" name="타원 24">
               <a:extLst>
                 <a:ext uri="{FF2B5EF4-FFF2-40B4-BE49-F238E27FC236}">
-                  <a16:creationId xmlns="" xmlns:a16="http://schemas.microsoft.com/office/drawing/2014/main" id="{DA620BAF-D88D-4D89-A47E-D61A1126B7AE}"/>
+                  <a16:creationId xmlns:a16="http://schemas.microsoft.com/office/drawing/2014/main" id="{DA620BAF-D88D-4D89-A47E-D61A1126B7AE}"/>
                 </a:ext>
               </a:extLst>
             </p:cNvPr>
@@ -36831,7 +36838,7 @@
             <p:cNvPr id="26" name="타원 25">
               <a:extLst>
                 <a:ext uri="{FF2B5EF4-FFF2-40B4-BE49-F238E27FC236}">
-                  <a16:creationId xmlns="" xmlns:a16="http://schemas.microsoft.com/office/drawing/2014/main" id="{0536BE4C-35E2-4052-980E-31E7EE48CAF3}"/>
+                  <a16:creationId xmlns:a16="http://schemas.microsoft.com/office/drawing/2014/main" id="{0536BE4C-35E2-4052-980E-31E7EE48CAF3}"/>
                 </a:ext>
               </a:extLst>
             </p:cNvPr>
@@ -36879,7 +36886,7 @@
             <p:cNvPr id="27" name="직선 화살표 연결선 26">
               <a:extLst>
                 <a:ext uri="{FF2B5EF4-FFF2-40B4-BE49-F238E27FC236}">
-                  <a16:creationId xmlns="" xmlns:a16="http://schemas.microsoft.com/office/drawing/2014/main" id="{4ED855F3-7620-4BE8-B841-D36796B5A87B}"/>
+                  <a16:creationId xmlns:a16="http://schemas.microsoft.com/office/drawing/2014/main" id="{4ED855F3-7620-4BE8-B841-D36796B5A87B}"/>
                 </a:ext>
               </a:extLst>
             </p:cNvPr>
@@ -36923,7 +36930,7 @@
             <p:cNvPr id="28" name="TextBox 27">
               <a:extLst>
                 <a:ext uri="{FF2B5EF4-FFF2-40B4-BE49-F238E27FC236}">
-                  <a16:creationId xmlns="" xmlns:a16="http://schemas.microsoft.com/office/drawing/2014/main" id="{DFFF0C83-B246-4BAC-B847-EA82D76532B7}"/>
+                  <a16:creationId xmlns:a16="http://schemas.microsoft.com/office/drawing/2014/main" id="{DFFF0C83-B246-4BAC-B847-EA82D76532B7}"/>
                 </a:ext>
               </a:extLst>
             </p:cNvPr>
@@ -36964,7 +36971,7 @@
             <p:cNvPr id="29" name="TextBox 28">
               <a:extLst>
                 <a:ext uri="{FF2B5EF4-FFF2-40B4-BE49-F238E27FC236}">
-                  <a16:creationId xmlns="" xmlns:a16="http://schemas.microsoft.com/office/drawing/2014/main" id="{AC1F575A-D26A-4807-9A30-0631396A4DA8}"/>
+                  <a16:creationId xmlns:a16="http://schemas.microsoft.com/office/drawing/2014/main" id="{AC1F575A-D26A-4807-9A30-0631396A4DA8}"/>
                 </a:ext>
               </a:extLst>
             </p:cNvPr>
@@ -37009,7 +37016,7 @@
             <p:cNvPr id="30" name="직선 화살표 연결선 29">
               <a:extLst>
                 <a:ext uri="{FF2B5EF4-FFF2-40B4-BE49-F238E27FC236}">
-                  <a16:creationId xmlns="" xmlns:a16="http://schemas.microsoft.com/office/drawing/2014/main" id="{C5100326-1992-4CBD-932F-DAAFC7C45470}"/>
+                  <a16:creationId xmlns:a16="http://schemas.microsoft.com/office/drawing/2014/main" id="{C5100326-1992-4CBD-932F-DAAFC7C45470}"/>
                 </a:ext>
               </a:extLst>
             </p:cNvPr>
@@ -37053,7 +37060,7 @@
             <p:cNvPr id="31" name="TextBox 30">
               <a:extLst>
                 <a:ext uri="{FF2B5EF4-FFF2-40B4-BE49-F238E27FC236}">
-                  <a16:creationId xmlns="" xmlns:a16="http://schemas.microsoft.com/office/drawing/2014/main" id="{45F4228E-0294-4E11-A5CA-B9F1EC49D343}"/>
+                  <a16:creationId xmlns:a16="http://schemas.microsoft.com/office/drawing/2014/main" id="{45F4228E-0294-4E11-A5CA-B9F1EC49D343}"/>
                 </a:ext>
               </a:extLst>
             </p:cNvPr>
@@ -37229,7 +37236,7 @@
           <p:cNvPr id="17" name="TextBox 16">
             <a:extLst>
               <a:ext uri="{FF2B5EF4-FFF2-40B4-BE49-F238E27FC236}">
-                <a16:creationId xmlns="" xmlns:a16="http://schemas.microsoft.com/office/drawing/2014/main" id="{5DD81B33-3C10-4B58-9ACC-5628B021DE57}"/>
+                <a16:creationId xmlns:a16="http://schemas.microsoft.com/office/drawing/2014/main" id="{5DD81B33-3C10-4B58-9ACC-5628B021DE57}"/>
               </a:ext>
             </a:extLst>
           </p:cNvPr>
@@ -37870,7 +37877,7 @@
           <p:cNvPr id="10" name="내용 개체 틀 2">
             <a:extLst>
               <a:ext uri="{FF2B5EF4-FFF2-40B4-BE49-F238E27FC236}">
-                <a16:creationId xmlns="" xmlns:a16="http://schemas.microsoft.com/office/drawing/2014/main" id="{98AF3A4E-7D90-4241-89FE-799D6F9D5A94}"/>
+                <a16:creationId xmlns:a16="http://schemas.microsoft.com/office/drawing/2014/main" id="{98AF3A4E-7D90-4241-89FE-799D6F9D5A94}"/>
               </a:ext>
             </a:extLst>
           </p:cNvPr>
@@ -38265,7 +38272,7 @@
           <p:cNvPr id="7" name="내용 개체 틀 2">
             <a:extLst>
               <a:ext uri="{FF2B5EF4-FFF2-40B4-BE49-F238E27FC236}">
-                <a16:creationId xmlns="" xmlns:a16="http://schemas.microsoft.com/office/drawing/2014/main" id="{98AF3A4E-7D90-4241-89FE-799D6F9D5A94}"/>
+                <a16:creationId xmlns:a16="http://schemas.microsoft.com/office/drawing/2014/main" id="{98AF3A4E-7D90-4241-89FE-799D6F9D5A94}"/>
               </a:ext>
             </a:extLst>
           </p:cNvPr>
@@ -38693,7 +38700,7 @@
           <p:cNvPr id="7" name="내용 개체 틀 2">
             <a:extLst>
               <a:ext uri="{FF2B5EF4-FFF2-40B4-BE49-F238E27FC236}">
-                <a16:creationId xmlns="" xmlns:a16="http://schemas.microsoft.com/office/drawing/2014/main" id="{98AF3A4E-7D90-4241-89FE-799D6F9D5A94}"/>
+                <a16:creationId xmlns:a16="http://schemas.microsoft.com/office/drawing/2014/main" id="{98AF3A4E-7D90-4241-89FE-799D6F9D5A94}"/>
               </a:ext>
             </a:extLst>
           </p:cNvPr>
@@ -39158,7 +39165,7 @@
           <p:cNvPr id="10" name="내용 개체 틀 2">
             <a:extLst>
               <a:ext uri="{FF2B5EF4-FFF2-40B4-BE49-F238E27FC236}">
-                <a16:creationId xmlns="" xmlns:a16="http://schemas.microsoft.com/office/drawing/2014/main" id="{98AF3A4E-7D90-4241-89FE-799D6F9D5A94}"/>
+                <a16:creationId xmlns:a16="http://schemas.microsoft.com/office/drawing/2014/main" id="{98AF3A4E-7D90-4241-89FE-799D6F9D5A94}"/>
               </a:ext>
             </a:extLst>
           </p:cNvPr>
@@ -39591,7 +39598,7 @@
           <p:cNvPr id="10" name="내용 개체 틀 2">
             <a:extLst>
               <a:ext uri="{FF2B5EF4-FFF2-40B4-BE49-F238E27FC236}">
-                <a16:creationId xmlns="" xmlns:a16="http://schemas.microsoft.com/office/drawing/2014/main" id="{98AF3A4E-7D90-4241-89FE-799D6F9D5A94}"/>
+                <a16:creationId xmlns:a16="http://schemas.microsoft.com/office/drawing/2014/main" id="{98AF3A4E-7D90-4241-89FE-799D6F9D5A94}"/>
               </a:ext>
             </a:extLst>
           </p:cNvPr>

--- a/java_ppt/14장. 컬렉션프레임워크.pptx
+++ b/java_ppt/14장. 컬렉션프레임워크.pptx
@@ -5,7 +5,7 @@
     <p:sldMasterId id="2147483648" r:id="rId1"/>
   </p:sldMasterIdLst>
   <p:notesMasterIdLst>
-    <p:notesMasterId r:id="rId73"/>
+    <p:notesMasterId r:id="rId74"/>
   </p:notesMasterIdLst>
   <p:sldIdLst>
     <p:sldId id="256" r:id="rId2"/>
@@ -31,54 +31,55 @@
     <p:sldId id="463" r:id="rId22"/>
     <p:sldId id="453" r:id="rId23"/>
     <p:sldId id="464" r:id="rId24"/>
-    <p:sldId id="465" r:id="rId25"/>
-    <p:sldId id="435" r:id="rId26"/>
-    <p:sldId id="436" r:id="rId27"/>
-    <p:sldId id="466" r:id="rId28"/>
-    <p:sldId id="467" r:id="rId29"/>
-    <p:sldId id="468" r:id="rId30"/>
-    <p:sldId id="469" r:id="rId31"/>
-    <p:sldId id="470" r:id="rId32"/>
-    <p:sldId id="471" r:id="rId33"/>
-    <p:sldId id="472" r:id="rId34"/>
-    <p:sldId id="473" r:id="rId35"/>
-    <p:sldId id="474" r:id="rId36"/>
-    <p:sldId id="475" r:id="rId37"/>
-    <p:sldId id="483" r:id="rId38"/>
-    <p:sldId id="484" r:id="rId39"/>
-    <p:sldId id="476" r:id="rId40"/>
-    <p:sldId id="477" r:id="rId41"/>
-    <p:sldId id="478" r:id="rId42"/>
-    <p:sldId id="479" r:id="rId43"/>
-    <p:sldId id="480" r:id="rId44"/>
-    <p:sldId id="481" r:id="rId45"/>
-    <p:sldId id="482" r:id="rId46"/>
-    <p:sldId id="485" r:id="rId47"/>
-    <p:sldId id="486" r:id="rId48"/>
-    <p:sldId id="511" r:id="rId49"/>
-    <p:sldId id="487" r:id="rId50"/>
-    <p:sldId id="488" r:id="rId51"/>
-    <p:sldId id="489" r:id="rId52"/>
-    <p:sldId id="490" r:id="rId53"/>
-    <p:sldId id="491" r:id="rId54"/>
-    <p:sldId id="492" r:id="rId55"/>
-    <p:sldId id="493" r:id="rId56"/>
-    <p:sldId id="494" r:id="rId57"/>
-    <p:sldId id="495" r:id="rId58"/>
-    <p:sldId id="496" r:id="rId59"/>
-    <p:sldId id="497" r:id="rId60"/>
-    <p:sldId id="498" r:id="rId61"/>
-    <p:sldId id="499" r:id="rId62"/>
-    <p:sldId id="500" r:id="rId63"/>
-    <p:sldId id="501" r:id="rId64"/>
-    <p:sldId id="502" r:id="rId65"/>
-    <p:sldId id="503" r:id="rId66"/>
-    <p:sldId id="504" r:id="rId67"/>
-    <p:sldId id="505" r:id="rId68"/>
-    <p:sldId id="506" r:id="rId69"/>
-    <p:sldId id="507" r:id="rId70"/>
-    <p:sldId id="508" r:id="rId71"/>
-    <p:sldId id="509" r:id="rId72"/>
+    <p:sldId id="512" r:id="rId25"/>
+    <p:sldId id="465" r:id="rId26"/>
+    <p:sldId id="435" r:id="rId27"/>
+    <p:sldId id="436" r:id="rId28"/>
+    <p:sldId id="466" r:id="rId29"/>
+    <p:sldId id="467" r:id="rId30"/>
+    <p:sldId id="468" r:id="rId31"/>
+    <p:sldId id="469" r:id="rId32"/>
+    <p:sldId id="470" r:id="rId33"/>
+    <p:sldId id="471" r:id="rId34"/>
+    <p:sldId id="472" r:id="rId35"/>
+    <p:sldId id="473" r:id="rId36"/>
+    <p:sldId id="474" r:id="rId37"/>
+    <p:sldId id="475" r:id="rId38"/>
+    <p:sldId id="483" r:id="rId39"/>
+    <p:sldId id="484" r:id="rId40"/>
+    <p:sldId id="476" r:id="rId41"/>
+    <p:sldId id="477" r:id="rId42"/>
+    <p:sldId id="478" r:id="rId43"/>
+    <p:sldId id="479" r:id="rId44"/>
+    <p:sldId id="480" r:id="rId45"/>
+    <p:sldId id="481" r:id="rId46"/>
+    <p:sldId id="482" r:id="rId47"/>
+    <p:sldId id="485" r:id="rId48"/>
+    <p:sldId id="486" r:id="rId49"/>
+    <p:sldId id="511" r:id="rId50"/>
+    <p:sldId id="487" r:id="rId51"/>
+    <p:sldId id="488" r:id="rId52"/>
+    <p:sldId id="489" r:id="rId53"/>
+    <p:sldId id="490" r:id="rId54"/>
+    <p:sldId id="491" r:id="rId55"/>
+    <p:sldId id="492" r:id="rId56"/>
+    <p:sldId id="493" r:id="rId57"/>
+    <p:sldId id="494" r:id="rId58"/>
+    <p:sldId id="495" r:id="rId59"/>
+    <p:sldId id="496" r:id="rId60"/>
+    <p:sldId id="497" r:id="rId61"/>
+    <p:sldId id="498" r:id="rId62"/>
+    <p:sldId id="499" r:id="rId63"/>
+    <p:sldId id="500" r:id="rId64"/>
+    <p:sldId id="501" r:id="rId65"/>
+    <p:sldId id="502" r:id="rId66"/>
+    <p:sldId id="503" r:id="rId67"/>
+    <p:sldId id="504" r:id="rId68"/>
+    <p:sldId id="505" r:id="rId69"/>
+    <p:sldId id="506" r:id="rId70"/>
+    <p:sldId id="507" r:id="rId71"/>
+    <p:sldId id="508" r:id="rId72"/>
+    <p:sldId id="509" r:id="rId73"/>
   </p:sldIdLst>
   <p:sldSz cx="9906000" cy="6858000" type="A4"/>
   <p:notesSz cx="6858000" cy="9144000"/>
@@ -278,7 +279,7 @@
           <a:p>
             <a:fld id="{7665CDAC-D627-4E87-877A-1B781DD4CADC}" type="datetimeFigureOut">
               <a:rPr lang="ko-KR" altLang="en-US" smtClean="0"/>
-              <a:t>2023-07-08</a:t>
+              <a:t>2023-07-12</a:t>
             </a:fld>
             <a:endParaRPr lang="ko-KR" altLang="en-US"/>
           </a:p>
@@ -695,7 +696,7 @@
           <a:p>
             <a:fld id="{0FADDD8A-FD4C-4C63-90D4-202AFE8080B2}" type="slidenum">
               <a:rPr lang="ko-KR" altLang="en-US" smtClean="0"/>
-              <a:t>53</a:t>
+              <a:t>54</a:t>
             </a:fld>
             <a:endParaRPr lang="ko-KR" altLang="en-US"/>
           </a:p>
@@ -900,7 +901,7 @@
           <a:p>
             <a:fld id="{F4AC81B4-D91A-4578-85B3-829E63FCFE17}" type="datetime1">
               <a:rPr lang="ko-KR" altLang="en-US" smtClean="0"/>
-              <a:t>2023-07-08</a:t>
+              <a:t>2023-07-12</a:t>
             </a:fld>
             <a:endParaRPr lang="ko-KR" altLang="en-US"/>
           </a:p>
@@ -1275,7 +1276,7 @@
           <a:p>
             <a:fld id="{F5B77542-37E5-48F2-BAE7-80CC6B0EB6A3}" type="datetime1">
               <a:rPr lang="ko-KR" altLang="en-US" smtClean="0"/>
-              <a:t>2023-07-08</a:t>
+              <a:t>2023-07-12</a:t>
             </a:fld>
             <a:endParaRPr lang="ko-KR" altLang="en-US"/>
           </a:p>
@@ -1455,7 +1456,7 @@
           <a:p>
             <a:fld id="{227CF174-B5AC-4A98-B673-0BE8126D3F27}" type="datetime1">
               <a:rPr lang="ko-KR" altLang="en-US" smtClean="0"/>
-              <a:t>2023-07-08</a:t>
+              <a:t>2023-07-12</a:t>
             </a:fld>
             <a:endParaRPr lang="ko-KR" altLang="en-US"/>
           </a:p>
@@ -1629,7 +1630,7 @@
           <a:p>
             <a:fld id="{E20FDEC8-1339-42E8-9704-2977280C2FD3}" type="datetime1">
               <a:rPr lang="ko-KR" altLang="en-US" smtClean="0"/>
-              <a:t>2023-07-08</a:t>
+              <a:t>2023-07-12</a:t>
             </a:fld>
             <a:endParaRPr lang="ko-KR" altLang="en-US"/>
           </a:p>
@@ -1875,7 +1876,7 @@
           <a:p>
             <a:fld id="{4D18DC76-A282-4817-B790-197F054E1215}" type="datetime1">
               <a:rPr lang="ko-KR" altLang="en-US" smtClean="0"/>
-              <a:t>2023-07-08</a:t>
+              <a:t>2023-07-12</a:t>
             </a:fld>
             <a:endParaRPr lang="ko-KR" altLang="en-US"/>
           </a:p>
@@ -2163,7 +2164,7 @@
           <a:p>
             <a:fld id="{6680AA6C-13D8-43E4-90F0-E6C88A2B9F16}" type="datetime1">
               <a:rPr lang="ko-KR" altLang="en-US" smtClean="0"/>
-              <a:t>2023-07-08</a:t>
+              <a:t>2023-07-12</a:t>
             </a:fld>
             <a:endParaRPr lang="ko-KR" altLang="en-US"/>
           </a:p>
@@ -2585,7 +2586,7 @@
           <a:p>
             <a:fld id="{3EF5B03B-20CC-436E-8601-C933C6C1F4A6}" type="datetime1">
               <a:rPr lang="ko-KR" altLang="en-US" smtClean="0"/>
-              <a:t>2023-07-08</a:t>
+              <a:t>2023-07-12</a:t>
             </a:fld>
             <a:endParaRPr lang="ko-KR" altLang="en-US"/>
           </a:p>
@@ -2703,7 +2704,7 @@
           <a:p>
             <a:fld id="{87B5A15D-8B08-482F-AB47-E416EC355EB6}" type="datetime1">
               <a:rPr lang="ko-KR" altLang="en-US" smtClean="0"/>
-              <a:t>2023-07-08</a:t>
+              <a:t>2023-07-12</a:t>
             </a:fld>
             <a:endParaRPr lang="ko-KR" altLang="en-US"/>
           </a:p>
@@ -2798,7 +2799,7 @@
           <a:p>
             <a:fld id="{A877D7F8-7B64-44F8-A411-CBD22F28CBFF}" type="datetime1">
               <a:rPr lang="ko-KR" altLang="en-US" smtClean="0"/>
-              <a:t>2023-07-08</a:t>
+              <a:t>2023-07-12</a:t>
             </a:fld>
             <a:endParaRPr lang="ko-KR" altLang="en-US"/>
           </a:p>
@@ -3075,7 +3076,7 @@
           <a:p>
             <a:fld id="{E12DBD9B-2BB6-4D1F-BCB4-1E48829C93C3}" type="datetime1">
               <a:rPr lang="ko-KR" altLang="en-US" smtClean="0"/>
-              <a:t>2023-07-08</a:t>
+              <a:t>2023-07-12</a:t>
             </a:fld>
             <a:endParaRPr lang="ko-KR" altLang="en-US"/>
           </a:p>
@@ -3328,7 +3329,7 @@
           <a:p>
             <a:fld id="{17564C48-0CD7-40EB-BE64-BBF4DB8C56AF}" type="datetime1">
               <a:rPr lang="ko-KR" altLang="en-US" smtClean="0"/>
-              <a:t>2023-07-08</a:t>
+              <a:t>2023-07-12</a:t>
             </a:fld>
             <a:endParaRPr lang="ko-KR" altLang="en-US"/>
           </a:p>
@@ -3508,7 +3509,7 @@
           <a:p>
             <a:fld id="{C116BCB4-B68B-4638-8167-F4BDC0A30DA1}" type="datetime1">
               <a:rPr lang="ko-KR" altLang="en-US" smtClean="0"/>
-              <a:t>2023-07-08</a:t>
+              <a:t>2023-07-12</a:t>
             </a:fld>
             <a:endParaRPr lang="ko-KR" altLang="en-US"/>
           </a:p>
@@ -13581,43 +13582,6 @@
           </a:p>
         </p:txBody>
       </p:sp>
-      <p:pic>
-        <p:nvPicPr>
-          <p:cNvPr id="3" name="그림 2"/>
-          <p:cNvPicPr>
-            <a:picLocks noChangeAspect="1"/>
-          </p:cNvPicPr>
-          <p:nvPr/>
-        </p:nvPicPr>
-        <p:blipFill>
-          <a:blip r:embed="rId2">
-            <a:extLst>
-              <a:ext uri="{28A0092B-C50C-407E-A947-70E740481C1C}">
-                <a14:useLocalDpi xmlns:a14="http://schemas.microsoft.com/office/drawing/2010/main" val="0"/>
-              </a:ext>
-            </a:extLst>
-          </a:blip>
-          <a:stretch>
-            <a:fillRect/>
-          </a:stretch>
-        </p:blipFill>
-        <p:spPr>
-          <a:xfrm>
-            <a:off x="1424608" y="1988840"/>
-            <a:ext cx="6546148" cy="2842507"/>
-          </a:xfrm>
-          <a:prstGeom prst="rect">
-            <a:avLst/>
-          </a:prstGeom>
-          <a:ln>
-            <a:solidFill>
-              <a:schemeClr val="bg1">
-                <a:lumMod val="85000"/>
-              </a:schemeClr>
-            </a:solidFill>
-          </a:ln>
-        </p:spPr>
-      </p:pic>
       <p:sp>
         <p:nvSpPr>
           <p:cNvPr id="7" name="내용 개체 틀 2">
@@ -13855,6 +13819,43 @@
           </a:p>
         </p:txBody>
       </p:sp>
+      <p:pic>
+        <p:nvPicPr>
+          <p:cNvPr id="2" name="그림 1"/>
+          <p:cNvPicPr>
+            <a:picLocks noChangeAspect="1"/>
+          </p:cNvPicPr>
+          <p:nvPr/>
+        </p:nvPicPr>
+        <p:blipFill>
+          <a:blip r:embed="rId2">
+            <a:extLst>
+              <a:ext uri="{28A0092B-C50C-407E-A947-70E740481C1C}">
+                <a14:useLocalDpi xmlns:a14="http://schemas.microsoft.com/office/drawing/2010/main" val="0"/>
+              </a:ext>
+            </a:extLst>
+          </a:blip>
+          <a:stretch>
+            <a:fillRect/>
+          </a:stretch>
+        </p:blipFill>
+        <p:spPr>
+          <a:xfrm>
+            <a:off x="1424608" y="1772816"/>
+            <a:ext cx="7005354" cy="4327041"/>
+          </a:xfrm>
+          <a:prstGeom prst="rect">
+            <a:avLst/>
+          </a:prstGeom>
+          <a:ln>
+            <a:solidFill>
+              <a:schemeClr val="bg1">
+                <a:lumMod val="85000"/>
+              </a:schemeClr>
+            </a:solidFill>
+          </a:ln>
+        </p:spPr>
+      </p:pic>
     </p:spTree>
     <p:extLst>
       <p:ext uri="{BB962C8B-B14F-4D97-AF65-F5344CB8AC3E}">
@@ -13947,9 +13948,246 @@
           </a:p>
         </p:txBody>
       </p:sp>
+      <p:sp>
+        <p:nvSpPr>
+          <p:cNvPr id="7" name="내용 개체 틀 2">
+            <a:extLst>
+              <a:ext uri="{FF2B5EF4-FFF2-40B4-BE49-F238E27FC236}">
+                <a16:creationId xmlns:a16="http://schemas.microsoft.com/office/drawing/2014/main" id="{98AF3A4E-7D90-4241-89FE-799D6F9D5A94}"/>
+              </a:ext>
+            </a:extLst>
+          </p:cNvPr>
+          <p:cNvSpPr txBox="1">
+            <a:spLocks/>
+          </p:cNvSpPr>
+          <p:nvPr/>
+        </p:nvSpPr>
+        <p:spPr>
+          <a:xfrm>
+            <a:off x="848544" y="1124744"/>
+            <a:ext cx="3788895" cy="504056"/>
+          </a:xfrm>
+          <a:prstGeom prst="rect">
+            <a:avLst/>
+          </a:prstGeom>
+        </p:spPr>
+        <p:txBody>
+          <a:bodyPr/>
+          <a:lstStyle>
+            <a:lvl1pPr marL="228600" indent="-228600" algn="l" defTabSz="914400" rtl="0" eaLnBrk="1" latinLnBrk="1" hangingPunct="1">
+              <a:lnSpc>
+                <a:spcPct val="90000"/>
+              </a:lnSpc>
+              <a:spcBef>
+                <a:spcPts val="1000"/>
+              </a:spcBef>
+              <a:buFont typeface="Arial" panose="020B0604020202020204" pitchFamily="34" charset="0"/>
+              <a:buChar char="•"/>
+              <a:defRPr sz="2800" kern="1200">
+                <a:solidFill>
+                  <a:schemeClr val="tx1"/>
+                </a:solidFill>
+                <a:latin typeface="+mn-lt"/>
+                <a:ea typeface="+mn-ea"/>
+                <a:cs typeface="+mn-cs"/>
+              </a:defRPr>
+            </a:lvl1pPr>
+            <a:lvl2pPr marL="685800" indent="-228600" algn="l" defTabSz="914400" rtl="0" eaLnBrk="1" latinLnBrk="1" hangingPunct="1">
+              <a:lnSpc>
+                <a:spcPct val="90000"/>
+              </a:lnSpc>
+              <a:spcBef>
+                <a:spcPts val="500"/>
+              </a:spcBef>
+              <a:buFont typeface="Arial" panose="020B0604020202020204" pitchFamily="34" charset="0"/>
+              <a:buChar char="•"/>
+              <a:defRPr sz="2400" kern="1200">
+                <a:solidFill>
+                  <a:schemeClr val="tx1"/>
+                </a:solidFill>
+                <a:latin typeface="+mn-lt"/>
+                <a:ea typeface="+mn-ea"/>
+                <a:cs typeface="+mn-cs"/>
+              </a:defRPr>
+            </a:lvl2pPr>
+            <a:lvl3pPr marL="1143000" indent="-228600" algn="l" defTabSz="914400" rtl="0" eaLnBrk="1" latinLnBrk="1" hangingPunct="1">
+              <a:lnSpc>
+                <a:spcPct val="90000"/>
+              </a:lnSpc>
+              <a:spcBef>
+                <a:spcPts val="500"/>
+              </a:spcBef>
+              <a:buFont typeface="Arial" panose="020B0604020202020204" pitchFamily="34" charset="0"/>
+              <a:buChar char="•"/>
+              <a:defRPr sz="2000" kern="1200">
+                <a:solidFill>
+                  <a:schemeClr val="tx1"/>
+                </a:solidFill>
+                <a:latin typeface="+mn-lt"/>
+                <a:ea typeface="+mn-ea"/>
+                <a:cs typeface="+mn-cs"/>
+              </a:defRPr>
+            </a:lvl3pPr>
+            <a:lvl4pPr marL="1600200" indent="-228600" algn="l" defTabSz="914400" rtl="0" eaLnBrk="1" latinLnBrk="1" hangingPunct="1">
+              <a:lnSpc>
+                <a:spcPct val="90000"/>
+              </a:lnSpc>
+              <a:spcBef>
+                <a:spcPts val="500"/>
+              </a:spcBef>
+              <a:buFont typeface="Arial" panose="020B0604020202020204" pitchFamily="34" charset="0"/>
+              <a:buChar char="•"/>
+              <a:defRPr sz="1800" kern="1200">
+                <a:solidFill>
+                  <a:schemeClr val="tx1"/>
+                </a:solidFill>
+                <a:latin typeface="+mn-lt"/>
+                <a:ea typeface="+mn-ea"/>
+                <a:cs typeface="+mn-cs"/>
+              </a:defRPr>
+            </a:lvl4pPr>
+            <a:lvl5pPr marL="2057400" indent="-228600" algn="l" defTabSz="914400" rtl="0" eaLnBrk="1" latinLnBrk="1" hangingPunct="1">
+              <a:lnSpc>
+                <a:spcPct val="90000"/>
+              </a:lnSpc>
+              <a:spcBef>
+                <a:spcPts val="500"/>
+              </a:spcBef>
+              <a:buFont typeface="Arial" panose="020B0604020202020204" pitchFamily="34" charset="0"/>
+              <a:buChar char="•"/>
+              <a:defRPr sz="1800" kern="1200">
+                <a:solidFill>
+                  <a:schemeClr val="tx1"/>
+                </a:solidFill>
+                <a:latin typeface="+mn-lt"/>
+                <a:ea typeface="+mn-ea"/>
+                <a:cs typeface="+mn-cs"/>
+              </a:defRPr>
+            </a:lvl5pPr>
+            <a:lvl6pPr marL="2514600" indent="-228600" algn="l" defTabSz="914400" rtl="0" eaLnBrk="1" latinLnBrk="1" hangingPunct="1">
+              <a:lnSpc>
+                <a:spcPct val="90000"/>
+              </a:lnSpc>
+              <a:spcBef>
+                <a:spcPts val="500"/>
+              </a:spcBef>
+              <a:buFont typeface="Arial" panose="020B0604020202020204" pitchFamily="34" charset="0"/>
+              <a:buChar char="•"/>
+              <a:defRPr sz="1800" kern="1200">
+                <a:solidFill>
+                  <a:schemeClr val="tx1"/>
+                </a:solidFill>
+                <a:latin typeface="+mn-lt"/>
+                <a:ea typeface="+mn-ea"/>
+                <a:cs typeface="+mn-cs"/>
+              </a:defRPr>
+            </a:lvl6pPr>
+            <a:lvl7pPr marL="2971800" indent="-228600" algn="l" defTabSz="914400" rtl="0" eaLnBrk="1" latinLnBrk="1" hangingPunct="1">
+              <a:lnSpc>
+                <a:spcPct val="90000"/>
+              </a:lnSpc>
+              <a:spcBef>
+                <a:spcPts val="500"/>
+              </a:spcBef>
+              <a:buFont typeface="Arial" panose="020B0604020202020204" pitchFamily="34" charset="0"/>
+              <a:buChar char="•"/>
+              <a:defRPr sz="1800" kern="1200">
+                <a:solidFill>
+                  <a:schemeClr val="tx1"/>
+                </a:solidFill>
+                <a:latin typeface="+mn-lt"/>
+                <a:ea typeface="+mn-ea"/>
+                <a:cs typeface="+mn-cs"/>
+              </a:defRPr>
+            </a:lvl7pPr>
+            <a:lvl8pPr marL="3429000" indent="-228600" algn="l" defTabSz="914400" rtl="0" eaLnBrk="1" latinLnBrk="1" hangingPunct="1">
+              <a:lnSpc>
+                <a:spcPct val="90000"/>
+              </a:lnSpc>
+              <a:spcBef>
+                <a:spcPts val="500"/>
+              </a:spcBef>
+              <a:buFont typeface="Arial" panose="020B0604020202020204" pitchFamily="34" charset="0"/>
+              <a:buChar char="•"/>
+              <a:defRPr sz="1800" kern="1200">
+                <a:solidFill>
+                  <a:schemeClr val="tx1"/>
+                </a:solidFill>
+                <a:latin typeface="+mn-lt"/>
+                <a:ea typeface="+mn-ea"/>
+                <a:cs typeface="+mn-cs"/>
+              </a:defRPr>
+            </a:lvl8pPr>
+            <a:lvl9pPr marL="3886200" indent="-228600" algn="l" defTabSz="914400" rtl="0" eaLnBrk="1" latinLnBrk="1" hangingPunct="1">
+              <a:lnSpc>
+                <a:spcPct val="90000"/>
+              </a:lnSpc>
+              <a:spcBef>
+                <a:spcPts val="500"/>
+              </a:spcBef>
+              <a:buFont typeface="Arial" panose="020B0604020202020204" pitchFamily="34" charset="0"/>
+              <a:buChar char="•"/>
+              <a:defRPr sz="1800" kern="1200">
+                <a:solidFill>
+                  <a:schemeClr val="tx1"/>
+                </a:solidFill>
+                <a:latin typeface="+mn-lt"/>
+                <a:ea typeface="+mn-ea"/>
+                <a:cs typeface="+mn-cs"/>
+              </a:defRPr>
+            </a:lvl9pPr>
+          </a:lstStyle>
+          <a:p>
+            <a:pPr>
+              <a:lnSpc>
+                <a:spcPct val="150000"/>
+              </a:lnSpc>
+              <a:buFont typeface="Wingdings" panose="05000000000000000000" pitchFamily="2" charset="2"/>
+              <a:buChar char="u"/>
+            </a:pPr>
+            <a:r>
+              <a:rPr lang="en-US" altLang="ko-KR" sz="2000" b="1" dirty="0" smtClean="0">
+                <a:solidFill>
+                  <a:srgbClr val="C00000"/>
+                </a:solidFill>
+              </a:rPr>
+              <a:t> </a:t>
+            </a:r>
+            <a:r>
+              <a:rPr lang="ko-KR" altLang="en-US" sz="2000" b="1" dirty="0" smtClean="0">
+                <a:solidFill>
+                  <a:srgbClr val="C00000"/>
+                </a:solidFill>
+              </a:rPr>
+              <a:t>벡터</a:t>
+            </a:r>
+            <a:r>
+              <a:rPr lang="en-US" altLang="ko-KR" sz="2000" b="1" dirty="0" smtClean="0">
+                <a:solidFill>
+                  <a:srgbClr val="C00000"/>
+                </a:solidFill>
+              </a:rPr>
+              <a:t>(Vector) </a:t>
+            </a:r>
+            <a:r>
+              <a:rPr lang="ko-KR" altLang="en-US" sz="2000" b="1" dirty="0" smtClean="0">
+                <a:solidFill>
+                  <a:srgbClr val="C00000"/>
+                </a:solidFill>
+              </a:rPr>
+              <a:t>클래스 예제</a:t>
+            </a:r>
+            <a:endParaRPr lang="en-US" altLang="ko-KR" sz="2000" b="1" dirty="0" smtClean="0">
+              <a:solidFill>
+                <a:srgbClr val="C00000"/>
+              </a:solidFill>
+            </a:endParaRPr>
+          </a:p>
+        </p:txBody>
+      </p:sp>
       <p:pic>
         <p:nvPicPr>
-          <p:cNvPr id="2" name="그림 1"/>
+          <p:cNvPr id="3" name="그림 2"/>
           <p:cNvPicPr>
             <a:picLocks noChangeAspect="1"/>
           </p:cNvPicPr>
@@ -13969,45 +14207,8 @@
         </p:blipFill>
         <p:spPr>
           <a:xfrm>
-            <a:off x="1280592" y="1196752"/>
-            <a:ext cx="6302287" cy="4534293"/>
-          </a:xfrm>
-          <a:prstGeom prst="rect">
-            <a:avLst/>
-          </a:prstGeom>
-          <a:ln>
-            <a:solidFill>
-              <a:schemeClr val="bg1">
-                <a:lumMod val="85000"/>
-              </a:schemeClr>
-            </a:solidFill>
-          </a:ln>
-        </p:spPr>
-      </p:pic>
-      <p:pic>
-        <p:nvPicPr>
-          <p:cNvPr id="4" name="그림 3"/>
-          <p:cNvPicPr>
-            <a:picLocks noChangeAspect="1"/>
-          </p:cNvPicPr>
-          <p:nvPr/>
-        </p:nvPicPr>
-        <p:blipFill>
-          <a:blip r:embed="rId3">
-            <a:extLst>
-              <a:ext uri="{28A0092B-C50C-407E-A947-70E740481C1C}">
-                <a14:useLocalDpi xmlns:a14="http://schemas.microsoft.com/office/drawing/2010/main" val="0"/>
-              </a:ext>
-            </a:extLst>
-          </a:blip>
-          <a:stretch>
-            <a:fillRect/>
-          </a:stretch>
-        </p:blipFill>
-        <p:spPr>
-          <a:xfrm>
-            <a:off x="6825207" y="3783360"/>
-            <a:ext cx="2448273" cy="761502"/>
+            <a:off x="1314831" y="1772816"/>
+            <a:ext cx="6645216" cy="3680779"/>
           </a:xfrm>
           <a:prstGeom prst="rect">
             <a:avLst/>
@@ -14024,7 +14225,7 @@
     </p:spTree>
     <p:extLst>
       <p:ext uri="{BB962C8B-B14F-4D97-AF65-F5344CB8AC3E}">
-        <p14:creationId xmlns:p14="http://schemas.microsoft.com/office/powerpoint/2010/main" val="2305505536"/>
+        <p14:creationId xmlns:p14="http://schemas.microsoft.com/office/powerpoint/2010/main" val="3471756782"/>
       </p:ext>
     </p:extLst>
   </p:cSld>
@@ -14075,15 +14276,7 @@
           <a:p>
             <a:r>
               <a:rPr lang="en-US" altLang="ko-KR" dirty="0" smtClean="0"/>
-              <a:t> </a:t>
-            </a:r>
-            <a:r>
-              <a:rPr lang="en-US" altLang="ko-KR" dirty="0" err="1" smtClean="0"/>
-              <a:t>LinkedList</a:t>
-            </a:r>
-            <a:r>
-              <a:rPr lang="en-US" altLang="ko-KR" dirty="0" smtClean="0"/>
-              <a:t> </a:t>
+              <a:t> Vector </a:t>
             </a:r>
             <a:r>
               <a:rPr lang="ko-KR" altLang="en-US" dirty="0" smtClean="0"/>
@@ -14116,6 +14309,143 @@
             <a:fld id="{1BDE3FE7-3AEA-4B05-AC5A-802D1816ACF0}" type="slidenum">
               <a:rPr lang="ko-KR" altLang="en-US" smtClean="0"/>
               <a:t>25</a:t>
+            </a:fld>
+            <a:endParaRPr lang="ko-KR" altLang="en-US"/>
+          </a:p>
+        </p:txBody>
+      </p:sp>
+      <p:pic>
+        <p:nvPicPr>
+          <p:cNvPr id="3" name="그림 2"/>
+          <p:cNvPicPr>
+            <a:picLocks noChangeAspect="1"/>
+          </p:cNvPicPr>
+          <p:nvPr/>
+        </p:nvPicPr>
+        <p:blipFill>
+          <a:blip r:embed="rId2">
+            <a:extLst>
+              <a:ext uri="{28A0092B-C50C-407E-A947-70E740481C1C}">
+                <a14:useLocalDpi xmlns:a14="http://schemas.microsoft.com/office/drawing/2010/main" val="0"/>
+              </a:ext>
+            </a:extLst>
+          </a:blip>
+          <a:stretch>
+            <a:fillRect/>
+          </a:stretch>
+        </p:blipFill>
+        <p:spPr>
+          <a:xfrm>
+            <a:off x="1424608" y="1052736"/>
+            <a:ext cx="6005955" cy="5012952"/>
+          </a:xfrm>
+          <a:prstGeom prst="rect">
+            <a:avLst/>
+          </a:prstGeom>
+          <a:ln>
+            <a:solidFill>
+              <a:schemeClr val="bg1">
+                <a:lumMod val="85000"/>
+              </a:schemeClr>
+            </a:solidFill>
+          </a:ln>
+        </p:spPr>
+      </p:pic>
+    </p:spTree>
+    <p:extLst>
+      <p:ext uri="{BB962C8B-B14F-4D97-AF65-F5344CB8AC3E}">
+        <p14:creationId xmlns:p14="http://schemas.microsoft.com/office/powerpoint/2010/main" val="2305505536"/>
+      </p:ext>
+    </p:extLst>
+  </p:cSld>
+  <p:clrMapOvr>
+    <a:masterClrMapping/>
+  </p:clrMapOvr>
+  <p:timing>
+    <p:tnLst>
+      <p:par>
+        <p:cTn id="1" dur="indefinite" restart="never" nodeType="tmRoot"/>
+      </p:par>
+    </p:tnLst>
+  </p:timing>
+</p:sld>
+</file>
+
+<file path=ppt/slides/slide26.xml><?xml version="1.0" encoding="utf-8"?>
+<p:sld xmlns:a="http://schemas.openxmlformats.org/drawingml/2006/main" xmlns:r="http://schemas.openxmlformats.org/officeDocument/2006/relationships" xmlns:p="http://schemas.openxmlformats.org/presentationml/2006/main">
+  <p:cSld>
+    <p:spTree>
+      <p:nvGrpSpPr>
+        <p:cNvPr id="1" name=""/>
+        <p:cNvGrpSpPr/>
+        <p:nvPr/>
+      </p:nvGrpSpPr>
+      <p:grpSpPr>
+        <a:xfrm>
+          <a:off x="0" y="0"/>
+          <a:ext cx="0" cy="0"/>
+          <a:chOff x="0" y="0"/>
+          <a:chExt cx="0" cy="0"/>
+        </a:xfrm>
+      </p:grpSpPr>
+      <p:sp>
+        <p:nvSpPr>
+          <p:cNvPr id="6" name="제목 5"/>
+          <p:cNvSpPr>
+            <a:spLocks noGrp="1"/>
+          </p:cNvSpPr>
+          <p:nvPr>
+            <p:ph type="title"/>
+          </p:nvPr>
+        </p:nvSpPr>
+        <p:spPr/>
+        <p:txBody>
+          <a:bodyPr/>
+          <a:lstStyle/>
+          <a:p>
+            <a:r>
+              <a:rPr lang="en-US" altLang="ko-KR" dirty="0" smtClean="0"/>
+              <a:t> </a:t>
+            </a:r>
+            <a:r>
+              <a:rPr lang="en-US" altLang="ko-KR" dirty="0" err="1" smtClean="0"/>
+              <a:t>LinkedList</a:t>
+            </a:r>
+            <a:r>
+              <a:rPr lang="en-US" altLang="ko-KR" dirty="0" smtClean="0"/>
+              <a:t> </a:t>
+            </a:r>
+            <a:r>
+              <a:rPr lang="ko-KR" altLang="en-US" dirty="0" smtClean="0"/>
+              <a:t>클래스</a:t>
+            </a:r>
+            <a:endParaRPr lang="ko-KR" altLang="en-US" dirty="0"/>
+          </a:p>
+        </p:txBody>
+      </p:sp>
+      <p:sp>
+        <p:nvSpPr>
+          <p:cNvPr id="5" name="슬라이드 번호 개체 틀 4"/>
+          <p:cNvSpPr>
+            <a:spLocks noGrp="1"/>
+          </p:cNvSpPr>
+          <p:nvPr>
+            <p:ph type="sldNum" sz="quarter" idx="12"/>
+          </p:nvPr>
+        </p:nvSpPr>
+        <p:spPr>
+          <a:xfrm>
+            <a:off x="8853433" y="7312347"/>
+            <a:ext cx="557267" cy="365125"/>
+          </a:xfrm>
+        </p:spPr>
+        <p:txBody>
+          <a:bodyPr/>
+          <a:lstStyle/>
+          <a:p>
+            <a:fld id="{1BDE3FE7-3AEA-4B05-AC5A-802D1816ACF0}" type="slidenum">
+              <a:rPr lang="ko-KR" altLang="en-US" smtClean="0"/>
+              <a:t>26</a:t>
             </a:fld>
             <a:endParaRPr lang="ko-KR" altLang="en-US"/>
           </a:p>
@@ -15797,7 +16127,7 @@
 </p:sld>
 </file>
 
-<file path=ppt/slides/slide26.xml><?xml version="1.0" encoding="utf-8"?>
+<file path=ppt/slides/slide27.xml><?xml version="1.0" encoding="utf-8"?>
 <p:sld xmlns:a="http://schemas.openxmlformats.org/drawingml/2006/main" xmlns:r="http://schemas.openxmlformats.org/officeDocument/2006/relationships" xmlns:p="http://schemas.openxmlformats.org/presentationml/2006/main">
   <p:cSld>
     <p:spTree>
@@ -15871,7 +16201,7 @@
           <a:p>
             <a:fld id="{1BDE3FE7-3AEA-4B05-AC5A-802D1816ACF0}" type="slidenum">
               <a:rPr lang="ko-KR" altLang="en-US" smtClean="0"/>
-              <a:t>26</a:t>
+              <a:t>27</a:t>
             </a:fld>
             <a:endParaRPr lang="ko-KR" altLang="en-US"/>
           </a:p>
@@ -15969,7 +16299,7 @@
 </p:sld>
 </file>
 
-<file path=ppt/slides/slide27.xml><?xml version="1.0" encoding="utf-8"?>
+<file path=ppt/slides/slide28.xml><?xml version="1.0" encoding="utf-8"?>
 <p:sld xmlns:a="http://schemas.openxmlformats.org/drawingml/2006/main" xmlns:r="http://schemas.openxmlformats.org/officeDocument/2006/relationships" xmlns:p="http://schemas.openxmlformats.org/presentationml/2006/main">
   <p:cSld>
     <p:spTree>
@@ -16043,7 +16373,7 @@
           <a:p>
             <a:fld id="{1BDE3FE7-3AEA-4B05-AC5A-802D1816ACF0}" type="slidenum">
               <a:rPr lang="ko-KR" altLang="en-US" smtClean="0"/>
-              <a:t>27</a:t>
+              <a:t>28</a:t>
             </a:fld>
             <a:endParaRPr lang="ko-KR" altLang="en-US"/>
           </a:p>
@@ -16143,7 +16473,7 @@
 </p:sld>
 </file>
 
-<file path=ppt/slides/slide28.xml><?xml version="1.0" encoding="utf-8"?>
+<file path=ppt/slides/slide29.xml><?xml version="1.0" encoding="utf-8"?>
 <p:sld xmlns:a="http://schemas.openxmlformats.org/drawingml/2006/main" xmlns:r="http://schemas.openxmlformats.org/officeDocument/2006/relationships" xmlns:p="http://schemas.openxmlformats.org/presentationml/2006/main">
   <p:cSld>
     <p:spTree>
@@ -17388,7 +17718,381 @@
 </p:sld>
 </file>
 
-<file path=ppt/slides/slide29.xml><?xml version="1.0" encoding="utf-8"?>
+<file path=ppt/slides/slide3.xml><?xml version="1.0" encoding="utf-8"?>
+<p:sld xmlns:a="http://schemas.openxmlformats.org/drawingml/2006/main" xmlns:r="http://schemas.openxmlformats.org/officeDocument/2006/relationships" xmlns:p="http://schemas.openxmlformats.org/presentationml/2006/main">
+  <p:cSld>
+    <p:spTree>
+      <p:nvGrpSpPr>
+        <p:cNvPr id="1" name=""/>
+        <p:cNvGrpSpPr/>
+        <p:nvPr/>
+      </p:nvGrpSpPr>
+      <p:grpSpPr>
+        <a:xfrm>
+          <a:off x="0" y="0"/>
+          <a:ext cx="0" cy="0"/>
+          <a:chOff x="0" y="0"/>
+          <a:chExt cx="0" cy="0"/>
+        </a:xfrm>
+      </p:grpSpPr>
+      <p:sp>
+        <p:nvSpPr>
+          <p:cNvPr id="6" name="제목 5"/>
+          <p:cNvSpPr>
+            <a:spLocks noGrp="1"/>
+          </p:cNvSpPr>
+          <p:nvPr>
+            <p:ph type="title"/>
+          </p:nvPr>
+        </p:nvSpPr>
+        <p:spPr/>
+        <p:txBody>
+          <a:bodyPr/>
+          <a:lstStyle/>
+          <a:p>
+            <a:r>
+              <a:rPr lang="en-US" altLang="ko-KR" dirty="0" smtClean="0"/>
+              <a:t> </a:t>
+            </a:r>
+            <a:r>
+              <a:rPr lang="ko-KR" altLang="en-US" dirty="0" err="1" smtClean="0"/>
+              <a:t>제네릭</a:t>
+            </a:r>
+            <a:r>
+              <a:rPr lang="en-US" altLang="ko-KR" dirty="0" smtClean="0"/>
+              <a:t>(Generic)</a:t>
+            </a:r>
+            <a:endParaRPr lang="ko-KR" altLang="en-US" dirty="0"/>
+          </a:p>
+        </p:txBody>
+      </p:sp>
+      <p:sp>
+        <p:nvSpPr>
+          <p:cNvPr id="5" name="슬라이드 번호 개체 틀 4"/>
+          <p:cNvSpPr>
+            <a:spLocks noGrp="1"/>
+          </p:cNvSpPr>
+          <p:nvPr>
+            <p:ph type="sldNum" sz="quarter" idx="12"/>
+          </p:nvPr>
+        </p:nvSpPr>
+        <p:spPr>
+          <a:xfrm>
+            <a:off x="8853433" y="7312347"/>
+            <a:ext cx="557267" cy="365125"/>
+          </a:xfrm>
+        </p:spPr>
+        <p:txBody>
+          <a:bodyPr/>
+          <a:lstStyle/>
+          <a:p>
+            <a:fld id="{1BDE3FE7-3AEA-4B05-AC5A-802D1816ACF0}" type="slidenum">
+              <a:rPr lang="ko-KR" altLang="en-US" smtClean="0"/>
+              <a:t>3</a:t>
+            </a:fld>
+            <a:endParaRPr lang="ko-KR" altLang="en-US"/>
+          </a:p>
+        </p:txBody>
+      </p:sp>
+      <p:sp>
+        <p:nvSpPr>
+          <p:cNvPr id="10" name="내용 개체 틀 2">
+            <a:extLst>
+              <a:ext uri="{FF2B5EF4-FFF2-40B4-BE49-F238E27FC236}">
+                <a16:creationId xmlns:a16="http://schemas.microsoft.com/office/drawing/2014/main" id="{98AF3A4E-7D90-4241-89FE-799D6F9D5A94}"/>
+              </a:ext>
+            </a:extLst>
+          </p:cNvPr>
+          <p:cNvSpPr txBox="1">
+            <a:spLocks/>
+          </p:cNvSpPr>
+          <p:nvPr/>
+        </p:nvSpPr>
+        <p:spPr>
+          <a:xfrm>
+            <a:off x="776536" y="1124744"/>
+            <a:ext cx="2664296" cy="432048"/>
+          </a:xfrm>
+          <a:prstGeom prst="rect">
+            <a:avLst/>
+          </a:prstGeom>
+        </p:spPr>
+        <p:txBody>
+          <a:bodyPr/>
+          <a:lstStyle>
+            <a:lvl1pPr marL="228600" indent="-228600" algn="l" defTabSz="914400" rtl="0" eaLnBrk="1" latinLnBrk="1" hangingPunct="1">
+              <a:lnSpc>
+                <a:spcPct val="90000"/>
+              </a:lnSpc>
+              <a:spcBef>
+                <a:spcPts val="1000"/>
+              </a:spcBef>
+              <a:buFont typeface="Arial" panose="020B0604020202020204" pitchFamily="34" charset="0"/>
+              <a:buChar char="•"/>
+              <a:defRPr sz="2800" kern="1200">
+                <a:solidFill>
+                  <a:schemeClr val="tx1"/>
+                </a:solidFill>
+                <a:latin typeface="+mn-lt"/>
+                <a:ea typeface="+mn-ea"/>
+                <a:cs typeface="+mn-cs"/>
+              </a:defRPr>
+            </a:lvl1pPr>
+            <a:lvl2pPr marL="685800" indent="-228600" algn="l" defTabSz="914400" rtl="0" eaLnBrk="1" latinLnBrk="1" hangingPunct="1">
+              <a:lnSpc>
+                <a:spcPct val="90000"/>
+              </a:lnSpc>
+              <a:spcBef>
+                <a:spcPts val="500"/>
+              </a:spcBef>
+              <a:buFont typeface="Arial" panose="020B0604020202020204" pitchFamily="34" charset="0"/>
+              <a:buChar char="•"/>
+              <a:defRPr sz="2400" kern="1200">
+                <a:solidFill>
+                  <a:schemeClr val="tx1"/>
+                </a:solidFill>
+                <a:latin typeface="+mn-lt"/>
+                <a:ea typeface="+mn-ea"/>
+                <a:cs typeface="+mn-cs"/>
+              </a:defRPr>
+            </a:lvl2pPr>
+            <a:lvl3pPr marL="1143000" indent="-228600" algn="l" defTabSz="914400" rtl="0" eaLnBrk="1" latinLnBrk="1" hangingPunct="1">
+              <a:lnSpc>
+                <a:spcPct val="90000"/>
+              </a:lnSpc>
+              <a:spcBef>
+                <a:spcPts val="500"/>
+              </a:spcBef>
+              <a:buFont typeface="Arial" panose="020B0604020202020204" pitchFamily="34" charset="0"/>
+              <a:buChar char="•"/>
+              <a:defRPr sz="2000" kern="1200">
+                <a:solidFill>
+                  <a:schemeClr val="tx1"/>
+                </a:solidFill>
+                <a:latin typeface="+mn-lt"/>
+                <a:ea typeface="+mn-ea"/>
+                <a:cs typeface="+mn-cs"/>
+              </a:defRPr>
+            </a:lvl3pPr>
+            <a:lvl4pPr marL="1600200" indent="-228600" algn="l" defTabSz="914400" rtl="0" eaLnBrk="1" latinLnBrk="1" hangingPunct="1">
+              <a:lnSpc>
+                <a:spcPct val="90000"/>
+              </a:lnSpc>
+              <a:spcBef>
+                <a:spcPts val="500"/>
+              </a:spcBef>
+              <a:buFont typeface="Arial" panose="020B0604020202020204" pitchFamily="34" charset="0"/>
+              <a:buChar char="•"/>
+              <a:defRPr sz="1800" kern="1200">
+                <a:solidFill>
+                  <a:schemeClr val="tx1"/>
+                </a:solidFill>
+                <a:latin typeface="+mn-lt"/>
+                <a:ea typeface="+mn-ea"/>
+                <a:cs typeface="+mn-cs"/>
+              </a:defRPr>
+            </a:lvl4pPr>
+            <a:lvl5pPr marL="2057400" indent="-228600" algn="l" defTabSz="914400" rtl="0" eaLnBrk="1" latinLnBrk="1" hangingPunct="1">
+              <a:lnSpc>
+                <a:spcPct val="90000"/>
+              </a:lnSpc>
+              <a:spcBef>
+                <a:spcPts val="500"/>
+              </a:spcBef>
+              <a:buFont typeface="Arial" panose="020B0604020202020204" pitchFamily="34" charset="0"/>
+              <a:buChar char="•"/>
+              <a:defRPr sz="1800" kern="1200">
+                <a:solidFill>
+                  <a:schemeClr val="tx1"/>
+                </a:solidFill>
+                <a:latin typeface="+mn-lt"/>
+                <a:ea typeface="+mn-ea"/>
+                <a:cs typeface="+mn-cs"/>
+              </a:defRPr>
+            </a:lvl5pPr>
+            <a:lvl6pPr marL="2514600" indent="-228600" algn="l" defTabSz="914400" rtl="0" eaLnBrk="1" latinLnBrk="1" hangingPunct="1">
+              <a:lnSpc>
+                <a:spcPct val="90000"/>
+              </a:lnSpc>
+              <a:spcBef>
+                <a:spcPts val="500"/>
+              </a:spcBef>
+              <a:buFont typeface="Arial" panose="020B0604020202020204" pitchFamily="34" charset="0"/>
+              <a:buChar char="•"/>
+              <a:defRPr sz="1800" kern="1200">
+                <a:solidFill>
+                  <a:schemeClr val="tx1"/>
+                </a:solidFill>
+                <a:latin typeface="+mn-lt"/>
+                <a:ea typeface="+mn-ea"/>
+                <a:cs typeface="+mn-cs"/>
+              </a:defRPr>
+            </a:lvl6pPr>
+            <a:lvl7pPr marL="2971800" indent="-228600" algn="l" defTabSz="914400" rtl="0" eaLnBrk="1" latinLnBrk="1" hangingPunct="1">
+              <a:lnSpc>
+                <a:spcPct val="90000"/>
+              </a:lnSpc>
+              <a:spcBef>
+                <a:spcPts val="500"/>
+              </a:spcBef>
+              <a:buFont typeface="Arial" panose="020B0604020202020204" pitchFamily="34" charset="0"/>
+              <a:buChar char="•"/>
+              <a:defRPr sz="1800" kern="1200">
+                <a:solidFill>
+                  <a:schemeClr val="tx1"/>
+                </a:solidFill>
+                <a:latin typeface="+mn-lt"/>
+                <a:ea typeface="+mn-ea"/>
+                <a:cs typeface="+mn-cs"/>
+              </a:defRPr>
+            </a:lvl7pPr>
+            <a:lvl8pPr marL="3429000" indent="-228600" algn="l" defTabSz="914400" rtl="0" eaLnBrk="1" latinLnBrk="1" hangingPunct="1">
+              <a:lnSpc>
+                <a:spcPct val="90000"/>
+              </a:lnSpc>
+              <a:spcBef>
+                <a:spcPts val="500"/>
+              </a:spcBef>
+              <a:buFont typeface="Arial" panose="020B0604020202020204" pitchFamily="34" charset="0"/>
+              <a:buChar char="•"/>
+              <a:defRPr sz="1800" kern="1200">
+                <a:solidFill>
+                  <a:schemeClr val="tx1"/>
+                </a:solidFill>
+                <a:latin typeface="+mn-lt"/>
+                <a:ea typeface="+mn-ea"/>
+                <a:cs typeface="+mn-cs"/>
+              </a:defRPr>
+            </a:lvl8pPr>
+            <a:lvl9pPr marL="3886200" indent="-228600" algn="l" defTabSz="914400" rtl="0" eaLnBrk="1" latinLnBrk="1" hangingPunct="1">
+              <a:lnSpc>
+                <a:spcPct val="90000"/>
+              </a:lnSpc>
+              <a:spcBef>
+                <a:spcPts val="500"/>
+              </a:spcBef>
+              <a:buFont typeface="Arial" panose="020B0604020202020204" pitchFamily="34" charset="0"/>
+              <a:buChar char="•"/>
+              <a:defRPr sz="1800" kern="1200">
+                <a:solidFill>
+                  <a:schemeClr val="tx1"/>
+                </a:solidFill>
+                <a:latin typeface="+mn-lt"/>
+                <a:ea typeface="+mn-ea"/>
+                <a:cs typeface="+mn-cs"/>
+              </a:defRPr>
+            </a:lvl9pPr>
+          </a:lstStyle>
+          <a:p>
+            <a:pPr marL="0" indent="0">
+              <a:lnSpc>
+                <a:spcPct val="100000"/>
+              </a:lnSpc>
+              <a:buNone/>
+            </a:pPr>
+            <a:r>
+              <a:rPr lang="ko-KR" altLang="en-US" sz="2000" b="1" dirty="0" smtClean="0">
+                <a:solidFill>
+                  <a:srgbClr val="C00000"/>
+                </a:solidFill>
+              </a:rPr>
+              <a:t> </a:t>
+            </a:r>
+            <a:r>
+              <a:rPr lang="ko-KR" altLang="en-US" sz="2000" b="1" dirty="0" err="1" smtClean="0">
+                <a:solidFill>
+                  <a:srgbClr val="C00000"/>
+                </a:solidFill>
+              </a:rPr>
+              <a:t>제네릭</a:t>
+            </a:r>
+            <a:r>
+              <a:rPr lang="ko-KR" altLang="en-US" sz="2000" b="1" dirty="0" smtClean="0">
+                <a:solidFill>
+                  <a:srgbClr val="C00000"/>
+                </a:solidFill>
+              </a:rPr>
+              <a:t> 프로그래밍</a:t>
+            </a:r>
+            <a:endParaRPr lang="en-US" altLang="ko-KR" sz="2000" b="1" dirty="0" smtClean="0">
+              <a:solidFill>
+                <a:srgbClr val="C00000"/>
+              </a:solidFill>
+            </a:endParaRPr>
+          </a:p>
+          <a:p>
+            <a:pPr marL="457200" lvl="1" indent="0">
+              <a:lnSpc>
+                <a:spcPct val="150000"/>
+              </a:lnSpc>
+              <a:buNone/>
+            </a:pPr>
+            <a:endParaRPr lang="en-US" altLang="ko-KR" sz="1400" dirty="0" smtClean="0">
+              <a:solidFill>
+                <a:srgbClr val="002060"/>
+              </a:solidFill>
+            </a:endParaRPr>
+          </a:p>
+        </p:txBody>
+      </p:sp>
+      <p:pic>
+        <p:nvPicPr>
+          <p:cNvPr id="2" name="그림 1"/>
+          <p:cNvPicPr>
+            <a:picLocks noChangeAspect="1"/>
+          </p:cNvPicPr>
+          <p:nvPr/>
+        </p:nvPicPr>
+        <p:blipFill>
+          <a:blip r:embed="rId2">
+            <a:extLst>
+              <a:ext uri="{28A0092B-C50C-407E-A947-70E740481C1C}">
+                <a14:useLocalDpi xmlns:a14="http://schemas.microsoft.com/office/drawing/2010/main" val="0"/>
+              </a:ext>
+            </a:extLst>
+          </a:blip>
+          <a:stretch>
+            <a:fillRect/>
+          </a:stretch>
+        </p:blipFill>
+        <p:spPr>
+          <a:xfrm>
+            <a:off x="1640632" y="1688976"/>
+            <a:ext cx="6462602" cy="4176464"/>
+          </a:xfrm>
+          <a:prstGeom prst="rect">
+            <a:avLst/>
+          </a:prstGeom>
+          <a:ln>
+            <a:solidFill>
+              <a:schemeClr val="bg1">
+                <a:lumMod val="85000"/>
+              </a:schemeClr>
+            </a:solidFill>
+          </a:ln>
+        </p:spPr>
+      </p:pic>
+    </p:spTree>
+    <p:extLst>
+      <p:ext uri="{BB962C8B-B14F-4D97-AF65-F5344CB8AC3E}">
+        <p14:creationId xmlns:p14="http://schemas.microsoft.com/office/powerpoint/2010/main" val="4260869153"/>
+      </p:ext>
+    </p:extLst>
+  </p:cSld>
+  <p:clrMapOvr>
+    <a:masterClrMapping/>
+  </p:clrMapOvr>
+  <p:timing>
+    <p:tnLst>
+      <p:par>
+        <p:cTn id="1" dur="indefinite" restart="never" nodeType="tmRoot"/>
+      </p:par>
+    </p:tnLst>
+  </p:timing>
+</p:sld>
+</file>
+
+<file path=ppt/slides/slide30.xml><?xml version="1.0" encoding="utf-8"?>
 <p:sld xmlns:a="http://schemas.openxmlformats.org/drawingml/2006/main" xmlns:r="http://schemas.openxmlformats.org/officeDocument/2006/relationships" xmlns:p="http://schemas.openxmlformats.org/presentationml/2006/main">
   <p:cSld>
     <p:spTree>
@@ -18364,381 +19068,7 @@
 </p:sld>
 </file>
 
-<file path=ppt/slides/slide3.xml><?xml version="1.0" encoding="utf-8"?>
-<p:sld xmlns:a="http://schemas.openxmlformats.org/drawingml/2006/main" xmlns:r="http://schemas.openxmlformats.org/officeDocument/2006/relationships" xmlns:p="http://schemas.openxmlformats.org/presentationml/2006/main">
-  <p:cSld>
-    <p:spTree>
-      <p:nvGrpSpPr>
-        <p:cNvPr id="1" name=""/>
-        <p:cNvGrpSpPr/>
-        <p:nvPr/>
-      </p:nvGrpSpPr>
-      <p:grpSpPr>
-        <a:xfrm>
-          <a:off x="0" y="0"/>
-          <a:ext cx="0" cy="0"/>
-          <a:chOff x="0" y="0"/>
-          <a:chExt cx="0" cy="0"/>
-        </a:xfrm>
-      </p:grpSpPr>
-      <p:sp>
-        <p:nvSpPr>
-          <p:cNvPr id="6" name="제목 5"/>
-          <p:cNvSpPr>
-            <a:spLocks noGrp="1"/>
-          </p:cNvSpPr>
-          <p:nvPr>
-            <p:ph type="title"/>
-          </p:nvPr>
-        </p:nvSpPr>
-        <p:spPr/>
-        <p:txBody>
-          <a:bodyPr/>
-          <a:lstStyle/>
-          <a:p>
-            <a:r>
-              <a:rPr lang="en-US" altLang="ko-KR" dirty="0" smtClean="0"/>
-              <a:t> </a:t>
-            </a:r>
-            <a:r>
-              <a:rPr lang="ko-KR" altLang="en-US" dirty="0" err="1" smtClean="0"/>
-              <a:t>제네릭</a:t>
-            </a:r>
-            <a:r>
-              <a:rPr lang="en-US" altLang="ko-KR" dirty="0" smtClean="0"/>
-              <a:t>(Generic)</a:t>
-            </a:r>
-            <a:endParaRPr lang="ko-KR" altLang="en-US" dirty="0"/>
-          </a:p>
-        </p:txBody>
-      </p:sp>
-      <p:sp>
-        <p:nvSpPr>
-          <p:cNvPr id="5" name="슬라이드 번호 개체 틀 4"/>
-          <p:cNvSpPr>
-            <a:spLocks noGrp="1"/>
-          </p:cNvSpPr>
-          <p:nvPr>
-            <p:ph type="sldNum" sz="quarter" idx="12"/>
-          </p:nvPr>
-        </p:nvSpPr>
-        <p:spPr>
-          <a:xfrm>
-            <a:off x="8853433" y="7312347"/>
-            <a:ext cx="557267" cy="365125"/>
-          </a:xfrm>
-        </p:spPr>
-        <p:txBody>
-          <a:bodyPr/>
-          <a:lstStyle/>
-          <a:p>
-            <a:fld id="{1BDE3FE7-3AEA-4B05-AC5A-802D1816ACF0}" type="slidenum">
-              <a:rPr lang="ko-KR" altLang="en-US" smtClean="0"/>
-              <a:t>3</a:t>
-            </a:fld>
-            <a:endParaRPr lang="ko-KR" altLang="en-US"/>
-          </a:p>
-        </p:txBody>
-      </p:sp>
-      <p:sp>
-        <p:nvSpPr>
-          <p:cNvPr id="10" name="내용 개체 틀 2">
-            <a:extLst>
-              <a:ext uri="{FF2B5EF4-FFF2-40B4-BE49-F238E27FC236}">
-                <a16:creationId xmlns:a16="http://schemas.microsoft.com/office/drawing/2014/main" id="{98AF3A4E-7D90-4241-89FE-799D6F9D5A94}"/>
-              </a:ext>
-            </a:extLst>
-          </p:cNvPr>
-          <p:cNvSpPr txBox="1">
-            <a:spLocks/>
-          </p:cNvSpPr>
-          <p:nvPr/>
-        </p:nvSpPr>
-        <p:spPr>
-          <a:xfrm>
-            <a:off x="776536" y="1124744"/>
-            <a:ext cx="2664296" cy="432048"/>
-          </a:xfrm>
-          <a:prstGeom prst="rect">
-            <a:avLst/>
-          </a:prstGeom>
-        </p:spPr>
-        <p:txBody>
-          <a:bodyPr/>
-          <a:lstStyle>
-            <a:lvl1pPr marL="228600" indent="-228600" algn="l" defTabSz="914400" rtl="0" eaLnBrk="1" latinLnBrk="1" hangingPunct="1">
-              <a:lnSpc>
-                <a:spcPct val="90000"/>
-              </a:lnSpc>
-              <a:spcBef>
-                <a:spcPts val="1000"/>
-              </a:spcBef>
-              <a:buFont typeface="Arial" panose="020B0604020202020204" pitchFamily="34" charset="0"/>
-              <a:buChar char="•"/>
-              <a:defRPr sz="2800" kern="1200">
-                <a:solidFill>
-                  <a:schemeClr val="tx1"/>
-                </a:solidFill>
-                <a:latin typeface="+mn-lt"/>
-                <a:ea typeface="+mn-ea"/>
-                <a:cs typeface="+mn-cs"/>
-              </a:defRPr>
-            </a:lvl1pPr>
-            <a:lvl2pPr marL="685800" indent="-228600" algn="l" defTabSz="914400" rtl="0" eaLnBrk="1" latinLnBrk="1" hangingPunct="1">
-              <a:lnSpc>
-                <a:spcPct val="90000"/>
-              </a:lnSpc>
-              <a:spcBef>
-                <a:spcPts val="500"/>
-              </a:spcBef>
-              <a:buFont typeface="Arial" panose="020B0604020202020204" pitchFamily="34" charset="0"/>
-              <a:buChar char="•"/>
-              <a:defRPr sz="2400" kern="1200">
-                <a:solidFill>
-                  <a:schemeClr val="tx1"/>
-                </a:solidFill>
-                <a:latin typeface="+mn-lt"/>
-                <a:ea typeface="+mn-ea"/>
-                <a:cs typeface="+mn-cs"/>
-              </a:defRPr>
-            </a:lvl2pPr>
-            <a:lvl3pPr marL="1143000" indent="-228600" algn="l" defTabSz="914400" rtl="0" eaLnBrk="1" latinLnBrk="1" hangingPunct="1">
-              <a:lnSpc>
-                <a:spcPct val="90000"/>
-              </a:lnSpc>
-              <a:spcBef>
-                <a:spcPts val="500"/>
-              </a:spcBef>
-              <a:buFont typeface="Arial" panose="020B0604020202020204" pitchFamily="34" charset="0"/>
-              <a:buChar char="•"/>
-              <a:defRPr sz="2000" kern="1200">
-                <a:solidFill>
-                  <a:schemeClr val="tx1"/>
-                </a:solidFill>
-                <a:latin typeface="+mn-lt"/>
-                <a:ea typeface="+mn-ea"/>
-                <a:cs typeface="+mn-cs"/>
-              </a:defRPr>
-            </a:lvl3pPr>
-            <a:lvl4pPr marL="1600200" indent="-228600" algn="l" defTabSz="914400" rtl="0" eaLnBrk="1" latinLnBrk="1" hangingPunct="1">
-              <a:lnSpc>
-                <a:spcPct val="90000"/>
-              </a:lnSpc>
-              <a:spcBef>
-                <a:spcPts val="500"/>
-              </a:spcBef>
-              <a:buFont typeface="Arial" panose="020B0604020202020204" pitchFamily="34" charset="0"/>
-              <a:buChar char="•"/>
-              <a:defRPr sz="1800" kern="1200">
-                <a:solidFill>
-                  <a:schemeClr val="tx1"/>
-                </a:solidFill>
-                <a:latin typeface="+mn-lt"/>
-                <a:ea typeface="+mn-ea"/>
-                <a:cs typeface="+mn-cs"/>
-              </a:defRPr>
-            </a:lvl4pPr>
-            <a:lvl5pPr marL="2057400" indent="-228600" algn="l" defTabSz="914400" rtl="0" eaLnBrk="1" latinLnBrk="1" hangingPunct="1">
-              <a:lnSpc>
-                <a:spcPct val="90000"/>
-              </a:lnSpc>
-              <a:spcBef>
-                <a:spcPts val="500"/>
-              </a:spcBef>
-              <a:buFont typeface="Arial" panose="020B0604020202020204" pitchFamily="34" charset="0"/>
-              <a:buChar char="•"/>
-              <a:defRPr sz="1800" kern="1200">
-                <a:solidFill>
-                  <a:schemeClr val="tx1"/>
-                </a:solidFill>
-                <a:latin typeface="+mn-lt"/>
-                <a:ea typeface="+mn-ea"/>
-                <a:cs typeface="+mn-cs"/>
-              </a:defRPr>
-            </a:lvl5pPr>
-            <a:lvl6pPr marL="2514600" indent="-228600" algn="l" defTabSz="914400" rtl="0" eaLnBrk="1" latinLnBrk="1" hangingPunct="1">
-              <a:lnSpc>
-                <a:spcPct val="90000"/>
-              </a:lnSpc>
-              <a:spcBef>
-                <a:spcPts val="500"/>
-              </a:spcBef>
-              <a:buFont typeface="Arial" panose="020B0604020202020204" pitchFamily="34" charset="0"/>
-              <a:buChar char="•"/>
-              <a:defRPr sz="1800" kern="1200">
-                <a:solidFill>
-                  <a:schemeClr val="tx1"/>
-                </a:solidFill>
-                <a:latin typeface="+mn-lt"/>
-                <a:ea typeface="+mn-ea"/>
-                <a:cs typeface="+mn-cs"/>
-              </a:defRPr>
-            </a:lvl6pPr>
-            <a:lvl7pPr marL="2971800" indent="-228600" algn="l" defTabSz="914400" rtl="0" eaLnBrk="1" latinLnBrk="1" hangingPunct="1">
-              <a:lnSpc>
-                <a:spcPct val="90000"/>
-              </a:lnSpc>
-              <a:spcBef>
-                <a:spcPts val="500"/>
-              </a:spcBef>
-              <a:buFont typeface="Arial" panose="020B0604020202020204" pitchFamily="34" charset="0"/>
-              <a:buChar char="•"/>
-              <a:defRPr sz="1800" kern="1200">
-                <a:solidFill>
-                  <a:schemeClr val="tx1"/>
-                </a:solidFill>
-                <a:latin typeface="+mn-lt"/>
-                <a:ea typeface="+mn-ea"/>
-                <a:cs typeface="+mn-cs"/>
-              </a:defRPr>
-            </a:lvl7pPr>
-            <a:lvl8pPr marL="3429000" indent="-228600" algn="l" defTabSz="914400" rtl="0" eaLnBrk="1" latinLnBrk="1" hangingPunct="1">
-              <a:lnSpc>
-                <a:spcPct val="90000"/>
-              </a:lnSpc>
-              <a:spcBef>
-                <a:spcPts val="500"/>
-              </a:spcBef>
-              <a:buFont typeface="Arial" panose="020B0604020202020204" pitchFamily="34" charset="0"/>
-              <a:buChar char="•"/>
-              <a:defRPr sz="1800" kern="1200">
-                <a:solidFill>
-                  <a:schemeClr val="tx1"/>
-                </a:solidFill>
-                <a:latin typeface="+mn-lt"/>
-                <a:ea typeface="+mn-ea"/>
-                <a:cs typeface="+mn-cs"/>
-              </a:defRPr>
-            </a:lvl8pPr>
-            <a:lvl9pPr marL="3886200" indent="-228600" algn="l" defTabSz="914400" rtl="0" eaLnBrk="1" latinLnBrk="1" hangingPunct="1">
-              <a:lnSpc>
-                <a:spcPct val="90000"/>
-              </a:lnSpc>
-              <a:spcBef>
-                <a:spcPts val="500"/>
-              </a:spcBef>
-              <a:buFont typeface="Arial" panose="020B0604020202020204" pitchFamily="34" charset="0"/>
-              <a:buChar char="•"/>
-              <a:defRPr sz="1800" kern="1200">
-                <a:solidFill>
-                  <a:schemeClr val="tx1"/>
-                </a:solidFill>
-                <a:latin typeface="+mn-lt"/>
-                <a:ea typeface="+mn-ea"/>
-                <a:cs typeface="+mn-cs"/>
-              </a:defRPr>
-            </a:lvl9pPr>
-          </a:lstStyle>
-          <a:p>
-            <a:pPr marL="0" indent="0">
-              <a:lnSpc>
-                <a:spcPct val="100000"/>
-              </a:lnSpc>
-              <a:buNone/>
-            </a:pPr>
-            <a:r>
-              <a:rPr lang="ko-KR" altLang="en-US" sz="2000" b="1" dirty="0" smtClean="0">
-                <a:solidFill>
-                  <a:srgbClr val="C00000"/>
-                </a:solidFill>
-              </a:rPr>
-              <a:t> </a:t>
-            </a:r>
-            <a:r>
-              <a:rPr lang="ko-KR" altLang="en-US" sz="2000" b="1" dirty="0" err="1" smtClean="0">
-                <a:solidFill>
-                  <a:srgbClr val="C00000"/>
-                </a:solidFill>
-              </a:rPr>
-              <a:t>제네릭</a:t>
-            </a:r>
-            <a:r>
-              <a:rPr lang="ko-KR" altLang="en-US" sz="2000" b="1" dirty="0" smtClean="0">
-                <a:solidFill>
-                  <a:srgbClr val="C00000"/>
-                </a:solidFill>
-              </a:rPr>
-              <a:t> 프로그래밍</a:t>
-            </a:r>
-            <a:endParaRPr lang="en-US" altLang="ko-KR" sz="2000" b="1" dirty="0" smtClean="0">
-              <a:solidFill>
-                <a:srgbClr val="C00000"/>
-              </a:solidFill>
-            </a:endParaRPr>
-          </a:p>
-          <a:p>
-            <a:pPr marL="457200" lvl="1" indent="0">
-              <a:lnSpc>
-                <a:spcPct val="150000"/>
-              </a:lnSpc>
-              <a:buNone/>
-            </a:pPr>
-            <a:endParaRPr lang="en-US" altLang="ko-KR" sz="1400" dirty="0" smtClean="0">
-              <a:solidFill>
-                <a:srgbClr val="002060"/>
-              </a:solidFill>
-            </a:endParaRPr>
-          </a:p>
-        </p:txBody>
-      </p:sp>
-      <p:pic>
-        <p:nvPicPr>
-          <p:cNvPr id="2" name="그림 1"/>
-          <p:cNvPicPr>
-            <a:picLocks noChangeAspect="1"/>
-          </p:cNvPicPr>
-          <p:nvPr/>
-        </p:nvPicPr>
-        <p:blipFill>
-          <a:blip r:embed="rId2">
-            <a:extLst>
-              <a:ext uri="{28A0092B-C50C-407E-A947-70E740481C1C}">
-                <a14:useLocalDpi xmlns:a14="http://schemas.microsoft.com/office/drawing/2010/main" val="0"/>
-              </a:ext>
-            </a:extLst>
-          </a:blip>
-          <a:stretch>
-            <a:fillRect/>
-          </a:stretch>
-        </p:blipFill>
-        <p:spPr>
-          <a:xfrm>
-            <a:off x="1640632" y="1688976"/>
-            <a:ext cx="6462602" cy="4176464"/>
-          </a:xfrm>
-          <a:prstGeom prst="rect">
-            <a:avLst/>
-          </a:prstGeom>
-          <a:ln>
-            <a:solidFill>
-              <a:schemeClr val="bg1">
-                <a:lumMod val="85000"/>
-              </a:schemeClr>
-            </a:solidFill>
-          </a:ln>
-        </p:spPr>
-      </p:pic>
-    </p:spTree>
-    <p:extLst>
-      <p:ext uri="{BB962C8B-B14F-4D97-AF65-F5344CB8AC3E}">
-        <p14:creationId xmlns:p14="http://schemas.microsoft.com/office/powerpoint/2010/main" val="4260869153"/>
-      </p:ext>
-    </p:extLst>
-  </p:cSld>
-  <p:clrMapOvr>
-    <a:masterClrMapping/>
-  </p:clrMapOvr>
-  <p:timing>
-    <p:tnLst>
-      <p:par>
-        <p:cTn id="1" dur="indefinite" restart="never" nodeType="tmRoot"/>
-      </p:par>
-    </p:tnLst>
-  </p:timing>
-</p:sld>
-</file>
-
-<file path=ppt/slides/slide30.xml><?xml version="1.0" encoding="utf-8"?>
+<file path=ppt/slides/slide31.xml><?xml version="1.0" encoding="utf-8"?>
 <p:sld xmlns:a="http://schemas.openxmlformats.org/drawingml/2006/main" xmlns:r="http://schemas.openxmlformats.org/officeDocument/2006/relationships" xmlns:p="http://schemas.openxmlformats.org/presentationml/2006/main">
   <p:cSld>
     <p:spTree>
@@ -19397,7 +19727,7 @@
 </p:sld>
 </file>
 
-<file path=ppt/slides/slide31.xml><?xml version="1.0" encoding="utf-8"?>
+<file path=ppt/slides/slide32.xml><?xml version="1.0" encoding="utf-8"?>
 <p:sld xmlns:a="http://schemas.openxmlformats.org/drawingml/2006/main" xmlns:r="http://schemas.openxmlformats.org/officeDocument/2006/relationships" xmlns:p="http://schemas.openxmlformats.org/presentationml/2006/main">
   <p:cSld>
     <p:spTree>
@@ -19974,7 +20304,7 @@
 </p:sld>
 </file>
 
-<file path=ppt/slides/slide32.xml><?xml version="1.0" encoding="utf-8"?>
+<file path=ppt/slides/slide33.xml><?xml version="1.0" encoding="utf-8"?>
 <p:sld xmlns:a="http://schemas.openxmlformats.org/drawingml/2006/main" xmlns:r="http://schemas.openxmlformats.org/officeDocument/2006/relationships" xmlns:p="http://schemas.openxmlformats.org/presentationml/2006/main">
   <p:cSld>
     <p:spTree>
@@ -21140,7 +21470,7 @@
 </p:sld>
 </file>
 
-<file path=ppt/slides/slide33.xml><?xml version="1.0" encoding="utf-8"?>
+<file path=ppt/slides/slide34.xml><?xml version="1.0" encoding="utf-8"?>
 <p:sld xmlns:a="http://schemas.openxmlformats.org/drawingml/2006/main" xmlns:r="http://schemas.openxmlformats.org/officeDocument/2006/relationships" xmlns:p="http://schemas.openxmlformats.org/presentationml/2006/main">
   <p:cSld>
     <p:spTree>
@@ -21299,7 +21629,7 @@
 </p:sld>
 </file>
 
-<file path=ppt/slides/slide34.xml><?xml version="1.0" encoding="utf-8"?>
+<file path=ppt/slides/slide35.xml><?xml version="1.0" encoding="utf-8"?>
 <p:sld xmlns:a="http://schemas.openxmlformats.org/drawingml/2006/main" xmlns:r="http://schemas.openxmlformats.org/officeDocument/2006/relationships" xmlns:p="http://schemas.openxmlformats.org/presentationml/2006/main">
   <p:cSld>
     <p:spTree>
@@ -21421,7 +21751,7 @@
 </p:sld>
 </file>
 
-<file path=ppt/slides/slide35.xml><?xml version="1.0" encoding="utf-8"?>
+<file path=ppt/slides/slide36.xml><?xml version="1.0" encoding="utf-8"?>
 <p:sld xmlns:a="http://schemas.openxmlformats.org/drawingml/2006/main" xmlns:r="http://schemas.openxmlformats.org/officeDocument/2006/relationships" xmlns:p="http://schemas.openxmlformats.org/presentationml/2006/main">
   <p:cSld>
     <p:spTree>
@@ -21543,7 +21873,7 @@
 </p:sld>
 </file>
 
-<file path=ppt/slides/slide36.xml><?xml version="1.0" encoding="utf-8"?>
+<file path=ppt/slides/slide37.xml><?xml version="1.0" encoding="utf-8"?>
 <p:sld xmlns:a="http://schemas.openxmlformats.org/drawingml/2006/main" xmlns:r="http://schemas.openxmlformats.org/officeDocument/2006/relationships" xmlns:p="http://schemas.openxmlformats.org/presentationml/2006/main">
   <p:cSld>
     <p:spTree>
@@ -21702,7 +22032,7 @@
 </p:sld>
 </file>
 
-<file path=ppt/slides/slide37.xml><?xml version="1.0" encoding="utf-8"?>
+<file path=ppt/slides/slide38.xml><?xml version="1.0" encoding="utf-8"?>
 <p:sld xmlns:a="http://schemas.openxmlformats.org/drawingml/2006/main" xmlns:r="http://schemas.openxmlformats.org/officeDocument/2006/relationships" xmlns:p="http://schemas.openxmlformats.org/presentationml/2006/main">
   <p:cSld>
     <p:spTree>
@@ -21770,7 +22100,7 @@
           <a:p>
             <a:fld id="{1BDE3FE7-3AEA-4B05-AC5A-802D1816ACF0}" type="slidenum">
               <a:rPr lang="ko-KR" altLang="en-US" smtClean="0"/>
-              <a:t>37</a:t>
+              <a:t>38</a:t>
             </a:fld>
             <a:endParaRPr lang="ko-KR" altLang="en-US"/>
           </a:p>
@@ -22199,7 +22529,7 @@
 </p:sld>
 </file>
 
-<file path=ppt/slides/slide38.xml><?xml version="1.0" encoding="utf-8"?>
+<file path=ppt/slides/slide39.xml><?xml version="1.0" encoding="utf-8"?>
 <p:sld xmlns:a="http://schemas.openxmlformats.org/drawingml/2006/main" xmlns:r="http://schemas.openxmlformats.org/officeDocument/2006/relationships" xmlns:p="http://schemas.openxmlformats.org/presentationml/2006/main">
   <p:cSld>
     <p:spTree>
@@ -22267,7 +22597,7 @@
           <a:p>
             <a:fld id="{1BDE3FE7-3AEA-4B05-AC5A-802D1816ACF0}" type="slidenum">
               <a:rPr lang="ko-KR" altLang="en-US" smtClean="0"/>
-              <a:t>38</a:t>
+              <a:t>39</a:t>
             </a:fld>
             <a:endParaRPr lang="ko-KR" altLang="en-US"/>
           </a:p>
@@ -22406,7 +22736,7 @@
 </p:sld>
 </file>
 
-<file path=ppt/slides/slide39.xml><?xml version="1.0" encoding="utf-8"?>
+<file path=ppt/slides/slide4.xml><?xml version="1.0" encoding="utf-8"?>
 <p:sld xmlns:a="http://schemas.openxmlformats.org/drawingml/2006/main" xmlns:r="http://schemas.openxmlformats.org/officeDocument/2006/relationships" xmlns:p="http://schemas.openxmlformats.org/presentationml/2006/main">
   <p:cSld>
     <p:spTree>
@@ -22440,11 +22770,15 @@
           <a:p>
             <a:r>
               <a:rPr lang="en-US" altLang="ko-KR" dirty="0" smtClean="0"/>
-              <a:t> Map </a:t>
-            </a:r>
-            <a:r>
-              <a:rPr lang="ko-KR" altLang="en-US" dirty="0" smtClean="0"/>
-              <a:t>인터페이스</a:t>
+              <a:t> </a:t>
+            </a:r>
+            <a:r>
+              <a:rPr lang="ko-KR" altLang="en-US" dirty="0" err="1" smtClean="0"/>
+              <a:t>제네릭</a:t>
+            </a:r>
+            <a:r>
+              <a:rPr lang="en-US" altLang="ko-KR" dirty="0" smtClean="0"/>
+              <a:t>(Generic)</a:t>
             </a:r>
             <a:endParaRPr lang="ko-KR" altLang="en-US" dirty="0"/>
           </a:p>
@@ -22472,7 +22806,532 @@
           <a:p>
             <a:fld id="{1BDE3FE7-3AEA-4B05-AC5A-802D1816ACF0}" type="slidenum">
               <a:rPr lang="ko-KR" altLang="en-US" smtClean="0"/>
-              <a:t>39</a:t>
+              <a:t>4</a:t>
+            </a:fld>
+            <a:endParaRPr lang="ko-KR" altLang="en-US"/>
+          </a:p>
+        </p:txBody>
+      </p:sp>
+      <p:sp>
+        <p:nvSpPr>
+          <p:cNvPr id="10" name="내용 개체 틀 2">
+            <a:extLst>
+              <a:ext uri="{FF2B5EF4-FFF2-40B4-BE49-F238E27FC236}">
+                <a16:creationId xmlns:a16="http://schemas.microsoft.com/office/drawing/2014/main" id="{98AF3A4E-7D90-4241-89FE-799D6F9D5A94}"/>
+              </a:ext>
+            </a:extLst>
+          </p:cNvPr>
+          <p:cNvSpPr txBox="1">
+            <a:spLocks/>
+          </p:cNvSpPr>
+          <p:nvPr/>
+        </p:nvSpPr>
+        <p:spPr>
+          <a:xfrm>
+            <a:off x="582753" y="980728"/>
+            <a:ext cx="2065991" cy="521566"/>
+          </a:xfrm>
+          <a:prstGeom prst="rect">
+            <a:avLst/>
+          </a:prstGeom>
+        </p:spPr>
+        <p:txBody>
+          <a:bodyPr/>
+          <a:lstStyle>
+            <a:lvl1pPr marL="228600" indent="-228600" algn="l" defTabSz="914400" rtl="0" eaLnBrk="1" latinLnBrk="1" hangingPunct="1">
+              <a:lnSpc>
+                <a:spcPct val="90000"/>
+              </a:lnSpc>
+              <a:spcBef>
+                <a:spcPts val="1000"/>
+              </a:spcBef>
+              <a:buFont typeface="Arial" panose="020B0604020202020204" pitchFamily="34" charset="0"/>
+              <a:buChar char="•"/>
+              <a:defRPr sz="2800" kern="1200">
+                <a:solidFill>
+                  <a:schemeClr val="tx1"/>
+                </a:solidFill>
+                <a:latin typeface="+mn-lt"/>
+                <a:ea typeface="+mn-ea"/>
+                <a:cs typeface="+mn-cs"/>
+              </a:defRPr>
+            </a:lvl1pPr>
+            <a:lvl2pPr marL="685800" indent="-228600" algn="l" defTabSz="914400" rtl="0" eaLnBrk="1" latinLnBrk="1" hangingPunct="1">
+              <a:lnSpc>
+                <a:spcPct val="90000"/>
+              </a:lnSpc>
+              <a:spcBef>
+                <a:spcPts val="500"/>
+              </a:spcBef>
+              <a:buFont typeface="Arial" panose="020B0604020202020204" pitchFamily="34" charset="0"/>
+              <a:buChar char="•"/>
+              <a:defRPr sz="2400" kern="1200">
+                <a:solidFill>
+                  <a:schemeClr val="tx1"/>
+                </a:solidFill>
+                <a:latin typeface="+mn-lt"/>
+                <a:ea typeface="+mn-ea"/>
+                <a:cs typeface="+mn-cs"/>
+              </a:defRPr>
+            </a:lvl2pPr>
+            <a:lvl3pPr marL="1143000" indent="-228600" algn="l" defTabSz="914400" rtl="0" eaLnBrk="1" latinLnBrk="1" hangingPunct="1">
+              <a:lnSpc>
+                <a:spcPct val="90000"/>
+              </a:lnSpc>
+              <a:spcBef>
+                <a:spcPts val="500"/>
+              </a:spcBef>
+              <a:buFont typeface="Arial" panose="020B0604020202020204" pitchFamily="34" charset="0"/>
+              <a:buChar char="•"/>
+              <a:defRPr sz="2000" kern="1200">
+                <a:solidFill>
+                  <a:schemeClr val="tx1"/>
+                </a:solidFill>
+                <a:latin typeface="+mn-lt"/>
+                <a:ea typeface="+mn-ea"/>
+                <a:cs typeface="+mn-cs"/>
+              </a:defRPr>
+            </a:lvl3pPr>
+            <a:lvl4pPr marL="1600200" indent="-228600" algn="l" defTabSz="914400" rtl="0" eaLnBrk="1" latinLnBrk="1" hangingPunct="1">
+              <a:lnSpc>
+                <a:spcPct val="90000"/>
+              </a:lnSpc>
+              <a:spcBef>
+                <a:spcPts val="500"/>
+              </a:spcBef>
+              <a:buFont typeface="Arial" panose="020B0604020202020204" pitchFamily="34" charset="0"/>
+              <a:buChar char="•"/>
+              <a:defRPr sz="1800" kern="1200">
+                <a:solidFill>
+                  <a:schemeClr val="tx1"/>
+                </a:solidFill>
+                <a:latin typeface="+mn-lt"/>
+                <a:ea typeface="+mn-ea"/>
+                <a:cs typeface="+mn-cs"/>
+              </a:defRPr>
+            </a:lvl4pPr>
+            <a:lvl5pPr marL="2057400" indent="-228600" algn="l" defTabSz="914400" rtl="0" eaLnBrk="1" latinLnBrk="1" hangingPunct="1">
+              <a:lnSpc>
+                <a:spcPct val="90000"/>
+              </a:lnSpc>
+              <a:spcBef>
+                <a:spcPts val="500"/>
+              </a:spcBef>
+              <a:buFont typeface="Arial" panose="020B0604020202020204" pitchFamily="34" charset="0"/>
+              <a:buChar char="•"/>
+              <a:defRPr sz="1800" kern="1200">
+                <a:solidFill>
+                  <a:schemeClr val="tx1"/>
+                </a:solidFill>
+                <a:latin typeface="+mn-lt"/>
+                <a:ea typeface="+mn-ea"/>
+                <a:cs typeface="+mn-cs"/>
+              </a:defRPr>
+            </a:lvl5pPr>
+            <a:lvl6pPr marL="2514600" indent="-228600" algn="l" defTabSz="914400" rtl="0" eaLnBrk="1" latinLnBrk="1" hangingPunct="1">
+              <a:lnSpc>
+                <a:spcPct val="90000"/>
+              </a:lnSpc>
+              <a:spcBef>
+                <a:spcPts val="500"/>
+              </a:spcBef>
+              <a:buFont typeface="Arial" panose="020B0604020202020204" pitchFamily="34" charset="0"/>
+              <a:buChar char="•"/>
+              <a:defRPr sz="1800" kern="1200">
+                <a:solidFill>
+                  <a:schemeClr val="tx1"/>
+                </a:solidFill>
+                <a:latin typeface="+mn-lt"/>
+                <a:ea typeface="+mn-ea"/>
+                <a:cs typeface="+mn-cs"/>
+              </a:defRPr>
+            </a:lvl6pPr>
+            <a:lvl7pPr marL="2971800" indent="-228600" algn="l" defTabSz="914400" rtl="0" eaLnBrk="1" latinLnBrk="1" hangingPunct="1">
+              <a:lnSpc>
+                <a:spcPct val="90000"/>
+              </a:lnSpc>
+              <a:spcBef>
+                <a:spcPts val="500"/>
+              </a:spcBef>
+              <a:buFont typeface="Arial" panose="020B0604020202020204" pitchFamily="34" charset="0"/>
+              <a:buChar char="•"/>
+              <a:defRPr sz="1800" kern="1200">
+                <a:solidFill>
+                  <a:schemeClr val="tx1"/>
+                </a:solidFill>
+                <a:latin typeface="+mn-lt"/>
+                <a:ea typeface="+mn-ea"/>
+                <a:cs typeface="+mn-cs"/>
+              </a:defRPr>
+            </a:lvl7pPr>
+            <a:lvl8pPr marL="3429000" indent="-228600" algn="l" defTabSz="914400" rtl="0" eaLnBrk="1" latinLnBrk="1" hangingPunct="1">
+              <a:lnSpc>
+                <a:spcPct val="90000"/>
+              </a:lnSpc>
+              <a:spcBef>
+                <a:spcPts val="500"/>
+              </a:spcBef>
+              <a:buFont typeface="Arial" panose="020B0604020202020204" pitchFamily="34" charset="0"/>
+              <a:buChar char="•"/>
+              <a:defRPr sz="1800" kern="1200">
+                <a:solidFill>
+                  <a:schemeClr val="tx1"/>
+                </a:solidFill>
+                <a:latin typeface="+mn-lt"/>
+                <a:ea typeface="+mn-ea"/>
+                <a:cs typeface="+mn-cs"/>
+              </a:defRPr>
+            </a:lvl8pPr>
+            <a:lvl9pPr marL="3886200" indent="-228600" algn="l" defTabSz="914400" rtl="0" eaLnBrk="1" latinLnBrk="1" hangingPunct="1">
+              <a:lnSpc>
+                <a:spcPct val="90000"/>
+              </a:lnSpc>
+              <a:spcBef>
+                <a:spcPts val="500"/>
+              </a:spcBef>
+              <a:buFont typeface="Arial" panose="020B0604020202020204" pitchFamily="34" charset="0"/>
+              <a:buChar char="•"/>
+              <a:defRPr sz="1800" kern="1200">
+                <a:solidFill>
+                  <a:schemeClr val="tx1"/>
+                </a:solidFill>
+                <a:latin typeface="+mn-lt"/>
+                <a:ea typeface="+mn-ea"/>
+                <a:cs typeface="+mn-cs"/>
+              </a:defRPr>
+            </a:lvl9pPr>
+          </a:lstStyle>
+          <a:p>
+            <a:pPr marL="0" indent="0">
+              <a:lnSpc>
+                <a:spcPct val="150000"/>
+              </a:lnSpc>
+              <a:buNone/>
+            </a:pPr>
+            <a:r>
+              <a:rPr lang="ko-KR" altLang="en-US" sz="2000" b="1" dirty="0" smtClean="0">
+                <a:solidFill>
+                  <a:srgbClr val="C00000"/>
+                </a:solidFill>
+              </a:rPr>
+              <a:t>  </a:t>
+            </a:r>
+            <a:r>
+              <a:rPr lang="ko-KR" altLang="en-US" sz="2000" b="1" dirty="0" err="1" smtClean="0">
+                <a:solidFill>
+                  <a:srgbClr val="C00000"/>
+                </a:solidFill>
+              </a:rPr>
+              <a:t>제네릭</a:t>
+            </a:r>
+            <a:r>
+              <a:rPr lang="ko-KR" altLang="en-US" sz="2000" b="1" dirty="0" smtClean="0">
+                <a:solidFill>
+                  <a:srgbClr val="C00000"/>
+                </a:solidFill>
+              </a:rPr>
+              <a:t> 타입</a:t>
+            </a:r>
+            <a:endParaRPr lang="en-US" altLang="ko-KR" sz="1600" b="1" dirty="0" smtClean="0"/>
+          </a:p>
+          <a:p>
+            <a:pPr marL="457200" lvl="1" indent="0">
+              <a:lnSpc>
+                <a:spcPct val="150000"/>
+              </a:lnSpc>
+              <a:buNone/>
+            </a:pPr>
+            <a:endParaRPr lang="en-US" altLang="ko-KR" sz="1200" b="1" dirty="0" smtClean="0">
+              <a:solidFill>
+                <a:srgbClr val="002060"/>
+              </a:solidFill>
+            </a:endParaRPr>
+          </a:p>
+        </p:txBody>
+      </p:sp>
+      <p:sp>
+        <p:nvSpPr>
+          <p:cNvPr id="13" name="직사각형 12"/>
+          <p:cNvSpPr/>
+          <p:nvPr/>
+        </p:nvSpPr>
+        <p:spPr>
+          <a:xfrm>
+            <a:off x="920552" y="1430800"/>
+            <a:ext cx="6768752" cy="461665"/>
+          </a:xfrm>
+          <a:prstGeom prst="rect">
+            <a:avLst/>
+          </a:prstGeom>
+        </p:spPr>
+        <p:txBody>
+          <a:bodyPr wrap="square">
+            <a:spAutoFit/>
+          </a:bodyPr>
+          <a:lstStyle/>
+          <a:p>
+            <a:pPr>
+              <a:lnSpc>
+                <a:spcPct val="150000"/>
+              </a:lnSpc>
+            </a:pPr>
+            <a:r>
+              <a:rPr lang="ko-KR" altLang="en-US" sz="1600" dirty="0" err="1" smtClean="0">
+                <a:latin typeface="+mn-ea"/>
+              </a:rPr>
+              <a:t>제네릭</a:t>
+            </a:r>
+            <a:r>
+              <a:rPr lang="ko-KR" altLang="en-US" sz="1600" dirty="0" smtClean="0">
+                <a:latin typeface="+mn-ea"/>
+              </a:rPr>
+              <a:t> 타입은 </a:t>
+            </a:r>
+            <a:r>
+              <a:rPr lang="ko-KR" altLang="en-US" sz="1600" b="1" dirty="0" smtClean="0">
+                <a:latin typeface="+mn-ea"/>
+              </a:rPr>
+              <a:t>타입</a:t>
+            </a:r>
+            <a:r>
+              <a:rPr lang="en-US" altLang="ko-KR" sz="1600" b="1" dirty="0" smtClean="0">
+                <a:latin typeface="+mn-ea"/>
+              </a:rPr>
+              <a:t>(type)</a:t>
+            </a:r>
+            <a:r>
+              <a:rPr lang="ko-KR" altLang="en-US" sz="1600" b="1" dirty="0" smtClean="0">
+                <a:latin typeface="+mn-ea"/>
+              </a:rPr>
+              <a:t>을 </a:t>
+            </a:r>
+            <a:r>
+              <a:rPr lang="ko-KR" altLang="en-US" sz="1600" b="1" dirty="0" err="1" smtClean="0">
+                <a:latin typeface="+mn-ea"/>
+              </a:rPr>
+              <a:t>파라미터</a:t>
+            </a:r>
+            <a:r>
+              <a:rPr lang="ko-KR" altLang="en-US" sz="1600" dirty="0" err="1" smtClean="0">
+                <a:latin typeface="+mn-ea"/>
+              </a:rPr>
+              <a:t>로</a:t>
+            </a:r>
+            <a:r>
+              <a:rPr lang="ko-KR" altLang="en-US" sz="1600" dirty="0" smtClean="0">
+                <a:latin typeface="+mn-ea"/>
+              </a:rPr>
+              <a:t> 가지는 클래스를 말한다</a:t>
+            </a:r>
+            <a:r>
+              <a:rPr lang="en-US" altLang="ko-KR" sz="1600" dirty="0" smtClean="0">
+                <a:latin typeface="+mn-ea"/>
+              </a:rPr>
+              <a:t>.</a:t>
+            </a:r>
+            <a:endParaRPr lang="en-US" altLang="ko-KR" sz="1600" dirty="0">
+              <a:latin typeface="+mn-ea"/>
+            </a:endParaRPr>
+          </a:p>
+        </p:txBody>
+      </p:sp>
+      <p:sp>
+        <p:nvSpPr>
+          <p:cNvPr id="14" name="직사각형 13"/>
+          <p:cNvSpPr/>
+          <p:nvPr/>
+        </p:nvSpPr>
+        <p:spPr>
+          <a:xfrm>
+            <a:off x="2543953" y="2132856"/>
+            <a:ext cx="3156644" cy="553998"/>
+          </a:xfrm>
+          <a:prstGeom prst="rect">
+            <a:avLst/>
+          </a:prstGeom>
+        </p:spPr>
+        <p:style>
+          <a:lnRef idx="2">
+            <a:schemeClr val="accent5"/>
+          </a:lnRef>
+          <a:fillRef idx="1">
+            <a:schemeClr val="lt1"/>
+          </a:fillRef>
+          <a:effectRef idx="0">
+            <a:schemeClr val="accent5"/>
+          </a:effectRef>
+          <a:fontRef idx="minor">
+            <a:schemeClr val="dk1"/>
+          </a:fontRef>
+        </p:style>
+        <p:txBody>
+          <a:bodyPr wrap="square">
+            <a:spAutoFit/>
+          </a:bodyPr>
+          <a:lstStyle/>
+          <a:p>
+            <a:pPr>
+              <a:lnSpc>
+                <a:spcPct val="150000"/>
+              </a:lnSpc>
+            </a:pPr>
+            <a:r>
+              <a:rPr lang="en-US" altLang="ko-KR" sz="2000" b="1" dirty="0" smtClean="0">
+                <a:latin typeface="+mn-ea"/>
+              </a:rPr>
+              <a:t>class </a:t>
+            </a:r>
+            <a:r>
+              <a:rPr lang="ko-KR" altLang="en-US" sz="2000" b="1" dirty="0" err="1" smtClean="0">
+                <a:latin typeface="+mn-ea"/>
+              </a:rPr>
+              <a:t>클래스명</a:t>
+            </a:r>
+            <a:r>
+              <a:rPr lang="en-US" altLang="ko-KR" sz="2000" b="1" dirty="0" smtClean="0">
+                <a:solidFill>
+                  <a:srgbClr val="C00000"/>
+                </a:solidFill>
+                <a:latin typeface="+mn-ea"/>
+              </a:rPr>
+              <a:t>&lt;T&gt;</a:t>
+            </a:r>
+            <a:r>
+              <a:rPr lang="en-US" altLang="ko-KR" sz="2000" b="1" dirty="0" smtClean="0">
+                <a:latin typeface="+mn-ea"/>
+              </a:rPr>
+              <a:t>{….}</a:t>
+            </a:r>
+            <a:endParaRPr lang="en-US" altLang="ko-KR" sz="2000" b="1" dirty="0">
+              <a:latin typeface="+mn-ea"/>
+            </a:endParaRPr>
+          </a:p>
+        </p:txBody>
+      </p:sp>
+      <p:pic>
+        <p:nvPicPr>
+          <p:cNvPr id="3" name="그림 2"/>
+          <p:cNvPicPr>
+            <a:picLocks noChangeAspect="1"/>
+          </p:cNvPicPr>
+          <p:nvPr/>
+        </p:nvPicPr>
+        <p:blipFill>
+          <a:blip r:embed="rId2">
+            <a:extLst>
+              <a:ext uri="{28A0092B-C50C-407E-A947-70E740481C1C}">
+                <a14:useLocalDpi xmlns:a14="http://schemas.microsoft.com/office/drawing/2010/main" val="0"/>
+              </a:ext>
+            </a:extLst>
+          </a:blip>
+          <a:stretch>
+            <a:fillRect/>
+          </a:stretch>
+        </p:blipFill>
+        <p:spPr>
+          <a:xfrm>
+            <a:off x="2543953" y="2924944"/>
+            <a:ext cx="3436918" cy="2872989"/>
+          </a:xfrm>
+          <a:prstGeom prst="rect">
+            <a:avLst/>
+          </a:prstGeom>
+          <a:ln>
+            <a:solidFill>
+              <a:schemeClr val="bg1">
+                <a:lumMod val="85000"/>
+              </a:schemeClr>
+            </a:solidFill>
+          </a:ln>
+        </p:spPr>
+      </p:pic>
+    </p:spTree>
+    <p:extLst>
+      <p:ext uri="{BB962C8B-B14F-4D97-AF65-F5344CB8AC3E}">
+        <p14:creationId xmlns:p14="http://schemas.microsoft.com/office/powerpoint/2010/main" val="1701187187"/>
+      </p:ext>
+    </p:extLst>
+  </p:cSld>
+  <p:clrMapOvr>
+    <a:masterClrMapping/>
+  </p:clrMapOvr>
+  <p:timing>
+    <p:tnLst>
+      <p:par>
+        <p:cTn id="1" dur="indefinite" restart="never" nodeType="tmRoot"/>
+      </p:par>
+    </p:tnLst>
+  </p:timing>
+</p:sld>
+</file>
+
+<file path=ppt/slides/slide40.xml><?xml version="1.0" encoding="utf-8"?>
+<p:sld xmlns:a="http://schemas.openxmlformats.org/drawingml/2006/main" xmlns:r="http://schemas.openxmlformats.org/officeDocument/2006/relationships" xmlns:p="http://schemas.openxmlformats.org/presentationml/2006/main">
+  <p:cSld>
+    <p:spTree>
+      <p:nvGrpSpPr>
+        <p:cNvPr id="1" name=""/>
+        <p:cNvGrpSpPr/>
+        <p:nvPr/>
+      </p:nvGrpSpPr>
+      <p:grpSpPr>
+        <a:xfrm>
+          <a:off x="0" y="0"/>
+          <a:ext cx="0" cy="0"/>
+          <a:chOff x="0" y="0"/>
+          <a:chExt cx="0" cy="0"/>
+        </a:xfrm>
+      </p:grpSpPr>
+      <p:sp>
+        <p:nvSpPr>
+          <p:cNvPr id="6" name="제목 5"/>
+          <p:cNvSpPr>
+            <a:spLocks noGrp="1"/>
+          </p:cNvSpPr>
+          <p:nvPr>
+            <p:ph type="title"/>
+          </p:nvPr>
+        </p:nvSpPr>
+        <p:spPr/>
+        <p:txBody>
+          <a:bodyPr/>
+          <a:lstStyle/>
+          <a:p>
+            <a:r>
+              <a:rPr lang="en-US" altLang="ko-KR" dirty="0" smtClean="0"/>
+              <a:t> Map </a:t>
+            </a:r>
+            <a:r>
+              <a:rPr lang="ko-KR" altLang="en-US" dirty="0" smtClean="0"/>
+              <a:t>인터페이스</a:t>
+            </a:r>
+            <a:endParaRPr lang="ko-KR" altLang="en-US" dirty="0"/>
+          </a:p>
+        </p:txBody>
+      </p:sp>
+      <p:sp>
+        <p:nvSpPr>
+          <p:cNvPr id="5" name="슬라이드 번호 개체 틀 4"/>
+          <p:cNvSpPr>
+            <a:spLocks noGrp="1"/>
+          </p:cNvSpPr>
+          <p:nvPr>
+            <p:ph type="sldNum" sz="quarter" idx="12"/>
+          </p:nvPr>
+        </p:nvSpPr>
+        <p:spPr>
+          <a:xfrm>
+            <a:off x="8853433" y="7312347"/>
+            <a:ext cx="557267" cy="365125"/>
+          </a:xfrm>
+        </p:spPr>
+        <p:txBody>
+          <a:bodyPr/>
+          <a:lstStyle/>
+          <a:p>
+            <a:fld id="{1BDE3FE7-3AEA-4B05-AC5A-802D1816ACF0}" type="slidenum">
+              <a:rPr lang="ko-KR" altLang="en-US" smtClean="0"/>
+              <a:t>40</a:t>
             </a:fld>
             <a:endParaRPr lang="ko-KR" altLang="en-US"/>
           </a:p>
@@ -23240,7 +24099,7 @@
 </p:sld>
 </file>
 
-<file path=ppt/slides/slide4.xml><?xml version="1.0" encoding="utf-8"?>
+<file path=ppt/slides/slide41.xml><?xml version="1.0" encoding="utf-8"?>
 <p:sld xmlns:a="http://schemas.openxmlformats.org/drawingml/2006/main" xmlns:r="http://schemas.openxmlformats.org/officeDocument/2006/relationships" xmlns:p="http://schemas.openxmlformats.org/presentationml/2006/main">
   <p:cSld>
     <p:spTree>
@@ -23274,15 +24133,11 @@
           <a:p>
             <a:r>
               <a:rPr lang="en-US" altLang="ko-KR" dirty="0" smtClean="0"/>
-              <a:t> </a:t>
-            </a:r>
-            <a:r>
-              <a:rPr lang="ko-KR" altLang="en-US" dirty="0" err="1" smtClean="0"/>
-              <a:t>제네릭</a:t>
-            </a:r>
-            <a:r>
-              <a:rPr lang="en-US" altLang="ko-KR" dirty="0" smtClean="0"/>
-              <a:t>(Generic)</a:t>
+              <a:t> Map </a:t>
+            </a:r>
+            <a:r>
+              <a:rPr lang="ko-KR" altLang="en-US" dirty="0" smtClean="0"/>
+              <a:t>인터페이스</a:t>
             </a:r>
             <a:endParaRPr lang="ko-KR" altLang="en-US" dirty="0"/>
           </a:p>
@@ -23310,532 +24165,7 @@
           <a:p>
             <a:fld id="{1BDE3FE7-3AEA-4B05-AC5A-802D1816ACF0}" type="slidenum">
               <a:rPr lang="ko-KR" altLang="en-US" smtClean="0"/>
-              <a:t>4</a:t>
-            </a:fld>
-            <a:endParaRPr lang="ko-KR" altLang="en-US"/>
-          </a:p>
-        </p:txBody>
-      </p:sp>
-      <p:sp>
-        <p:nvSpPr>
-          <p:cNvPr id="10" name="내용 개체 틀 2">
-            <a:extLst>
-              <a:ext uri="{FF2B5EF4-FFF2-40B4-BE49-F238E27FC236}">
-                <a16:creationId xmlns:a16="http://schemas.microsoft.com/office/drawing/2014/main" id="{98AF3A4E-7D90-4241-89FE-799D6F9D5A94}"/>
-              </a:ext>
-            </a:extLst>
-          </p:cNvPr>
-          <p:cNvSpPr txBox="1">
-            <a:spLocks/>
-          </p:cNvSpPr>
-          <p:nvPr/>
-        </p:nvSpPr>
-        <p:spPr>
-          <a:xfrm>
-            <a:off x="582753" y="980728"/>
-            <a:ext cx="2065991" cy="521566"/>
-          </a:xfrm>
-          <a:prstGeom prst="rect">
-            <a:avLst/>
-          </a:prstGeom>
-        </p:spPr>
-        <p:txBody>
-          <a:bodyPr/>
-          <a:lstStyle>
-            <a:lvl1pPr marL="228600" indent="-228600" algn="l" defTabSz="914400" rtl="0" eaLnBrk="1" latinLnBrk="1" hangingPunct="1">
-              <a:lnSpc>
-                <a:spcPct val="90000"/>
-              </a:lnSpc>
-              <a:spcBef>
-                <a:spcPts val="1000"/>
-              </a:spcBef>
-              <a:buFont typeface="Arial" panose="020B0604020202020204" pitchFamily="34" charset="0"/>
-              <a:buChar char="•"/>
-              <a:defRPr sz="2800" kern="1200">
-                <a:solidFill>
-                  <a:schemeClr val="tx1"/>
-                </a:solidFill>
-                <a:latin typeface="+mn-lt"/>
-                <a:ea typeface="+mn-ea"/>
-                <a:cs typeface="+mn-cs"/>
-              </a:defRPr>
-            </a:lvl1pPr>
-            <a:lvl2pPr marL="685800" indent="-228600" algn="l" defTabSz="914400" rtl="0" eaLnBrk="1" latinLnBrk="1" hangingPunct="1">
-              <a:lnSpc>
-                <a:spcPct val="90000"/>
-              </a:lnSpc>
-              <a:spcBef>
-                <a:spcPts val="500"/>
-              </a:spcBef>
-              <a:buFont typeface="Arial" panose="020B0604020202020204" pitchFamily="34" charset="0"/>
-              <a:buChar char="•"/>
-              <a:defRPr sz="2400" kern="1200">
-                <a:solidFill>
-                  <a:schemeClr val="tx1"/>
-                </a:solidFill>
-                <a:latin typeface="+mn-lt"/>
-                <a:ea typeface="+mn-ea"/>
-                <a:cs typeface="+mn-cs"/>
-              </a:defRPr>
-            </a:lvl2pPr>
-            <a:lvl3pPr marL="1143000" indent="-228600" algn="l" defTabSz="914400" rtl="0" eaLnBrk="1" latinLnBrk="1" hangingPunct="1">
-              <a:lnSpc>
-                <a:spcPct val="90000"/>
-              </a:lnSpc>
-              <a:spcBef>
-                <a:spcPts val="500"/>
-              </a:spcBef>
-              <a:buFont typeface="Arial" panose="020B0604020202020204" pitchFamily="34" charset="0"/>
-              <a:buChar char="•"/>
-              <a:defRPr sz="2000" kern="1200">
-                <a:solidFill>
-                  <a:schemeClr val="tx1"/>
-                </a:solidFill>
-                <a:latin typeface="+mn-lt"/>
-                <a:ea typeface="+mn-ea"/>
-                <a:cs typeface="+mn-cs"/>
-              </a:defRPr>
-            </a:lvl3pPr>
-            <a:lvl4pPr marL="1600200" indent="-228600" algn="l" defTabSz="914400" rtl="0" eaLnBrk="1" latinLnBrk="1" hangingPunct="1">
-              <a:lnSpc>
-                <a:spcPct val="90000"/>
-              </a:lnSpc>
-              <a:spcBef>
-                <a:spcPts val="500"/>
-              </a:spcBef>
-              <a:buFont typeface="Arial" panose="020B0604020202020204" pitchFamily="34" charset="0"/>
-              <a:buChar char="•"/>
-              <a:defRPr sz="1800" kern="1200">
-                <a:solidFill>
-                  <a:schemeClr val="tx1"/>
-                </a:solidFill>
-                <a:latin typeface="+mn-lt"/>
-                <a:ea typeface="+mn-ea"/>
-                <a:cs typeface="+mn-cs"/>
-              </a:defRPr>
-            </a:lvl4pPr>
-            <a:lvl5pPr marL="2057400" indent="-228600" algn="l" defTabSz="914400" rtl="0" eaLnBrk="1" latinLnBrk="1" hangingPunct="1">
-              <a:lnSpc>
-                <a:spcPct val="90000"/>
-              </a:lnSpc>
-              <a:spcBef>
-                <a:spcPts val="500"/>
-              </a:spcBef>
-              <a:buFont typeface="Arial" panose="020B0604020202020204" pitchFamily="34" charset="0"/>
-              <a:buChar char="•"/>
-              <a:defRPr sz="1800" kern="1200">
-                <a:solidFill>
-                  <a:schemeClr val="tx1"/>
-                </a:solidFill>
-                <a:latin typeface="+mn-lt"/>
-                <a:ea typeface="+mn-ea"/>
-                <a:cs typeface="+mn-cs"/>
-              </a:defRPr>
-            </a:lvl5pPr>
-            <a:lvl6pPr marL="2514600" indent="-228600" algn="l" defTabSz="914400" rtl="0" eaLnBrk="1" latinLnBrk="1" hangingPunct="1">
-              <a:lnSpc>
-                <a:spcPct val="90000"/>
-              </a:lnSpc>
-              <a:spcBef>
-                <a:spcPts val="500"/>
-              </a:spcBef>
-              <a:buFont typeface="Arial" panose="020B0604020202020204" pitchFamily="34" charset="0"/>
-              <a:buChar char="•"/>
-              <a:defRPr sz="1800" kern="1200">
-                <a:solidFill>
-                  <a:schemeClr val="tx1"/>
-                </a:solidFill>
-                <a:latin typeface="+mn-lt"/>
-                <a:ea typeface="+mn-ea"/>
-                <a:cs typeface="+mn-cs"/>
-              </a:defRPr>
-            </a:lvl6pPr>
-            <a:lvl7pPr marL="2971800" indent="-228600" algn="l" defTabSz="914400" rtl="0" eaLnBrk="1" latinLnBrk="1" hangingPunct="1">
-              <a:lnSpc>
-                <a:spcPct val="90000"/>
-              </a:lnSpc>
-              <a:spcBef>
-                <a:spcPts val="500"/>
-              </a:spcBef>
-              <a:buFont typeface="Arial" panose="020B0604020202020204" pitchFamily="34" charset="0"/>
-              <a:buChar char="•"/>
-              <a:defRPr sz="1800" kern="1200">
-                <a:solidFill>
-                  <a:schemeClr val="tx1"/>
-                </a:solidFill>
-                <a:latin typeface="+mn-lt"/>
-                <a:ea typeface="+mn-ea"/>
-                <a:cs typeface="+mn-cs"/>
-              </a:defRPr>
-            </a:lvl7pPr>
-            <a:lvl8pPr marL="3429000" indent="-228600" algn="l" defTabSz="914400" rtl="0" eaLnBrk="1" latinLnBrk="1" hangingPunct="1">
-              <a:lnSpc>
-                <a:spcPct val="90000"/>
-              </a:lnSpc>
-              <a:spcBef>
-                <a:spcPts val="500"/>
-              </a:spcBef>
-              <a:buFont typeface="Arial" panose="020B0604020202020204" pitchFamily="34" charset="0"/>
-              <a:buChar char="•"/>
-              <a:defRPr sz="1800" kern="1200">
-                <a:solidFill>
-                  <a:schemeClr val="tx1"/>
-                </a:solidFill>
-                <a:latin typeface="+mn-lt"/>
-                <a:ea typeface="+mn-ea"/>
-                <a:cs typeface="+mn-cs"/>
-              </a:defRPr>
-            </a:lvl8pPr>
-            <a:lvl9pPr marL="3886200" indent="-228600" algn="l" defTabSz="914400" rtl="0" eaLnBrk="1" latinLnBrk="1" hangingPunct="1">
-              <a:lnSpc>
-                <a:spcPct val="90000"/>
-              </a:lnSpc>
-              <a:spcBef>
-                <a:spcPts val="500"/>
-              </a:spcBef>
-              <a:buFont typeface="Arial" panose="020B0604020202020204" pitchFamily="34" charset="0"/>
-              <a:buChar char="•"/>
-              <a:defRPr sz="1800" kern="1200">
-                <a:solidFill>
-                  <a:schemeClr val="tx1"/>
-                </a:solidFill>
-                <a:latin typeface="+mn-lt"/>
-                <a:ea typeface="+mn-ea"/>
-                <a:cs typeface="+mn-cs"/>
-              </a:defRPr>
-            </a:lvl9pPr>
-          </a:lstStyle>
-          <a:p>
-            <a:pPr marL="0" indent="0">
-              <a:lnSpc>
-                <a:spcPct val="150000"/>
-              </a:lnSpc>
-              <a:buNone/>
-            </a:pPr>
-            <a:r>
-              <a:rPr lang="ko-KR" altLang="en-US" sz="2000" b="1" dirty="0" smtClean="0">
-                <a:solidFill>
-                  <a:srgbClr val="C00000"/>
-                </a:solidFill>
-              </a:rPr>
-              <a:t>  </a:t>
-            </a:r>
-            <a:r>
-              <a:rPr lang="ko-KR" altLang="en-US" sz="2000" b="1" dirty="0" err="1" smtClean="0">
-                <a:solidFill>
-                  <a:srgbClr val="C00000"/>
-                </a:solidFill>
-              </a:rPr>
-              <a:t>제네릭</a:t>
-            </a:r>
-            <a:r>
-              <a:rPr lang="ko-KR" altLang="en-US" sz="2000" b="1" dirty="0" smtClean="0">
-                <a:solidFill>
-                  <a:srgbClr val="C00000"/>
-                </a:solidFill>
-              </a:rPr>
-              <a:t> 타입</a:t>
-            </a:r>
-            <a:endParaRPr lang="en-US" altLang="ko-KR" sz="1600" b="1" dirty="0" smtClean="0"/>
-          </a:p>
-          <a:p>
-            <a:pPr marL="457200" lvl="1" indent="0">
-              <a:lnSpc>
-                <a:spcPct val="150000"/>
-              </a:lnSpc>
-              <a:buNone/>
-            </a:pPr>
-            <a:endParaRPr lang="en-US" altLang="ko-KR" sz="1200" b="1" dirty="0" smtClean="0">
-              <a:solidFill>
-                <a:srgbClr val="002060"/>
-              </a:solidFill>
-            </a:endParaRPr>
-          </a:p>
-        </p:txBody>
-      </p:sp>
-      <p:sp>
-        <p:nvSpPr>
-          <p:cNvPr id="13" name="직사각형 12"/>
-          <p:cNvSpPr/>
-          <p:nvPr/>
-        </p:nvSpPr>
-        <p:spPr>
-          <a:xfrm>
-            <a:off x="920552" y="1430800"/>
-            <a:ext cx="6768752" cy="461665"/>
-          </a:xfrm>
-          <a:prstGeom prst="rect">
-            <a:avLst/>
-          </a:prstGeom>
-        </p:spPr>
-        <p:txBody>
-          <a:bodyPr wrap="square">
-            <a:spAutoFit/>
-          </a:bodyPr>
-          <a:lstStyle/>
-          <a:p>
-            <a:pPr>
-              <a:lnSpc>
-                <a:spcPct val="150000"/>
-              </a:lnSpc>
-            </a:pPr>
-            <a:r>
-              <a:rPr lang="ko-KR" altLang="en-US" sz="1600" dirty="0" err="1" smtClean="0">
-                <a:latin typeface="+mn-ea"/>
-              </a:rPr>
-              <a:t>제네릭</a:t>
-            </a:r>
-            <a:r>
-              <a:rPr lang="ko-KR" altLang="en-US" sz="1600" dirty="0" smtClean="0">
-                <a:latin typeface="+mn-ea"/>
-              </a:rPr>
-              <a:t> 타입은 </a:t>
-            </a:r>
-            <a:r>
-              <a:rPr lang="ko-KR" altLang="en-US" sz="1600" b="1" dirty="0" smtClean="0">
-                <a:latin typeface="+mn-ea"/>
-              </a:rPr>
-              <a:t>타입</a:t>
-            </a:r>
-            <a:r>
-              <a:rPr lang="en-US" altLang="ko-KR" sz="1600" b="1" dirty="0" smtClean="0">
-                <a:latin typeface="+mn-ea"/>
-              </a:rPr>
-              <a:t>(type)</a:t>
-            </a:r>
-            <a:r>
-              <a:rPr lang="ko-KR" altLang="en-US" sz="1600" b="1" dirty="0" smtClean="0">
-                <a:latin typeface="+mn-ea"/>
-              </a:rPr>
-              <a:t>을 </a:t>
-            </a:r>
-            <a:r>
-              <a:rPr lang="ko-KR" altLang="en-US" sz="1600" b="1" dirty="0" err="1" smtClean="0">
-                <a:latin typeface="+mn-ea"/>
-              </a:rPr>
-              <a:t>파라미터</a:t>
-            </a:r>
-            <a:r>
-              <a:rPr lang="ko-KR" altLang="en-US" sz="1600" dirty="0" err="1" smtClean="0">
-                <a:latin typeface="+mn-ea"/>
-              </a:rPr>
-              <a:t>로</a:t>
-            </a:r>
-            <a:r>
-              <a:rPr lang="ko-KR" altLang="en-US" sz="1600" dirty="0" smtClean="0">
-                <a:latin typeface="+mn-ea"/>
-              </a:rPr>
-              <a:t> 가지는 클래스를 말한다</a:t>
-            </a:r>
-            <a:r>
-              <a:rPr lang="en-US" altLang="ko-KR" sz="1600" dirty="0" smtClean="0">
-                <a:latin typeface="+mn-ea"/>
-              </a:rPr>
-              <a:t>.</a:t>
-            </a:r>
-            <a:endParaRPr lang="en-US" altLang="ko-KR" sz="1600" dirty="0">
-              <a:latin typeface="+mn-ea"/>
-            </a:endParaRPr>
-          </a:p>
-        </p:txBody>
-      </p:sp>
-      <p:sp>
-        <p:nvSpPr>
-          <p:cNvPr id="14" name="직사각형 13"/>
-          <p:cNvSpPr/>
-          <p:nvPr/>
-        </p:nvSpPr>
-        <p:spPr>
-          <a:xfrm>
-            <a:off x="2543953" y="2132856"/>
-            <a:ext cx="3156644" cy="553998"/>
-          </a:xfrm>
-          <a:prstGeom prst="rect">
-            <a:avLst/>
-          </a:prstGeom>
-        </p:spPr>
-        <p:style>
-          <a:lnRef idx="2">
-            <a:schemeClr val="accent5"/>
-          </a:lnRef>
-          <a:fillRef idx="1">
-            <a:schemeClr val="lt1"/>
-          </a:fillRef>
-          <a:effectRef idx="0">
-            <a:schemeClr val="accent5"/>
-          </a:effectRef>
-          <a:fontRef idx="minor">
-            <a:schemeClr val="dk1"/>
-          </a:fontRef>
-        </p:style>
-        <p:txBody>
-          <a:bodyPr wrap="square">
-            <a:spAutoFit/>
-          </a:bodyPr>
-          <a:lstStyle/>
-          <a:p>
-            <a:pPr>
-              <a:lnSpc>
-                <a:spcPct val="150000"/>
-              </a:lnSpc>
-            </a:pPr>
-            <a:r>
-              <a:rPr lang="en-US" altLang="ko-KR" sz="2000" b="1" dirty="0" smtClean="0">
-                <a:latin typeface="+mn-ea"/>
-              </a:rPr>
-              <a:t>class </a:t>
-            </a:r>
-            <a:r>
-              <a:rPr lang="ko-KR" altLang="en-US" sz="2000" b="1" dirty="0" err="1" smtClean="0">
-                <a:latin typeface="+mn-ea"/>
-              </a:rPr>
-              <a:t>클래스명</a:t>
-            </a:r>
-            <a:r>
-              <a:rPr lang="en-US" altLang="ko-KR" sz="2000" b="1" dirty="0" smtClean="0">
-                <a:solidFill>
-                  <a:srgbClr val="C00000"/>
-                </a:solidFill>
-                <a:latin typeface="+mn-ea"/>
-              </a:rPr>
-              <a:t>&lt;T&gt;</a:t>
-            </a:r>
-            <a:r>
-              <a:rPr lang="en-US" altLang="ko-KR" sz="2000" b="1" dirty="0" smtClean="0">
-                <a:latin typeface="+mn-ea"/>
-              </a:rPr>
-              <a:t>{….}</a:t>
-            </a:r>
-            <a:endParaRPr lang="en-US" altLang="ko-KR" sz="2000" b="1" dirty="0">
-              <a:latin typeface="+mn-ea"/>
-            </a:endParaRPr>
-          </a:p>
-        </p:txBody>
-      </p:sp>
-      <p:pic>
-        <p:nvPicPr>
-          <p:cNvPr id="3" name="그림 2"/>
-          <p:cNvPicPr>
-            <a:picLocks noChangeAspect="1"/>
-          </p:cNvPicPr>
-          <p:nvPr/>
-        </p:nvPicPr>
-        <p:blipFill>
-          <a:blip r:embed="rId2">
-            <a:extLst>
-              <a:ext uri="{28A0092B-C50C-407E-A947-70E740481C1C}">
-                <a14:useLocalDpi xmlns:a14="http://schemas.microsoft.com/office/drawing/2010/main" val="0"/>
-              </a:ext>
-            </a:extLst>
-          </a:blip>
-          <a:stretch>
-            <a:fillRect/>
-          </a:stretch>
-        </p:blipFill>
-        <p:spPr>
-          <a:xfrm>
-            <a:off x="2543953" y="2924944"/>
-            <a:ext cx="3436918" cy="2872989"/>
-          </a:xfrm>
-          <a:prstGeom prst="rect">
-            <a:avLst/>
-          </a:prstGeom>
-          <a:ln>
-            <a:solidFill>
-              <a:schemeClr val="bg1">
-                <a:lumMod val="85000"/>
-              </a:schemeClr>
-            </a:solidFill>
-          </a:ln>
-        </p:spPr>
-      </p:pic>
-    </p:spTree>
-    <p:extLst>
-      <p:ext uri="{BB962C8B-B14F-4D97-AF65-F5344CB8AC3E}">
-        <p14:creationId xmlns:p14="http://schemas.microsoft.com/office/powerpoint/2010/main" val="1701187187"/>
-      </p:ext>
-    </p:extLst>
-  </p:cSld>
-  <p:clrMapOvr>
-    <a:masterClrMapping/>
-  </p:clrMapOvr>
-  <p:timing>
-    <p:tnLst>
-      <p:par>
-        <p:cTn id="1" dur="indefinite" restart="never" nodeType="tmRoot"/>
-      </p:par>
-    </p:tnLst>
-  </p:timing>
-</p:sld>
-</file>
-
-<file path=ppt/slides/slide40.xml><?xml version="1.0" encoding="utf-8"?>
-<p:sld xmlns:a="http://schemas.openxmlformats.org/drawingml/2006/main" xmlns:r="http://schemas.openxmlformats.org/officeDocument/2006/relationships" xmlns:p="http://schemas.openxmlformats.org/presentationml/2006/main">
-  <p:cSld>
-    <p:spTree>
-      <p:nvGrpSpPr>
-        <p:cNvPr id="1" name=""/>
-        <p:cNvGrpSpPr/>
-        <p:nvPr/>
-      </p:nvGrpSpPr>
-      <p:grpSpPr>
-        <a:xfrm>
-          <a:off x="0" y="0"/>
-          <a:ext cx="0" cy="0"/>
-          <a:chOff x="0" y="0"/>
-          <a:chExt cx="0" cy="0"/>
-        </a:xfrm>
-      </p:grpSpPr>
-      <p:sp>
-        <p:nvSpPr>
-          <p:cNvPr id="6" name="제목 5"/>
-          <p:cNvSpPr>
-            <a:spLocks noGrp="1"/>
-          </p:cNvSpPr>
-          <p:nvPr>
-            <p:ph type="title"/>
-          </p:nvPr>
-        </p:nvSpPr>
-        <p:spPr/>
-        <p:txBody>
-          <a:bodyPr/>
-          <a:lstStyle/>
-          <a:p>
-            <a:r>
-              <a:rPr lang="en-US" altLang="ko-KR" dirty="0" smtClean="0"/>
-              <a:t> Map </a:t>
-            </a:r>
-            <a:r>
-              <a:rPr lang="ko-KR" altLang="en-US" dirty="0" smtClean="0"/>
-              <a:t>인터페이스</a:t>
-            </a:r>
-            <a:endParaRPr lang="ko-KR" altLang="en-US" dirty="0"/>
-          </a:p>
-        </p:txBody>
-      </p:sp>
-      <p:sp>
-        <p:nvSpPr>
-          <p:cNvPr id="5" name="슬라이드 번호 개체 틀 4"/>
-          <p:cNvSpPr>
-            <a:spLocks noGrp="1"/>
-          </p:cNvSpPr>
-          <p:nvPr>
-            <p:ph type="sldNum" sz="quarter" idx="12"/>
-          </p:nvPr>
-        </p:nvSpPr>
-        <p:spPr>
-          <a:xfrm>
-            <a:off x="8853433" y="7312347"/>
-            <a:ext cx="557267" cy="365125"/>
-          </a:xfrm>
-        </p:spPr>
-        <p:txBody>
-          <a:bodyPr/>
-          <a:lstStyle/>
-          <a:p>
-            <a:fld id="{1BDE3FE7-3AEA-4B05-AC5A-802D1816ACF0}" type="slidenum">
-              <a:rPr lang="ko-KR" altLang="en-US" smtClean="0"/>
-              <a:t>40</a:t>
+              <a:t>41</a:t>
             </a:fld>
             <a:endParaRPr lang="ko-KR" altLang="en-US"/>
           </a:p>
@@ -25495,7 +25825,7 @@
 </p:sld>
 </file>
 
-<file path=ppt/slides/slide41.xml><?xml version="1.0" encoding="utf-8"?>
+<file path=ppt/slides/slide42.xml><?xml version="1.0" encoding="utf-8"?>
 <p:sld xmlns:a="http://schemas.openxmlformats.org/drawingml/2006/main" xmlns:r="http://schemas.openxmlformats.org/officeDocument/2006/relationships" xmlns:p="http://schemas.openxmlformats.org/presentationml/2006/main">
   <p:cSld>
     <p:spTree>
@@ -26740,7 +27070,7 @@
 </p:sld>
 </file>
 
-<file path=ppt/slides/slide42.xml><?xml version="1.0" encoding="utf-8"?>
+<file path=ppt/slides/slide43.xml><?xml version="1.0" encoding="utf-8"?>
 <p:sld xmlns:a="http://schemas.openxmlformats.org/drawingml/2006/main" xmlns:r="http://schemas.openxmlformats.org/officeDocument/2006/relationships" xmlns:p="http://schemas.openxmlformats.org/presentationml/2006/main">
   <p:cSld>
     <p:spTree>
@@ -26805,7 +27135,7 @@
           <a:p>
             <a:fld id="{1BDE3FE7-3AEA-4B05-AC5A-802D1816ACF0}" type="slidenum">
               <a:rPr lang="ko-KR" altLang="en-US" smtClean="0"/>
-              <a:t>42</a:t>
+              <a:t>43</a:t>
             </a:fld>
             <a:endParaRPr lang="ko-KR" altLang="en-US"/>
           </a:p>
@@ -26904,7 +27234,7 @@
 </p:sld>
 </file>
 
-<file path=ppt/slides/slide43.xml><?xml version="1.0" encoding="utf-8"?>
+<file path=ppt/slides/slide44.xml><?xml version="1.0" encoding="utf-8"?>
 <p:sld xmlns:a="http://schemas.openxmlformats.org/drawingml/2006/main" xmlns:r="http://schemas.openxmlformats.org/officeDocument/2006/relationships" xmlns:p="http://schemas.openxmlformats.org/presentationml/2006/main">
   <p:cSld>
     <p:spTree>
@@ -26969,7 +27299,7 @@
           <a:p>
             <a:fld id="{1BDE3FE7-3AEA-4B05-AC5A-802D1816ACF0}" type="slidenum">
               <a:rPr lang="ko-KR" altLang="en-US" smtClean="0"/>
-              <a:t>43</a:t>
+              <a:t>44</a:t>
             </a:fld>
             <a:endParaRPr lang="ko-KR" altLang="en-US"/>
           </a:p>
@@ -27032,7 +27362,7 @@
 </p:sld>
 </file>
 
-<file path=ppt/slides/slide44.xml><?xml version="1.0" encoding="utf-8"?>
+<file path=ppt/slides/slide45.xml><?xml version="1.0" encoding="utf-8"?>
 <p:sld xmlns:a="http://schemas.openxmlformats.org/drawingml/2006/main" xmlns:r="http://schemas.openxmlformats.org/officeDocument/2006/relationships" xmlns:p="http://schemas.openxmlformats.org/presentationml/2006/main">
   <p:cSld>
     <p:spTree>
@@ -27097,7 +27427,7 @@
           <a:p>
             <a:fld id="{1BDE3FE7-3AEA-4B05-AC5A-802D1816ACF0}" type="slidenum">
               <a:rPr lang="ko-KR" altLang="en-US" smtClean="0"/>
-              <a:t>44</a:t>
+              <a:t>45</a:t>
             </a:fld>
             <a:endParaRPr lang="ko-KR" altLang="en-US"/>
           </a:p>
@@ -27415,7 +27745,7 @@
 </p:sld>
 </file>
 
-<file path=ppt/slides/slide45.xml><?xml version="1.0" encoding="utf-8"?>
+<file path=ppt/slides/slide46.xml><?xml version="1.0" encoding="utf-8"?>
 <p:sld xmlns:a="http://schemas.openxmlformats.org/drawingml/2006/main" xmlns:r="http://schemas.openxmlformats.org/officeDocument/2006/relationships" xmlns:p="http://schemas.openxmlformats.org/presentationml/2006/main">
   <p:cSld>
     <p:spTree>
@@ -27480,7 +27810,7 @@
           <a:p>
             <a:fld id="{1BDE3FE7-3AEA-4B05-AC5A-802D1816ACF0}" type="slidenum">
               <a:rPr lang="ko-KR" altLang="en-US" smtClean="0"/>
-              <a:t>45</a:t>
+              <a:t>46</a:t>
             </a:fld>
             <a:endParaRPr lang="ko-KR" altLang="en-US"/>
           </a:p>
@@ -27836,7 +28166,7 @@
 </p:sld>
 </file>
 
-<file path=ppt/slides/slide46.xml><?xml version="1.0" encoding="utf-8"?>
+<file path=ppt/slides/slide47.xml><?xml version="1.0" encoding="utf-8"?>
 <p:sld xmlns:a="http://schemas.openxmlformats.org/drawingml/2006/main" xmlns:r="http://schemas.openxmlformats.org/officeDocument/2006/relationships" xmlns:p="http://schemas.openxmlformats.org/presentationml/2006/main">
   <p:cSld>
     <p:spTree>
@@ -27904,7 +28234,7 @@
           <a:p>
             <a:fld id="{1BDE3FE7-3AEA-4B05-AC5A-802D1816ACF0}" type="slidenum">
               <a:rPr lang="ko-KR" altLang="en-US" smtClean="0"/>
-              <a:t>46</a:t>
+              <a:t>47</a:t>
             </a:fld>
             <a:endParaRPr lang="ko-KR" altLang="en-US"/>
           </a:p>
@@ -28271,7 +28601,7 @@
 </p:sld>
 </file>
 
-<file path=ppt/slides/slide47.xml><?xml version="1.0" encoding="utf-8"?>
+<file path=ppt/slides/slide48.xml><?xml version="1.0" encoding="utf-8"?>
 <p:sld xmlns:a="http://schemas.openxmlformats.org/drawingml/2006/main" xmlns:r="http://schemas.openxmlformats.org/officeDocument/2006/relationships" xmlns:p="http://schemas.openxmlformats.org/presentationml/2006/main">
   <p:cSld>
     <p:spTree>
@@ -28339,7 +28669,7 @@
           <a:p>
             <a:fld id="{1BDE3FE7-3AEA-4B05-AC5A-802D1816ACF0}" type="slidenum">
               <a:rPr lang="ko-KR" altLang="en-US" smtClean="0"/>
-              <a:t>47</a:t>
+              <a:t>48</a:t>
             </a:fld>
             <a:endParaRPr lang="ko-KR" altLang="en-US"/>
           </a:p>
@@ -28478,7 +28808,7 @@
 </p:sld>
 </file>
 
-<file path=ppt/slides/slide48.xml><?xml version="1.0" encoding="utf-8"?>
+<file path=ppt/slides/slide49.xml><?xml version="1.0" encoding="utf-8"?>
 <p:sld xmlns:a="http://schemas.openxmlformats.org/drawingml/2006/main" xmlns:r="http://schemas.openxmlformats.org/officeDocument/2006/relationships" xmlns:p="http://schemas.openxmlformats.org/presentationml/2006/main">
   <p:cSld>
     <p:spTree>
@@ -28546,7 +28876,7 @@
           <a:p>
             <a:fld id="{1BDE3FE7-3AEA-4B05-AC5A-802D1816ACF0}" type="slidenum">
               <a:rPr lang="ko-KR" altLang="en-US" smtClean="0"/>
-              <a:t>48</a:t>
+              <a:t>49</a:t>
             </a:fld>
             <a:endParaRPr lang="ko-KR" altLang="en-US"/>
           </a:p>
@@ -28594,390 +28924,6 @@
     <p:extLst>
       <p:ext uri="{BB962C8B-B14F-4D97-AF65-F5344CB8AC3E}">
         <p14:creationId xmlns:p14="http://schemas.microsoft.com/office/powerpoint/2010/main" val="2147155626"/>
-      </p:ext>
-    </p:extLst>
-  </p:cSld>
-  <p:clrMapOvr>
-    <a:masterClrMapping/>
-  </p:clrMapOvr>
-  <p:timing>
-    <p:tnLst>
-      <p:par>
-        <p:cTn id="1" dur="indefinite" restart="never" nodeType="tmRoot"/>
-      </p:par>
-    </p:tnLst>
-  </p:timing>
-</p:sld>
-</file>
-
-<file path=ppt/slides/slide49.xml><?xml version="1.0" encoding="utf-8"?>
-<p:sld xmlns:a="http://schemas.openxmlformats.org/drawingml/2006/main" xmlns:r="http://schemas.openxmlformats.org/officeDocument/2006/relationships" xmlns:p="http://schemas.openxmlformats.org/presentationml/2006/main">
-  <p:cSld>
-    <p:spTree>
-      <p:nvGrpSpPr>
-        <p:cNvPr id="1" name=""/>
-        <p:cNvGrpSpPr/>
-        <p:nvPr/>
-      </p:nvGrpSpPr>
-      <p:grpSpPr>
-        <a:xfrm>
-          <a:off x="0" y="0"/>
-          <a:ext cx="0" cy="0"/>
-          <a:chOff x="0" y="0"/>
-          <a:chExt cx="0" cy="0"/>
-        </a:xfrm>
-      </p:grpSpPr>
-      <p:sp>
-        <p:nvSpPr>
-          <p:cNvPr id="6" name="제목 5"/>
-          <p:cNvSpPr>
-            <a:spLocks noGrp="1"/>
-          </p:cNvSpPr>
-          <p:nvPr>
-            <p:ph type="title"/>
-          </p:nvPr>
-        </p:nvSpPr>
-        <p:spPr/>
-        <p:txBody>
-          <a:bodyPr/>
-          <a:lstStyle/>
-          <a:p>
-            <a:r>
-              <a:rPr lang="en-US" altLang="ko-KR" dirty="0" smtClean="0"/>
-              <a:t> </a:t>
-            </a:r>
-            <a:r>
-              <a:rPr lang="ko-KR" altLang="en-US" dirty="0" smtClean="0"/>
-              <a:t>회원 관리 프로그램</a:t>
-            </a:r>
-            <a:endParaRPr lang="ko-KR" altLang="en-US" dirty="0"/>
-          </a:p>
-        </p:txBody>
-      </p:sp>
-      <p:sp>
-        <p:nvSpPr>
-          <p:cNvPr id="5" name="슬라이드 번호 개체 틀 4"/>
-          <p:cNvSpPr>
-            <a:spLocks noGrp="1"/>
-          </p:cNvSpPr>
-          <p:nvPr>
-            <p:ph type="sldNum" sz="quarter" idx="12"/>
-          </p:nvPr>
-        </p:nvSpPr>
-        <p:spPr>
-          <a:xfrm>
-            <a:off x="8853433" y="7312347"/>
-            <a:ext cx="557267" cy="365125"/>
-          </a:xfrm>
-        </p:spPr>
-        <p:txBody>
-          <a:bodyPr/>
-          <a:lstStyle/>
-          <a:p>
-            <a:fld id="{1BDE3FE7-3AEA-4B05-AC5A-802D1816ACF0}" type="slidenum">
-              <a:rPr lang="ko-KR" altLang="en-US" smtClean="0"/>
-              <a:t>49</a:t>
-            </a:fld>
-            <a:endParaRPr lang="ko-KR" altLang="en-US"/>
-          </a:p>
-        </p:txBody>
-      </p:sp>
-      <p:sp>
-        <p:nvSpPr>
-          <p:cNvPr id="7" name="내용 개체 틀 2">
-            <a:extLst>
-              <a:ext uri="{FF2B5EF4-FFF2-40B4-BE49-F238E27FC236}">
-                <a16:creationId xmlns:a16="http://schemas.microsoft.com/office/drawing/2014/main" id="{98AF3A4E-7D90-4241-89FE-799D6F9D5A94}"/>
-              </a:ext>
-            </a:extLst>
-          </p:cNvPr>
-          <p:cNvSpPr txBox="1">
-            <a:spLocks/>
-          </p:cNvSpPr>
-          <p:nvPr/>
-        </p:nvSpPr>
-        <p:spPr>
-          <a:xfrm>
-            <a:off x="581245" y="1052736"/>
-            <a:ext cx="5379867" cy="648072"/>
-          </a:xfrm>
-          <a:prstGeom prst="rect">
-            <a:avLst/>
-          </a:prstGeom>
-        </p:spPr>
-        <p:txBody>
-          <a:bodyPr/>
-          <a:lstStyle>
-            <a:lvl1pPr marL="228600" indent="-228600" algn="l" defTabSz="914400" rtl="0" eaLnBrk="1" latinLnBrk="1" hangingPunct="1">
-              <a:lnSpc>
-                <a:spcPct val="90000"/>
-              </a:lnSpc>
-              <a:spcBef>
-                <a:spcPts val="1000"/>
-              </a:spcBef>
-              <a:buFont typeface="Arial" panose="020B0604020202020204" pitchFamily="34" charset="0"/>
-              <a:buChar char="•"/>
-              <a:defRPr sz="2800" kern="1200">
-                <a:solidFill>
-                  <a:schemeClr val="tx1"/>
-                </a:solidFill>
-                <a:latin typeface="+mn-lt"/>
-                <a:ea typeface="+mn-ea"/>
-                <a:cs typeface="+mn-cs"/>
-              </a:defRPr>
-            </a:lvl1pPr>
-            <a:lvl2pPr marL="685800" indent="-228600" algn="l" defTabSz="914400" rtl="0" eaLnBrk="1" latinLnBrk="1" hangingPunct="1">
-              <a:lnSpc>
-                <a:spcPct val="90000"/>
-              </a:lnSpc>
-              <a:spcBef>
-                <a:spcPts val="500"/>
-              </a:spcBef>
-              <a:buFont typeface="Arial" panose="020B0604020202020204" pitchFamily="34" charset="0"/>
-              <a:buChar char="•"/>
-              <a:defRPr sz="2400" kern="1200">
-                <a:solidFill>
-                  <a:schemeClr val="tx1"/>
-                </a:solidFill>
-                <a:latin typeface="+mn-lt"/>
-                <a:ea typeface="+mn-ea"/>
-                <a:cs typeface="+mn-cs"/>
-              </a:defRPr>
-            </a:lvl2pPr>
-            <a:lvl3pPr marL="1143000" indent="-228600" algn="l" defTabSz="914400" rtl="0" eaLnBrk="1" latinLnBrk="1" hangingPunct="1">
-              <a:lnSpc>
-                <a:spcPct val="90000"/>
-              </a:lnSpc>
-              <a:spcBef>
-                <a:spcPts val="500"/>
-              </a:spcBef>
-              <a:buFont typeface="Arial" panose="020B0604020202020204" pitchFamily="34" charset="0"/>
-              <a:buChar char="•"/>
-              <a:defRPr sz="2000" kern="1200">
-                <a:solidFill>
-                  <a:schemeClr val="tx1"/>
-                </a:solidFill>
-                <a:latin typeface="+mn-lt"/>
-                <a:ea typeface="+mn-ea"/>
-                <a:cs typeface="+mn-cs"/>
-              </a:defRPr>
-            </a:lvl3pPr>
-            <a:lvl4pPr marL="1600200" indent="-228600" algn="l" defTabSz="914400" rtl="0" eaLnBrk="1" latinLnBrk="1" hangingPunct="1">
-              <a:lnSpc>
-                <a:spcPct val="90000"/>
-              </a:lnSpc>
-              <a:spcBef>
-                <a:spcPts val="500"/>
-              </a:spcBef>
-              <a:buFont typeface="Arial" panose="020B0604020202020204" pitchFamily="34" charset="0"/>
-              <a:buChar char="•"/>
-              <a:defRPr sz="1800" kern="1200">
-                <a:solidFill>
-                  <a:schemeClr val="tx1"/>
-                </a:solidFill>
-                <a:latin typeface="+mn-lt"/>
-                <a:ea typeface="+mn-ea"/>
-                <a:cs typeface="+mn-cs"/>
-              </a:defRPr>
-            </a:lvl4pPr>
-            <a:lvl5pPr marL="2057400" indent="-228600" algn="l" defTabSz="914400" rtl="0" eaLnBrk="1" latinLnBrk="1" hangingPunct="1">
-              <a:lnSpc>
-                <a:spcPct val="90000"/>
-              </a:lnSpc>
-              <a:spcBef>
-                <a:spcPts val="500"/>
-              </a:spcBef>
-              <a:buFont typeface="Arial" panose="020B0604020202020204" pitchFamily="34" charset="0"/>
-              <a:buChar char="•"/>
-              <a:defRPr sz="1800" kern="1200">
-                <a:solidFill>
-                  <a:schemeClr val="tx1"/>
-                </a:solidFill>
-                <a:latin typeface="+mn-lt"/>
-                <a:ea typeface="+mn-ea"/>
-                <a:cs typeface="+mn-cs"/>
-              </a:defRPr>
-            </a:lvl5pPr>
-            <a:lvl6pPr marL="2514600" indent="-228600" algn="l" defTabSz="914400" rtl="0" eaLnBrk="1" latinLnBrk="1" hangingPunct="1">
-              <a:lnSpc>
-                <a:spcPct val="90000"/>
-              </a:lnSpc>
-              <a:spcBef>
-                <a:spcPts val="500"/>
-              </a:spcBef>
-              <a:buFont typeface="Arial" panose="020B0604020202020204" pitchFamily="34" charset="0"/>
-              <a:buChar char="•"/>
-              <a:defRPr sz="1800" kern="1200">
-                <a:solidFill>
-                  <a:schemeClr val="tx1"/>
-                </a:solidFill>
-                <a:latin typeface="+mn-lt"/>
-                <a:ea typeface="+mn-ea"/>
-                <a:cs typeface="+mn-cs"/>
-              </a:defRPr>
-            </a:lvl6pPr>
-            <a:lvl7pPr marL="2971800" indent="-228600" algn="l" defTabSz="914400" rtl="0" eaLnBrk="1" latinLnBrk="1" hangingPunct="1">
-              <a:lnSpc>
-                <a:spcPct val="90000"/>
-              </a:lnSpc>
-              <a:spcBef>
-                <a:spcPts val="500"/>
-              </a:spcBef>
-              <a:buFont typeface="Arial" panose="020B0604020202020204" pitchFamily="34" charset="0"/>
-              <a:buChar char="•"/>
-              <a:defRPr sz="1800" kern="1200">
-                <a:solidFill>
-                  <a:schemeClr val="tx1"/>
-                </a:solidFill>
-                <a:latin typeface="+mn-lt"/>
-                <a:ea typeface="+mn-ea"/>
-                <a:cs typeface="+mn-cs"/>
-              </a:defRPr>
-            </a:lvl7pPr>
-            <a:lvl8pPr marL="3429000" indent="-228600" algn="l" defTabSz="914400" rtl="0" eaLnBrk="1" latinLnBrk="1" hangingPunct="1">
-              <a:lnSpc>
-                <a:spcPct val="90000"/>
-              </a:lnSpc>
-              <a:spcBef>
-                <a:spcPts val="500"/>
-              </a:spcBef>
-              <a:buFont typeface="Arial" panose="020B0604020202020204" pitchFamily="34" charset="0"/>
-              <a:buChar char="•"/>
-              <a:defRPr sz="1800" kern="1200">
-                <a:solidFill>
-                  <a:schemeClr val="tx1"/>
-                </a:solidFill>
-                <a:latin typeface="+mn-lt"/>
-                <a:ea typeface="+mn-ea"/>
-                <a:cs typeface="+mn-cs"/>
-              </a:defRPr>
-            </a:lvl8pPr>
-            <a:lvl9pPr marL="3886200" indent="-228600" algn="l" defTabSz="914400" rtl="0" eaLnBrk="1" latinLnBrk="1" hangingPunct="1">
-              <a:lnSpc>
-                <a:spcPct val="90000"/>
-              </a:lnSpc>
-              <a:spcBef>
-                <a:spcPts val="500"/>
-              </a:spcBef>
-              <a:buFont typeface="Arial" panose="020B0604020202020204" pitchFamily="34" charset="0"/>
-              <a:buChar char="•"/>
-              <a:defRPr sz="1800" kern="1200">
-                <a:solidFill>
-                  <a:schemeClr val="tx1"/>
-                </a:solidFill>
-                <a:latin typeface="+mn-lt"/>
-                <a:ea typeface="+mn-ea"/>
-                <a:cs typeface="+mn-cs"/>
-              </a:defRPr>
-            </a:lvl9pPr>
-          </a:lstStyle>
-          <a:p>
-            <a:pPr>
-              <a:lnSpc>
-                <a:spcPct val="150000"/>
-              </a:lnSpc>
-              <a:buFont typeface="Wingdings" panose="05000000000000000000" pitchFamily="2" charset="2"/>
-              <a:buChar char="u"/>
-            </a:pPr>
-            <a:r>
-              <a:rPr lang="en-US" altLang="ko-KR" sz="2000" b="1" dirty="0" smtClean="0">
-                <a:solidFill>
-                  <a:srgbClr val="C00000"/>
-                </a:solidFill>
-              </a:rPr>
-              <a:t> </a:t>
-            </a:r>
-            <a:r>
-              <a:rPr lang="en-US" altLang="ko-KR" sz="2000" b="1" dirty="0" err="1" smtClean="0">
-                <a:solidFill>
-                  <a:srgbClr val="C00000"/>
-                </a:solidFill>
-              </a:rPr>
-              <a:t>ArrayList</a:t>
-            </a:r>
-            <a:r>
-              <a:rPr lang="ko-KR" altLang="en-US" sz="2000" b="1" dirty="0" smtClean="0">
-                <a:solidFill>
-                  <a:srgbClr val="C00000"/>
-                </a:solidFill>
-              </a:rPr>
-              <a:t>를 활용한 회원관리 프로그램</a:t>
-            </a:r>
-            <a:endParaRPr lang="en-US" altLang="ko-KR" sz="2000" b="1" dirty="0" smtClean="0">
-              <a:solidFill>
-                <a:srgbClr val="C00000"/>
-              </a:solidFill>
-            </a:endParaRPr>
-          </a:p>
-          <a:p>
-            <a:pPr marL="457200" lvl="1" indent="0">
-              <a:lnSpc>
-                <a:spcPct val="100000"/>
-              </a:lnSpc>
-              <a:buNone/>
-            </a:pPr>
-            <a:endParaRPr lang="en-US" altLang="ko-KR" sz="1800" b="1" dirty="0" smtClean="0">
-              <a:solidFill>
-                <a:srgbClr val="C00000"/>
-              </a:solidFill>
-            </a:endParaRPr>
-          </a:p>
-          <a:p>
-            <a:pPr marL="457200" lvl="1" indent="0">
-              <a:lnSpc>
-                <a:spcPct val="150000"/>
-              </a:lnSpc>
-              <a:buNone/>
-            </a:pPr>
-            <a:endParaRPr lang="en-US" altLang="ko-KR" sz="1400" b="1" dirty="0" smtClean="0">
-              <a:solidFill>
-                <a:srgbClr val="C00000"/>
-              </a:solidFill>
-            </a:endParaRPr>
-          </a:p>
-        </p:txBody>
-      </p:sp>
-      <p:pic>
-        <p:nvPicPr>
-          <p:cNvPr id="2" name="그림 1"/>
-          <p:cNvPicPr>
-            <a:picLocks noChangeAspect="1"/>
-          </p:cNvPicPr>
-          <p:nvPr/>
-        </p:nvPicPr>
-        <p:blipFill>
-          <a:blip r:embed="rId2">
-            <a:extLst>
-              <a:ext uri="{28A0092B-C50C-407E-A947-70E740481C1C}">
-                <a14:useLocalDpi xmlns:a14="http://schemas.microsoft.com/office/drawing/2010/main" val="0"/>
-              </a:ext>
-            </a:extLst>
-          </a:blip>
-          <a:stretch>
-            <a:fillRect/>
-          </a:stretch>
-        </p:blipFill>
-        <p:spPr>
-          <a:xfrm>
-            <a:off x="1569533" y="1722347"/>
-            <a:ext cx="5768840" cy="4008468"/>
-          </a:xfrm>
-          <a:prstGeom prst="rect">
-            <a:avLst/>
-          </a:prstGeom>
-          <a:ln>
-            <a:solidFill>
-              <a:schemeClr val="bg1">
-                <a:lumMod val="85000"/>
-              </a:schemeClr>
-            </a:solidFill>
-          </a:ln>
-        </p:spPr>
-      </p:pic>
-    </p:spTree>
-    <p:extLst>
-      <p:ext uri="{BB962C8B-B14F-4D97-AF65-F5344CB8AC3E}">
-        <p14:creationId xmlns:p14="http://schemas.microsoft.com/office/powerpoint/2010/main" val="2260485205"/>
       </p:ext>
     </p:extLst>
   </p:cSld>
@@ -29489,6 +29435,390 @@
         </p:nvSpPr>
         <p:spPr>
           <a:xfrm>
+            <a:off x="581245" y="1052736"/>
+            <a:ext cx="5379867" cy="648072"/>
+          </a:xfrm>
+          <a:prstGeom prst="rect">
+            <a:avLst/>
+          </a:prstGeom>
+        </p:spPr>
+        <p:txBody>
+          <a:bodyPr/>
+          <a:lstStyle>
+            <a:lvl1pPr marL="228600" indent="-228600" algn="l" defTabSz="914400" rtl="0" eaLnBrk="1" latinLnBrk="1" hangingPunct="1">
+              <a:lnSpc>
+                <a:spcPct val="90000"/>
+              </a:lnSpc>
+              <a:spcBef>
+                <a:spcPts val="1000"/>
+              </a:spcBef>
+              <a:buFont typeface="Arial" panose="020B0604020202020204" pitchFamily="34" charset="0"/>
+              <a:buChar char="•"/>
+              <a:defRPr sz="2800" kern="1200">
+                <a:solidFill>
+                  <a:schemeClr val="tx1"/>
+                </a:solidFill>
+                <a:latin typeface="+mn-lt"/>
+                <a:ea typeface="+mn-ea"/>
+                <a:cs typeface="+mn-cs"/>
+              </a:defRPr>
+            </a:lvl1pPr>
+            <a:lvl2pPr marL="685800" indent="-228600" algn="l" defTabSz="914400" rtl="0" eaLnBrk="1" latinLnBrk="1" hangingPunct="1">
+              <a:lnSpc>
+                <a:spcPct val="90000"/>
+              </a:lnSpc>
+              <a:spcBef>
+                <a:spcPts val="500"/>
+              </a:spcBef>
+              <a:buFont typeface="Arial" panose="020B0604020202020204" pitchFamily="34" charset="0"/>
+              <a:buChar char="•"/>
+              <a:defRPr sz="2400" kern="1200">
+                <a:solidFill>
+                  <a:schemeClr val="tx1"/>
+                </a:solidFill>
+                <a:latin typeface="+mn-lt"/>
+                <a:ea typeface="+mn-ea"/>
+                <a:cs typeface="+mn-cs"/>
+              </a:defRPr>
+            </a:lvl2pPr>
+            <a:lvl3pPr marL="1143000" indent="-228600" algn="l" defTabSz="914400" rtl="0" eaLnBrk="1" latinLnBrk="1" hangingPunct="1">
+              <a:lnSpc>
+                <a:spcPct val="90000"/>
+              </a:lnSpc>
+              <a:spcBef>
+                <a:spcPts val="500"/>
+              </a:spcBef>
+              <a:buFont typeface="Arial" panose="020B0604020202020204" pitchFamily="34" charset="0"/>
+              <a:buChar char="•"/>
+              <a:defRPr sz="2000" kern="1200">
+                <a:solidFill>
+                  <a:schemeClr val="tx1"/>
+                </a:solidFill>
+                <a:latin typeface="+mn-lt"/>
+                <a:ea typeface="+mn-ea"/>
+                <a:cs typeface="+mn-cs"/>
+              </a:defRPr>
+            </a:lvl3pPr>
+            <a:lvl4pPr marL="1600200" indent="-228600" algn="l" defTabSz="914400" rtl="0" eaLnBrk="1" latinLnBrk="1" hangingPunct="1">
+              <a:lnSpc>
+                <a:spcPct val="90000"/>
+              </a:lnSpc>
+              <a:spcBef>
+                <a:spcPts val="500"/>
+              </a:spcBef>
+              <a:buFont typeface="Arial" panose="020B0604020202020204" pitchFamily="34" charset="0"/>
+              <a:buChar char="•"/>
+              <a:defRPr sz="1800" kern="1200">
+                <a:solidFill>
+                  <a:schemeClr val="tx1"/>
+                </a:solidFill>
+                <a:latin typeface="+mn-lt"/>
+                <a:ea typeface="+mn-ea"/>
+                <a:cs typeface="+mn-cs"/>
+              </a:defRPr>
+            </a:lvl4pPr>
+            <a:lvl5pPr marL="2057400" indent="-228600" algn="l" defTabSz="914400" rtl="0" eaLnBrk="1" latinLnBrk="1" hangingPunct="1">
+              <a:lnSpc>
+                <a:spcPct val="90000"/>
+              </a:lnSpc>
+              <a:spcBef>
+                <a:spcPts val="500"/>
+              </a:spcBef>
+              <a:buFont typeface="Arial" panose="020B0604020202020204" pitchFamily="34" charset="0"/>
+              <a:buChar char="•"/>
+              <a:defRPr sz="1800" kern="1200">
+                <a:solidFill>
+                  <a:schemeClr val="tx1"/>
+                </a:solidFill>
+                <a:latin typeface="+mn-lt"/>
+                <a:ea typeface="+mn-ea"/>
+                <a:cs typeface="+mn-cs"/>
+              </a:defRPr>
+            </a:lvl5pPr>
+            <a:lvl6pPr marL="2514600" indent="-228600" algn="l" defTabSz="914400" rtl="0" eaLnBrk="1" latinLnBrk="1" hangingPunct="1">
+              <a:lnSpc>
+                <a:spcPct val="90000"/>
+              </a:lnSpc>
+              <a:spcBef>
+                <a:spcPts val="500"/>
+              </a:spcBef>
+              <a:buFont typeface="Arial" panose="020B0604020202020204" pitchFamily="34" charset="0"/>
+              <a:buChar char="•"/>
+              <a:defRPr sz="1800" kern="1200">
+                <a:solidFill>
+                  <a:schemeClr val="tx1"/>
+                </a:solidFill>
+                <a:latin typeface="+mn-lt"/>
+                <a:ea typeface="+mn-ea"/>
+                <a:cs typeface="+mn-cs"/>
+              </a:defRPr>
+            </a:lvl6pPr>
+            <a:lvl7pPr marL="2971800" indent="-228600" algn="l" defTabSz="914400" rtl="0" eaLnBrk="1" latinLnBrk="1" hangingPunct="1">
+              <a:lnSpc>
+                <a:spcPct val="90000"/>
+              </a:lnSpc>
+              <a:spcBef>
+                <a:spcPts val="500"/>
+              </a:spcBef>
+              <a:buFont typeface="Arial" panose="020B0604020202020204" pitchFamily="34" charset="0"/>
+              <a:buChar char="•"/>
+              <a:defRPr sz="1800" kern="1200">
+                <a:solidFill>
+                  <a:schemeClr val="tx1"/>
+                </a:solidFill>
+                <a:latin typeface="+mn-lt"/>
+                <a:ea typeface="+mn-ea"/>
+                <a:cs typeface="+mn-cs"/>
+              </a:defRPr>
+            </a:lvl7pPr>
+            <a:lvl8pPr marL="3429000" indent="-228600" algn="l" defTabSz="914400" rtl="0" eaLnBrk="1" latinLnBrk="1" hangingPunct="1">
+              <a:lnSpc>
+                <a:spcPct val="90000"/>
+              </a:lnSpc>
+              <a:spcBef>
+                <a:spcPts val="500"/>
+              </a:spcBef>
+              <a:buFont typeface="Arial" panose="020B0604020202020204" pitchFamily="34" charset="0"/>
+              <a:buChar char="•"/>
+              <a:defRPr sz="1800" kern="1200">
+                <a:solidFill>
+                  <a:schemeClr val="tx1"/>
+                </a:solidFill>
+                <a:latin typeface="+mn-lt"/>
+                <a:ea typeface="+mn-ea"/>
+                <a:cs typeface="+mn-cs"/>
+              </a:defRPr>
+            </a:lvl8pPr>
+            <a:lvl9pPr marL="3886200" indent="-228600" algn="l" defTabSz="914400" rtl="0" eaLnBrk="1" latinLnBrk="1" hangingPunct="1">
+              <a:lnSpc>
+                <a:spcPct val="90000"/>
+              </a:lnSpc>
+              <a:spcBef>
+                <a:spcPts val="500"/>
+              </a:spcBef>
+              <a:buFont typeface="Arial" panose="020B0604020202020204" pitchFamily="34" charset="0"/>
+              <a:buChar char="•"/>
+              <a:defRPr sz="1800" kern="1200">
+                <a:solidFill>
+                  <a:schemeClr val="tx1"/>
+                </a:solidFill>
+                <a:latin typeface="+mn-lt"/>
+                <a:ea typeface="+mn-ea"/>
+                <a:cs typeface="+mn-cs"/>
+              </a:defRPr>
+            </a:lvl9pPr>
+          </a:lstStyle>
+          <a:p>
+            <a:pPr>
+              <a:lnSpc>
+                <a:spcPct val="150000"/>
+              </a:lnSpc>
+              <a:buFont typeface="Wingdings" panose="05000000000000000000" pitchFamily="2" charset="2"/>
+              <a:buChar char="u"/>
+            </a:pPr>
+            <a:r>
+              <a:rPr lang="en-US" altLang="ko-KR" sz="2000" b="1" dirty="0" smtClean="0">
+                <a:solidFill>
+                  <a:srgbClr val="C00000"/>
+                </a:solidFill>
+              </a:rPr>
+              <a:t> </a:t>
+            </a:r>
+            <a:r>
+              <a:rPr lang="en-US" altLang="ko-KR" sz="2000" b="1" dirty="0" err="1" smtClean="0">
+                <a:solidFill>
+                  <a:srgbClr val="C00000"/>
+                </a:solidFill>
+              </a:rPr>
+              <a:t>ArrayList</a:t>
+            </a:r>
+            <a:r>
+              <a:rPr lang="ko-KR" altLang="en-US" sz="2000" b="1" dirty="0" smtClean="0">
+                <a:solidFill>
+                  <a:srgbClr val="C00000"/>
+                </a:solidFill>
+              </a:rPr>
+              <a:t>를 활용한 회원관리 프로그램</a:t>
+            </a:r>
+            <a:endParaRPr lang="en-US" altLang="ko-KR" sz="2000" b="1" dirty="0" smtClean="0">
+              <a:solidFill>
+                <a:srgbClr val="C00000"/>
+              </a:solidFill>
+            </a:endParaRPr>
+          </a:p>
+          <a:p>
+            <a:pPr marL="457200" lvl="1" indent="0">
+              <a:lnSpc>
+                <a:spcPct val="100000"/>
+              </a:lnSpc>
+              <a:buNone/>
+            </a:pPr>
+            <a:endParaRPr lang="en-US" altLang="ko-KR" sz="1800" b="1" dirty="0" smtClean="0">
+              <a:solidFill>
+                <a:srgbClr val="C00000"/>
+              </a:solidFill>
+            </a:endParaRPr>
+          </a:p>
+          <a:p>
+            <a:pPr marL="457200" lvl="1" indent="0">
+              <a:lnSpc>
+                <a:spcPct val="150000"/>
+              </a:lnSpc>
+              <a:buNone/>
+            </a:pPr>
+            <a:endParaRPr lang="en-US" altLang="ko-KR" sz="1400" b="1" dirty="0" smtClean="0">
+              <a:solidFill>
+                <a:srgbClr val="C00000"/>
+              </a:solidFill>
+            </a:endParaRPr>
+          </a:p>
+        </p:txBody>
+      </p:sp>
+      <p:pic>
+        <p:nvPicPr>
+          <p:cNvPr id="2" name="그림 1"/>
+          <p:cNvPicPr>
+            <a:picLocks noChangeAspect="1"/>
+          </p:cNvPicPr>
+          <p:nvPr/>
+        </p:nvPicPr>
+        <p:blipFill>
+          <a:blip r:embed="rId2">
+            <a:extLst>
+              <a:ext uri="{28A0092B-C50C-407E-A947-70E740481C1C}">
+                <a14:useLocalDpi xmlns:a14="http://schemas.microsoft.com/office/drawing/2010/main" val="0"/>
+              </a:ext>
+            </a:extLst>
+          </a:blip>
+          <a:stretch>
+            <a:fillRect/>
+          </a:stretch>
+        </p:blipFill>
+        <p:spPr>
+          <a:xfrm>
+            <a:off x="1569533" y="1722347"/>
+            <a:ext cx="5768840" cy="4008468"/>
+          </a:xfrm>
+          <a:prstGeom prst="rect">
+            <a:avLst/>
+          </a:prstGeom>
+          <a:ln>
+            <a:solidFill>
+              <a:schemeClr val="bg1">
+                <a:lumMod val="85000"/>
+              </a:schemeClr>
+            </a:solidFill>
+          </a:ln>
+        </p:spPr>
+      </p:pic>
+    </p:spTree>
+    <p:extLst>
+      <p:ext uri="{BB962C8B-B14F-4D97-AF65-F5344CB8AC3E}">
+        <p14:creationId xmlns:p14="http://schemas.microsoft.com/office/powerpoint/2010/main" val="2260485205"/>
+      </p:ext>
+    </p:extLst>
+  </p:cSld>
+  <p:clrMapOvr>
+    <a:masterClrMapping/>
+  </p:clrMapOvr>
+  <p:timing>
+    <p:tnLst>
+      <p:par>
+        <p:cTn id="1" dur="indefinite" restart="never" nodeType="tmRoot"/>
+      </p:par>
+    </p:tnLst>
+  </p:timing>
+</p:sld>
+</file>
+
+<file path=ppt/slides/slide51.xml><?xml version="1.0" encoding="utf-8"?>
+<p:sld xmlns:a="http://schemas.openxmlformats.org/drawingml/2006/main" xmlns:r="http://schemas.openxmlformats.org/officeDocument/2006/relationships" xmlns:p="http://schemas.openxmlformats.org/presentationml/2006/main">
+  <p:cSld>
+    <p:spTree>
+      <p:nvGrpSpPr>
+        <p:cNvPr id="1" name=""/>
+        <p:cNvGrpSpPr/>
+        <p:nvPr/>
+      </p:nvGrpSpPr>
+      <p:grpSpPr>
+        <a:xfrm>
+          <a:off x="0" y="0"/>
+          <a:ext cx="0" cy="0"/>
+          <a:chOff x="0" y="0"/>
+          <a:chExt cx="0" cy="0"/>
+        </a:xfrm>
+      </p:grpSpPr>
+      <p:sp>
+        <p:nvSpPr>
+          <p:cNvPr id="6" name="제목 5"/>
+          <p:cNvSpPr>
+            <a:spLocks noGrp="1"/>
+          </p:cNvSpPr>
+          <p:nvPr>
+            <p:ph type="title"/>
+          </p:nvPr>
+        </p:nvSpPr>
+        <p:spPr/>
+        <p:txBody>
+          <a:bodyPr/>
+          <a:lstStyle/>
+          <a:p>
+            <a:r>
+              <a:rPr lang="en-US" altLang="ko-KR" dirty="0" smtClean="0"/>
+              <a:t> </a:t>
+            </a:r>
+            <a:r>
+              <a:rPr lang="ko-KR" altLang="en-US" dirty="0" smtClean="0"/>
+              <a:t>회원 관리 프로그램</a:t>
+            </a:r>
+            <a:endParaRPr lang="ko-KR" altLang="en-US" dirty="0"/>
+          </a:p>
+        </p:txBody>
+      </p:sp>
+      <p:sp>
+        <p:nvSpPr>
+          <p:cNvPr id="5" name="슬라이드 번호 개체 틀 4"/>
+          <p:cNvSpPr>
+            <a:spLocks noGrp="1"/>
+          </p:cNvSpPr>
+          <p:nvPr>
+            <p:ph type="sldNum" sz="quarter" idx="12"/>
+          </p:nvPr>
+        </p:nvSpPr>
+        <p:spPr>
+          <a:xfrm>
+            <a:off x="8853433" y="7312347"/>
+            <a:ext cx="557267" cy="365125"/>
+          </a:xfrm>
+        </p:spPr>
+        <p:txBody>
+          <a:bodyPr/>
+          <a:lstStyle/>
+          <a:p>
+            <a:fld id="{1BDE3FE7-3AEA-4B05-AC5A-802D1816ACF0}" type="slidenum">
+              <a:rPr lang="ko-KR" altLang="en-US" smtClean="0"/>
+              <a:t>51</a:t>
+            </a:fld>
+            <a:endParaRPr lang="ko-KR" altLang="en-US"/>
+          </a:p>
+        </p:txBody>
+      </p:sp>
+      <p:sp>
+        <p:nvSpPr>
+          <p:cNvPr id="7" name="내용 개체 틀 2">
+            <a:extLst>
+              <a:ext uri="{FF2B5EF4-FFF2-40B4-BE49-F238E27FC236}">
+                <a16:creationId xmlns:a16="http://schemas.microsoft.com/office/drawing/2014/main" id="{98AF3A4E-7D90-4241-89FE-799D6F9D5A94}"/>
+              </a:ext>
+            </a:extLst>
+          </p:cNvPr>
+          <p:cNvSpPr txBox="1">
+            <a:spLocks/>
+          </p:cNvSpPr>
+          <p:nvPr/>
+        </p:nvSpPr>
+        <p:spPr>
+          <a:xfrm>
             <a:off x="590576" y="1023723"/>
             <a:ext cx="5379867" cy="648072"/>
           </a:xfrm>
@@ -29785,7 +30115,7 @@
 </p:sld>
 </file>
 
-<file path=ppt/slides/slide51.xml><?xml version="1.0" encoding="utf-8"?>
+<file path=ppt/slides/slide52.xml><?xml version="1.0" encoding="utf-8"?>
 <p:sld xmlns:a="http://schemas.openxmlformats.org/drawingml/2006/main" xmlns:r="http://schemas.openxmlformats.org/officeDocument/2006/relationships" xmlns:p="http://schemas.openxmlformats.org/presentationml/2006/main">
   <p:cSld>
     <p:spTree>
@@ -29851,7 +30181,7 @@
           <a:p>
             <a:fld id="{1BDE3FE7-3AEA-4B05-AC5A-802D1816ACF0}" type="slidenum">
               <a:rPr lang="ko-KR" altLang="en-US" smtClean="0"/>
-              <a:t>51</a:t>
+              <a:t>52</a:t>
             </a:fld>
             <a:endParaRPr lang="ko-KR" altLang="en-US"/>
           </a:p>
@@ -30170,7 +30500,7 @@
 </p:sld>
 </file>
 
-<file path=ppt/slides/slide52.xml><?xml version="1.0" encoding="utf-8"?>
+<file path=ppt/slides/slide53.xml><?xml version="1.0" encoding="utf-8"?>
 <p:sld xmlns:a="http://schemas.openxmlformats.org/drawingml/2006/main" xmlns:r="http://schemas.openxmlformats.org/officeDocument/2006/relationships" xmlns:p="http://schemas.openxmlformats.org/presentationml/2006/main">
   <p:cSld>
     <p:spTree>
@@ -30236,7 +30566,7 @@
           <a:p>
             <a:fld id="{1BDE3FE7-3AEA-4B05-AC5A-802D1816ACF0}" type="slidenum">
               <a:rPr lang="ko-KR" altLang="en-US" smtClean="0"/>
-              <a:t>52</a:t>
+              <a:t>53</a:t>
             </a:fld>
             <a:endParaRPr lang="ko-KR" altLang="en-US"/>
           </a:p>
@@ -30554,7 +30884,7 @@
 </p:sld>
 </file>
 
-<file path=ppt/slides/slide53.xml><?xml version="1.0" encoding="utf-8"?>
+<file path=ppt/slides/slide54.xml><?xml version="1.0" encoding="utf-8"?>
 <p:sld xmlns:a="http://schemas.openxmlformats.org/drawingml/2006/main" xmlns:r="http://schemas.openxmlformats.org/officeDocument/2006/relationships" xmlns:p="http://schemas.openxmlformats.org/presentationml/2006/main">
   <p:cSld>
     <p:spTree>
@@ -30620,7 +30950,7 @@
           <a:p>
             <a:fld id="{1BDE3FE7-3AEA-4B05-AC5A-802D1816ACF0}" type="slidenum">
               <a:rPr lang="ko-KR" altLang="en-US" smtClean="0"/>
-              <a:t>53</a:t>
+              <a:t>54</a:t>
             </a:fld>
             <a:endParaRPr lang="ko-KR" altLang="en-US"/>
           </a:p>
@@ -30750,7 +31080,7 @@
 </p:sld>
 </file>
 
-<file path=ppt/slides/slide54.xml><?xml version="1.0" encoding="utf-8"?>
+<file path=ppt/slides/slide55.xml><?xml version="1.0" encoding="utf-8"?>
 <p:sld xmlns:a="http://schemas.openxmlformats.org/drawingml/2006/main" xmlns:r="http://schemas.openxmlformats.org/officeDocument/2006/relationships" xmlns:p="http://schemas.openxmlformats.org/presentationml/2006/main">
   <p:cSld>
     <p:spTree>
@@ -30815,7 +31145,7 @@
           <a:p>
             <a:fld id="{1BDE3FE7-3AEA-4B05-AC5A-802D1816ACF0}" type="slidenum">
               <a:rPr lang="ko-KR" altLang="en-US" smtClean="0"/>
-              <a:t>54</a:t>
+              <a:t>55</a:t>
             </a:fld>
             <a:endParaRPr lang="ko-KR" altLang="en-US"/>
           </a:p>
@@ -31129,7 +31459,7 @@
 </p:sld>
 </file>
 
-<file path=ppt/slides/slide55.xml><?xml version="1.0" encoding="utf-8"?>
+<file path=ppt/slides/slide56.xml><?xml version="1.0" encoding="utf-8"?>
 <p:sld xmlns:a="http://schemas.openxmlformats.org/drawingml/2006/main" xmlns:r="http://schemas.openxmlformats.org/officeDocument/2006/relationships" xmlns:p="http://schemas.openxmlformats.org/presentationml/2006/main">
   <p:cSld>
     <p:spTree>
@@ -31194,7 +31524,7 @@
           <a:p>
             <a:fld id="{1BDE3FE7-3AEA-4B05-AC5A-802D1816ACF0}" type="slidenum">
               <a:rPr lang="ko-KR" altLang="en-US" smtClean="0"/>
-              <a:t>55</a:t>
+              <a:t>56</a:t>
             </a:fld>
             <a:endParaRPr lang="ko-KR" altLang="en-US"/>
           </a:p>
@@ -31487,7 +31817,7 @@
 </p:sld>
 </file>
 
-<file path=ppt/slides/slide56.xml><?xml version="1.0" encoding="utf-8"?>
+<file path=ppt/slides/slide57.xml><?xml version="1.0" encoding="utf-8"?>
 <p:sld xmlns:a="http://schemas.openxmlformats.org/drawingml/2006/main" xmlns:r="http://schemas.openxmlformats.org/officeDocument/2006/relationships" xmlns:p="http://schemas.openxmlformats.org/presentationml/2006/main">
   <p:cSld>
     <p:spTree>
@@ -31552,7 +31882,7 @@
           <a:p>
             <a:fld id="{1BDE3FE7-3AEA-4B05-AC5A-802D1816ACF0}" type="slidenum">
               <a:rPr lang="ko-KR" altLang="en-US" smtClean="0"/>
-              <a:t>56</a:t>
+              <a:t>57</a:t>
             </a:fld>
             <a:endParaRPr lang="ko-KR" altLang="en-US"/>
           </a:p>
@@ -31615,7 +31945,7 @@
 </p:sld>
 </file>
 
-<file path=ppt/slides/slide57.xml><?xml version="1.0" encoding="utf-8"?>
+<file path=ppt/slides/slide58.xml><?xml version="1.0" encoding="utf-8"?>
 <p:sld xmlns:a="http://schemas.openxmlformats.org/drawingml/2006/main" xmlns:r="http://schemas.openxmlformats.org/officeDocument/2006/relationships" xmlns:p="http://schemas.openxmlformats.org/presentationml/2006/main">
   <p:cSld>
     <p:spTree>
@@ -31680,7 +32010,7 @@
           <a:p>
             <a:fld id="{1BDE3FE7-3AEA-4B05-AC5A-802D1816ACF0}" type="slidenum">
               <a:rPr lang="ko-KR" altLang="en-US" smtClean="0"/>
-              <a:t>57</a:t>
+              <a:t>58</a:t>
             </a:fld>
             <a:endParaRPr lang="ko-KR" altLang="en-US"/>
           </a:p>
@@ -32002,7 +32332,7 @@
 </p:sld>
 </file>
 
-<file path=ppt/slides/slide58.xml><?xml version="1.0" encoding="utf-8"?>
+<file path=ppt/slides/slide59.xml><?xml version="1.0" encoding="utf-8"?>
 <p:sld xmlns:a="http://schemas.openxmlformats.org/drawingml/2006/main" xmlns:r="http://schemas.openxmlformats.org/officeDocument/2006/relationships" xmlns:p="http://schemas.openxmlformats.org/presentationml/2006/main">
   <p:cSld>
     <p:spTree>
@@ -32067,7 +32397,7 @@
           <a:p>
             <a:fld id="{1BDE3FE7-3AEA-4B05-AC5A-802D1816ACF0}" type="slidenum">
               <a:rPr lang="ko-KR" altLang="en-US" smtClean="0"/>
-              <a:t>58</a:t>
+              <a:t>59</a:t>
             </a:fld>
             <a:endParaRPr lang="ko-KR" altLang="en-US"/>
           </a:p>
@@ -32151,385 +32481,6 @@
     <p:extLst>
       <p:ext uri="{BB962C8B-B14F-4D97-AF65-F5344CB8AC3E}">
         <p14:creationId xmlns:p14="http://schemas.microsoft.com/office/powerpoint/2010/main" val="2977783152"/>
-      </p:ext>
-    </p:extLst>
-  </p:cSld>
-  <p:clrMapOvr>
-    <a:masterClrMapping/>
-  </p:clrMapOvr>
-  <p:timing>
-    <p:tnLst>
-      <p:par>
-        <p:cTn id="1" dur="indefinite" restart="never" nodeType="tmRoot"/>
-      </p:par>
-    </p:tnLst>
-  </p:timing>
-</p:sld>
-</file>
-
-<file path=ppt/slides/slide59.xml><?xml version="1.0" encoding="utf-8"?>
-<p:sld xmlns:a="http://schemas.openxmlformats.org/drawingml/2006/main" xmlns:r="http://schemas.openxmlformats.org/officeDocument/2006/relationships" xmlns:p="http://schemas.openxmlformats.org/presentationml/2006/main">
-  <p:cSld>
-    <p:spTree>
-      <p:nvGrpSpPr>
-        <p:cNvPr id="1" name=""/>
-        <p:cNvGrpSpPr/>
-        <p:nvPr/>
-      </p:nvGrpSpPr>
-      <p:grpSpPr>
-        <a:xfrm>
-          <a:off x="0" y="0"/>
-          <a:ext cx="0" cy="0"/>
-          <a:chOff x="0" y="0"/>
-          <a:chExt cx="0" cy="0"/>
-        </a:xfrm>
-      </p:grpSpPr>
-      <p:sp>
-        <p:nvSpPr>
-          <p:cNvPr id="6" name="제목 5"/>
-          <p:cNvSpPr>
-            <a:spLocks noGrp="1"/>
-          </p:cNvSpPr>
-          <p:nvPr>
-            <p:ph type="title"/>
-          </p:nvPr>
-        </p:nvSpPr>
-        <p:spPr/>
-        <p:txBody>
-          <a:bodyPr/>
-          <a:lstStyle/>
-          <a:p>
-            <a:r>
-              <a:rPr lang="en-US" altLang="ko-KR" dirty="0" smtClean="0"/>
-              <a:t> Map </a:t>
-            </a:r>
-            <a:r>
-              <a:rPr lang="ko-KR" altLang="en-US" dirty="0"/>
-              <a:t>인터페이스</a:t>
-            </a:r>
-          </a:p>
-        </p:txBody>
-      </p:sp>
-      <p:sp>
-        <p:nvSpPr>
-          <p:cNvPr id="5" name="슬라이드 번호 개체 틀 4"/>
-          <p:cNvSpPr>
-            <a:spLocks noGrp="1"/>
-          </p:cNvSpPr>
-          <p:nvPr>
-            <p:ph type="sldNum" sz="quarter" idx="12"/>
-          </p:nvPr>
-        </p:nvSpPr>
-        <p:spPr>
-          <a:xfrm>
-            <a:off x="8853433" y="7312347"/>
-            <a:ext cx="557267" cy="365125"/>
-          </a:xfrm>
-        </p:spPr>
-        <p:txBody>
-          <a:bodyPr/>
-          <a:lstStyle/>
-          <a:p>
-            <a:fld id="{1BDE3FE7-3AEA-4B05-AC5A-802D1816ACF0}" type="slidenum">
-              <a:rPr lang="ko-KR" altLang="en-US" smtClean="0"/>
-              <a:t>59</a:t>
-            </a:fld>
-            <a:endParaRPr lang="ko-KR" altLang="en-US"/>
-          </a:p>
-        </p:txBody>
-      </p:sp>
-      <p:sp>
-        <p:nvSpPr>
-          <p:cNvPr id="7" name="내용 개체 틀 2">
-            <a:extLst>
-              <a:ext uri="{FF2B5EF4-FFF2-40B4-BE49-F238E27FC236}">
-                <a16:creationId xmlns:a16="http://schemas.microsoft.com/office/drawing/2014/main" id="{98AF3A4E-7D90-4241-89FE-799D6F9D5A94}"/>
-              </a:ext>
-            </a:extLst>
-          </p:cNvPr>
-          <p:cNvSpPr txBox="1">
-            <a:spLocks/>
-          </p:cNvSpPr>
-          <p:nvPr/>
-        </p:nvSpPr>
-        <p:spPr>
-          <a:xfrm>
-            <a:off x="588041" y="1052736"/>
-            <a:ext cx="9045479" cy="648072"/>
-          </a:xfrm>
-          <a:prstGeom prst="rect">
-            <a:avLst/>
-          </a:prstGeom>
-        </p:spPr>
-        <p:txBody>
-          <a:bodyPr/>
-          <a:lstStyle>
-            <a:lvl1pPr marL="228600" indent="-228600" algn="l" defTabSz="914400" rtl="0" eaLnBrk="1" latinLnBrk="1" hangingPunct="1">
-              <a:lnSpc>
-                <a:spcPct val="90000"/>
-              </a:lnSpc>
-              <a:spcBef>
-                <a:spcPts val="1000"/>
-              </a:spcBef>
-              <a:buFont typeface="Arial" panose="020B0604020202020204" pitchFamily="34" charset="0"/>
-              <a:buChar char="•"/>
-              <a:defRPr sz="2800" kern="1200">
-                <a:solidFill>
-                  <a:schemeClr val="tx1"/>
-                </a:solidFill>
-                <a:latin typeface="+mn-lt"/>
-                <a:ea typeface="+mn-ea"/>
-                <a:cs typeface="+mn-cs"/>
-              </a:defRPr>
-            </a:lvl1pPr>
-            <a:lvl2pPr marL="685800" indent="-228600" algn="l" defTabSz="914400" rtl="0" eaLnBrk="1" latinLnBrk="1" hangingPunct="1">
-              <a:lnSpc>
-                <a:spcPct val="90000"/>
-              </a:lnSpc>
-              <a:spcBef>
-                <a:spcPts val="500"/>
-              </a:spcBef>
-              <a:buFont typeface="Arial" panose="020B0604020202020204" pitchFamily="34" charset="0"/>
-              <a:buChar char="•"/>
-              <a:defRPr sz="2400" kern="1200">
-                <a:solidFill>
-                  <a:schemeClr val="tx1"/>
-                </a:solidFill>
-                <a:latin typeface="+mn-lt"/>
-                <a:ea typeface="+mn-ea"/>
-                <a:cs typeface="+mn-cs"/>
-              </a:defRPr>
-            </a:lvl2pPr>
-            <a:lvl3pPr marL="1143000" indent="-228600" algn="l" defTabSz="914400" rtl="0" eaLnBrk="1" latinLnBrk="1" hangingPunct="1">
-              <a:lnSpc>
-                <a:spcPct val="90000"/>
-              </a:lnSpc>
-              <a:spcBef>
-                <a:spcPts val="500"/>
-              </a:spcBef>
-              <a:buFont typeface="Arial" panose="020B0604020202020204" pitchFamily="34" charset="0"/>
-              <a:buChar char="•"/>
-              <a:defRPr sz="2000" kern="1200">
-                <a:solidFill>
-                  <a:schemeClr val="tx1"/>
-                </a:solidFill>
-                <a:latin typeface="+mn-lt"/>
-                <a:ea typeface="+mn-ea"/>
-                <a:cs typeface="+mn-cs"/>
-              </a:defRPr>
-            </a:lvl3pPr>
-            <a:lvl4pPr marL="1600200" indent="-228600" algn="l" defTabSz="914400" rtl="0" eaLnBrk="1" latinLnBrk="1" hangingPunct="1">
-              <a:lnSpc>
-                <a:spcPct val="90000"/>
-              </a:lnSpc>
-              <a:spcBef>
-                <a:spcPts val="500"/>
-              </a:spcBef>
-              <a:buFont typeface="Arial" panose="020B0604020202020204" pitchFamily="34" charset="0"/>
-              <a:buChar char="•"/>
-              <a:defRPr sz="1800" kern="1200">
-                <a:solidFill>
-                  <a:schemeClr val="tx1"/>
-                </a:solidFill>
-                <a:latin typeface="+mn-lt"/>
-                <a:ea typeface="+mn-ea"/>
-                <a:cs typeface="+mn-cs"/>
-              </a:defRPr>
-            </a:lvl4pPr>
-            <a:lvl5pPr marL="2057400" indent="-228600" algn="l" defTabSz="914400" rtl="0" eaLnBrk="1" latinLnBrk="1" hangingPunct="1">
-              <a:lnSpc>
-                <a:spcPct val="90000"/>
-              </a:lnSpc>
-              <a:spcBef>
-                <a:spcPts val="500"/>
-              </a:spcBef>
-              <a:buFont typeface="Arial" panose="020B0604020202020204" pitchFamily="34" charset="0"/>
-              <a:buChar char="•"/>
-              <a:defRPr sz="1800" kern="1200">
-                <a:solidFill>
-                  <a:schemeClr val="tx1"/>
-                </a:solidFill>
-                <a:latin typeface="+mn-lt"/>
-                <a:ea typeface="+mn-ea"/>
-                <a:cs typeface="+mn-cs"/>
-              </a:defRPr>
-            </a:lvl5pPr>
-            <a:lvl6pPr marL="2514600" indent="-228600" algn="l" defTabSz="914400" rtl="0" eaLnBrk="1" latinLnBrk="1" hangingPunct="1">
-              <a:lnSpc>
-                <a:spcPct val="90000"/>
-              </a:lnSpc>
-              <a:spcBef>
-                <a:spcPts val="500"/>
-              </a:spcBef>
-              <a:buFont typeface="Arial" panose="020B0604020202020204" pitchFamily="34" charset="0"/>
-              <a:buChar char="•"/>
-              <a:defRPr sz="1800" kern="1200">
-                <a:solidFill>
-                  <a:schemeClr val="tx1"/>
-                </a:solidFill>
-                <a:latin typeface="+mn-lt"/>
-                <a:ea typeface="+mn-ea"/>
-                <a:cs typeface="+mn-cs"/>
-              </a:defRPr>
-            </a:lvl6pPr>
-            <a:lvl7pPr marL="2971800" indent="-228600" algn="l" defTabSz="914400" rtl="0" eaLnBrk="1" latinLnBrk="1" hangingPunct="1">
-              <a:lnSpc>
-                <a:spcPct val="90000"/>
-              </a:lnSpc>
-              <a:spcBef>
-                <a:spcPts val="500"/>
-              </a:spcBef>
-              <a:buFont typeface="Arial" panose="020B0604020202020204" pitchFamily="34" charset="0"/>
-              <a:buChar char="•"/>
-              <a:defRPr sz="1800" kern="1200">
-                <a:solidFill>
-                  <a:schemeClr val="tx1"/>
-                </a:solidFill>
-                <a:latin typeface="+mn-lt"/>
-                <a:ea typeface="+mn-ea"/>
-                <a:cs typeface="+mn-cs"/>
-              </a:defRPr>
-            </a:lvl7pPr>
-            <a:lvl8pPr marL="3429000" indent="-228600" algn="l" defTabSz="914400" rtl="0" eaLnBrk="1" latinLnBrk="1" hangingPunct="1">
-              <a:lnSpc>
-                <a:spcPct val="90000"/>
-              </a:lnSpc>
-              <a:spcBef>
-                <a:spcPts val="500"/>
-              </a:spcBef>
-              <a:buFont typeface="Arial" panose="020B0604020202020204" pitchFamily="34" charset="0"/>
-              <a:buChar char="•"/>
-              <a:defRPr sz="1800" kern="1200">
-                <a:solidFill>
-                  <a:schemeClr val="tx1"/>
-                </a:solidFill>
-                <a:latin typeface="+mn-lt"/>
-                <a:ea typeface="+mn-ea"/>
-                <a:cs typeface="+mn-cs"/>
-              </a:defRPr>
-            </a:lvl8pPr>
-            <a:lvl9pPr marL="3886200" indent="-228600" algn="l" defTabSz="914400" rtl="0" eaLnBrk="1" latinLnBrk="1" hangingPunct="1">
-              <a:lnSpc>
-                <a:spcPct val="90000"/>
-              </a:lnSpc>
-              <a:spcBef>
-                <a:spcPts val="500"/>
-              </a:spcBef>
-              <a:buFont typeface="Arial" panose="020B0604020202020204" pitchFamily="34" charset="0"/>
-              <a:buChar char="•"/>
-              <a:defRPr sz="1800" kern="1200">
-                <a:solidFill>
-                  <a:schemeClr val="tx1"/>
-                </a:solidFill>
-                <a:latin typeface="+mn-lt"/>
-                <a:ea typeface="+mn-ea"/>
-                <a:cs typeface="+mn-cs"/>
-              </a:defRPr>
-            </a:lvl9pPr>
-          </a:lstStyle>
-          <a:p>
-            <a:pPr>
-              <a:lnSpc>
-                <a:spcPct val="150000"/>
-              </a:lnSpc>
-              <a:buFont typeface="Wingdings" panose="05000000000000000000" pitchFamily="2" charset="2"/>
-              <a:buChar char="u"/>
-            </a:pPr>
-            <a:r>
-              <a:rPr lang="en-US" altLang="ko-KR" sz="2000" b="1" dirty="0" smtClean="0">
-                <a:solidFill>
-                  <a:srgbClr val="C00000"/>
-                </a:solidFill>
-              </a:rPr>
-              <a:t> </a:t>
-            </a:r>
-            <a:r>
-              <a:rPr lang="en-US" altLang="ko-KR" sz="2000" b="1" dirty="0" err="1" smtClean="0">
-                <a:solidFill>
-                  <a:srgbClr val="C00000"/>
-                </a:solidFill>
-              </a:rPr>
-              <a:t>HashMap</a:t>
-            </a:r>
-            <a:r>
-              <a:rPr lang="ko-KR" altLang="en-US" sz="2000" b="1" dirty="0" smtClean="0">
-                <a:solidFill>
-                  <a:srgbClr val="C00000"/>
-                </a:solidFill>
-              </a:rPr>
-              <a:t>을 활용한 회원관리 프로그램</a:t>
-            </a:r>
-            <a:endParaRPr lang="en-US" altLang="ko-KR" sz="2000" b="1" dirty="0" smtClean="0">
-              <a:solidFill>
-                <a:srgbClr val="C00000"/>
-              </a:solidFill>
-            </a:endParaRPr>
-          </a:p>
-          <a:p>
-            <a:pPr marL="457200" lvl="1" indent="0">
-              <a:lnSpc>
-                <a:spcPct val="100000"/>
-              </a:lnSpc>
-              <a:buNone/>
-            </a:pPr>
-            <a:endParaRPr lang="en-US" altLang="ko-KR" sz="1600" b="1" dirty="0" smtClean="0"/>
-          </a:p>
-          <a:p>
-            <a:pPr marL="457200" lvl="1" indent="0">
-              <a:lnSpc>
-                <a:spcPct val="150000"/>
-              </a:lnSpc>
-              <a:buNone/>
-            </a:pPr>
-            <a:endParaRPr lang="en-US" altLang="ko-KR" sz="1200" b="1" dirty="0" smtClean="0">
-              <a:solidFill>
-                <a:srgbClr val="002060"/>
-              </a:solidFill>
-            </a:endParaRPr>
-          </a:p>
-        </p:txBody>
-      </p:sp>
-      <p:pic>
-        <p:nvPicPr>
-          <p:cNvPr id="3" name="그림 2"/>
-          <p:cNvPicPr>
-            <a:picLocks noChangeAspect="1"/>
-          </p:cNvPicPr>
-          <p:nvPr/>
-        </p:nvPicPr>
-        <p:blipFill>
-          <a:blip r:embed="rId2">
-            <a:extLst>
-              <a:ext uri="{28A0092B-C50C-407E-A947-70E740481C1C}">
-                <a14:useLocalDpi xmlns:a14="http://schemas.microsoft.com/office/drawing/2010/main" val="0"/>
-              </a:ext>
-            </a:extLst>
-          </a:blip>
-          <a:stretch>
-            <a:fillRect/>
-          </a:stretch>
-        </p:blipFill>
-        <p:spPr>
-          <a:xfrm>
-            <a:off x="1352600" y="1727366"/>
-            <a:ext cx="5700254" cy="3825572"/>
-          </a:xfrm>
-          <a:prstGeom prst="rect">
-            <a:avLst/>
-          </a:prstGeom>
-          <a:ln>
-            <a:solidFill>
-              <a:schemeClr val="bg1">
-                <a:lumMod val="85000"/>
-              </a:schemeClr>
-            </a:solidFill>
-          </a:ln>
-        </p:spPr>
-      </p:pic>
-    </p:spTree>
-    <p:extLst>
-      <p:ext uri="{BB962C8B-B14F-4D97-AF65-F5344CB8AC3E}">
-        <p14:creationId xmlns:p14="http://schemas.microsoft.com/office/powerpoint/2010/main" val="2329998350"/>
       </p:ext>
     </p:extLst>
   </p:cSld>
@@ -33268,6 +33219,385 @@
       </p:sp>
       <p:pic>
         <p:nvPicPr>
+          <p:cNvPr id="3" name="그림 2"/>
+          <p:cNvPicPr>
+            <a:picLocks noChangeAspect="1"/>
+          </p:cNvPicPr>
+          <p:nvPr/>
+        </p:nvPicPr>
+        <p:blipFill>
+          <a:blip r:embed="rId2">
+            <a:extLst>
+              <a:ext uri="{28A0092B-C50C-407E-A947-70E740481C1C}">
+                <a14:useLocalDpi xmlns:a14="http://schemas.microsoft.com/office/drawing/2010/main" val="0"/>
+              </a:ext>
+            </a:extLst>
+          </a:blip>
+          <a:stretch>
+            <a:fillRect/>
+          </a:stretch>
+        </p:blipFill>
+        <p:spPr>
+          <a:xfrm>
+            <a:off x="1352600" y="1727366"/>
+            <a:ext cx="5700254" cy="3825572"/>
+          </a:xfrm>
+          <a:prstGeom prst="rect">
+            <a:avLst/>
+          </a:prstGeom>
+          <a:ln>
+            <a:solidFill>
+              <a:schemeClr val="bg1">
+                <a:lumMod val="85000"/>
+              </a:schemeClr>
+            </a:solidFill>
+          </a:ln>
+        </p:spPr>
+      </p:pic>
+    </p:spTree>
+    <p:extLst>
+      <p:ext uri="{BB962C8B-B14F-4D97-AF65-F5344CB8AC3E}">
+        <p14:creationId xmlns:p14="http://schemas.microsoft.com/office/powerpoint/2010/main" val="2329998350"/>
+      </p:ext>
+    </p:extLst>
+  </p:cSld>
+  <p:clrMapOvr>
+    <a:masterClrMapping/>
+  </p:clrMapOvr>
+  <p:timing>
+    <p:tnLst>
+      <p:par>
+        <p:cTn id="1" dur="indefinite" restart="never" nodeType="tmRoot"/>
+      </p:par>
+    </p:tnLst>
+  </p:timing>
+</p:sld>
+</file>
+
+<file path=ppt/slides/slide61.xml><?xml version="1.0" encoding="utf-8"?>
+<p:sld xmlns:a="http://schemas.openxmlformats.org/drawingml/2006/main" xmlns:r="http://schemas.openxmlformats.org/officeDocument/2006/relationships" xmlns:p="http://schemas.openxmlformats.org/presentationml/2006/main">
+  <p:cSld>
+    <p:spTree>
+      <p:nvGrpSpPr>
+        <p:cNvPr id="1" name=""/>
+        <p:cNvGrpSpPr/>
+        <p:nvPr/>
+      </p:nvGrpSpPr>
+      <p:grpSpPr>
+        <a:xfrm>
+          <a:off x="0" y="0"/>
+          <a:ext cx="0" cy="0"/>
+          <a:chOff x="0" y="0"/>
+          <a:chExt cx="0" cy="0"/>
+        </a:xfrm>
+      </p:grpSpPr>
+      <p:sp>
+        <p:nvSpPr>
+          <p:cNvPr id="6" name="제목 5"/>
+          <p:cNvSpPr>
+            <a:spLocks noGrp="1"/>
+          </p:cNvSpPr>
+          <p:nvPr>
+            <p:ph type="title"/>
+          </p:nvPr>
+        </p:nvSpPr>
+        <p:spPr/>
+        <p:txBody>
+          <a:bodyPr/>
+          <a:lstStyle/>
+          <a:p>
+            <a:r>
+              <a:rPr lang="en-US" altLang="ko-KR" dirty="0" smtClean="0"/>
+              <a:t> Map </a:t>
+            </a:r>
+            <a:r>
+              <a:rPr lang="ko-KR" altLang="en-US" dirty="0"/>
+              <a:t>인터페이스</a:t>
+            </a:r>
+          </a:p>
+        </p:txBody>
+      </p:sp>
+      <p:sp>
+        <p:nvSpPr>
+          <p:cNvPr id="5" name="슬라이드 번호 개체 틀 4"/>
+          <p:cNvSpPr>
+            <a:spLocks noGrp="1"/>
+          </p:cNvSpPr>
+          <p:nvPr>
+            <p:ph type="sldNum" sz="quarter" idx="12"/>
+          </p:nvPr>
+        </p:nvSpPr>
+        <p:spPr>
+          <a:xfrm>
+            <a:off x="8853433" y="7312347"/>
+            <a:ext cx="557267" cy="365125"/>
+          </a:xfrm>
+        </p:spPr>
+        <p:txBody>
+          <a:bodyPr/>
+          <a:lstStyle/>
+          <a:p>
+            <a:fld id="{1BDE3FE7-3AEA-4B05-AC5A-802D1816ACF0}" type="slidenum">
+              <a:rPr lang="ko-KR" altLang="en-US" smtClean="0"/>
+              <a:t>61</a:t>
+            </a:fld>
+            <a:endParaRPr lang="ko-KR" altLang="en-US"/>
+          </a:p>
+        </p:txBody>
+      </p:sp>
+      <p:sp>
+        <p:nvSpPr>
+          <p:cNvPr id="7" name="내용 개체 틀 2">
+            <a:extLst>
+              <a:ext uri="{FF2B5EF4-FFF2-40B4-BE49-F238E27FC236}">
+                <a16:creationId xmlns:a16="http://schemas.microsoft.com/office/drawing/2014/main" id="{98AF3A4E-7D90-4241-89FE-799D6F9D5A94}"/>
+              </a:ext>
+            </a:extLst>
+          </p:cNvPr>
+          <p:cNvSpPr txBox="1">
+            <a:spLocks/>
+          </p:cNvSpPr>
+          <p:nvPr/>
+        </p:nvSpPr>
+        <p:spPr>
+          <a:xfrm>
+            <a:off x="588041" y="1052736"/>
+            <a:ext cx="9045479" cy="648072"/>
+          </a:xfrm>
+          <a:prstGeom prst="rect">
+            <a:avLst/>
+          </a:prstGeom>
+        </p:spPr>
+        <p:txBody>
+          <a:bodyPr/>
+          <a:lstStyle>
+            <a:lvl1pPr marL="228600" indent="-228600" algn="l" defTabSz="914400" rtl="0" eaLnBrk="1" latinLnBrk="1" hangingPunct="1">
+              <a:lnSpc>
+                <a:spcPct val="90000"/>
+              </a:lnSpc>
+              <a:spcBef>
+                <a:spcPts val="1000"/>
+              </a:spcBef>
+              <a:buFont typeface="Arial" panose="020B0604020202020204" pitchFamily="34" charset="0"/>
+              <a:buChar char="•"/>
+              <a:defRPr sz="2800" kern="1200">
+                <a:solidFill>
+                  <a:schemeClr val="tx1"/>
+                </a:solidFill>
+                <a:latin typeface="+mn-lt"/>
+                <a:ea typeface="+mn-ea"/>
+                <a:cs typeface="+mn-cs"/>
+              </a:defRPr>
+            </a:lvl1pPr>
+            <a:lvl2pPr marL="685800" indent="-228600" algn="l" defTabSz="914400" rtl="0" eaLnBrk="1" latinLnBrk="1" hangingPunct="1">
+              <a:lnSpc>
+                <a:spcPct val="90000"/>
+              </a:lnSpc>
+              <a:spcBef>
+                <a:spcPts val="500"/>
+              </a:spcBef>
+              <a:buFont typeface="Arial" panose="020B0604020202020204" pitchFamily="34" charset="0"/>
+              <a:buChar char="•"/>
+              <a:defRPr sz="2400" kern="1200">
+                <a:solidFill>
+                  <a:schemeClr val="tx1"/>
+                </a:solidFill>
+                <a:latin typeface="+mn-lt"/>
+                <a:ea typeface="+mn-ea"/>
+                <a:cs typeface="+mn-cs"/>
+              </a:defRPr>
+            </a:lvl2pPr>
+            <a:lvl3pPr marL="1143000" indent="-228600" algn="l" defTabSz="914400" rtl="0" eaLnBrk="1" latinLnBrk="1" hangingPunct="1">
+              <a:lnSpc>
+                <a:spcPct val="90000"/>
+              </a:lnSpc>
+              <a:spcBef>
+                <a:spcPts val="500"/>
+              </a:spcBef>
+              <a:buFont typeface="Arial" panose="020B0604020202020204" pitchFamily="34" charset="0"/>
+              <a:buChar char="•"/>
+              <a:defRPr sz="2000" kern="1200">
+                <a:solidFill>
+                  <a:schemeClr val="tx1"/>
+                </a:solidFill>
+                <a:latin typeface="+mn-lt"/>
+                <a:ea typeface="+mn-ea"/>
+                <a:cs typeface="+mn-cs"/>
+              </a:defRPr>
+            </a:lvl3pPr>
+            <a:lvl4pPr marL="1600200" indent="-228600" algn="l" defTabSz="914400" rtl="0" eaLnBrk="1" latinLnBrk="1" hangingPunct="1">
+              <a:lnSpc>
+                <a:spcPct val="90000"/>
+              </a:lnSpc>
+              <a:spcBef>
+                <a:spcPts val="500"/>
+              </a:spcBef>
+              <a:buFont typeface="Arial" panose="020B0604020202020204" pitchFamily="34" charset="0"/>
+              <a:buChar char="•"/>
+              <a:defRPr sz="1800" kern="1200">
+                <a:solidFill>
+                  <a:schemeClr val="tx1"/>
+                </a:solidFill>
+                <a:latin typeface="+mn-lt"/>
+                <a:ea typeface="+mn-ea"/>
+                <a:cs typeface="+mn-cs"/>
+              </a:defRPr>
+            </a:lvl4pPr>
+            <a:lvl5pPr marL="2057400" indent="-228600" algn="l" defTabSz="914400" rtl="0" eaLnBrk="1" latinLnBrk="1" hangingPunct="1">
+              <a:lnSpc>
+                <a:spcPct val="90000"/>
+              </a:lnSpc>
+              <a:spcBef>
+                <a:spcPts val="500"/>
+              </a:spcBef>
+              <a:buFont typeface="Arial" panose="020B0604020202020204" pitchFamily="34" charset="0"/>
+              <a:buChar char="•"/>
+              <a:defRPr sz="1800" kern="1200">
+                <a:solidFill>
+                  <a:schemeClr val="tx1"/>
+                </a:solidFill>
+                <a:latin typeface="+mn-lt"/>
+                <a:ea typeface="+mn-ea"/>
+                <a:cs typeface="+mn-cs"/>
+              </a:defRPr>
+            </a:lvl5pPr>
+            <a:lvl6pPr marL="2514600" indent="-228600" algn="l" defTabSz="914400" rtl="0" eaLnBrk="1" latinLnBrk="1" hangingPunct="1">
+              <a:lnSpc>
+                <a:spcPct val="90000"/>
+              </a:lnSpc>
+              <a:spcBef>
+                <a:spcPts val="500"/>
+              </a:spcBef>
+              <a:buFont typeface="Arial" panose="020B0604020202020204" pitchFamily="34" charset="0"/>
+              <a:buChar char="•"/>
+              <a:defRPr sz="1800" kern="1200">
+                <a:solidFill>
+                  <a:schemeClr val="tx1"/>
+                </a:solidFill>
+                <a:latin typeface="+mn-lt"/>
+                <a:ea typeface="+mn-ea"/>
+                <a:cs typeface="+mn-cs"/>
+              </a:defRPr>
+            </a:lvl6pPr>
+            <a:lvl7pPr marL="2971800" indent="-228600" algn="l" defTabSz="914400" rtl="0" eaLnBrk="1" latinLnBrk="1" hangingPunct="1">
+              <a:lnSpc>
+                <a:spcPct val="90000"/>
+              </a:lnSpc>
+              <a:spcBef>
+                <a:spcPts val="500"/>
+              </a:spcBef>
+              <a:buFont typeface="Arial" panose="020B0604020202020204" pitchFamily="34" charset="0"/>
+              <a:buChar char="•"/>
+              <a:defRPr sz="1800" kern="1200">
+                <a:solidFill>
+                  <a:schemeClr val="tx1"/>
+                </a:solidFill>
+                <a:latin typeface="+mn-lt"/>
+                <a:ea typeface="+mn-ea"/>
+                <a:cs typeface="+mn-cs"/>
+              </a:defRPr>
+            </a:lvl7pPr>
+            <a:lvl8pPr marL="3429000" indent="-228600" algn="l" defTabSz="914400" rtl="0" eaLnBrk="1" latinLnBrk="1" hangingPunct="1">
+              <a:lnSpc>
+                <a:spcPct val="90000"/>
+              </a:lnSpc>
+              <a:spcBef>
+                <a:spcPts val="500"/>
+              </a:spcBef>
+              <a:buFont typeface="Arial" panose="020B0604020202020204" pitchFamily="34" charset="0"/>
+              <a:buChar char="•"/>
+              <a:defRPr sz="1800" kern="1200">
+                <a:solidFill>
+                  <a:schemeClr val="tx1"/>
+                </a:solidFill>
+                <a:latin typeface="+mn-lt"/>
+                <a:ea typeface="+mn-ea"/>
+                <a:cs typeface="+mn-cs"/>
+              </a:defRPr>
+            </a:lvl8pPr>
+            <a:lvl9pPr marL="3886200" indent="-228600" algn="l" defTabSz="914400" rtl="0" eaLnBrk="1" latinLnBrk="1" hangingPunct="1">
+              <a:lnSpc>
+                <a:spcPct val="90000"/>
+              </a:lnSpc>
+              <a:spcBef>
+                <a:spcPts val="500"/>
+              </a:spcBef>
+              <a:buFont typeface="Arial" panose="020B0604020202020204" pitchFamily="34" charset="0"/>
+              <a:buChar char="•"/>
+              <a:defRPr sz="1800" kern="1200">
+                <a:solidFill>
+                  <a:schemeClr val="tx1"/>
+                </a:solidFill>
+                <a:latin typeface="+mn-lt"/>
+                <a:ea typeface="+mn-ea"/>
+                <a:cs typeface="+mn-cs"/>
+              </a:defRPr>
+            </a:lvl9pPr>
+          </a:lstStyle>
+          <a:p>
+            <a:pPr>
+              <a:lnSpc>
+                <a:spcPct val="150000"/>
+              </a:lnSpc>
+              <a:buFont typeface="Wingdings" panose="05000000000000000000" pitchFamily="2" charset="2"/>
+              <a:buChar char="u"/>
+            </a:pPr>
+            <a:r>
+              <a:rPr lang="en-US" altLang="ko-KR" sz="2000" b="1" dirty="0" smtClean="0">
+                <a:solidFill>
+                  <a:srgbClr val="C00000"/>
+                </a:solidFill>
+              </a:rPr>
+              <a:t> </a:t>
+            </a:r>
+            <a:r>
+              <a:rPr lang="en-US" altLang="ko-KR" sz="2000" b="1" dirty="0" err="1" smtClean="0">
+                <a:solidFill>
+                  <a:srgbClr val="C00000"/>
+                </a:solidFill>
+              </a:rPr>
+              <a:t>HashMap</a:t>
+            </a:r>
+            <a:r>
+              <a:rPr lang="ko-KR" altLang="en-US" sz="2000" b="1" dirty="0" smtClean="0">
+                <a:solidFill>
+                  <a:srgbClr val="C00000"/>
+                </a:solidFill>
+              </a:rPr>
+              <a:t>을 활용한 회원관리 프로그램</a:t>
+            </a:r>
+            <a:endParaRPr lang="en-US" altLang="ko-KR" sz="2000" b="1" dirty="0" smtClean="0">
+              <a:solidFill>
+                <a:srgbClr val="C00000"/>
+              </a:solidFill>
+            </a:endParaRPr>
+          </a:p>
+          <a:p>
+            <a:pPr marL="457200" lvl="1" indent="0">
+              <a:lnSpc>
+                <a:spcPct val="100000"/>
+              </a:lnSpc>
+              <a:buNone/>
+            </a:pPr>
+            <a:endParaRPr lang="en-US" altLang="ko-KR" sz="1600" b="1" dirty="0" smtClean="0"/>
+          </a:p>
+          <a:p>
+            <a:pPr marL="457200" lvl="1" indent="0">
+              <a:lnSpc>
+                <a:spcPct val="150000"/>
+              </a:lnSpc>
+              <a:buNone/>
+            </a:pPr>
+            <a:endParaRPr lang="en-US" altLang="ko-KR" sz="1200" b="1" dirty="0" smtClean="0">
+              <a:solidFill>
+                <a:srgbClr val="002060"/>
+              </a:solidFill>
+            </a:endParaRPr>
+          </a:p>
+        </p:txBody>
+      </p:sp>
+      <p:pic>
+        <p:nvPicPr>
           <p:cNvPr id="2" name="그림 1"/>
           <p:cNvPicPr>
             <a:picLocks noChangeAspect="1"/>
@@ -33323,7 +33653,7 @@
 </p:sld>
 </file>
 
-<file path=ppt/slides/slide61.xml><?xml version="1.0" encoding="utf-8"?>
+<file path=ppt/slides/slide62.xml><?xml version="1.0" encoding="utf-8"?>
 <p:sld xmlns:a="http://schemas.openxmlformats.org/drawingml/2006/main" xmlns:r="http://schemas.openxmlformats.org/officeDocument/2006/relationships" xmlns:p="http://schemas.openxmlformats.org/presentationml/2006/main">
   <p:cSld>
     <p:spTree>
@@ -33388,7 +33718,7 @@
           <a:p>
             <a:fld id="{1BDE3FE7-3AEA-4B05-AC5A-802D1816ACF0}" type="slidenum">
               <a:rPr lang="ko-KR" altLang="en-US" smtClean="0"/>
-              <a:t>61</a:t>
+              <a:t>62</a:t>
             </a:fld>
             <a:endParaRPr lang="ko-KR" altLang="en-US"/>
           </a:p>
@@ -33488,7 +33818,7 @@
 </p:sld>
 </file>
 
-<file path=ppt/slides/slide62.xml><?xml version="1.0" encoding="utf-8"?>
+<file path=ppt/slides/slide63.xml><?xml version="1.0" encoding="utf-8"?>
 <p:sld xmlns:a="http://schemas.openxmlformats.org/drawingml/2006/main" xmlns:r="http://schemas.openxmlformats.org/officeDocument/2006/relationships" xmlns:p="http://schemas.openxmlformats.org/presentationml/2006/main">
   <p:cSld>
     <p:spTree>
@@ -34602,7 +34932,7 @@
 </p:sld>
 </file>
 
-<file path=ppt/slides/slide63.xml><?xml version="1.0" encoding="utf-8"?>
+<file path=ppt/slides/slide64.xml><?xml version="1.0" encoding="utf-8"?>
 <p:sld xmlns:a="http://schemas.openxmlformats.org/drawingml/2006/main" xmlns:r="http://schemas.openxmlformats.org/officeDocument/2006/relationships" xmlns:p="http://schemas.openxmlformats.org/presentationml/2006/main">
   <p:cSld>
     <p:spTree>
@@ -35174,7 +35504,7 @@
 </p:sld>
 </file>
 
-<file path=ppt/slides/slide64.xml><?xml version="1.0" encoding="utf-8"?>
+<file path=ppt/slides/slide65.xml><?xml version="1.0" encoding="utf-8"?>
 <p:sld xmlns:a="http://schemas.openxmlformats.org/drawingml/2006/main" xmlns:r="http://schemas.openxmlformats.org/officeDocument/2006/relationships" xmlns:p="http://schemas.openxmlformats.org/presentationml/2006/main">
   <p:cSld>
     <p:spTree>
@@ -35308,7 +35638,7 @@
 </p:sld>
 </file>
 
-<file path=ppt/slides/slide65.xml><?xml version="1.0" encoding="utf-8"?>
+<file path=ppt/slides/slide66.xml><?xml version="1.0" encoding="utf-8"?>
 <p:sld xmlns:a="http://schemas.openxmlformats.org/drawingml/2006/main" xmlns:r="http://schemas.openxmlformats.org/officeDocument/2006/relationships" xmlns:p="http://schemas.openxmlformats.org/presentationml/2006/main">
   <p:cSld>
     <p:spTree>
@@ -35382,7 +35712,7 @@
           <a:p>
             <a:fld id="{1BDE3FE7-3AEA-4B05-AC5A-802D1816ACF0}" type="slidenum">
               <a:rPr lang="ko-KR" altLang="en-US" smtClean="0"/>
-              <a:t>65</a:t>
+              <a:t>66</a:t>
             </a:fld>
             <a:endParaRPr lang="ko-KR" altLang="en-US"/>
           </a:p>
@@ -35716,7 +36046,7 @@
 </p:sld>
 </file>
 
-<file path=ppt/slides/slide66.xml><?xml version="1.0" encoding="utf-8"?>
+<file path=ppt/slides/slide67.xml><?xml version="1.0" encoding="utf-8"?>
 <p:sld xmlns:a="http://schemas.openxmlformats.org/drawingml/2006/main" xmlns:r="http://schemas.openxmlformats.org/officeDocument/2006/relationships" xmlns:p="http://schemas.openxmlformats.org/presentationml/2006/main">
   <p:cSld>
     <p:spTree>
@@ -35790,7 +36120,7 @@
           <a:p>
             <a:fld id="{1BDE3FE7-3AEA-4B05-AC5A-802D1816ACF0}" type="slidenum">
               <a:rPr lang="ko-KR" altLang="en-US" smtClean="0"/>
-              <a:t>66</a:t>
+              <a:t>67</a:t>
             </a:fld>
             <a:endParaRPr lang="ko-KR" altLang="en-US"/>
           </a:p>
@@ -36161,7 +36491,7 @@
 </p:sld>
 </file>
 
-<file path=ppt/slides/slide67.xml><?xml version="1.0" encoding="utf-8"?>
+<file path=ppt/slides/slide68.xml><?xml version="1.0" encoding="utf-8"?>
 <p:sld xmlns:a="http://schemas.openxmlformats.org/drawingml/2006/main" xmlns:r="http://schemas.openxmlformats.org/officeDocument/2006/relationships" xmlns:p="http://schemas.openxmlformats.org/presentationml/2006/main">
   <p:cSld>
     <p:spTree>
@@ -37214,7 +37544,7 @@
 </p:sld>
 </file>
 
-<file path=ppt/slides/slide68.xml><?xml version="1.0" encoding="utf-8"?>
+<file path=ppt/slides/slide69.xml><?xml version="1.0" encoding="utf-8"?>
 <p:sld xmlns:a="http://schemas.openxmlformats.org/drawingml/2006/main" xmlns:r="http://schemas.openxmlformats.org/officeDocument/2006/relationships" xmlns:p="http://schemas.openxmlformats.org/presentationml/2006/main">
   <p:cSld>
     <p:spTree>
@@ -37452,7 +37782,402 @@
 </p:sld>
 </file>
 
-<file path=ppt/slides/slide69.xml><?xml version="1.0" encoding="utf-8"?>
+<file path=ppt/slides/slide7.xml><?xml version="1.0" encoding="utf-8"?>
+<p:sld xmlns:a="http://schemas.openxmlformats.org/drawingml/2006/main" xmlns:r="http://schemas.openxmlformats.org/officeDocument/2006/relationships" xmlns:p="http://schemas.openxmlformats.org/presentationml/2006/main">
+  <p:cSld>
+    <p:spTree>
+      <p:nvGrpSpPr>
+        <p:cNvPr id="1" name=""/>
+        <p:cNvGrpSpPr/>
+        <p:nvPr/>
+      </p:nvGrpSpPr>
+      <p:grpSpPr>
+        <a:xfrm>
+          <a:off x="0" y="0"/>
+          <a:ext cx="0" cy="0"/>
+          <a:chOff x="0" y="0"/>
+          <a:chExt cx="0" cy="0"/>
+        </a:xfrm>
+      </p:grpSpPr>
+      <p:sp>
+        <p:nvSpPr>
+          <p:cNvPr id="6" name="제목 5"/>
+          <p:cNvSpPr>
+            <a:spLocks noGrp="1"/>
+          </p:cNvSpPr>
+          <p:nvPr>
+            <p:ph type="title"/>
+          </p:nvPr>
+        </p:nvSpPr>
+        <p:spPr/>
+        <p:txBody>
+          <a:bodyPr/>
+          <a:lstStyle/>
+          <a:p>
+            <a:r>
+              <a:rPr lang="en-US" altLang="ko-KR" dirty="0" smtClean="0"/>
+              <a:t> </a:t>
+            </a:r>
+            <a:r>
+              <a:rPr lang="ko-KR" altLang="en-US" dirty="0" err="1" smtClean="0"/>
+              <a:t>제네릭</a:t>
+            </a:r>
+            <a:r>
+              <a:rPr lang="en-US" altLang="ko-KR" dirty="0" smtClean="0"/>
+              <a:t>(Generic)</a:t>
+            </a:r>
+            <a:endParaRPr lang="ko-KR" altLang="en-US" dirty="0"/>
+          </a:p>
+        </p:txBody>
+      </p:sp>
+      <p:sp>
+        <p:nvSpPr>
+          <p:cNvPr id="5" name="슬라이드 번호 개체 틀 4"/>
+          <p:cNvSpPr>
+            <a:spLocks noGrp="1"/>
+          </p:cNvSpPr>
+          <p:nvPr>
+            <p:ph type="sldNum" sz="quarter" idx="12"/>
+          </p:nvPr>
+        </p:nvSpPr>
+        <p:spPr>
+          <a:xfrm>
+            <a:off x="8853433" y="7312347"/>
+            <a:ext cx="557267" cy="365125"/>
+          </a:xfrm>
+        </p:spPr>
+        <p:txBody>
+          <a:bodyPr/>
+          <a:lstStyle/>
+          <a:p>
+            <a:fld id="{1BDE3FE7-3AEA-4B05-AC5A-802D1816ACF0}" type="slidenum">
+              <a:rPr lang="ko-KR" altLang="en-US" smtClean="0"/>
+              <a:t>7</a:t>
+            </a:fld>
+            <a:endParaRPr lang="ko-KR" altLang="en-US"/>
+          </a:p>
+        </p:txBody>
+      </p:sp>
+      <p:sp>
+        <p:nvSpPr>
+          <p:cNvPr id="10" name="내용 개체 틀 2">
+            <a:extLst>
+              <a:ext uri="{FF2B5EF4-FFF2-40B4-BE49-F238E27FC236}">
+                <a16:creationId xmlns:a16="http://schemas.microsoft.com/office/drawing/2014/main" id="{98AF3A4E-7D90-4241-89FE-799D6F9D5A94}"/>
+              </a:ext>
+            </a:extLst>
+          </p:cNvPr>
+          <p:cNvSpPr txBox="1">
+            <a:spLocks/>
+          </p:cNvSpPr>
+          <p:nvPr/>
+        </p:nvSpPr>
+        <p:spPr>
+          <a:xfrm>
+            <a:off x="582753" y="980728"/>
+            <a:ext cx="5018319" cy="521566"/>
+          </a:xfrm>
+          <a:prstGeom prst="rect">
+            <a:avLst/>
+          </a:prstGeom>
+        </p:spPr>
+        <p:txBody>
+          <a:bodyPr/>
+          <a:lstStyle>
+            <a:lvl1pPr marL="228600" indent="-228600" algn="l" defTabSz="914400" rtl="0" eaLnBrk="1" latinLnBrk="1" hangingPunct="1">
+              <a:lnSpc>
+                <a:spcPct val="90000"/>
+              </a:lnSpc>
+              <a:spcBef>
+                <a:spcPts val="1000"/>
+              </a:spcBef>
+              <a:buFont typeface="Arial" panose="020B0604020202020204" pitchFamily="34" charset="0"/>
+              <a:buChar char="•"/>
+              <a:defRPr sz="2800" kern="1200">
+                <a:solidFill>
+                  <a:schemeClr val="tx1"/>
+                </a:solidFill>
+                <a:latin typeface="+mn-lt"/>
+                <a:ea typeface="+mn-ea"/>
+                <a:cs typeface="+mn-cs"/>
+              </a:defRPr>
+            </a:lvl1pPr>
+            <a:lvl2pPr marL="685800" indent="-228600" algn="l" defTabSz="914400" rtl="0" eaLnBrk="1" latinLnBrk="1" hangingPunct="1">
+              <a:lnSpc>
+                <a:spcPct val="90000"/>
+              </a:lnSpc>
+              <a:spcBef>
+                <a:spcPts val="500"/>
+              </a:spcBef>
+              <a:buFont typeface="Arial" panose="020B0604020202020204" pitchFamily="34" charset="0"/>
+              <a:buChar char="•"/>
+              <a:defRPr sz="2400" kern="1200">
+                <a:solidFill>
+                  <a:schemeClr val="tx1"/>
+                </a:solidFill>
+                <a:latin typeface="+mn-lt"/>
+                <a:ea typeface="+mn-ea"/>
+                <a:cs typeface="+mn-cs"/>
+              </a:defRPr>
+            </a:lvl2pPr>
+            <a:lvl3pPr marL="1143000" indent="-228600" algn="l" defTabSz="914400" rtl="0" eaLnBrk="1" latinLnBrk="1" hangingPunct="1">
+              <a:lnSpc>
+                <a:spcPct val="90000"/>
+              </a:lnSpc>
+              <a:spcBef>
+                <a:spcPts val="500"/>
+              </a:spcBef>
+              <a:buFont typeface="Arial" panose="020B0604020202020204" pitchFamily="34" charset="0"/>
+              <a:buChar char="•"/>
+              <a:defRPr sz="2000" kern="1200">
+                <a:solidFill>
+                  <a:schemeClr val="tx1"/>
+                </a:solidFill>
+                <a:latin typeface="+mn-lt"/>
+                <a:ea typeface="+mn-ea"/>
+                <a:cs typeface="+mn-cs"/>
+              </a:defRPr>
+            </a:lvl3pPr>
+            <a:lvl4pPr marL="1600200" indent="-228600" algn="l" defTabSz="914400" rtl="0" eaLnBrk="1" latinLnBrk="1" hangingPunct="1">
+              <a:lnSpc>
+                <a:spcPct val="90000"/>
+              </a:lnSpc>
+              <a:spcBef>
+                <a:spcPts val="500"/>
+              </a:spcBef>
+              <a:buFont typeface="Arial" panose="020B0604020202020204" pitchFamily="34" charset="0"/>
+              <a:buChar char="•"/>
+              <a:defRPr sz="1800" kern="1200">
+                <a:solidFill>
+                  <a:schemeClr val="tx1"/>
+                </a:solidFill>
+                <a:latin typeface="+mn-lt"/>
+                <a:ea typeface="+mn-ea"/>
+                <a:cs typeface="+mn-cs"/>
+              </a:defRPr>
+            </a:lvl4pPr>
+            <a:lvl5pPr marL="2057400" indent="-228600" algn="l" defTabSz="914400" rtl="0" eaLnBrk="1" latinLnBrk="1" hangingPunct="1">
+              <a:lnSpc>
+                <a:spcPct val="90000"/>
+              </a:lnSpc>
+              <a:spcBef>
+                <a:spcPts val="500"/>
+              </a:spcBef>
+              <a:buFont typeface="Arial" panose="020B0604020202020204" pitchFamily="34" charset="0"/>
+              <a:buChar char="•"/>
+              <a:defRPr sz="1800" kern="1200">
+                <a:solidFill>
+                  <a:schemeClr val="tx1"/>
+                </a:solidFill>
+                <a:latin typeface="+mn-lt"/>
+                <a:ea typeface="+mn-ea"/>
+                <a:cs typeface="+mn-cs"/>
+              </a:defRPr>
+            </a:lvl5pPr>
+            <a:lvl6pPr marL="2514600" indent="-228600" algn="l" defTabSz="914400" rtl="0" eaLnBrk="1" latinLnBrk="1" hangingPunct="1">
+              <a:lnSpc>
+                <a:spcPct val="90000"/>
+              </a:lnSpc>
+              <a:spcBef>
+                <a:spcPts val="500"/>
+              </a:spcBef>
+              <a:buFont typeface="Arial" panose="020B0604020202020204" pitchFamily="34" charset="0"/>
+              <a:buChar char="•"/>
+              <a:defRPr sz="1800" kern="1200">
+                <a:solidFill>
+                  <a:schemeClr val="tx1"/>
+                </a:solidFill>
+                <a:latin typeface="+mn-lt"/>
+                <a:ea typeface="+mn-ea"/>
+                <a:cs typeface="+mn-cs"/>
+              </a:defRPr>
+            </a:lvl6pPr>
+            <a:lvl7pPr marL="2971800" indent="-228600" algn="l" defTabSz="914400" rtl="0" eaLnBrk="1" latinLnBrk="1" hangingPunct="1">
+              <a:lnSpc>
+                <a:spcPct val="90000"/>
+              </a:lnSpc>
+              <a:spcBef>
+                <a:spcPts val="500"/>
+              </a:spcBef>
+              <a:buFont typeface="Arial" panose="020B0604020202020204" pitchFamily="34" charset="0"/>
+              <a:buChar char="•"/>
+              <a:defRPr sz="1800" kern="1200">
+                <a:solidFill>
+                  <a:schemeClr val="tx1"/>
+                </a:solidFill>
+                <a:latin typeface="+mn-lt"/>
+                <a:ea typeface="+mn-ea"/>
+                <a:cs typeface="+mn-cs"/>
+              </a:defRPr>
+            </a:lvl7pPr>
+            <a:lvl8pPr marL="3429000" indent="-228600" algn="l" defTabSz="914400" rtl="0" eaLnBrk="1" latinLnBrk="1" hangingPunct="1">
+              <a:lnSpc>
+                <a:spcPct val="90000"/>
+              </a:lnSpc>
+              <a:spcBef>
+                <a:spcPts val="500"/>
+              </a:spcBef>
+              <a:buFont typeface="Arial" panose="020B0604020202020204" pitchFamily="34" charset="0"/>
+              <a:buChar char="•"/>
+              <a:defRPr sz="1800" kern="1200">
+                <a:solidFill>
+                  <a:schemeClr val="tx1"/>
+                </a:solidFill>
+                <a:latin typeface="+mn-lt"/>
+                <a:ea typeface="+mn-ea"/>
+                <a:cs typeface="+mn-cs"/>
+              </a:defRPr>
+            </a:lvl8pPr>
+            <a:lvl9pPr marL="3886200" indent="-228600" algn="l" defTabSz="914400" rtl="0" eaLnBrk="1" latinLnBrk="1" hangingPunct="1">
+              <a:lnSpc>
+                <a:spcPct val="90000"/>
+              </a:lnSpc>
+              <a:spcBef>
+                <a:spcPts val="500"/>
+              </a:spcBef>
+              <a:buFont typeface="Arial" panose="020B0604020202020204" pitchFamily="34" charset="0"/>
+              <a:buChar char="•"/>
+              <a:defRPr sz="1800" kern="1200">
+                <a:solidFill>
+                  <a:schemeClr val="tx1"/>
+                </a:solidFill>
+                <a:latin typeface="+mn-lt"/>
+                <a:ea typeface="+mn-ea"/>
+                <a:cs typeface="+mn-cs"/>
+              </a:defRPr>
+            </a:lvl9pPr>
+          </a:lstStyle>
+          <a:p>
+            <a:pPr marL="0" indent="0">
+              <a:lnSpc>
+                <a:spcPct val="150000"/>
+              </a:lnSpc>
+              <a:buNone/>
+            </a:pPr>
+            <a:r>
+              <a:rPr lang="ko-KR" altLang="en-US" sz="2000" b="1" dirty="0" smtClean="0">
+                <a:solidFill>
+                  <a:srgbClr val="C00000"/>
+                </a:solidFill>
+              </a:rPr>
+              <a:t>  </a:t>
+            </a:r>
+            <a:r>
+              <a:rPr lang="ko-KR" altLang="en-US" sz="2000" b="1" dirty="0" err="1" smtClean="0">
+                <a:solidFill>
+                  <a:srgbClr val="C00000"/>
+                </a:solidFill>
+              </a:rPr>
+              <a:t>제네릭</a:t>
+            </a:r>
+            <a:r>
+              <a:rPr lang="ko-KR" altLang="en-US" sz="2000" b="1" dirty="0" smtClean="0">
+                <a:solidFill>
+                  <a:srgbClr val="C00000"/>
+                </a:solidFill>
+              </a:rPr>
+              <a:t> 프로그래밍 </a:t>
+            </a:r>
+            <a:r>
+              <a:rPr lang="en-US" altLang="ko-KR" sz="2000" b="1" dirty="0" smtClean="0">
+                <a:solidFill>
+                  <a:srgbClr val="C00000"/>
+                </a:solidFill>
+              </a:rPr>
+              <a:t>– 3D </a:t>
+            </a:r>
+            <a:r>
+              <a:rPr lang="ko-KR" altLang="en-US" sz="2000" b="1" dirty="0" smtClean="0">
+                <a:solidFill>
+                  <a:srgbClr val="C00000"/>
+                </a:solidFill>
+              </a:rPr>
+              <a:t>프린터 예제</a:t>
+            </a:r>
+            <a:r>
+              <a:rPr lang="en-US" altLang="ko-KR" sz="2000" b="1" dirty="0" smtClean="0">
+                <a:solidFill>
+                  <a:srgbClr val="C00000"/>
+                </a:solidFill>
+              </a:rPr>
+              <a:t>.</a:t>
+            </a:r>
+            <a:endParaRPr lang="en-US" altLang="ko-KR" sz="1600" b="1" dirty="0" smtClean="0"/>
+          </a:p>
+          <a:p>
+            <a:pPr marL="457200" lvl="1" indent="0">
+              <a:lnSpc>
+                <a:spcPct val="150000"/>
+              </a:lnSpc>
+              <a:buNone/>
+            </a:pPr>
+            <a:endParaRPr lang="en-US" altLang="ko-KR" sz="1200" b="1" dirty="0" smtClean="0">
+              <a:solidFill>
+                <a:srgbClr val="002060"/>
+              </a:solidFill>
+            </a:endParaRPr>
+          </a:p>
+        </p:txBody>
+      </p:sp>
+      <p:pic>
+        <p:nvPicPr>
+          <p:cNvPr id="2" name="그림 1"/>
+          <p:cNvPicPr>
+            <a:picLocks noChangeAspect="1"/>
+          </p:cNvPicPr>
+          <p:nvPr/>
+        </p:nvPicPr>
+        <p:blipFill>
+          <a:blip r:embed="rId2">
+            <a:extLst>
+              <a:ext uri="{28A0092B-C50C-407E-A947-70E740481C1C}">
+                <a14:useLocalDpi xmlns:a14="http://schemas.microsoft.com/office/drawing/2010/main" val="0"/>
+              </a:ext>
+            </a:extLst>
+          </a:blip>
+          <a:stretch>
+            <a:fillRect/>
+          </a:stretch>
+        </p:blipFill>
+        <p:spPr>
+          <a:xfrm>
+            <a:off x="1712640" y="1628800"/>
+            <a:ext cx="4592805" cy="3888432"/>
+          </a:xfrm>
+          <a:prstGeom prst="rect">
+            <a:avLst/>
+          </a:prstGeom>
+          <a:ln>
+            <a:solidFill>
+              <a:schemeClr val="accent5">
+                <a:lumMod val="40000"/>
+                <a:lumOff val="60000"/>
+              </a:schemeClr>
+            </a:solidFill>
+          </a:ln>
+        </p:spPr>
+      </p:pic>
+    </p:spTree>
+    <p:extLst>
+      <p:ext uri="{BB962C8B-B14F-4D97-AF65-F5344CB8AC3E}">
+        <p14:creationId xmlns:p14="http://schemas.microsoft.com/office/powerpoint/2010/main" val="3930791686"/>
+      </p:ext>
+    </p:extLst>
+  </p:cSld>
+  <p:clrMapOvr>
+    <a:masterClrMapping/>
+  </p:clrMapOvr>
+  <p:timing>
+    <p:tnLst>
+      <p:par>
+        <p:cTn id="1" dur="indefinite" restart="never" nodeType="tmRoot"/>
+      </p:par>
+    </p:tnLst>
+  </p:timing>
+</p:sld>
+</file>
+
+<file path=ppt/slides/slide70.xml><?xml version="1.0" encoding="utf-8"?>
 <p:sld xmlns:a="http://schemas.openxmlformats.org/drawingml/2006/main" xmlns:r="http://schemas.openxmlformats.org/officeDocument/2006/relationships" xmlns:p="http://schemas.openxmlformats.org/presentationml/2006/main">
   <p:cSld>
     <p:spTree>
@@ -37796,7 +38521,7 @@
 </p:sld>
 </file>
 
-<file path=ppt/slides/slide7.xml><?xml version="1.0" encoding="utf-8"?>
+<file path=ppt/slides/slide71.xml><?xml version="1.0" encoding="utf-8"?>
 <p:sld xmlns:a="http://schemas.openxmlformats.org/drawingml/2006/main" xmlns:r="http://schemas.openxmlformats.org/officeDocument/2006/relationships" xmlns:p="http://schemas.openxmlformats.org/presentationml/2006/main">
   <p:cSld>
     <p:spTree>
@@ -37833,12 +38558,12 @@
               <a:t> </a:t>
             </a:r>
             <a:r>
-              <a:rPr lang="ko-KR" altLang="en-US" dirty="0" err="1" smtClean="0"/>
-              <a:t>제네릭</a:t>
-            </a:r>
-            <a:r>
-              <a:rPr lang="en-US" altLang="ko-KR" dirty="0" smtClean="0"/>
-              <a:t>(Generic)</a:t>
+              <a:rPr lang="ko-KR" altLang="en-US" dirty="0" smtClean="0"/>
+              <a:t>큐</a:t>
+            </a:r>
+            <a:r>
+              <a:rPr lang="en-US" altLang="ko-KR" dirty="0"/>
+              <a:t>(Queue)</a:t>
             </a:r>
             <a:endParaRPr lang="ko-KR" altLang="en-US" dirty="0"/>
           </a:p>
@@ -37866,402 +38591,7 @@
           <a:p>
             <a:fld id="{1BDE3FE7-3AEA-4B05-AC5A-802D1816ACF0}" type="slidenum">
               <a:rPr lang="ko-KR" altLang="en-US" smtClean="0"/>
-              <a:t>7</a:t>
-            </a:fld>
-            <a:endParaRPr lang="ko-KR" altLang="en-US"/>
-          </a:p>
-        </p:txBody>
-      </p:sp>
-      <p:sp>
-        <p:nvSpPr>
-          <p:cNvPr id="10" name="내용 개체 틀 2">
-            <a:extLst>
-              <a:ext uri="{FF2B5EF4-FFF2-40B4-BE49-F238E27FC236}">
-                <a16:creationId xmlns:a16="http://schemas.microsoft.com/office/drawing/2014/main" id="{98AF3A4E-7D90-4241-89FE-799D6F9D5A94}"/>
-              </a:ext>
-            </a:extLst>
-          </p:cNvPr>
-          <p:cNvSpPr txBox="1">
-            <a:spLocks/>
-          </p:cNvSpPr>
-          <p:nvPr/>
-        </p:nvSpPr>
-        <p:spPr>
-          <a:xfrm>
-            <a:off x="582753" y="980728"/>
-            <a:ext cx="5018319" cy="521566"/>
-          </a:xfrm>
-          <a:prstGeom prst="rect">
-            <a:avLst/>
-          </a:prstGeom>
-        </p:spPr>
-        <p:txBody>
-          <a:bodyPr/>
-          <a:lstStyle>
-            <a:lvl1pPr marL="228600" indent="-228600" algn="l" defTabSz="914400" rtl="0" eaLnBrk="1" latinLnBrk="1" hangingPunct="1">
-              <a:lnSpc>
-                <a:spcPct val="90000"/>
-              </a:lnSpc>
-              <a:spcBef>
-                <a:spcPts val="1000"/>
-              </a:spcBef>
-              <a:buFont typeface="Arial" panose="020B0604020202020204" pitchFamily="34" charset="0"/>
-              <a:buChar char="•"/>
-              <a:defRPr sz="2800" kern="1200">
-                <a:solidFill>
-                  <a:schemeClr val="tx1"/>
-                </a:solidFill>
-                <a:latin typeface="+mn-lt"/>
-                <a:ea typeface="+mn-ea"/>
-                <a:cs typeface="+mn-cs"/>
-              </a:defRPr>
-            </a:lvl1pPr>
-            <a:lvl2pPr marL="685800" indent="-228600" algn="l" defTabSz="914400" rtl="0" eaLnBrk="1" latinLnBrk="1" hangingPunct="1">
-              <a:lnSpc>
-                <a:spcPct val="90000"/>
-              </a:lnSpc>
-              <a:spcBef>
-                <a:spcPts val="500"/>
-              </a:spcBef>
-              <a:buFont typeface="Arial" panose="020B0604020202020204" pitchFamily="34" charset="0"/>
-              <a:buChar char="•"/>
-              <a:defRPr sz="2400" kern="1200">
-                <a:solidFill>
-                  <a:schemeClr val="tx1"/>
-                </a:solidFill>
-                <a:latin typeface="+mn-lt"/>
-                <a:ea typeface="+mn-ea"/>
-                <a:cs typeface="+mn-cs"/>
-              </a:defRPr>
-            </a:lvl2pPr>
-            <a:lvl3pPr marL="1143000" indent="-228600" algn="l" defTabSz="914400" rtl="0" eaLnBrk="1" latinLnBrk="1" hangingPunct="1">
-              <a:lnSpc>
-                <a:spcPct val="90000"/>
-              </a:lnSpc>
-              <a:spcBef>
-                <a:spcPts val="500"/>
-              </a:spcBef>
-              <a:buFont typeface="Arial" panose="020B0604020202020204" pitchFamily="34" charset="0"/>
-              <a:buChar char="•"/>
-              <a:defRPr sz="2000" kern="1200">
-                <a:solidFill>
-                  <a:schemeClr val="tx1"/>
-                </a:solidFill>
-                <a:latin typeface="+mn-lt"/>
-                <a:ea typeface="+mn-ea"/>
-                <a:cs typeface="+mn-cs"/>
-              </a:defRPr>
-            </a:lvl3pPr>
-            <a:lvl4pPr marL="1600200" indent="-228600" algn="l" defTabSz="914400" rtl="0" eaLnBrk="1" latinLnBrk="1" hangingPunct="1">
-              <a:lnSpc>
-                <a:spcPct val="90000"/>
-              </a:lnSpc>
-              <a:spcBef>
-                <a:spcPts val="500"/>
-              </a:spcBef>
-              <a:buFont typeface="Arial" panose="020B0604020202020204" pitchFamily="34" charset="0"/>
-              <a:buChar char="•"/>
-              <a:defRPr sz="1800" kern="1200">
-                <a:solidFill>
-                  <a:schemeClr val="tx1"/>
-                </a:solidFill>
-                <a:latin typeface="+mn-lt"/>
-                <a:ea typeface="+mn-ea"/>
-                <a:cs typeface="+mn-cs"/>
-              </a:defRPr>
-            </a:lvl4pPr>
-            <a:lvl5pPr marL="2057400" indent="-228600" algn="l" defTabSz="914400" rtl="0" eaLnBrk="1" latinLnBrk="1" hangingPunct="1">
-              <a:lnSpc>
-                <a:spcPct val="90000"/>
-              </a:lnSpc>
-              <a:spcBef>
-                <a:spcPts val="500"/>
-              </a:spcBef>
-              <a:buFont typeface="Arial" panose="020B0604020202020204" pitchFamily="34" charset="0"/>
-              <a:buChar char="•"/>
-              <a:defRPr sz="1800" kern="1200">
-                <a:solidFill>
-                  <a:schemeClr val="tx1"/>
-                </a:solidFill>
-                <a:latin typeface="+mn-lt"/>
-                <a:ea typeface="+mn-ea"/>
-                <a:cs typeface="+mn-cs"/>
-              </a:defRPr>
-            </a:lvl5pPr>
-            <a:lvl6pPr marL="2514600" indent="-228600" algn="l" defTabSz="914400" rtl="0" eaLnBrk="1" latinLnBrk="1" hangingPunct="1">
-              <a:lnSpc>
-                <a:spcPct val="90000"/>
-              </a:lnSpc>
-              <a:spcBef>
-                <a:spcPts val="500"/>
-              </a:spcBef>
-              <a:buFont typeface="Arial" panose="020B0604020202020204" pitchFamily="34" charset="0"/>
-              <a:buChar char="•"/>
-              <a:defRPr sz="1800" kern="1200">
-                <a:solidFill>
-                  <a:schemeClr val="tx1"/>
-                </a:solidFill>
-                <a:latin typeface="+mn-lt"/>
-                <a:ea typeface="+mn-ea"/>
-                <a:cs typeface="+mn-cs"/>
-              </a:defRPr>
-            </a:lvl6pPr>
-            <a:lvl7pPr marL="2971800" indent="-228600" algn="l" defTabSz="914400" rtl="0" eaLnBrk="1" latinLnBrk="1" hangingPunct="1">
-              <a:lnSpc>
-                <a:spcPct val="90000"/>
-              </a:lnSpc>
-              <a:spcBef>
-                <a:spcPts val="500"/>
-              </a:spcBef>
-              <a:buFont typeface="Arial" panose="020B0604020202020204" pitchFamily="34" charset="0"/>
-              <a:buChar char="•"/>
-              <a:defRPr sz="1800" kern="1200">
-                <a:solidFill>
-                  <a:schemeClr val="tx1"/>
-                </a:solidFill>
-                <a:latin typeface="+mn-lt"/>
-                <a:ea typeface="+mn-ea"/>
-                <a:cs typeface="+mn-cs"/>
-              </a:defRPr>
-            </a:lvl7pPr>
-            <a:lvl8pPr marL="3429000" indent="-228600" algn="l" defTabSz="914400" rtl="0" eaLnBrk="1" latinLnBrk="1" hangingPunct="1">
-              <a:lnSpc>
-                <a:spcPct val="90000"/>
-              </a:lnSpc>
-              <a:spcBef>
-                <a:spcPts val="500"/>
-              </a:spcBef>
-              <a:buFont typeface="Arial" panose="020B0604020202020204" pitchFamily="34" charset="0"/>
-              <a:buChar char="•"/>
-              <a:defRPr sz="1800" kern="1200">
-                <a:solidFill>
-                  <a:schemeClr val="tx1"/>
-                </a:solidFill>
-                <a:latin typeface="+mn-lt"/>
-                <a:ea typeface="+mn-ea"/>
-                <a:cs typeface="+mn-cs"/>
-              </a:defRPr>
-            </a:lvl8pPr>
-            <a:lvl9pPr marL="3886200" indent="-228600" algn="l" defTabSz="914400" rtl="0" eaLnBrk="1" latinLnBrk="1" hangingPunct="1">
-              <a:lnSpc>
-                <a:spcPct val="90000"/>
-              </a:lnSpc>
-              <a:spcBef>
-                <a:spcPts val="500"/>
-              </a:spcBef>
-              <a:buFont typeface="Arial" panose="020B0604020202020204" pitchFamily="34" charset="0"/>
-              <a:buChar char="•"/>
-              <a:defRPr sz="1800" kern="1200">
-                <a:solidFill>
-                  <a:schemeClr val="tx1"/>
-                </a:solidFill>
-                <a:latin typeface="+mn-lt"/>
-                <a:ea typeface="+mn-ea"/>
-                <a:cs typeface="+mn-cs"/>
-              </a:defRPr>
-            </a:lvl9pPr>
-          </a:lstStyle>
-          <a:p>
-            <a:pPr marL="0" indent="0">
-              <a:lnSpc>
-                <a:spcPct val="150000"/>
-              </a:lnSpc>
-              <a:buNone/>
-            </a:pPr>
-            <a:r>
-              <a:rPr lang="ko-KR" altLang="en-US" sz="2000" b="1" dirty="0" smtClean="0">
-                <a:solidFill>
-                  <a:srgbClr val="C00000"/>
-                </a:solidFill>
-              </a:rPr>
-              <a:t>  </a:t>
-            </a:r>
-            <a:r>
-              <a:rPr lang="ko-KR" altLang="en-US" sz="2000" b="1" dirty="0" err="1" smtClean="0">
-                <a:solidFill>
-                  <a:srgbClr val="C00000"/>
-                </a:solidFill>
-              </a:rPr>
-              <a:t>제네릭</a:t>
-            </a:r>
-            <a:r>
-              <a:rPr lang="ko-KR" altLang="en-US" sz="2000" b="1" dirty="0" smtClean="0">
-                <a:solidFill>
-                  <a:srgbClr val="C00000"/>
-                </a:solidFill>
-              </a:rPr>
-              <a:t> 프로그래밍 </a:t>
-            </a:r>
-            <a:r>
-              <a:rPr lang="en-US" altLang="ko-KR" sz="2000" b="1" dirty="0" smtClean="0">
-                <a:solidFill>
-                  <a:srgbClr val="C00000"/>
-                </a:solidFill>
-              </a:rPr>
-              <a:t>– 3D </a:t>
-            </a:r>
-            <a:r>
-              <a:rPr lang="ko-KR" altLang="en-US" sz="2000" b="1" dirty="0" smtClean="0">
-                <a:solidFill>
-                  <a:srgbClr val="C00000"/>
-                </a:solidFill>
-              </a:rPr>
-              <a:t>프린터 예제</a:t>
-            </a:r>
-            <a:r>
-              <a:rPr lang="en-US" altLang="ko-KR" sz="2000" b="1" dirty="0" smtClean="0">
-                <a:solidFill>
-                  <a:srgbClr val="C00000"/>
-                </a:solidFill>
-              </a:rPr>
-              <a:t>.</a:t>
-            </a:r>
-            <a:endParaRPr lang="en-US" altLang="ko-KR" sz="1600" b="1" dirty="0" smtClean="0"/>
-          </a:p>
-          <a:p>
-            <a:pPr marL="457200" lvl="1" indent="0">
-              <a:lnSpc>
-                <a:spcPct val="150000"/>
-              </a:lnSpc>
-              <a:buNone/>
-            </a:pPr>
-            <a:endParaRPr lang="en-US" altLang="ko-KR" sz="1200" b="1" dirty="0" smtClean="0">
-              <a:solidFill>
-                <a:srgbClr val="002060"/>
-              </a:solidFill>
-            </a:endParaRPr>
-          </a:p>
-        </p:txBody>
-      </p:sp>
-      <p:pic>
-        <p:nvPicPr>
-          <p:cNvPr id="2" name="그림 1"/>
-          <p:cNvPicPr>
-            <a:picLocks noChangeAspect="1"/>
-          </p:cNvPicPr>
-          <p:nvPr/>
-        </p:nvPicPr>
-        <p:blipFill>
-          <a:blip r:embed="rId2">
-            <a:extLst>
-              <a:ext uri="{28A0092B-C50C-407E-A947-70E740481C1C}">
-                <a14:useLocalDpi xmlns:a14="http://schemas.microsoft.com/office/drawing/2010/main" val="0"/>
-              </a:ext>
-            </a:extLst>
-          </a:blip>
-          <a:stretch>
-            <a:fillRect/>
-          </a:stretch>
-        </p:blipFill>
-        <p:spPr>
-          <a:xfrm>
-            <a:off x="1712640" y="1628800"/>
-            <a:ext cx="4592805" cy="3888432"/>
-          </a:xfrm>
-          <a:prstGeom prst="rect">
-            <a:avLst/>
-          </a:prstGeom>
-          <a:ln>
-            <a:solidFill>
-              <a:schemeClr val="accent5">
-                <a:lumMod val="40000"/>
-                <a:lumOff val="60000"/>
-              </a:schemeClr>
-            </a:solidFill>
-          </a:ln>
-        </p:spPr>
-      </p:pic>
-    </p:spTree>
-    <p:extLst>
-      <p:ext uri="{BB962C8B-B14F-4D97-AF65-F5344CB8AC3E}">
-        <p14:creationId xmlns:p14="http://schemas.microsoft.com/office/powerpoint/2010/main" val="3930791686"/>
-      </p:ext>
-    </p:extLst>
-  </p:cSld>
-  <p:clrMapOvr>
-    <a:masterClrMapping/>
-  </p:clrMapOvr>
-  <p:timing>
-    <p:tnLst>
-      <p:par>
-        <p:cTn id="1" dur="indefinite" restart="never" nodeType="tmRoot"/>
-      </p:par>
-    </p:tnLst>
-  </p:timing>
-</p:sld>
-</file>
-
-<file path=ppt/slides/slide70.xml><?xml version="1.0" encoding="utf-8"?>
-<p:sld xmlns:a="http://schemas.openxmlformats.org/drawingml/2006/main" xmlns:r="http://schemas.openxmlformats.org/officeDocument/2006/relationships" xmlns:p="http://schemas.openxmlformats.org/presentationml/2006/main">
-  <p:cSld>
-    <p:spTree>
-      <p:nvGrpSpPr>
-        <p:cNvPr id="1" name=""/>
-        <p:cNvGrpSpPr/>
-        <p:nvPr/>
-      </p:nvGrpSpPr>
-      <p:grpSpPr>
-        <a:xfrm>
-          <a:off x="0" y="0"/>
-          <a:ext cx="0" cy="0"/>
-          <a:chOff x="0" y="0"/>
-          <a:chExt cx="0" cy="0"/>
-        </a:xfrm>
-      </p:grpSpPr>
-      <p:sp>
-        <p:nvSpPr>
-          <p:cNvPr id="6" name="제목 5"/>
-          <p:cNvSpPr>
-            <a:spLocks noGrp="1"/>
-          </p:cNvSpPr>
-          <p:nvPr>
-            <p:ph type="title"/>
-          </p:nvPr>
-        </p:nvSpPr>
-        <p:spPr/>
-        <p:txBody>
-          <a:bodyPr/>
-          <a:lstStyle/>
-          <a:p>
-            <a:r>
-              <a:rPr lang="en-US" altLang="ko-KR" dirty="0" smtClean="0"/>
-              <a:t> </a:t>
-            </a:r>
-            <a:r>
-              <a:rPr lang="ko-KR" altLang="en-US" dirty="0" smtClean="0"/>
-              <a:t>큐</a:t>
-            </a:r>
-            <a:r>
-              <a:rPr lang="en-US" altLang="ko-KR" dirty="0"/>
-              <a:t>(Queue)</a:t>
-            </a:r>
-            <a:endParaRPr lang="ko-KR" altLang="en-US" dirty="0"/>
-          </a:p>
-        </p:txBody>
-      </p:sp>
-      <p:sp>
-        <p:nvSpPr>
-          <p:cNvPr id="5" name="슬라이드 번호 개체 틀 4"/>
-          <p:cNvSpPr>
-            <a:spLocks noGrp="1"/>
-          </p:cNvSpPr>
-          <p:nvPr>
-            <p:ph type="sldNum" sz="quarter" idx="12"/>
-          </p:nvPr>
-        </p:nvSpPr>
-        <p:spPr>
-          <a:xfrm>
-            <a:off x="8853433" y="7312347"/>
-            <a:ext cx="557267" cy="365125"/>
-          </a:xfrm>
-        </p:spPr>
-        <p:txBody>
-          <a:bodyPr/>
-          <a:lstStyle/>
-          <a:p>
-            <a:fld id="{1BDE3FE7-3AEA-4B05-AC5A-802D1816ACF0}" type="slidenum">
-              <a:rPr lang="ko-KR" altLang="en-US" smtClean="0"/>
-              <a:t>70</a:t>
+              <a:t>71</a:t>
             </a:fld>
             <a:endParaRPr lang="ko-KR" altLang="en-US"/>
           </a:p>
@@ -38619,7 +38949,7 @@
 </p:sld>
 </file>
 
-<file path=ppt/slides/slide71.xml><?xml version="1.0" encoding="utf-8"?>
+<file path=ppt/slides/slide72.xml><?xml version="1.0" encoding="utf-8"?>
 <p:sld xmlns:a="http://schemas.openxmlformats.org/drawingml/2006/main" xmlns:r="http://schemas.openxmlformats.org/officeDocument/2006/relationships" xmlns:p="http://schemas.openxmlformats.org/presentationml/2006/main">
   <p:cSld>
     <p:spTree>
@@ -38689,7 +39019,7 @@
           <a:p>
             <a:fld id="{1BDE3FE7-3AEA-4B05-AC5A-802D1816ACF0}" type="slidenum">
               <a:rPr lang="ko-KR" altLang="en-US" smtClean="0"/>
-              <a:t>71</a:t>
+              <a:t>72</a:t>
             </a:fld>
             <a:endParaRPr lang="ko-KR" altLang="en-US"/>
           </a:p>
